--- a/Dr. E Nduati, Superviser/Submissions/ENC222-0149_2017_OKOMO_JACOB_OKELLO.pptx
+++ b/Dr. E Nduati, Superviser/Submissions/ENC222-0149_2017_OKOMO_JACOB_OKELLO.pptx
@@ -1,27 +1,29 @@
 
 <file path=ppt/presentation.xml><?xml version="1.0" encoding="utf-8"?>
-<p:presentation xmlns:a="http://schemas.openxmlformats.org/drawingml/2006/main" xmlns:r="http://schemas.openxmlformats.org/officeDocument/2006/relationships" xmlns:p="http://schemas.openxmlformats.org/presentationml/2006/main" strictFirstAndLastChars="0" saveSubsetFonts="1">
+<p:presentation xmlns:a="http://schemas.openxmlformats.org/drawingml/2006/main" xmlns:r="http://schemas.openxmlformats.org/officeDocument/2006/relationships" xmlns:p="http://schemas.openxmlformats.org/presentationml/2006/main" strictFirstAndLastChars="0" saveSubsetFonts="1" bookmarkIdSeed="2">
   <p:sldMasterIdLst>
     <p:sldMasterId id="2147483652" r:id="rId1"/>
+    <p:sldMasterId id="2147483698" r:id="rId2"/>
   </p:sldMasterIdLst>
   <p:notesMasterIdLst>
-    <p:notesMasterId r:id="rId13"/>
+    <p:notesMasterId r:id="rId15"/>
   </p:notesMasterIdLst>
   <p:handoutMasterIdLst>
-    <p:handoutMasterId r:id="rId14"/>
+    <p:handoutMasterId r:id="rId16"/>
   </p:handoutMasterIdLst>
   <p:sldIdLst>
-    <p:sldId id="325" r:id="rId2"/>
-    <p:sldId id="330" r:id="rId3"/>
-    <p:sldId id="331" r:id="rId4"/>
-    <p:sldId id="332" r:id="rId5"/>
-    <p:sldId id="333" r:id="rId6"/>
-    <p:sldId id="355" r:id="rId7"/>
-    <p:sldId id="354" r:id="rId8"/>
-    <p:sldId id="334" r:id="rId9"/>
-    <p:sldId id="335" r:id="rId10"/>
-    <p:sldId id="353" r:id="rId11"/>
-    <p:sldId id="324" r:id="rId12"/>
+    <p:sldId id="325" r:id="rId3"/>
+    <p:sldId id="330" r:id="rId4"/>
+    <p:sldId id="331" r:id="rId5"/>
+    <p:sldId id="332" r:id="rId6"/>
+    <p:sldId id="333" r:id="rId7"/>
+    <p:sldId id="355" r:id="rId8"/>
+    <p:sldId id="356" r:id="rId9"/>
+    <p:sldId id="358" r:id="rId10"/>
+    <p:sldId id="334" r:id="rId11"/>
+    <p:sldId id="335" r:id="rId12"/>
+    <p:sldId id="353" r:id="rId13"/>
+    <p:sldId id="324" r:id="rId14"/>
   </p:sldIdLst>
   <p:sldSz cx="9144000" cy="6858000" type="screen4x3"/>
   <p:notesSz cx="6858000" cy="9947275"/>
@@ -2437,7 +2439,7 @@
               <a:pPr>
                 <a:defRPr/>
               </a:pPr>
-              <a:t>8</a:t>
+              <a:t>9</a:t>
             </a:fld>
             <a:endParaRPr lang="en-GB"/>
           </a:p>
@@ -2925,7 +2927,7 @@
                 <a:ea typeface="Verdana" panose="020B0604030504040204" pitchFamily="34" charset="0"/>
                 <a:cs typeface="Verdana" panose="020B0604030504040204" pitchFamily="34" charset="0"/>
               </a:rPr>
-              <a:t>26-May-21</a:t>
+              <a:t>22-Jul-21</a:t>
             </a:fld>
             <a:endParaRPr lang="de-DE" sz="1000" dirty="0">
               <a:solidFill>
@@ -4868,6 +4870,699 @@
 </p:sldLayout>
 </file>
 
+<file path=ppt/slideLayouts/slideLayout17.xml><?xml version="1.0" encoding="utf-8"?>
+<p:sldLayout xmlns:a="http://schemas.openxmlformats.org/drawingml/2006/main" xmlns:r="http://schemas.openxmlformats.org/officeDocument/2006/relationships" xmlns:p="http://schemas.openxmlformats.org/presentationml/2006/main" type="title" preserve="1">
+  <p:cSld name="Title Slide">
+    <p:spTree>
+      <p:nvGrpSpPr>
+        <p:cNvPr id="1" name=""/>
+        <p:cNvGrpSpPr/>
+        <p:nvPr/>
+      </p:nvGrpSpPr>
+      <p:grpSpPr>
+        <a:xfrm>
+          <a:off x="0" y="0"/>
+          <a:ext cx="0" cy="0"/>
+          <a:chOff x="0" y="0"/>
+          <a:chExt cx="0" cy="0"/>
+        </a:xfrm>
+      </p:grpSpPr>
+      <p:sp>
+        <p:nvSpPr>
+          <p:cNvPr id="2" name="Title 1">
+            <a:extLst>
+              <a:ext uri="{FF2B5EF4-FFF2-40B4-BE49-F238E27FC236}">
+                <a16:creationId xmlns:a16="http://schemas.microsoft.com/office/drawing/2014/main" id="{E802F4DD-1497-474B-8213-11CD7D8365A6}"/>
+              </a:ext>
+            </a:extLst>
+          </p:cNvPr>
+          <p:cNvSpPr>
+            <a:spLocks noGrp="1"/>
+          </p:cNvSpPr>
+          <p:nvPr>
+            <p:ph type="ctrTitle"/>
+          </p:nvPr>
+        </p:nvSpPr>
+        <p:spPr>
+          <a:xfrm>
+            <a:off x="1143000" y="1122363"/>
+            <a:ext cx="6858000" cy="2387600"/>
+          </a:xfrm>
+        </p:spPr>
+        <p:txBody>
+          <a:bodyPr anchor="b"/>
+          <a:lstStyle>
+            <a:lvl1pPr algn="ctr">
+              <a:defRPr sz="4500"/>
+            </a:lvl1pPr>
+          </a:lstStyle>
+          <a:p>
+            <a:r>
+              <a:rPr lang="en-US"/>
+              <a:t>Click to edit Master title style</a:t>
+            </a:r>
+          </a:p>
+        </p:txBody>
+      </p:sp>
+      <p:sp>
+        <p:nvSpPr>
+          <p:cNvPr id="3" name="Subtitle 2">
+            <a:extLst>
+              <a:ext uri="{FF2B5EF4-FFF2-40B4-BE49-F238E27FC236}">
+                <a16:creationId xmlns:a16="http://schemas.microsoft.com/office/drawing/2014/main" id="{8DC5CD79-67F3-4F2C-A790-113C5FC71019}"/>
+              </a:ext>
+            </a:extLst>
+          </p:cNvPr>
+          <p:cNvSpPr>
+            <a:spLocks noGrp="1"/>
+          </p:cNvSpPr>
+          <p:nvPr>
+            <p:ph type="subTitle" idx="1"/>
+          </p:nvPr>
+        </p:nvSpPr>
+        <p:spPr>
+          <a:xfrm>
+            <a:off x="1143000" y="3602038"/>
+            <a:ext cx="6858000" cy="1655762"/>
+          </a:xfrm>
+        </p:spPr>
+        <p:txBody>
+          <a:bodyPr/>
+          <a:lstStyle>
+            <a:lvl1pPr marL="0" indent="0" algn="ctr">
+              <a:buNone/>
+              <a:defRPr sz="1800"/>
+            </a:lvl1pPr>
+            <a:lvl2pPr marL="342900" indent="0" algn="ctr">
+              <a:buNone/>
+              <a:defRPr sz="1500"/>
+            </a:lvl2pPr>
+            <a:lvl3pPr marL="685800" indent="0" algn="ctr">
+              <a:buNone/>
+              <a:defRPr sz="1350"/>
+            </a:lvl3pPr>
+            <a:lvl4pPr marL="1028700" indent="0" algn="ctr">
+              <a:buNone/>
+              <a:defRPr sz="1200"/>
+            </a:lvl4pPr>
+            <a:lvl5pPr marL="1371600" indent="0" algn="ctr">
+              <a:buNone/>
+              <a:defRPr sz="1200"/>
+            </a:lvl5pPr>
+            <a:lvl6pPr marL="1714500" indent="0" algn="ctr">
+              <a:buNone/>
+              <a:defRPr sz="1200"/>
+            </a:lvl6pPr>
+            <a:lvl7pPr marL="2057400" indent="0" algn="ctr">
+              <a:buNone/>
+              <a:defRPr sz="1200"/>
+            </a:lvl7pPr>
+            <a:lvl8pPr marL="2400300" indent="0" algn="ctr">
+              <a:buNone/>
+              <a:defRPr sz="1200"/>
+            </a:lvl8pPr>
+            <a:lvl9pPr marL="2743200" indent="0" algn="ctr">
+              <a:buNone/>
+              <a:defRPr sz="1200"/>
+            </a:lvl9pPr>
+          </a:lstStyle>
+          <a:p>
+            <a:r>
+              <a:rPr lang="en-US"/>
+              <a:t>Click to edit Master subtitle style</a:t>
+            </a:r>
+          </a:p>
+        </p:txBody>
+      </p:sp>
+      <p:sp>
+        <p:nvSpPr>
+          <p:cNvPr id="4" name="Date Placeholder 3">
+            <a:extLst>
+              <a:ext uri="{FF2B5EF4-FFF2-40B4-BE49-F238E27FC236}">
+                <a16:creationId xmlns:a16="http://schemas.microsoft.com/office/drawing/2014/main" id="{5E6D0FC6-BEE4-4B15-A627-04B8A2053BEE}"/>
+              </a:ext>
+            </a:extLst>
+          </p:cNvPr>
+          <p:cNvSpPr>
+            <a:spLocks noGrp="1"/>
+          </p:cNvSpPr>
+          <p:nvPr>
+            <p:ph type="dt" sz="half" idx="10"/>
+          </p:nvPr>
+        </p:nvSpPr>
+        <p:spPr/>
+        <p:txBody>
+          <a:bodyPr/>
+          <a:lstStyle/>
+          <a:p>
+            <a:fld id="{440D235E-7DEE-46BF-B2F8-FEE76BCCEBEE}" type="datetimeFigureOut">
+              <a:rPr lang="en-US" smtClean="0"/>
+              <a:t>7/22/2021</a:t>
+            </a:fld>
+            <a:endParaRPr lang="en-US"/>
+          </a:p>
+        </p:txBody>
+      </p:sp>
+      <p:sp>
+        <p:nvSpPr>
+          <p:cNvPr id="5" name="Footer Placeholder 4">
+            <a:extLst>
+              <a:ext uri="{FF2B5EF4-FFF2-40B4-BE49-F238E27FC236}">
+                <a16:creationId xmlns:a16="http://schemas.microsoft.com/office/drawing/2014/main" id="{7127EE03-7296-4F24-A74F-033F676D98EE}"/>
+              </a:ext>
+            </a:extLst>
+          </p:cNvPr>
+          <p:cNvSpPr>
+            <a:spLocks noGrp="1"/>
+          </p:cNvSpPr>
+          <p:nvPr>
+            <p:ph type="ftr" sz="quarter" idx="11"/>
+          </p:nvPr>
+        </p:nvSpPr>
+        <p:spPr/>
+        <p:txBody>
+          <a:bodyPr/>
+          <a:lstStyle/>
+          <a:p>
+            <a:endParaRPr lang="en-US"/>
+          </a:p>
+        </p:txBody>
+      </p:sp>
+      <p:sp>
+        <p:nvSpPr>
+          <p:cNvPr id="6" name="Slide Number Placeholder 5">
+            <a:extLst>
+              <a:ext uri="{FF2B5EF4-FFF2-40B4-BE49-F238E27FC236}">
+                <a16:creationId xmlns:a16="http://schemas.microsoft.com/office/drawing/2014/main" id="{4D61F3C3-E61F-44D6-BBE1-7E35EB786D02}"/>
+              </a:ext>
+            </a:extLst>
+          </p:cNvPr>
+          <p:cNvSpPr>
+            <a:spLocks noGrp="1"/>
+          </p:cNvSpPr>
+          <p:nvPr>
+            <p:ph type="sldNum" sz="quarter" idx="12"/>
+          </p:nvPr>
+        </p:nvSpPr>
+        <p:spPr/>
+        <p:txBody>
+          <a:bodyPr/>
+          <a:lstStyle/>
+          <a:p>
+            <a:fld id="{28C95403-4E9A-41D7-AC40-F60FB3BD85A0}" type="slidenum">
+              <a:rPr lang="en-US" smtClean="0"/>
+              <a:t>‹#›</a:t>
+            </a:fld>
+            <a:endParaRPr lang="en-US"/>
+          </a:p>
+        </p:txBody>
+      </p:sp>
+    </p:spTree>
+    <p:extLst>
+      <p:ext uri="{BB962C8B-B14F-4D97-AF65-F5344CB8AC3E}">
+        <p14:creationId xmlns:p14="http://schemas.microsoft.com/office/powerpoint/2010/main" val="2939816749"/>
+      </p:ext>
+    </p:extLst>
+  </p:cSld>
+  <p:clrMapOvr>
+    <a:masterClrMapping/>
+  </p:clrMapOvr>
+</p:sldLayout>
+</file>
+
+<file path=ppt/slideLayouts/slideLayout18.xml><?xml version="1.0" encoding="utf-8"?>
+<p:sldLayout xmlns:a="http://schemas.openxmlformats.org/drawingml/2006/main" xmlns:r="http://schemas.openxmlformats.org/officeDocument/2006/relationships" xmlns:p="http://schemas.openxmlformats.org/presentationml/2006/main" type="obj" preserve="1">
+  <p:cSld name="Title and Content">
+    <p:spTree>
+      <p:nvGrpSpPr>
+        <p:cNvPr id="1" name=""/>
+        <p:cNvGrpSpPr/>
+        <p:nvPr/>
+      </p:nvGrpSpPr>
+      <p:grpSpPr>
+        <a:xfrm>
+          <a:off x="0" y="0"/>
+          <a:ext cx="0" cy="0"/>
+          <a:chOff x="0" y="0"/>
+          <a:chExt cx="0" cy="0"/>
+        </a:xfrm>
+      </p:grpSpPr>
+      <p:sp>
+        <p:nvSpPr>
+          <p:cNvPr id="2" name="Title 1">
+            <a:extLst>
+              <a:ext uri="{FF2B5EF4-FFF2-40B4-BE49-F238E27FC236}">
+                <a16:creationId xmlns:a16="http://schemas.microsoft.com/office/drawing/2014/main" id="{8BE921E4-4858-4481-8E02-CB001D1184F3}"/>
+              </a:ext>
+            </a:extLst>
+          </p:cNvPr>
+          <p:cNvSpPr>
+            <a:spLocks noGrp="1"/>
+          </p:cNvSpPr>
+          <p:nvPr>
+            <p:ph type="title"/>
+          </p:nvPr>
+        </p:nvSpPr>
+        <p:spPr/>
+        <p:txBody>
+          <a:bodyPr/>
+          <a:lstStyle/>
+          <a:p>
+            <a:r>
+              <a:rPr lang="en-US"/>
+              <a:t>Click to edit Master title style</a:t>
+            </a:r>
+          </a:p>
+        </p:txBody>
+      </p:sp>
+      <p:sp>
+        <p:nvSpPr>
+          <p:cNvPr id="3" name="Content Placeholder 2">
+            <a:extLst>
+              <a:ext uri="{FF2B5EF4-FFF2-40B4-BE49-F238E27FC236}">
+                <a16:creationId xmlns:a16="http://schemas.microsoft.com/office/drawing/2014/main" id="{301E73C9-4623-401D-AC20-A810CE409DAD}"/>
+              </a:ext>
+            </a:extLst>
+          </p:cNvPr>
+          <p:cNvSpPr>
+            <a:spLocks noGrp="1"/>
+          </p:cNvSpPr>
+          <p:nvPr>
+            <p:ph idx="1"/>
+          </p:nvPr>
+        </p:nvSpPr>
+        <p:spPr/>
+        <p:txBody>
+          <a:bodyPr/>
+          <a:lstStyle/>
+          <a:p>
+            <a:pPr lvl="0"/>
+            <a:r>
+              <a:rPr lang="en-US"/>
+              <a:t>Click to edit Master text styles</a:t>
+            </a:r>
+          </a:p>
+          <a:p>
+            <a:pPr lvl="1"/>
+            <a:r>
+              <a:rPr lang="en-US"/>
+              <a:t>Second level</a:t>
+            </a:r>
+          </a:p>
+          <a:p>
+            <a:pPr lvl="2"/>
+            <a:r>
+              <a:rPr lang="en-US"/>
+              <a:t>Third level</a:t>
+            </a:r>
+          </a:p>
+          <a:p>
+            <a:pPr lvl="3"/>
+            <a:r>
+              <a:rPr lang="en-US"/>
+              <a:t>Fourth level</a:t>
+            </a:r>
+          </a:p>
+          <a:p>
+            <a:pPr lvl="4"/>
+            <a:r>
+              <a:rPr lang="en-US"/>
+              <a:t>Fifth level</a:t>
+            </a:r>
+          </a:p>
+        </p:txBody>
+      </p:sp>
+      <p:sp>
+        <p:nvSpPr>
+          <p:cNvPr id="4" name="Date Placeholder 3">
+            <a:extLst>
+              <a:ext uri="{FF2B5EF4-FFF2-40B4-BE49-F238E27FC236}">
+                <a16:creationId xmlns:a16="http://schemas.microsoft.com/office/drawing/2014/main" id="{3A1D429D-7756-48CF-836E-4D412E09A679}"/>
+              </a:ext>
+            </a:extLst>
+          </p:cNvPr>
+          <p:cNvSpPr>
+            <a:spLocks noGrp="1"/>
+          </p:cNvSpPr>
+          <p:nvPr>
+            <p:ph type="dt" sz="half" idx="10"/>
+          </p:nvPr>
+        </p:nvSpPr>
+        <p:spPr/>
+        <p:txBody>
+          <a:bodyPr/>
+          <a:lstStyle/>
+          <a:p>
+            <a:fld id="{440D235E-7DEE-46BF-B2F8-FEE76BCCEBEE}" type="datetimeFigureOut">
+              <a:rPr lang="en-US" smtClean="0"/>
+              <a:t>7/22/2021</a:t>
+            </a:fld>
+            <a:endParaRPr lang="en-US"/>
+          </a:p>
+        </p:txBody>
+      </p:sp>
+      <p:sp>
+        <p:nvSpPr>
+          <p:cNvPr id="5" name="Footer Placeholder 4">
+            <a:extLst>
+              <a:ext uri="{FF2B5EF4-FFF2-40B4-BE49-F238E27FC236}">
+                <a16:creationId xmlns:a16="http://schemas.microsoft.com/office/drawing/2014/main" id="{7ED9E73B-F182-475D-870E-9CAE17AC9CAB}"/>
+              </a:ext>
+            </a:extLst>
+          </p:cNvPr>
+          <p:cNvSpPr>
+            <a:spLocks noGrp="1"/>
+          </p:cNvSpPr>
+          <p:nvPr>
+            <p:ph type="ftr" sz="quarter" idx="11"/>
+          </p:nvPr>
+        </p:nvSpPr>
+        <p:spPr/>
+        <p:txBody>
+          <a:bodyPr/>
+          <a:lstStyle/>
+          <a:p>
+            <a:endParaRPr lang="en-US"/>
+          </a:p>
+        </p:txBody>
+      </p:sp>
+      <p:sp>
+        <p:nvSpPr>
+          <p:cNvPr id="6" name="Slide Number Placeholder 5">
+            <a:extLst>
+              <a:ext uri="{FF2B5EF4-FFF2-40B4-BE49-F238E27FC236}">
+                <a16:creationId xmlns:a16="http://schemas.microsoft.com/office/drawing/2014/main" id="{B7C1F5F8-A70C-41D6-9236-988E358130D2}"/>
+              </a:ext>
+            </a:extLst>
+          </p:cNvPr>
+          <p:cNvSpPr>
+            <a:spLocks noGrp="1"/>
+          </p:cNvSpPr>
+          <p:nvPr>
+            <p:ph type="sldNum" sz="quarter" idx="12"/>
+          </p:nvPr>
+        </p:nvSpPr>
+        <p:spPr/>
+        <p:txBody>
+          <a:bodyPr/>
+          <a:lstStyle/>
+          <a:p>
+            <a:fld id="{28C95403-4E9A-41D7-AC40-F60FB3BD85A0}" type="slidenum">
+              <a:rPr lang="en-US" smtClean="0"/>
+              <a:t>‹#›</a:t>
+            </a:fld>
+            <a:endParaRPr lang="en-US"/>
+          </a:p>
+        </p:txBody>
+      </p:sp>
+    </p:spTree>
+    <p:extLst>
+      <p:ext uri="{BB962C8B-B14F-4D97-AF65-F5344CB8AC3E}">
+        <p14:creationId xmlns:p14="http://schemas.microsoft.com/office/powerpoint/2010/main" val="993684530"/>
+      </p:ext>
+    </p:extLst>
+  </p:cSld>
+  <p:clrMapOvr>
+    <a:masterClrMapping/>
+  </p:clrMapOvr>
+</p:sldLayout>
+</file>
+
+<file path=ppt/slideLayouts/slideLayout19.xml><?xml version="1.0" encoding="utf-8"?>
+<p:sldLayout xmlns:a="http://schemas.openxmlformats.org/drawingml/2006/main" xmlns:r="http://schemas.openxmlformats.org/officeDocument/2006/relationships" xmlns:p="http://schemas.openxmlformats.org/presentationml/2006/main" type="secHead" preserve="1">
+  <p:cSld name="Section Header">
+    <p:spTree>
+      <p:nvGrpSpPr>
+        <p:cNvPr id="1" name=""/>
+        <p:cNvGrpSpPr/>
+        <p:nvPr/>
+      </p:nvGrpSpPr>
+      <p:grpSpPr>
+        <a:xfrm>
+          <a:off x="0" y="0"/>
+          <a:ext cx="0" cy="0"/>
+          <a:chOff x="0" y="0"/>
+          <a:chExt cx="0" cy="0"/>
+        </a:xfrm>
+      </p:grpSpPr>
+      <p:sp>
+        <p:nvSpPr>
+          <p:cNvPr id="2" name="Title 1">
+            <a:extLst>
+              <a:ext uri="{FF2B5EF4-FFF2-40B4-BE49-F238E27FC236}">
+                <a16:creationId xmlns:a16="http://schemas.microsoft.com/office/drawing/2014/main" id="{2E6DA1C1-2D2A-414C-9694-53A0D9EF0771}"/>
+              </a:ext>
+            </a:extLst>
+          </p:cNvPr>
+          <p:cNvSpPr>
+            <a:spLocks noGrp="1"/>
+          </p:cNvSpPr>
+          <p:nvPr>
+            <p:ph type="title"/>
+          </p:nvPr>
+        </p:nvSpPr>
+        <p:spPr>
+          <a:xfrm>
+            <a:off x="623888" y="1709739"/>
+            <a:ext cx="7886700" cy="2852737"/>
+          </a:xfrm>
+        </p:spPr>
+        <p:txBody>
+          <a:bodyPr anchor="b"/>
+          <a:lstStyle>
+            <a:lvl1pPr>
+              <a:defRPr sz="4500"/>
+            </a:lvl1pPr>
+          </a:lstStyle>
+          <a:p>
+            <a:r>
+              <a:rPr lang="en-US"/>
+              <a:t>Click to edit Master title style</a:t>
+            </a:r>
+          </a:p>
+        </p:txBody>
+      </p:sp>
+      <p:sp>
+        <p:nvSpPr>
+          <p:cNvPr id="3" name="Text Placeholder 2">
+            <a:extLst>
+              <a:ext uri="{FF2B5EF4-FFF2-40B4-BE49-F238E27FC236}">
+                <a16:creationId xmlns:a16="http://schemas.microsoft.com/office/drawing/2014/main" id="{45403FB7-D6B4-49C1-BF4E-337B2E4D8868}"/>
+              </a:ext>
+            </a:extLst>
+          </p:cNvPr>
+          <p:cNvSpPr>
+            <a:spLocks noGrp="1"/>
+          </p:cNvSpPr>
+          <p:nvPr>
+            <p:ph type="body" idx="1"/>
+          </p:nvPr>
+        </p:nvSpPr>
+        <p:spPr>
+          <a:xfrm>
+            <a:off x="623888" y="4589464"/>
+            <a:ext cx="7886700" cy="1500187"/>
+          </a:xfrm>
+        </p:spPr>
+        <p:txBody>
+          <a:bodyPr/>
+          <a:lstStyle>
+            <a:lvl1pPr marL="0" indent="0">
+              <a:buNone/>
+              <a:defRPr sz="1800">
+                <a:solidFill>
+                  <a:schemeClr val="tx1">
+                    <a:tint val="75000"/>
+                  </a:schemeClr>
+                </a:solidFill>
+              </a:defRPr>
+            </a:lvl1pPr>
+            <a:lvl2pPr marL="342900" indent="0">
+              <a:buNone/>
+              <a:defRPr sz="1500">
+                <a:solidFill>
+                  <a:schemeClr val="tx1">
+                    <a:tint val="75000"/>
+                  </a:schemeClr>
+                </a:solidFill>
+              </a:defRPr>
+            </a:lvl2pPr>
+            <a:lvl3pPr marL="685800" indent="0">
+              <a:buNone/>
+              <a:defRPr sz="1350">
+                <a:solidFill>
+                  <a:schemeClr val="tx1">
+                    <a:tint val="75000"/>
+                  </a:schemeClr>
+                </a:solidFill>
+              </a:defRPr>
+            </a:lvl3pPr>
+            <a:lvl4pPr marL="1028700" indent="0">
+              <a:buNone/>
+              <a:defRPr sz="1200">
+                <a:solidFill>
+                  <a:schemeClr val="tx1">
+                    <a:tint val="75000"/>
+                  </a:schemeClr>
+                </a:solidFill>
+              </a:defRPr>
+            </a:lvl4pPr>
+            <a:lvl5pPr marL="1371600" indent="0">
+              <a:buNone/>
+              <a:defRPr sz="1200">
+                <a:solidFill>
+                  <a:schemeClr val="tx1">
+                    <a:tint val="75000"/>
+                  </a:schemeClr>
+                </a:solidFill>
+              </a:defRPr>
+            </a:lvl5pPr>
+            <a:lvl6pPr marL="1714500" indent="0">
+              <a:buNone/>
+              <a:defRPr sz="1200">
+                <a:solidFill>
+                  <a:schemeClr val="tx1">
+                    <a:tint val="75000"/>
+                  </a:schemeClr>
+                </a:solidFill>
+              </a:defRPr>
+            </a:lvl6pPr>
+            <a:lvl7pPr marL="2057400" indent="0">
+              <a:buNone/>
+              <a:defRPr sz="1200">
+                <a:solidFill>
+                  <a:schemeClr val="tx1">
+                    <a:tint val="75000"/>
+                  </a:schemeClr>
+                </a:solidFill>
+              </a:defRPr>
+            </a:lvl7pPr>
+            <a:lvl8pPr marL="2400300" indent="0">
+              <a:buNone/>
+              <a:defRPr sz="1200">
+                <a:solidFill>
+                  <a:schemeClr val="tx1">
+                    <a:tint val="75000"/>
+                  </a:schemeClr>
+                </a:solidFill>
+              </a:defRPr>
+            </a:lvl8pPr>
+            <a:lvl9pPr marL="2743200" indent="0">
+              <a:buNone/>
+              <a:defRPr sz="1200">
+                <a:solidFill>
+                  <a:schemeClr val="tx1">
+                    <a:tint val="75000"/>
+                  </a:schemeClr>
+                </a:solidFill>
+              </a:defRPr>
+            </a:lvl9pPr>
+          </a:lstStyle>
+          <a:p>
+            <a:pPr lvl="0"/>
+            <a:r>
+              <a:rPr lang="en-US"/>
+              <a:t>Click to edit Master text styles</a:t>
+            </a:r>
+          </a:p>
+        </p:txBody>
+      </p:sp>
+      <p:sp>
+        <p:nvSpPr>
+          <p:cNvPr id="4" name="Date Placeholder 3">
+            <a:extLst>
+              <a:ext uri="{FF2B5EF4-FFF2-40B4-BE49-F238E27FC236}">
+                <a16:creationId xmlns:a16="http://schemas.microsoft.com/office/drawing/2014/main" id="{033B3979-E3E0-409C-986D-33B3EA36695C}"/>
+              </a:ext>
+            </a:extLst>
+          </p:cNvPr>
+          <p:cNvSpPr>
+            <a:spLocks noGrp="1"/>
+          </p:cNvSpPr>
+          <p:nvPr>
+            <p:ph type="dt" sz="half" idx="10"/>
+          </p:nvPr>
+        </p:nvSpPr>
+        <p:spPr/>
+        <p:txBody>
+          <a:bodyPr/>
+          <a:lstStyle/>
+          <a:p>
+            <a:fld id="{440D235E-7DEE-46BF-B2F8-FEE76BCCEBEE}" type="datetimeFigureOut">
+              <a:rPr lang="en-US" smtClean="0"/>
+              <a:t>7/22/2021</a:t>
+            </a:fld>
+            <a:endParaRPr lang="en-US"/>
+          </a:p>
+        </p:txBody>
+      </p:sp>
+      <p:sp>
+        <p:nvSpPr>
+          <p:cNvPr id="5" name="Footer Placeholder 4">
+            <a:extLst>
+              <a:ext uri="{FF2B5EF4-FFF2-40B4-BE49-F238E27FC236}">
+                <a16:creationId xmlns:a16="http://schemas.microsoft.com/office/drawing/2014/main" id="{2DFD3C92-6A69-4B54-B202-C5C1A7F9B5C8}"/>
+              </a:ext>
+            </a:extLst>
+          </p:cNvPr>
+          <p:cNvSpPr>
+            <a:spLocks noGrp="1"/>
+          </p:cNvSpPr>
+          <p:nvPr>
+            <p:ph type="ftr" sz="quarter" idx="11"/>
+          </p:nvPr>
+        </p:nvSpPr>
+        <p:spPr/>
+        <p:txBody>
+          <a:bodyPr/>
+          <a:lstStyle/>
+          <a:p>
+            <a:endParaRPr lang="en-US"/>
+          </a:p>
+        </p:txBody>
+      </p:sp>
+      <p:sp>
+        <p:nvSpPr>
+          <p:cNvPr id="6" name="Slide Number Placeholder 5">
+            <a:extLst>
+              <a:ext uri="{FF2B5EF4-FFF2-40B4-BE49-F238E27FC236}">
+                <a16:creationId xmlns:a16="http://schemas.microsoft.com/office/drawing/2014/main" id="{8460F8FE-2F39-4DB6-B7D6-CE7F0AF9BFC3}"/>
+              </a:ext>
+            </a:extLst>
+          </p:cNvPr>
+          <p:cNvSpPr>
+            <a:spLocks noGrp="1"/>
+          </p:cNvSpPr>
+          <p:nvPr>
+            <p:ph type="sldNum" sz="quarter" idx="12"/>
+          </p:nvPr>
+        </p:nvSpPr>
+        <p:spPr/>
+        <p:txBody>
+          <a:bodyPr/>
+          <a:lstStyle/>
+          <a:p>
+            <a:fld id="{28C95403-4E9A-41D7-AC40-F60FB3BD85A0}" type="slidenum">
+              <a:rPr lang="en-US" smtClean="0"/>
+              <a:t>‹#›</a:t>
+            </a:fld>
+            <a:endParaRPr lang="en-US"/>
+          </a:p>
+        </p:txBody>
+      </p:sp>
+    </p:spTree>
+    <p:extLst>
+      <p:ext uri="{BB962C8B-B14F-4D97-AF65-F5344CB8AC3E}">
+        <p14:creationId xmlns:p14="http://schemas.microsoft.com/office/powerpoint/2010/main" val="3152026394"/>
+      </p:ext>
+    </p:extLst>
+  </p:cSld>
+  <p:clrMapOvr>
+    <a:masterClrMapping/>
+  </p:clrMapOvr>
+</p:sldLayout>
+</file>
+
 <file path=ppt/slideLayouts/slideLayout2.xml><?xml version="1.0" encoding="utf-8"?>
 <p:sldLayout xmlns:a="http://schemas.openxmlformats.org/drawingml/2006/main" xmlns:r="http://schemas.openxmlformats.org/officeDocument/2006/relationships" xmlns:p="http://schemas.openxmlformats.org/presentationml/2006/main" type="secHead" preserve="1">
   <p:cSld name="Sections-">
@@ -5026,6 +5721,1942 @@
     <p:extLst>
       <p:ext uri="{BB962C8B-B14F-4D97-AF65-F5344CB8AC3E}">
         <p14:creationId xmlns:p14="http://schemas.microsoft.com/office/powerpoint/2010/main" val="477142513"/>
+      </p:ext>
+    </p:extLst>
+  </p:cSld>
+  <p:clrMapOvr>
+    <a:masterClrMapping/>
+  </p:clrMapOvr>
+</p:sldLayout>
+</file>
+
+<file path=ppt/slideLayouts/slideLayout20.xml><?xml version="1.0" encoding="utf-8"?>
+<p:sldLayout xmlns:a="http://schemas.openxmlformats.org/drawingml/2006/main" xmlns:r="http://schemas.openxmlformats.org/officeDocument/2006/relationships" xmlns:p="http://schemas.openxmlformats.org/presentationml/2006/main" type="twoObj" preserve="1">
+  <p:cSld name="Two Content">
+    <p:spTree>
+      <p:nvGrpSpPr>
+        <p:cNvPr id="1" name=""/>
+        <p:cNvGrpSpPr/>
+        <p:nvPr/>
+      </p:nvGrpSpPr>
+      <p:grpSpPr>
+        <a:xfrm>
+          <a:off x="0" y="0"/>
+          <a:ext cx="0" cy="0"/>
+          <a:chOff x="0" y="0"/>
+          <a:chExt cx="0" cy="0"/>
+        </a:xfrm>
+      </p:grpSpPr>
+      <p:sp>
+        <p:nvSpPr>
+          <p:cNvPr id="2" name="Title 1">
+            <a:extLst>
+              <a:ext uri="{FF2B5EF4-FFF2-40B4-BE49-F238E27FC236}">
+                <a16:creationId xmlns:a16="http://schemas.microsoft.com/office/drawing/2014/main" id="{146A7AA4-22E8-4A93-A5FE-C30F26777970}"/>
+              </a:ext>
+            </a:extLst>
+          </p:cNvPr>
+          <p:cNvSpPr>
+            <a:spLocks noGrp="1"/>
+          </p:cNvSpPr>
+          <p:nvPr>
+            <p:ph type="title"/>
+          </p:nvPr>
+        </p:nvSpPr>
+        <p:spPr/>
+        <p:txBody>
+          <a:bodyPr/>
+          <a:lstStyle/>
+          <a:p>
+            <a:r>
+              <a:rPr lang="en-US"/>
+              <a:t>Click to edit Master title style</a:t>
+            </a:r>
+          </a:p>
+        </p:txBody>
+      </p:sp>
+      <p:sp>
+        <p:nvSpPr>
+          <p:cNvPr id="3" name="Content Placeholder 2">
+            <a:extLst>
+              <a:ext uri="{FF2B5EF4-FFF2-40B4-BE49-F238E27FC236}">
+                <a16:creationId xmlns:a16="http://schemas.microsoft.com/office/drawing/2014/main" id="{442B4C04-65C6-47B1-AE5D-2E9FD8F46DBB}"/>
+              </a:ext>
+            </a:extLst>
+          </p:cNvPr>
+          <p:cNvSpPr>
+            <a:spLocks noGrp="1"/>
+          </p:cNvSpPr>
+          <p:nvPr>
+            <p:ph sz="half" idx="1"/>
+          </p:nvPr>
+        </p:nvSpPr>
+        <p:spPr>
+          <a:xfrm>
+            <a:off x="628650" y="1825625"/>
+            <a:ext cx="3886200" cy="4351338"/>
+          </a:xfrm>
+        </p:spPr>
+        <p:txBody>
+          <a:bodyPr/>
+          <a:lstStyle/>
+          <a:p>
+            <a:pPr lvl="0"/>
+            <a:r>
+              <a:rPr lang="en-US"/>
+              <a:t>Click to edit Master text styles</a:t>
+            </a:r>
+          </a:p>
+          <a:p>
+            <a:pPr lvl="1"/>
+            <a:r>
+              <a:rPr lang="en-US"/>
+              <a:t>Second level</a:t>
+            </a:r>
+          </a:p>
+          <a:p>
+            <a:pPr lvl="2"/>
+            <a:r>
+              <a:rPr lang="en-US"/>
+              <a:t>Third level</a:t>
+            </a:r>
+          </a:p>
+          <a:p>
+            <a:pPr lvl="3"/>
+            <a:r>
+              <a:rPr lang="en-US"/>
+              <a:t>Fourth level</a:t>
+            </a:r>
+          </a:p>
+          <a:p>
+            <a:pPr lvl="4"/>
+            <a:r>
+              <a:rPr lang="en-US"/>
+              <a:t>Fifth level</a:t>
+            </a:r>
+          </a:p>
+        </p:txBody>
+      </p:sp>
+      <p:sp>
+        <p:nvSpPr>
+          <p:cNvPr id="4" name="Content Placeholder 3">
+            <a:extLst>
+              <a:ext uri="{FF2B5EF4-FFF2-40B4-BE49-F238E27FC236}">
+                <a16:creationId xmlns:a16="http://schemas.microsoft.com/office/drawing/2014/main" id="{F7D9CE25-EEBC-4C43-9479-8234A7B50F9E}"/>
+              </a:ext>
+            </a:extLst>
+          </p:cNvPr>
+          <p:cNvSpPr>
+            <a:spLocks noGrp="1"/>
+          </p:cNvSpPr>
+          <p:nvPr>
+            <p:ph sz="half" idx="2"/>
+          </p:nvPr>
+        </p:nvSpPr>
+        <p:spPr>
+          <a:xfrm>
+            <a:off x="4629150" y="1825625"/>
+            <a:ext cx="3886200" cy="4351338"/>
+          </a:xfrm>
+        </p:spPr>
+        <p:txBody>
+          <a:bodyPr/>
+          <a:lstStyle/>
+          <a:p>
+            <a:pPr lvl="0"/>
+            <a:r>
+              <a:rPr lang="en-US"/>
+              <a:t>Click to edit Master text styles</a:t>
+            </a:r>
+          </a:p>
+          <a:p>
+            <a:pPr lvl="1"/>
+            <a:r>
+              <a:rPr lang="en-US"/>
+              <a:t>Second level</a:t>
+            </a:r>
+          </a:p>
+          <a:p>
+            <a:pPr lvl="2"/>
+            <a:r>
+              <a:rPr lang="en-US"/>
+              <a:t>Third level</a:t>
+            </a:r>
+          </a:p>
+          <a:p>
+            <a:pPr lvl="3"/>
+            <a:r>
+              <a:rPr lang="en-US"/>
+              <a:t>Fourth level</a:t>
+            </a:r>
+          </a:p>
+          <a:p>
+            <a:pPr lvl="4"/>
+            <a:r>
+              <a:rPr lang="en-US"/>
+              <a:t>Fifth level</a:t>
+            </a:r>
+          </a:p>
+        </p:txBody>
+      </p:sp>
+      <p:sp>
+        <p:nvSpPr>
+          <p:cNvPr id="5" name="Date Placeholder 4">
+            <a:extLst>
+              <a:ext uri="{FF2B5EF4-FFF2-40B4-BE49-F238E27FC236}">
+                <a16:creationId xmlns:a16="http://schemas.microsoft.com/office/drawing/2014/main" id="{DA030CFE-7380-4F44-BFD0-4C4C9BB26DC3}"/>
+              </a:ext>
+            </a:extLst>
+          </p:cNvPr>
+          <p:cNvSpPr>
+            <a:spLocks noGrp="1"/>
+          </p:cNvSpPr>
+          <p:nvPr>
+            <p:ph type="dt" sz="half" idx="10"/>
+          </p:nvPr>
+        </p:nvSpPr>
+        <p:spPr/>
+        <p:txBody>
+          <a:bodyPr/>
+          <a:lstStyle/>
+          <a:p>
+            <a:fld id="{440D235E-7DEE-46BF-B2F8-FEE76BCCEBEE}" type="datetimeFigureOut">
+              <a:rPr lang="en-US" smtClean="0"/>
+              <a:t>7/22/2021</a:t>
+            </a:fld>
+            <a:endParaRPr lang="en-US"/>
+          </a:p>
+        </p:txBody>
+      </p:sp>
+      <p:sp>
+        <p:nvSpPr>
+          <p:cNvPr id="6" name="Footer Placeholder 5">
+            <a:extLst>
+              <a:ext uri="{FF2B5EF4-FFF2-40B4-BE49-F238E27FC236}">
+                <a16:creationId xmlns:a16="http://schemas.microsoft.com/office/drawing/2014/main" id="{5611FD3D-F6F4-4E22-B3B6-A9C3488ECFD0}"/>
+              </a:ext>
+            </a:extLst>
+          </p:cNvPr>
+          <p:cNvSpPr>
+            <a:spLocks noGrp="1"/>
+          </p:cNvSpPr>
+          <p:nvPr>
+            <p:ph type="ftr" sz="quarter" idx="11"/>
+          </p:nvPr>
+        </p:nvSpPr>
+        <p:spPr/>
+        <p:txBody>
+          <a:bodyPr/>
+          <a:lstStyle/>
+          <a:p>
+            <a:endParaRPr lang="en-US"/>
+          </a:p>
+        </p:txBody>
+      </p:sp>
+      <p:sp>
+        <p:nvSpPr>
+          <p:cNvPr id="7" name="Slide Number Placeholder 6">
+            <a:extLst>
+              <a:ext uri="{FF2B5EF4-FFF2-40B4-BE49-F238E27FC236}">
+                <a16:creationId xmlns:a16="http://schemas.microsoft.com/office/drawing/2014/main" id="{F717715D-7210-4B6E-905C-23E3FADBEB92}"/>
+              </a:ext>
+            </a:extLst>
+          </p:cNvPr>
+          <p:cNvSpPr>
+            <a:spLocks noGrp="1"/>
+          </p:cNvSpPr>
+          <p:nvPr>
+            <p:ph type="sldNum" sz="quarter" idx="12"/>
+          </p:nvPr>
+        </p:nvSpPr>
+        <p:spPr/>
+        <p:txBody>
+          <a:bodyPr/>
+          <a:lstStyle/>
+          <a:p>
+            <a:fld id="{28C95403-4E9A-41D7-AC40-F60FB3BD85A0}" type="slidenum">
+              <a:rPr lang="en-US" smtClean="0"/>
+              <a:t>‹#›</a:t>
+            </a:fld>
+            <a:endParaRPr lang="en-US"/>
+          </a:p>
+        </p:txBody>
+      </p:sp>
+    </p:spTree>
+    <p:extLst>
+      <p:ext uri="{BB962C8B-B14F-4D97-AF65-F5344CB8AC3E}">
+        <p14:creationId xmlns:p14="http://schemas.microsoft.com/office/powerpoint/2010/main" val="724331788"/>
+      </p:ext>
+    </p:extLst>
+  </p:cSld>
+  <p:clrMapOvr>
+    <a:masterClrMapping/>
+  </p:clrMapOvr>
+</p:sldLayout>
+</file>
+
+<file path=ppt/slideLayouts/slideLayout21.xml><?xml version="1.0" encoding="utf-8"?>
+<p:sldLayout xmlns:a="http://schemas.openxmlformats.org/drawingml/2006/main" xmlns:r="http://schemas.openxmlformats.org/officeDocument/2006/relationships" xmlns:p="http://schemas.openxmlformats.org/presentationml/2006/main" type="twoTxTwoObj" preserve="1">
+  <p:cSld name="Comparison">
+    <p:spTree>
+      <p:nvGrpSpPr>
+        <p:cNvPr id="1" name=""/>
+        <p:cNvGrpSpPr/>
+        <p:nvPr/>
+      </p:nvGrpSpPr>
+      <p:grpSpPr>
+        <a:xfrm>
+          <a:off x="0" y="0"/>
+          <a:ext cx="0" cy="0"/>
+          <a:chOff x="0" y="0"/>
+          <a:chExt cx="0" cy="0"/>
+        </a:xfrm>
+      </p:grpSpPr>
+      <p:sp>
+        <p:nvSpPr>
+          <p:cNvPr id="2" name="Title 1">
+            <a:extLst>
+              <a:ext uri="{FF2B5EF4-FFF2-40B4-BE49-F238E27FC236}">
+                <a16:creationId xmlns:a16="http://schemas.microsoft.com/office/drawing/2014/main" id="{FC54870E-C680-487A-8E0E-3F37713FDF5C}"/>
+              </a:ext>
+            </a:extLst>
+          </p:cNvPr>
+          <p:cNvSpPr>
+            <a:spLocks noGrp="1"/>
+          </p:cNvSpPr>
+          <p:nvPr>
+            <p:ph type="title"/>
+          </p:nvPr>
+        </p:nvSpPr>
+        <p:spPr>
+          <a:xfrm>
+            <a:off x="629841" y="365126"/>
+            <a:ext cx="7886700" cy="1325563"/>
+          </a:xfrm>
+        </p:spPr>
+        <p:txBody>
+          <a:bodyPr/>
+          <a:lstStyle/>
+          <a:p>
+            <a:r>
+              <a:rPr lang="en-US"/>
+              <a:t>Click to edit Master title style</a:t>
+            </a:r>
+          </a:p>
+        </p:txBody>
+      </p:sp>
+      <p:sp>
+        <p:nvSpPr>
+          <p:cNvPr id="3" name="Text Placeholder 2">
+            <a:extLst>
+              <a:ext uri="{FF2B5EF4-FFF2-40B4-BE49-F238E27FC236}">
+                <a16:creationId xmlns:a16="http://schemas.microsoft.com/office/drawing/2014/main" id="{9A51BF66-366F-4F4E-AFD3-FD565B392C6E}"/>
+              </a:ext>
+            </a:extLst>
+          </p:cNvPr>
+          <p:cNvSpPr>
+            <a:spLocks noGrp="1"/>
+          </p:cNvSpPr>
+          <p:nvPr>
+            <p:ph type="body" idx="1"/>
+          </p:nvPr>
+        </p:nvSpPr>
+        <p:spPr>
+          <a:xfrm>
+            <a:off x="629842" y="1681163"/>
+            <a:ext cx="3868340" cy="823912"/>
+          </a:xfrm>
+        </p:spPr>
+        <p:txBody>
+          <a:bodyPr anchor="b"/>
+          <a:lstStyle>
+            <a:lvl1pPr marL="0" indent="0">
+              <a:buNone/>
+              <a:defRPr sz="1800" b="1"/>
+            </a:lvl1pPr>
+            <a:lvl2pPr marL="342900" indent="0">
+              <a:buNone/>
+              <a:defRPr sz="1500" b="1"/>
+            </a:lvl2pPr>
+            <a:lvl3pPr marL="685800" indent="0">
+              <a:buNone/>
+              <a:defRPr sz="1350" b="1"/>
+            </a:lvl3pPr>
+            <a:lvl4pPr marL="1028700" indent="0">
+              <a:buNone/>
+              <a:defRPr sz="1200" b="1"/>
+            </a:lvl4pPr>
+            <a:lvl5pPr marL="1371600" indent="0">
+              <a:buNone/>
+              <a:defRPr sz="1200" b="1"/>
+            </a:lvl5pPr>
+            <a:lvl6pPr marL="1714500" indent="0">
+              <a:buNone/>
+              <a:defRPr sz="1200" b="1"/>
+            </a:lvl6pPr>
+            <a:lvl7pPr marL="2057400" indent="0">
+              <a:buNone/>
+              <a:defRPr sz="1200" b="1"/>
+            </a:lvl7pPr>
+            <a:lvl8pPr marL="2400300" indent="0">
+              <a:buNone/>
+              <a:defRPr sz="1200" b="1"/>
+            </a:lvl8pPr>
+            <a:lvl9pPr marL="2743200" indent="0">
+              <a:buNone/>
+              <a:defRPr sz="1200" b="1"/>
+            </a:lvl9pPr>
+          </a:lstStyle>
+          <a:p>
+            <a:pPr lvl="0"/>
+            <a:r>
+              <a:rPr lang="en-US"/>
+              <a:t>Click to edit Master text styles</a:t>
+            </a:r>
+          </a:p>
+        </p:txBody>
+      </p:sp>
+      <p:sp>
+        <p:nvSpPr>
+          <p:cNvPr id="4" name="Content Placeholder 3">
+            <a:extLst>
+              <a:ext uri="{FF2B5EF4-FFF2-40B4-BE49-F238E27FC236}">
+                <a16:creationId xmlns:a16="http://schemas.microsoft.com/office/drawing/2014/main" id="{7943CB67-E17B-4418-B6DE-6DA568A688FA}"/>
+              </a:ext>
+            </a:extLst>
+          </p:cNvPr>
+          <p:cNvSpPr>
+            <a:spLocks noGrp="1"/>
+          </p:cNvSpPr>
+          <p:nvPr>
+            <p:ph sz="half" idx="2"/>
+          </p:nvPr>
+        </p:nvSpPr>
+        <p:spPr>
+          <a:xfrm>
+            <a:off x="629842" y="2505075"/>
+            <a:ext cx="3868340" cy="3684588"/>
+          </a:xfrm>
+        </p:spPr>
+        <p:txBody>
+          <a:bodyPr/>
+          <a:lstStyle/>
+          <a:p>
+            <a:pPr lvl="0"/>
+            <a:r>
+              <a:rPr lang="en-US"/>
+              <a:t>Click to edit Master text styles</a:t>
+            </a:r>
+          </a:p>
+          <a:p>
+            <a:pPr lvl="1"/>
+            <a:r>
+              <a:rPr lang="en-US"/>
+              <a:t>Second level</a:t>
+            </a:r>
+          </a:p>
+          <a:p>
+            <a:pPr lvl="2"/>
+            <a:r>
+              <a:rPr lang="en-US"/>
+              <a:t>Third level</a:t>
+            </a:r>
+          </a:p>
+          <a:p>
+            <a:pPr lvl="3"/>
+            <a:r>
+              <a:rPr lang="en-US"/>
+              <a:t>Fourth level</a:t>
+            </a:r>
+          </a:p>
+          <a:p>
+            <a:pPr lvl="4"/>
+            <a:r>
+              <a:rPr lang="en-US"/>
+              <a:t>Fifth level</a:t>
+            </a:r>
+          </a:p>
+        </p:txBody>
+      </p:sp>
+      <p:sp>
+        <p:nvSpPr>
+          <p:cNvPr id="5" name="Text Placeholder 4">
+            <a:extLst>
+              <a:ext uri="{FF2B5EF4-FFF2-40B4-BE49-F238E27FC236}">
+                <a16:creationId xmlns:a16="http://schemas.microsoft.com/office/drawing/2014/main" id="{543794EB-5826-46B6-931E-084F432F7E67}"/>
+              </a:ext>
+            </a:extLst>
+          </p:cNvPr>
+          <p:cNvSpPr>
+            <a:spLocks noGrp="1"/>
+          </p:cNvSpPr>
+          <p:nvPr>
+            <p:ph type="body" sz="quarter" idx="3"/>
+          </p:nvPr>
+        </p:nvSpPr>
+        <p:spPr>
+          <a:xfrm>
+            <a:off x="4629150" y="1681163"/>
+            <a:ext cx="3887391" cy="823912"/>
+          </a:xfrm>
+        </p:spPr>
+        <p:txBody>
+          <a:bodyPr anchor="b"/>
+          <a:lstStyle>
+            <a:lvl1pPr marL="0" indent="0">
+              <a:buNone/>
+              <a:defRPr sz="1800" b="1"/>
+            </a:lvl1pPr>
+            <a:lvl2pPr marL="342900" indent="0">
+              <a:buNone/>
+              <a:defRPr sz="1500" b="1"/>
+            </a:lvl2pPr>
+            <a:lvl3pPr marL="685800" indent="0">
+              <a:buNone/>
+              <a:defRPr sz="1350" b="1"/>
+            </a:lvl3pPr>
+            <a:lvl4pPr marL="1028700" indent="0">
+              <a:buNone/>
+              <a:defRPr sz="1200" b="1"/>
+            </a:lvl4pPr>
+            <a:lvl5pPr marL="1371600" indent="0">
+              <a:buNone/>
+              <a:defRPr sz="1200" b="1"/>
+            </a:lvl5pPr>
+            <a:lvl6pPr marL="1714500" indent="0">
+              <a:buNone/>
+              <a:defRPr sz="1200" b="1"/>
+            </a:lvl6pPr>
+            <a:lvl7pPr marL="2057400" indent="0">
+              <a:buNone/>
+              <a:defRPr sz="1200" b="1"/>
+            </a:lvl7pPr>
+            <a:lvl8pPr marL="2400300" indent="0">
+              <a:buNone/>
+              <a:defRPr sz="1200" b="1"/>
+            </a:lvl8pPr>
+            <a:lvl9pPr marL="2743200" indent="0">
+              <a:buNone/>
+              <a:defRPr sz="1200" b="1"/>
+            </a:lvl9pPr>
+          </a:lstStyle>
+          <a:p>
+            <a:pPr lvl="0"/>
+            <a:r>
+              <a:rPr lang="en-US"/>
+              <a:t>Click to edit Master text styles</a:t>
+            </a:r>
+          </a:p>
+        </p:txBody>
+      </p:sp>
+      <p:sp>
+        <p:nvSpPr>
+          <p:cNvPr id="6" name="Content Placeholder 5">
+            <a:extLst>
+              <a:ext uri="{FF2B5EF4-FFF2-40B4-BE49-F238E27FC236}">
+                <a16:creationId xmlns:a16="http://schemas.microsoft.com/office/drawing/2014/main" id="{5A8C098D-78DE-4E75-83A0-533D07615DE4}"/>
+              </a:ext>
+            </a:extLst>
+          </p:cNvPr>
+          <p:cNvSpPr>
+            <a:spLocks noGrp="1"/>
+          </p:cNvSpPr>
+          <p:nvPr>
+            <p:ph sz="quarter" idx="4"/>
+          </p:nvPr>
+        </p:nvSpPr>
+        <p:spPr>
+          <a:xfrm>
+            <a:off x="4629150" y="2505075"/>
+            <a:ext cx="3887391" cy="3684588"/>
+          </a:xfrm>
+        </p:spPr>
+        <p:txBody>
+          <a:bodyPr/>
+          <a:lstStyle/>
+          <a:p>
+            <a:pPr lvl="0"/>
+            <a:r>
+              <a:rPr lang="en-US"/>
+              <a:t>Click to edit Master text styles</a:t>
+            </a:r>
+          </a:p>
+          <a:p>
+            <a:pPr lvl="1"/>
+            <a:r>
+              <a:rPr lang="en-US"/>
+              <a:t>Second level</a:t>
+            </a:r>
+          </a:p>
+          <a:p>
+            <a:pPr lvl="2"/>
+            <a:r>
+              <a:rPr lang="en-US"/>
+              <a:t>Third level</a:t>
+            </a:r>
+          </a:p>
+          <a:p>
+            <a:pPr lvl="3"/>
+            <a:r>
+              <a:rPr lang="en-US"/>
+              <a:t>Fourth level</a:t>
+            </a:r>
+          </a:p>
+          <a:p>
+            <a:pPr lvl="4"/>
+            <a:r>
+              <a:rPr lang="en-US"/>
+              <a:t>Fifth level</a:t>
+            </a:r>
+          </a:p>
+        </p:txBody>
+      </p:sp>
+      <p:sp>
+        <p:nvSpPr>
+          <p:cNvPr id="7" name="Date Placeholder 6">
+            <a:extLst>
+              <a:ext uri="{FF2B5EF4-FFF2-40B4-BE49-F238E27FC236}">
+                <a16:creationId xmlns:a16="http://schemas.microsoft.com/office/drawing/2014/main" id="{2CE13D4F-063C-4CD0-9182-DDB160EF1875}"/>
+              </a:ext>
+            </a:extLst>
+          </p:cNvPr>
+          <p:cNvSpPr>
+            <a:spLocks noGrp="1"/>
+          </p:cNvSpPr>
+          <p:nvPr>
+            <p:ph type="dt" sz="half" idx="10"/>
+          </p:nvPr>
+        </p:nvSpPr>
+        <p:spPr/>
+        <p:txBody>
+          <a:bodyPr/>
+          <a:lstStyle/>
+          <a:p>
+            <a:fld id="{440D235E-7DEE-46BF-B2F8-FEE76BCCEBEE}" type="datetimeFigureOut">
+              <a:rPr lang="en-US" smtClean="0"/>
+              <a:t>7/22/2021</a:t>
+            </a:fld>
+            <a:endParaRPr lang="en-US"/>
+          </a:p>
+        </p:txBody>
+      </p:sp>
+      <p:sp>
+        <p:nvSpPr>
+          <p:cNvPr id="8" name="Footer Placeholder 7">
+            <a:extLst>
+              <a:ext uri="{FF2B5EF4-FFF2-40B4-BE49-F238E27FC236}">
+                <a16:creationId xmlns:a16="http://schemas.microsoft.com/office/drawing/2014/main" id="{880F7D5A-652E-4174-9B23-45D5E4403A28}"/>
+              </a:ext>
+            </a:extLst>
+          </p:cNvPr>
+          <p:cNvSpPr>
+            <a:spLocks noGrp="1"/>
+          </p:cNvSpPr>
+          <p:nvPr>
+            <p:ph type="ftr" sz="quarter" idx="11"/>
+          </p:nvPr>
+        </p:nvSpPr>
+        <p:spPr/>
+        <p:txBody>
+          <a:bodyPr/>
+          <a:lstStyle/>
+          <a:p>
+            <a:endParaRPr lang="en-US"/>
+          </a:p>
+        </p:txBody>
+      </p:sp>
+      <p:sp>
+        <p:nvSpPr>
+          <p:cNvPr id="9" name="Slide Number Placeholder 8">
+            <a:extLst>
+              <a:ext uri="{FF2B5EF4-FFF2-40B4-BE49-F238E27FC236}">
+                <a16:creationId xmlns:a16="http://schemas.microsoft.com/office/drawing/2014/main" id="{4B8CF593-7293-4697-BB12-EA97299CC4D6}"/>
+              </a:ext>
+            </a:extLst>
+          </p:cNvPr>
+          <p:cNvSpPr>
+            <a:spLocks noGrp="1"/>
+          </p:cNvSpPr>
+          <p:nvPr>
+            <p:ph type="sldNum" sz="quarter" idx="12"/>
+          </p:nvPr>
+        </p:nvSpPr>
+        <p:spPr/>
+        <p:txBody>
+          <a:bodyPr/>
+          <a:lstStyle/>
+          <a:p>
+            <a:fld id="{28C95403-4E9A-41D7-AC40-F60FB3BD85A0}" type="slidenum">
+              <a:rPr lang="en-US" smtClean="0"/>
+              <a:t>‹#›</a:t>
+            </a:fld>
+            <a:endParaRPr lang="en-US"/>
+          </a:p>
+        </p:txBody>
+      </p:sp>
+    </p:spTree>
+    <p:extLst>
+      <p:ext uri="{BB962C8B-B14F-4D97-AF65-F5344CB8AC3E}">
+        <p14:creationId xmlns:p14="http://schemas.microsoft.com/office/powerpoint/2010/main" val="261063156"/>
+      </p:ext>
+    </p:extLst>
+  </p:cSld>
+  <p:clrMapOvr>
+    <a:masterClrMapping/>
+  </p:clrMapOvr>
+</p:sldLayout>
+</file>
+
+<file path=ppt/slideLayouts/slideLayout22.xml><?xml version="1.0" encoding="utf-8"?>
+<p:sldLayout xmlns:a="http://schemas.openxmlformats.org/drawingml/2006/main" xmlns:r="http://schemas.openxmlformats.org/officeDocument/2006/relationships" xmlns:p="http://schemas.openxmlformats.org/presentationml/2006/main" type="titleOnly" preserve="1">
+  <p:cSld name="Title Only">
+    <p:spTree>
+      <p:nvGrpSpPr>
+        <p:cNvPr id="1" name=""/>
+        <p:cNvGrpSpPr/>
+        <p:nvPr/>
+      </p:nvGrpSpPr>
+      <p:grpSpPr>
+        <a:xfrm>
+          <a:off x="0" y="0"/>
+          <a:ext cx="0" cy="0"/>
+          <a:chOff x="0" y="0"/>
+          <a:chExt cx="0" cy="0"/>
+        </a:xfrm>
+      </p:grpSpPr>
+      <p:sp>
+        <p:nvSpPr>
+          <p:cNvPr id="2" name="Title 1">
+            <a:extLst>
+              <a:ext uri="{FF2B5EF4-FFF2-40B4-BE49-F238E27FC236}">
+                <a16:creationId xmlns:a16="http://schemas.microsoft.com/office/drawing/2014/main" id="{F09BBAF6-8890-459D-8450-FDC6EC55C430}"/>
+              </a:ext>
+            </a:extLst>
+          </p:cNvPr>
+          <p:cNvSpPr>
+            <a:spLocks noGrp="1"/>
+          </p:cNvSpPr>
+          <p:nvPr>
+            <p:ph type="title"/>
+          </p:nvPr>
+        </p:nvSpPr>
+        <p:spPr/>
+        <p:txBody>
+          <a:bodyPr/>
+          <a:lstStyle/>
+          <a:p>
+            <a:r>
+              <a:rPr lang="en-US"/>
+              <a:t>Click to edit Master title style</a:t>
+            </a:r>
+          </a:p>
+        </p:txBody>
+      </p:sp>
+      <p:sp>
+        <p:nvSpPr>
+          <p:cNvPr id="3" name="Date Placeholder 2">
+            <a:extLst>
+              <a:ext uri="{FF2B5EF4-FFF2-40B4-BE49-F238E27FC236}">
+                <a16:creationId xmlns:a16="http://schemas.microsoft.com/office/drawing/2014/main" id="{D490CAB7-31E8-4282-8CBE-209CB457DE21}"/>
+              </a:ext>
+            </a:extLst>
+          </p:cNvPr>
+          <p:cNvSpPr>
+            <a:spLocks noGrp="1"/>
+          </p:cNvSpPr>
+          <p:nvPr>
+            <p:ph type="dt" sz="half" idx="10"/>
+          </p:nvPr>
+        </p:nvSpPr>
+        <p:spPr/>
+        <p:txBody>
+          <a:bodyPr/>
+          <a:lstStyle/>
+          <a:p>
+            <a:fld id="{440D235E-7DEE-46BF-B2F8-FEE76BCCEBEE}" type="datetimeFigureOut">
+              <a:rPr lang="en-US" smtClean="0"/>
+              <a:t>7/22/2021</a:t>
+            </a:fld>
+            <a:endParaRPr lang="en-US"/>
+          </a:p>
+        </p:txBody>
+      </p:sp>
+      <p:sp>
+        <p:nvSpPr>
+          <p:cNvPr id="4" name="Footer Placeholder 3">
+            <a:extLst>
+              <a:ext uri="{FF2B5EF4-FFF2-40B4-BE49-F238E27FC236}">
+                <a16:creationId xmlns:a16="http://schemas.microsoft.com/office/drawing/2014/main" id="{6B4FCE7F-4898-499F-A442-9759C9C1F3C2}"/>
+              </a:ext>
+            </a:extLst>
+          </p:cNvPr>
+          <p:cNvSpPr>
+            <a:spLocks noGrp="1"/>
+          </p:cNvSpPr>
+          <p:nvPr>
+            <p:ph type="ftr" sz="quarter" idx="11"/>
+          </p:nvPr>
+        </p:nvSpPr>
+        <p:spPr/>
+        <p:txBody>
+          <a:bodyPr/>
+          <a:lstStyle/>
+          <a:p>
+            <a:endParaRPr lang="en-US"/>
+          </a:p>
+        </p:txBody>
+      </p:sp>
+      <p:sp>
+        <p:nvSpPr>
+          <p:cNvPr id="5" name="Slide Number Placeholder 4">
+            <a:extLst>
+              <a:ext uri="{FF2B5EF4-FFF2-40B4-BE49-F238E27FC236}">
+                <a16:creationId xmlns:a16="http://schemas.microsoft.com/office/drawing/2014/main" id="{57B41F20-589D-4BE1-80D6-351FCE04C040}"/>
+              </a:ext>
+            </a:extLst>
+          </p:cNvPr>
+          <p:cNvSpPr>
+            <a:spLocks noGrp="1"/>
+          </p:cNvSpPr>
+          <p:nvPr>
+            <p:ph type="sldNum" sz="quarter" idx="12"/>
+          </p:nvPr>
+        </p:nvSpPr>
+        <p:spPr/>
+        <p:txBody>
+          <a:bodyPr/>
+          <a:lstStyle/>
+          <a:p>
+            <a:fld id="{28C95403-4E9A-41D7-AC40-F60FB3BD85A0}" type="slidenum">
+              <a:rPr lang="en-US" smtClean="0"/>
+              <a:t>‹#›</a:t>
+            </a:fld>
+            <a:endParaRPr lang="en-US"/>
+          </a:p>
+        </p:txBody>
+      </p:sp>
+    </p:spTree>
+    <p:extLst>
+      <p:ext uri="{BB962C8B-B14F-4D97-AF65-F5344CB8AC3E}">
+        <p14:creationId xmlns:p14="http://schemas.microsoft.com/office/powerpoint/2010/main" val="199337195"/>
+      </p:ext>
+    </p:extLst>
+  </p:cSld>
+  <p:clrMapOvr>
+    <a:masterClrMapping/>
+  </p:clrMapOvr>
+</p:sldLayout>
+</file>
+
+<file path=ppt/slideLayouts/slideLayout23.xml><?xml version="1.0" encoding="utf-8"?>
+<p:sldLayout xmlns:a="http://schemas.openxmlformats.org/drawingml/2006/main" xmlns:r="http://schemas.openxmlformats.org/officeDocument/2006/relationships" xmlns:p="http://schemas.openxmlformats.org/presentationml/2006/main" type="blank" preserve="1">
+  <p:cSld name="Blank">
+    <p:spTree>
+      <p:nvGrpSpPr>
+        <p:cNvPr id="1" name=""/>
+        <p:cNvGrpSpPr/>
+        <p:nvPr/>
+      </p:nvGrpSpPr>
+      <p:grpSpPr>
+        <a:xfrm>
+          <a:off x="0" y="0"/>
+          <a:ext cx="0" cy="0"/>
+          <a:chOff x="0" y="0"/>
+          <a:chExt cx="0" cy="0"/>
+        </a:xfrm>
+      </p:grpSpPr>
+      <p:sp>
+        <p:nvSpPr>
+          <p:cNvPr id="2" name="Date Placeholder 1">
+            <a:extLst>
+              <a:ext uri="{FF2B5EF4-FFF2-40B4-BE49-F238E27FC236}">
+                <a16:creationId xmlns:a16="http://schemas.microsoft.com/office/drawing/2014/main" id="{D8C681B1-45EB-45F2-9094-72ADB3F3859E}"/>
+              </a:ext>
+            </a:extLst>
+          </p:cNvPr>
+          <p:cNvSpPr>
+            <a:spLocks noGrp="1"/>
+          </p:cNvSpPr>
+          <p:nvPr>
+            <p:ph type="dt" sz="half" idx="10"/>
+          </p:nvPr>
+        </p:nvSpPr>
+        <p:spPr/>
+        <p:txBody>
+          <a:bodyPr/>
+          <a:lstStyle/>
+          <a:p>
+            <a:fld id="{440D235E-7DEE-46BF-B2F8-FEE76BCCEBEE}" type="datetimeFigureOut">
+              <a:rPr lang="en-US" smtClean="0"/>
+              <a:t>7/22/2021</a:t>
+            </a:fld>
+            <a:endParaRPr lang="en-US"/>
+          </a:p>
+        </p:txBody>
+      </p:sp>
+      <p:sp>
+        <p:nvSpPr>
+          <p:cNvPr id="3" name="Footer Placeholder 2">
+            <a:extLst>
+              <a:ext uri="{FF2B5EF4-FFF2-40B4-BE49-F238E27FC236}">
+                <a16:creationId xmlns:a16="http://schemas.microsoft.com/office/drawing/2014/main" id="{B9A2A8C8-47FC-46B3-A72A-AFCFBE355131}"/>
+              </a:ext>
+            </a:extLst>
+          </p:cNvPr>
+          <p:cNvSpPr>
+            <a:spLocks noGrp="1"/>
+          </p:cNvSpPr>
+          <p:nvPr>
+            <p:ph type="ftr" sz="quarter" idx="11"/>
+          </p:nvPr>
+        </p:nvSpPr>
+        <p:spPr/>
+        <p:txBody>
+          <a:bodyPr/>
+          <a:lstStyle/>
+          <a:p>
+            <a:endParaRPr lang="en-US"/>
+          </a:p>
+        </p:txBody>
+      </p:sp>
+      <p:sp>
+        <p:nvSpPr>
+          <p:cNvPr id="4" name="Slide Number Placeholder 3">
+            <a:extLst>
+              <a:ext uri="{FF2B5EF4-FFF2-40B4-BE49-F238E27FC236}">
+                <a16:creationId xmlns:a16="http://schemas.microsoft.com/office/drawing/2014/main" id="{08FE59C4-349D-485C-A834-6B46D4A056DB}"/>
+              </a:ext>
+            </a:extLst>
+          </p:cNvPr>
+          <p:cNvSpPr>
+            <a:spLocks noGrp="1"/>
+          </p:cNvSpPr>
+          <p:nvPr>
+            <p:ph type="sldNum" sz="quarter" idx="12"/>
+          </p:nvPr>
+        </p:nvSpPr>
+        <p:spPr/>
+        <p:txBody>
+          <a:bodyPr/>
+          <a:lstStyle/>
+          <a:p>
+            <a:fld id="{28C95403-4E9A-41D7-AC40-F60FB3BD85A0}" type="slidenum">
+              <a:rPr lang="en-US" smtClean="0"/>
+              <a:t>‹#›</a:t>
+            </a:fld>
+            <a:endParaRPr lang="en-US"/>
+          </a:p>
+        </p:txBody>
+      </p:sp>
+    </p:spTree>
+    <p:extLst>
+      <p:ext uri="{BB962C8B-B14F-4D97-AF65-F5344CB8AC3E}">
+        <p14:creationId xmlns:p14="http://schemas.microsoft.com/office/powerpoint/2010/main" val="4233768648"/>
+      </p:ext>
+    </p:extLst>
+  </p:cSld>
+  <p:clrMapOvr>
+    <a:masterClrMapping/>
+  </p:clrMapOvr>
+</p:sldLayout>
+</file>
+
+<file path=ppt/slideLayouts/slideLayout24.xml><?xml version="1.0" encoding="utf-8"?>
+<p:sldLayout xmlns:a="http://schemas.openxmlformats.org/drawingml/2006/main" xmlns:r="http://schemas.openxmlformats.org/officeDocument/2006/relationships" xmlns:p="http://schemas.openxmlformats.org/presentationml/2006/main" type="objTx" preserve="1">
+  <p:cSld name="Content with Caption">
+    <p:spTree>
+      <p:nvGrpSpPr>
+        <p:cNvPr id="1" name=""/>
+        <p:cNvGrpSpPr/>
+        <p:nvPr/>
+      </p:nvGrpSpPr>
+      <p:grpSpPr>
+        <a:xfrm>
+          <a:off x="0" y="0"/>
+          <a:ext cx="0" cy="0"/>
+          <a:chOff x="0" y="0"/>
+          <a:chExt cx="0" cy="0"/>
+        </a:xfrm>
+      </p:grpSpPr>
+      <p:sp>
+        <p:nvSpPr>
+          <p:cNvPr id="2" name="Title 1">
+            <a:extLst>
+              <a:ext uri="{FF2B5EF4-FFF2-40B4-BE49-F238E27FC236}">
+                <a16:creationId xmlns:a16="http://schemas.microsoft.com/office/drawing/2014/main" id="{764A88DA-5897-4D3B-A822-2D40621E4666}"/>
+              </a:ext>
+            </a:extLst>
+          </p:cNvPr>
+          <p:cNvSpPr>
+            <a:spLocks noGrp="1"/>
+          </p:cNvSpPr>
+          <p:nvPr>
+            <p:ph type="title"/>
+          </p:nvPr>
+        </p:nvSpPr>
+        <p:spPr>
+          <a:xfrm>
+            <a:off x="629841" y="457200"/>
+            <a:ext cx="2949178" cy="1600200"/>
+          </a:xfrm>
+        </p:spPr>
+        <p:txBody>
+          <a:bodyPr anchor="b"/>
+          <a:lstStyle>
+            <a:lvl1pPr>
+              <a:defRPr sz="2400"/>
+            </a:lvl1pPr>
+          </a:lstStyle>
+          <a:p>
+            <a:r>
+              <a:rPr lang="en-US"/>
+              <a:t>Click to edit Master title style</a:t>
+            </a:r>
+          </a:p>
+        </p:txBody>
+      </p:sp>
+      <p:sp>
+        <p:nvSpPr>
+          <p:cNvPr id="3" name="Content Placeholder 2">
+            <a:extLst>
+              <a:ext uri="{FF2B5EF4-FFF2-40B4-BE49-F238E27FC236}">
+                <a16:creationId xmlns:a16="http://schemas.microsoft.com/office/drawing/2014/main" id="{0A9A1244-E950-484B-BB5B-7E728A9A6CB5}"/>
+              </a:ext>
+            </a:extLst>
+          </p:cNvPr>
+          <p:cNvSpPr>
+            <a:spLocks noGrp="1"/>
+          </p:cNvSpPr>
+          <p:nvPr>
+            <p:ph idx="1"/>
+          </p:nvPr>
+        </p:nvSpPr>
+        <p:spPr>
+          <a:xfrm>
+            <a:off x="3887391" y="987426"/>
+            <a:ext cx="4629150" cy="4873625"/>
+          </a:xfrm>
+        </p:spPr>
+        <p:txBody>
+          <a:bodyPr/>
+          <a:lstStyle>
+            <a:lvl1pPr>
+              <a:defRPr sz="2400"/>
+            </a:lvl1pPr>
+            <a:lvl2pPr>
+              <a:defRPr sz="2100"/>
+            </a:lvl2pPr>
+            <a:lvl3pPr>
+              <a:defRPr sz="1800"/>
+            </a:lvl3pPr>
+            <a:lvl4pPr>
+              <a:defRPr sz="1500"/>
+            </a:lvl4pPr>
+            <a:lvl5pPr>
+              <a:defRPr sz="1500"/>
+            </a:lvl5pPr>
+            <a:lvl6pPr>
+              <a:defRPr sz="1500"/>
+            </a:lvl6pPr>
+            <a:lvl7pPr>
+              <a:defRPr sz="1500"/>
+            </a:lvl7pPr>
+            <a:lvl8pPr>
+              <a:defRPr sz="1500"/>
+            </a:lvl8pPr>
+            <a:lvl9pPr>
+              <a:defRPr sz="1500"/>
+            </a:lvl9pPr>
+          </a:lstStyle>
+          <a:p>
+            <a:pPr lvl="0"/>
+            <a:r>
+              <a:rPr lang="en-US"/>
+              <a:t>Click to edit Master text styles</a:t>
+            </a:r>
+          </a:p>
+          <a:p>
+            <a:pPr lvl="1"/>
+            <a:r>
+              <a:rPr lang="en-US"/>
+              <a:t>Second level</a:t>
+            </a:r>
+          </a:p>
+          <a:p>
+            <a:pPr lvl="2"/>
+            <a:r>
+              <a:rPr lang="en-US"/>
+              <a:t>Third level</a:t>
+            </a:r>
+          </a:p>
+          <a:p>
+            <a:pPr lvl="3"/>
+            <a:r>
+              <a:rPr lang="en-US"/>
+              <a:t>Fourth level</a:t>
+            </a:r>
+          </a:p>
+          <a:p>
+            <a:pPr lvl="4"/>
+            <a:r>
+              <a:rPr lang="en-US"/>
+              <a:t>Fifth level</a:t>
+            </a:r>
+          </a:p>
+        </p:txBody>
+      </p:sp>
+      <p:sp>
+        <p:nvSpPr>
+          <p:cNvPr id="4" name="Text Placeholder 3">
+            <a:extLst>
+              <a:ext uri="{FF2B5EF4-FFF2-40B4-BE49-F238E27FC236}">
+                <a16:creationId xmlns:a16="http://schemas.microsoft.com/office/drawing/2014/main" id="{58F9DA0F-E13B-4093-8DD2-68B1C0477D50}"/>
+              </a:ext>
+            </a:extLst>
+          </p:cNvPr>
+          <p:cNvSpPr>
+            <a:spLocks noGrp="1"/>
+          </p:cNvSpPr>
+          <p:nvPr>
+            <p:ph type="body" sz="half" idx="2"/>
+          </p:nvPr>
+        </p:nvSpPr>
+        <p:spPr>
+          <a:xfrm>
+            <a:off x="629841" y="2057400"/>
+            <a:ext cx="2949178" cy="3811588"/>
+          </a:xfrm>
+        </p:spPr>
+        <p:txBody>
+          <a:bodyPr/>
+          <a:lstStyle>
+            <a:lvl1pPr marL="0" indent="0">
+              <a:buNone/>
+              <a:defRPr sz="1200"/>
+            </a:lvl1pPr>
+            <a:lvl2pPr marL="342900" indent="0">
+              <a:buNone/>
+              <a:defRPr sz="1050"/>
+            </a:lvl2pPr>
+            <a:lvl3pPr marL="685800" indent="0">
+              <a:buNone/>
+              <a:defRPr sz="900"/>
+            </a:lvl3pPr>
+            <a:lvl4pPr marL="1028700" indent="0">
+              <a:buNone/>
+              <a:defRPr sz="750"/>
+            </a:lvl4pPr>
+            <a:lvl5pPr marL="1371600" indent="0">
+              <a:buNone/>
+              <a:defRPr sz="750"/>
+            </a:lvl5pPr>
+            <a:lvl6pPr marL="1714500" indent="0">
+              <a:buNone/>
+              <a:defRPr sz="750"/>
+            </a:lvl6pPr>
+            <a:lvl7pPr marL="2057400" indent="0">
+              <a:buNone/>
+              <a:defRPr sz="750"/>
+            </a:lvl7pPr>
+            <a:lvl8pPr marL="2400300" indent="0">
+              <a:buNone/>
+              <a:defRPr sz="750"/>
+            </a:lvl8pPr>
+            <a:lvl9pPr marL="2743200" indent="0">
+              <a:buNone/>
+              <a:defRPr sz="750"/>
+            </a:lvl9pPr>
+          </a:lstStyle>
+          <a:p>
+            <a:pPr lvl="0"/>
+            <a:r>
+              <a:rPr lang="en-US"/>
+              <a:t>Click to edit Master text styles</a:t>
+            </a:r>
+          </a:p>
+        </p:txBody>
+      </p:sp>
+      <p:sp>
+        <p:nvSpPr>
+          <p:cNvPr id="5" name="Date Placeholder 4">
+            <a:extLst>
+              <a:ext uri="{FF2B5EF4-FFF2-40B4-BE49-F238E27FC236}">
+                <a16:creationId xmlns:a16="http://schemas.microsoft.com/office/drawing/2014/main" id="{CB07FB1A-9ACE-44AC-9CE8-1E6C66AC28B1}"/>
+              </a:ext>
+            </a:extLst>
+          </p:cNvPr>
+          <p:cNvSpPr>
+            <a:spLocks noGrp="1"/>
+          </p:cNvSpPr>
+          <p:nvPr>
+            <p:ph type="dt" sz="half" idx="10"/>
+          </p:nvPr>
+        </p:nvSpPr>
+        <p:spPr/>
+        <p:txBody>
+          <a:bodyPr/>
+          <a:lstStyle/>
+          <a:p>
+            <a:fld id="{440D235E-7DEE-46BF-B2F8-FEE76BCCEBEE}" type="datetimeFigureOut">
+              <a:rPr lang="en-US" smtClean="0"/>
+              <a:t>7/22/2021</a:t>
+            </a:fld>
+            <a:endParaRPr lang="en-US"/>
+          </a:p>
+        </p:txBody>
+      </p:sp>
+      <p:sp>
+        <p:nvSpPr>
+          <p:cNvPr id="6" name="Footer Placeholder 5">
+            <a:extLst>
+              <a:ext uri="{FF2B5EF4-FFF2-40B4-BE49-F238E27FC236}">
+                <a16:creationId xmlns:a16="http://schemas.microsoft.com/office/drawing/2014/main" id="{7C57B399-0F79-4487-AB72-CA3F8C6288D0}"/>
+              </a:ext>
+            </a:extLst>
+          </p:cNvPr>
+          <p:cNvSpPr>
+            <a:spLocks noGrp="1"/>
+          </p:cNvSpPr>
+          <p:nvPr>
+            <p:ph type="ftr" sz="quarter" idx="11"/>
+          </p:nvPr>
+        </p:nvSpPr>
+        <p:spPr/>
+        <p:txBody>
+          <a:bodyPr/>
+          <a:lstStyle/>
+          <a:p>
+            <a:endParaRPr lang="en-US"/>
+          </a:p>
+        </p:txBody>
+      </p:sp>
+      <p:sp>
+        <p:nvSpPr>
+          <p:cNvPr id="7" name="Slide Number Placeholder 6">
+            <a:extLst>
+              <a:ext uri="{FF2B5EF4-FFF2-40B4-BE49-F238E27FC236}">
+                <a16:creationId xmlns:a16="http://schemas.microsoft.com/office/drawing/2014/main" id="{59E7AB65-C23B-4273-A696-F58323B26592}"/>
+              </a:ext>
+            </a:extLst>
+          </p:cNvPr>
+          <p:cNvSpPr>
+            <a:spLocks noGrp="1"/>
+          </p:cNvSpPr>
+          <p:nvPr>
+            <p:ph type="sldNum" sz="quarter" idx="12"/>
+          </p:nvPr>
+        </p:nvSpPr>
+        <p:spPr/>
+        <p:txBody>
+          <a:bodyPr/>
+          <a:lstStyle/>
+          <a:p>
+            <a:fld id="{28C95403-4E9A-41D7-AC40-F60FB3BD85A0}" type="slidenum">
+              <a:rPr lang="en-US" smtClean="0"/>
+              <a:t>‹#›</a:t>
+            </a:fld>
+            <a:endParaRPr lang="en-US"/>
+          </a:p>
+        </p:txBody>
+      </p:sp>
+    </p:spTree>
+    <p:extLst>
+      <p:ext uri="{BB962C8B-B14F-4D97-AF65-F5344CB8AC3E}">
+        <p14:creationId xmlns:p14="http://schemas.microsoft.com/office/powerpoint/2010/main" val="3776214874"/>
+      </p:ext>
+    </p:extLst>
+  </p:cSld>
+  <p:clrMapOvr>
+    <a:masterClrMapping/>
+  </p:clrMapOvr>
+</p:sldLayout>
+</file>
+
+<file path=ppt/slideLayouts/slideLayout25.xml><?xml version="1.0" encoding="utf-8"?>
+<p:sldLayout xmlns:a="http://schemas.openxmlformats.org/drawingml/2006/main" xmlns:r="http://schemas.openxmlformats.org/officeDocument/2006/relationships" xmlns:p="http://schemas.openxmlformats.org/presentationml/2006/main" type="picTx" preserve="1">
+  <p:cSld name="Picture with Caption">
+    <p:spTree>
+      <p:nvGrpSpPr>
+        <p:cNvPr id="1" name=""/>
+        <p:cNvGrpSpPr/>
+        <p:nvPr/>
+      </p:nvGrpSpPr>
+      <p:grpSpPr>
+        <a:xfrm>
+          <a:off x="0" y="0"/>
+          <a:ext cx="0" cy="0"/>
+          <a:chOff x="0" y="0"/>
+          <a:chExt cx="0" cy="0"/>
+        </a:xfrm>
+      </p:grpSpPr>
+      <p:sp>
+        <p:nvSpPr>
+          <p:cNvPr id="2" name="Title 1">
+            <a:extLst>
+              <a:ext uri="{FF2B5EF4-FFF2-40B4-BE49-F238E27FC236}">
+                <a16:creationId xmlns:a16="http://schemas.microsoft.com/office/drawing/2014/main" id="{99230B28-CC5F-4E77-BBE7-E045694D6975}"/>
+              </a:ext>
+            </a:extLst>
+          </p:cNvPr>
+          <p:cNvSpPr>
+            <a:spLocks noGrp="1"/>
+          </p:cNvSpPr>
+          <p:nvPr>
+            <p:ph type="title"/>
+          </p:nvPr>
+        </p:nvSpPr>
+        <p:spPr>
+          <a:xfrm>
+            <a:off x="629841" y="457200"/>
+            <a:ext cx="2949178" cy="1600200"/>
+          </a:xfrm>
+        </p:spPr>
+        <p:txBody>
+          <a:bodyPr anchor="b"/>
+          <a:lstStyle>
+            <a:lvl1pPr>
+              <a:defRPr sz="2400"/>
+            </a:lvl1pPr>
+          </a:lstStyle>
+          <a:p>
+            <a:r>
+              <a:rPr lang="en-US"/>
+              <a:t>Click to edit Master title style</a:t>
+            </a:r>
+          </a:p>
+        </p:txBody>
+      </p:sp>
+      <p:sp>
+        <p:nvSpPr>
+          <p:cNvPr id="3" name="Picture Placeholder 2">
+            <a:extLst>
+              <a:ext uri="{FF2B5EF4-FFF2-40B4-BE49-F238E27FC236}">
+                <a16:creationId xmlns:a16="http://schemas.microsoft.com/office/drawing/2014/main" id="{1187C9F6-4666-4551-9DE1-869D75AC411B}"/>
+              </a:ext>
+            </a:extLst>
+          </p:cNvPr>
+          <p:cNvSpPr>
+            <a:spLocks noGrp="1"/>
+          </p:cNvSpPr>
+          <p:nvPr>
+            <p:ph type="pic" idx="1"/>
+          </p:nvPr>
+        </p:nvSpPr>
+        <p:spPr>
+          <a:xfrm>
+            <a:off x="3887391" y="987426"/>
+            <a:ext cx="4629150" cy="4873625"/>
+          </a:xfrm>
+        </p:spPr>
+        <p:txBody>
+          <a:bodyPr/>
+          <a:lstStyle>
+            <a:lvl1pPr marL="0" indent="0">
+              <a:buNone/>
+              <a:defRPr sz="2400"/>
+            </a:lvl1pPr>
+            <a:lvl2pPr marL="342900" indent="0">
+              <a:buNone/>
+              <a:defRPr sz="2100"/>
+            </a:lvl2pPr>
+            <a:lvl3pPr marL="685800" indent="0">
+              <a:buNone/>
+              <a:defRPr sz="1800"/>
+            </a:lvl3pPr>
+            <a:lvl4pPr marL="1028700" indent="0">
+              <a:buNone/>
+              <a:defRPr sz="1500"/>
+            </a:lvl4pPr>
+            <a:lvl5pPr marL="1371600" indent="0">
+              <a:buNone/>
+              <a:defRPr sz="1500"/>
+            </a:lvl5pPr>
+            <a:lvl6pPr marL="1714500" indent="0">
+              <a:buNone/>
+              <a:defRPr sz="1500"/>
+            </a:lvl6pPr>
+            <a:lvl7pPr marL="2057400" indent="0">
+              <a:buNone/>
+              <a:defRPr sz="1500"/>
+            </a:lvl7pPr>
+            <a:lvl8pPr marL="2400300" indent="0">
+              <a:buNone/>
+              <a:defRPr sz="1500"/>
+            </a:lvl8pPr>
+            <a:lvl9pPr marL="2743200" indent="0">
+              <a:buNone/>
+              <a:defRPr sz="1500"/>
+            </a:lvl9pPr>
+          </a:lstStyle>
+          <a:p>
+            <a:endParaRPr lang="en-US"/>
+          </a:p>
+        </p:txBody>
+      </p:sp>
+      <p:sp>
+        <p:nvSpPr>
+          <p:cNvPr id="4" name="Text Placeholder 3">
+            <a:extLst>
+              <a:ext uri="{FF2B5EF4-FFF2-40B4-BE49-F238E27FC236}">
+                <a16:creationId xmlns:a16="http://schemas.microsoft.com/office/drawing/2014/main" id="{38F29ACF-82B7-40A6-88D3-F204E4035663}"/>
+              </a:ext>
+            </a:extLst>
+          </p:cNvPr>
+          <p:cNvSpPr>
+            <a:spLocks noGrp="1"/>
+          </p:cNvSpPr>
+          <p:nvPr>
+            <p:ph type="body" sz="half" idx="2"/>
+          </p:nvPr>
+        </p:nvSpPr>
+        <p:spPr>
+          <a:xfrm>
+            <a:off x="629841" y="2057400"/>
+            <a:ext cx="2949178" cy="3811588"/>
+          </a:xfrm>
+        </p:spPr>
+        <p:txBody>
+          <a:bodyPr/>
+          <a:lstStyle>
+            <a:lvl1pPr marL="0" indent="0">
+              <a:buNone/>
+              <a:defRPr sz="1200"/>
+            </a:lvl1pPr>
+            <a:lvl2pPr marL="342900" indent="0">
+              <a:buNone/>
+              <a:defRPr sz="1050"/>
+            </a:lvl2pPr>
+            <a:lvl3pPr marL="685800" indent="0">
+              <a:buNone/>
+              <a:defRPr sz="900"/>
+            </a:lvl3pPr>
+            <a:lvl4pPr marL="1028700" indent="0">
+              <a:buNone/>
+              <a:defRPr sz="750"/>
+            </a:lvl4pPr>
+            <a:lvl5pPr marL="1371600" indent="0">
+              <a:buNone/>
+              <a:defRPr sz="750"/>
+            </a:lvl5pPr>
+            <a:lvl6pPr marL="1714500" indent="0">
+              <a:buNone/>
+              <a:defRPr sz="750"/>
+            </a:lvl6pPr>
+            <a:lvl7pPr marL="2057400" indent="0">
+              <a:buNone/>
+              <a:defRPr sz="750"/>
+            </a:lvl7pPr>
+            <a:lvl8pPr marL="2400300" indent="0">
+              <a:buNone/>
+              <a:defRPr sz="750"/>
+            </a:lvl8pPr>
+            <a:lvl9pPr marL="2743200" indent="0">
+              <a:buNone/>
+              <a:defRPr sz="750"/>
+            </a:lvl9pPr>
+          </a:lstStyle>
+          <a:p>
+            <a:pPr lvl="0"/>
+            <a:r>
+              <a:rPr lang="en-US"/>
+              <a:t>Click to edit Master text styles</a:t>
+            </a:r>
+          </a:p>
+        </p:txBody>
+      </p:sp>
+      <p:sp>
+        <p:nvSpPr>
+          <p:cNvPr id="5" name="Date Placeholder 4">
+            <a:extLst>
+              <a:ext uri="{FF2B5EF4-FFF2-40B4-BE49-F238E27FC236}">
+                <a16:creationId xmlns:a16="http://schemas.microsoft.com/office/drawing/2014/main" id="{12B2B5AF-8D00-4DDF-9C8A-1C296AA3FA43}"/>
+              </a:ext>
+            </a:extLst>
+          </p:cNvPr>
+          <p:cNvSpPr>
+            <a:spLocks noGrp="1"/>
+          </p:cNvSpPr>
+          <p:nvPr>
+            <p:ph type="dt" sz="half" idx="10"/>
+          </p:nvPr>
+        </p:nvSpPr>
+        <p:spPr/>
+        <p:txBody>
+          <a:bodyPr/>
+          <a:lstStyle/>
+          <a:p>
+            <a:fld id="{440D235E-7DEE-46BF-B2F8-FEE76BCCEBEE}" type="datetimeFigureOut">
+              <a:rPr lang="en-US" smtClean="0"/>
+              <a:t>7/22/2021</a:t>
+            </a:fld>
+            <a:endParaRPr lang="en-US"/>
+          </a:p>
+        </p:txBody>
+      </p:sp>
+      <p:sp>
+        <p:nvSpPr>
+          <p:cNvPr id="6" name="Footer Placeholder 5">
+            <a:extLst>
+              <a:ext uri="{FF2B5EF4-FFF2-40B4-BE49-F238E27FC236}">
+                <a16:creationId xmlns:a16="http://schemas.microsoft.com/office/drawing/2014/main" id="{E66CAA4D-9F71-4E5A-9C28-D31D0CC7948E}"/>
+              </a:ext>
+            </a:extLst>
+          </p:cNvPr>
+          <p:cNvSpPr>
+            <a:spLocks noGrp="1"/>
+          </p:cNvSpPr>
+          <p:nvPr>
+            <p:ph type="ftr" sz="quarter" idx="11"/>
+          </p:nvPr>
+        </p:nvSpPr>
+        <p:spPr/>
+        <p:txBody>
+          <a:bodyPr/>
+          <a:lstStyle/>
+          <a:p>
+            <a:endParaRPr lang="en-US"/>
+          </a:p>
+        </p:txBody>
+      </p:sp>
+      <p:sp>
+        <p:nvSpPr>
+          <p:cNvPr id="7" name="Slide Number Placeholder 6">
+            <a:extLst>
+              <a:ext uri="{FF2B5EF4-FFF2-40B4-BE49-F238E27FC236}">
+                <a16:creationId xmlns:a16="http://schemas.microsoft.com/office/drawing/2014/main" id="{CA5272DC-EFA6-40D5-B8AA-C634D6FD6808}"/>
+              </a:ext>
+            </a:extLst>
+          </p:cNvPr>
+          <p:cNvSpPr>
+            <a:spLocks noGrp="1"/>
+          </p:cNvSpPr>
+          <p:nvPr>
+            <p:ph type="sldNum" sz="quarter" idx="12"/>
+          </p:nvPr>
+        </p:nvSpPr>
+        <p:spPr/>
+        <p:txBody>
+          <a:bodyPr/>
+          <a:lstStyle/>
+          <a:p>
+            <a:fld id="{28C95403-4E9A-41D7-AC40-F60FB3BD85A0}" type="slidenum">
+              <a:rPr lang="en-US" smtClean="0"/>
+              <a:t>‹#›</a:t>
+            </a:fld>
+            <a:endParaRPr lang="en-US"/>
+          </a:p>
+        </p:txBody>
+      </p:sp>
+    </p:spTree>
+    <p:extLst>
+      <p:ext uri="{BB962C8B-B14F-4D97-AF65-F5344CB8AC3E}">
+        <p14:creationId xmlns:p14="http://schemas.microsoft.com/office/powerpoint/2010/main" val="645635830"/>
+      </p:ext>
+    </p:extLst>
+  </p:cSld>
+  <p:clrMapOvr>
+    <a:masterClrMapping/>
+  </p:clrMapOvr>
+</p:sldLayout>
+</file>
+
+<file path=ppt/slideLayouts/slideLayout26.xml><?xml version="1.0" encoding="utf-8"?>
+<p:sldLayout xmlns:a="http://schemas.openxmlformats.org/drawingml/2006/main" xmlns:r="http://schemas.openxmlformats.org/officeDocument/2006/relationships" xmlns:p="http://schemas.openxmlformats.org/presentationml/2006/main" type="vertTx" preserve="1">
+  <p:cSld name="Title and Vertical Text">
+    <p:spTree>
+      <p:nvGrpSpPr>
+        <p:cNvPr id="1" name=""/>
+        <p:cNvGrpSpPr/>
+        <p:nvPr/>
+      </p:nvGrpSpPr>
+      <p:grpSpPr>
+        <a:xfrm>
+          <a:off x="0" y="0"/>
+          <a:ext cx="0" cy="0"/>
+          <a:chOff x="0" y="0"/>
+          <a:chExt cx="0" cy="0"/>
+        </a:xfrm>
+      </p:grpSpPr>
+      <p:sp>
+        <p:nvSpPr>
+          <p:cNvPr id="2" name="Title 1">
+            <a:extLst>
+              <a:ext uri="{FF2B5EF4-FFF2-40B4-BE49-F238E27FC236}">
+                <a16:creationId xmlns:a16="http://schemas.microsoft.com/office/drawing/2014/main" id="{EFA116E7-7F65-4F65-81BD-A69E8243C72E}"/>
+              </a:ext>
+            </a:extLst>
+          </p:cNvPr>
+          <p:cNvSpPr>
+            <a:spLocks noGrp="1"/>
+          </p:cNvSpPr>
+          <p:nvPr>
+            <p:ph type="title"/>
+          </p:nvPr>
+        </p:nvSpPr>
+        <p:spPr/>
+        <p:txBody>
+          <a:bodyPr/>
+          <a:lstStyle/>
+          <a:p>
+            <a:r>
+              <a:rPr lang="en-US"/>
+              <a:t>Click to edit Master title style</a:t>
+            </a:r>
+          </a:p>
+        </p:txBody>
+      </p:sp>
+      <p:sp>
+        <p:nvSpPr>
+          <p:cNvPr id="3" name="Vertical Text Placeholder 2">
+            <a:extLst>
+              <a:ext uri="{FF2B5EF4-FFF2-40B4-BE49-F238E27FC236}">
+                <a16:creationId xmlns:a16="http://schemas.microsoft.com/office/drawing/2014/main" id="{A929B9A5-71CF-4BF4-9164-F905DE6C9536}"/>
+              </a:ext>
+            </a:extLst>
+          </p:cNvPr>
+          <p:cNvSpPr>
+            <a:spLocks noGrp="1"/>
+          </p:cNvSpPr>
+          <p:nvPr>
+            <p:ph type="body" orient="vert" idx="1"/>
+          </p:nvPr>
+        </p:nvSpPr>
+        <p:spPr/>
+        <p:txBody>
+          <a:bodyPr vert="eaVert"/>
+          <a:lstStyle/>
+          <a:p>
+            <a:pPr lvl="0"/>
+            <a:r>
+              <a:rPr lang="en-US"/>
+              <a:t>Click to edit Master text styles</a:t>
+            </a:r>
+          </a:p>
+          <a:p>
+            <a:pPr lvl="1"/>
+            <a:r>
+              <a:rPr lang="en-US"/>
+              <a:t>Second level</a:t>
+            </a:r>
+          </a:p>
+          <a:p>
+            <a:pPr lvl="2"/>
+            <a:r>
+              <a:rPr lang="en-US"/>
+              <a:t>Third level</a:t>
+            </a:r>
+          </a:p>
+          <a:p>
+            <a:pPr lvl="3"/>
+            <a:r>
+              <a:rPr lang="en-US"/>
+              <a:t>Fourth level</a:t>
+            </a:r>
+          </a:p>
+          <a:p>
+            <a:pPr lvl="4"/>
+            <a:r>
+              <a:rPr lang="en-US"/>
+              <a:t>Fifth level</a:t>
+            </a:r>
+          </a:p>
+        </p:txBody>
+      </p:sp>
+      <p:sp>
+        <p:nvSpPr>
+          <p:cNvPr id="4" name="Date Placeholder 3">
+            <a:extLst>
+              <a:ext uri="{FF2B5EF4-FFF2-40B4-BE49-F238E27FC236}">
+                <a16:creationId xmlns:a16="http://schemas.microsoft.com/office/drawing/2014/main" id="{D77956D2-E444-4DB4-86A8-D1B84F6B25D9}"/>
+              </a:ext>
+            </a:extLst>
+          </p:cNvPr>
+          <p:cNvSpPr>
+            <a:spLocks noGrp="1"/>
+          </p:cNvSpPr>
+          <p:nvPr>
+            <p:ph type="dt" sz="half" idx="10"/>
+          </p:nvPr>
+        </p:nvSpPr>
+        <p:spPr/>
+        <p:txBody>
+          <a:bodyPr/>
+          <a:lstStyle/>
+          <a:p>
+            <a:fld id="{440D235E-7DEE-46BF-B2F8-FEE76BCCEBEE}" type="datetimeFigureOut">
+              <a:rPr lang="en-US" smtClean="0"/>
+              <a:t>7/22/2021</a:t>
+            </a:fld>
+            <a:endParaRPr lang="en-US"/>
+          </a:p>
+        </p:txBody>
+      </p:sp>
+      <p:sp>
+        <p:nvSpPr>
+          <p:cNvPr id="5" name="Footer Placeholder 4">
+            <a:extLst>
+              <a:ext uri="{FF2B5EF4-FFF2-40B4-BE49-F238E27FC236}">
+                <a16:creationId xmlns:a16="http://schemas.microsoft.com/office/drawing/2014/main" id="{1AC72B5C-847E-4113-AA0E-7AE19B5398BE}"/>
+              </a:ext>
+            </a:extLst>
+          </p:cNvPr>
+          <p:cNvSpPr>
+            <a:spLocks noGrp="1"/>
+          </p:cNvSpPr>
+          <p:nvPr>
+            <p:ph type="ftr" sz="quarter" idx="11"/>
+          </p:nvPr>
+        </p:nvSpPr>
+        <p:spPr/>
+        <p:txBody>
+          <a:bodyPr/>
+          <a:lstStyle/>
+          <a:p>
+            <a:endParaRPr lang="en-US"/>
+          </a:p>
+        </p:txBody>
+      </p:sp>
+      <p:sp>
+        <p:nvSpPr>
+          <p:cNvPr id="6" name="Slide Number Placeholder 5">
+            <a:extLst>
+              <a:ext uri="{FF2B5EF4-FFF2-40B4-BE49-F238E27FC236}">
+                <a16:creationId xmlns:a16="http://schemas.microsoft.com/office/drawing/2014/main" id="{94B39E41-52BC-4DA4-A325-3A43CB11D30B}"/>
+              </a:ext>
+            </a:extLst>
+          </p:cNvPr>
+          <p:cNvSpPr>
+            <a:spLocks noGrp="1"/>
+          </p:cNvSpPr>
+          <p:nvPr>
+            <p:ph type="sldNum" sz="quarter" idx="12"/>
+          </p:nvPr>
+        </p:nvSpPr>
+        <p:spPr/>
+        <p:txBody>
+          <a:bodyPr/>
+          <a:lstStyle/>
+          <a:p>
+            <a:fld id="{28C95403-4E9A-41D7-AC40-F60FB3BD85A0}" type="slidenum">
+              <a:rPr lang="en-US" smtClean="0"/>
+              <a:t>‹#›</a:t>
+            </a:fld>
+            <a:endParaRPr lang="en-US"/>
+          </a:p>
+        </p:txBody>
+      </p:sp>
+    </p:spTree>
+    <p:extLst>
+      <p:ext uri="{BB962C8B-B14F-4D97-AF65-F5344CB8AC3E}">
+        <p14:creationId xmlns:p14="http://schemas.microsoft.com/office/powerpoint/2010/main" val="3169464957"/>
+      </p:ext>
+    </p:extLst>
+  </p:cSld>
+  <p:clrMapOvr>
+    <a:masterClrMapping/>
+  </p:clrMapOvr>
+</p:sldLayout>
+</file>
+
+<file path=ppt/slideLayouts/slideLayout27.xml><?xml version="1.0" encoding="utf-8"?>
+<p:sldLayout xmlns:a="http://schemas.openxmlformats.org/drawingml/2006/main" xmlns:r="http://schemas.openxmlformats.org/officeDocument/2006/relationships" xmlns:p="http://schemas.openxmlformats.org/presentationml/2006/main" type="vertTitleAndTx" preserve="1">
+  <p:cSld name="Vertical Title and Text">
+    <p:spTree>
+      <p:nvGrpSpPr>
+        <p:cNvPr id="1" name=""/>
+        <p:cNvGrpSpPr/>
+        <p:nvPr/>
+      </p:nvGrpSpPr>
+      <p:grpSpPr>
+        <a:xfrm>
+          <a:off x="0" y="0"/>
+          <a:ext cx="0" cy="0"/>
+          <a:chOff x="0" y="0"/>
+          <a:chExt cx="0" cy="0"/>
+        </a:xfrm>
+      </p:grpSpPr>
+      <p:sp>
+        <p:nvSpPr>
+          <p:cNvPr id="2" name="Vertical Title 1">
+            <a:extLst>
+              <a:ext uri="{FF2B5EF4-FFF2-40B4-BE49-F238E27FC236}">
+                <a16:creationId xmlns:a16="http://schemas.microsoft.com/office/drawing/2014/main" id="{293A86D1-2FAD-431A-BF96-7CA2EA40ADA1}"/>
+              </a:ext>
+            </a:extLst>
+          </p:cNvPr>
+          <p:cNvSpPr>
+            <a:spLocks noGrp="1"/>
+          </p:cNvSpPr>
+          <p:nvPr>
+            <p:ph type="title" orient="vert"/>
+          </p:nvPr>
+        </p:nvSpPr>
+        <p:spPr>
+          <a:xfrm>
+            <a:off x="6543675" y="365125"/>
+            <a:ext cx="1971675" cy="5811838"/>
+          </a:xfrm>
+        </p:spPr>
+        <p:txBody>
+          <a:bodyPr vert="eaVert"/>
+          <a:lstStyle/>
+          <a:p>
+            <a:r>
+              <a:rPr lang="en-US"/>
+              <a:t>Click to edit Master title style</a:t>
+            </a:r>
+          </a:p>
+        </p:txBody>
+      </p:sp>
+      <p:sp>
+        <p:nvSpPr>
+          <p:cNvPr id="3" name="Vertical Text Placeholder 2">
+            <a:extLst>
+              <a:ext uri="{FF2B5EF4-FFF2-40B4-BE49-F238E27FC236}">
+                <a16:creationId xmlns:a16="http://schemas.microsoft.com/office/drawing/2014/main" id="{4A67D599-A783-423C-9567-B2D13464BD6E}"/>
+              </a:ext>
+            </a:extLst>
+          </p:cNvPr>
+          <p:cNvSpPr>
+            <a:spLocks noGrp="1"/>
+          </p:cNvSpPr>
+          <p:nvPr>
+            <p:ph type="body" orient="vert" idx="1"/>
+          </p:nvPr>
+        </p:nvSpPr>
+        <p:spPr>
+          <a:xfrm>
+            <a:off x="628650" y="365125"/>
+            <a:ext cx="5800725" cy="5811838"/>
+          </a:xfrm>
+        </p:spPr>
+        <p:txBody>
+          <a:bodyPr vert="eaVert"/>
+          <a:lstStyle/>
+          <a:p>
+            <a:pPr lvl="0"/>
+            <a:r>
+              <a:rPr lang="en-US"/>
+              <a:t>Click to edit Master text styles</a:t>
+            </a:r>
+          </a:p>
+          <a:p>
+            <a:pPr lvl="1"/>
+            <a:r>
+              <a:rPr lang="en-US"/>
+              <a:t>Second level</a:t>
+            </a:r>
+          </a:p>
+          <a:p>
+            <a:pPr lvl="2"/>
+            <a:r>
+              <a:rPr lang="en-US"/>
+              <a:t>Third level</a:t>
+            </a:r>
+          </a:p>
+          <a:p>
+            <a:pPr lvl="3"/>
+            <a:r>
+              <a:rPr lang="en-US"/>
+              <a:t>Fourth level</a:t>
+            </a:r>
+          </a:p>
+          <a:p>
+            <a:pPr lvl="4"/>
+            <a:r>
+              <a:rPr lang="en-US"/>
+              <a:t>Fifth level</a:t>
+            </a:r>
+          </a:p>
+        </p:txBody>
+      </p:sp>
+      <p:sp>
+        <p:nvSpPr>
+          <p:cNvPr id="4" name="Date Placeholder 3">
+            <a:extLst>
+              <a:ext uri="{FF2B5EF4-FFF2-40B4-BE49-F238E27FC236}">
+                <a16:creationId xmlns:a16="http://schemas.microsoft.com/office/drawing/2014/main" id="{3D9A7F88-6A7E-4838-B32A-13C66C9A47FE}"/>
+              </a:ext>
+            </a:extLst>
+          </p:cNvPr>
+          <p:cNvSpPr>
+            <a:spLocks noGrp="1"/>
+          </p:cNvSpPr>
+          <p:nvPr>
+            <p:ph type="dt" sz="half" idx="10"/>
+          </p:nvPr>
+        </p:nvSpPr>
+        <p:spPr/>
+        <p:txBody>
+          <a:bodyPr/>
+          <a:lstStyle/>
+          <a:p>
+            <a:fld id="{440D235E-7DEE-46BF-B2F8-FEE76BCCEBEE}" type="datetimeFigureOut">
+              <a:rPr lang="en-US" smtClean="0"/>
+              <a:t>7/22/2021</a:t>
+            </a:fld>
+            <a:endParaRPr lang="en-US"/>
+          </a:p>
+        </p:txBody>
+      </p:sp>
+      <p:sp>
+        <p:nvSpPr>
+          <p:cNvPr id="5" name="Footer Placeholder 4">
+            <a:extLst>
+              <a:ext uri="{FF2B5EF4-FFF2-40B4-BE49-F238E27FC236}">
+                <a16:creationId xmlns:a16="http://schemas.microsoft.com/office/drawing/2014/main" id="{121985CB-15EF-45B4-8C45-23DD42163D3F}"/>
+              </a:ext>
+            </a:extLst>
+          </p:cNvPr>
+          <p:cNvSpPr>
+            <a:spLocks noGrp="1"/>
+          </p:cNvSpPr>
+          <p:nvPr>
+            <p:ph type="ftr" sz="quarter" idx="11"/>
+          </p:nvPr>
+        </p:nvSpPr>
+        <p:spPr/>
+        <p:txBody>
+          <a:bodyPr/>
+          <a:lstStyle/>
+          <a:p>
+            <a:endParaRPr lang="en-US"/>
+          </a:p>
+        </p:txBody>
+      </p:sp>
+      <p:sp>
+        <p:nvSpPr>
+          <p:cNvPr id="6" name="Slide Number Placeholder 5">
+            <a:extLst>
+              <a:ext uri="{FF2B5EF4-FFF2-40B4-BE49-F238E27FC236}">
+                <a16:creationId xmlns:a16="http://schemas.microsoft.com/office/drawing/2014/main" id="{4C53E4CE-7401-455D-9305-9E31A09216C9}"/>
+              </a:ext>
+            </a:extLst>
+          </p:cNvPr>
+          <p:cNvSpPr>
+            <a:spLocks noGrp="1"/>
+          </p:cNvSpPr>
+          <p:nvPr>
+            <p:ph type="sldNum" sz="quarter" idx="12"/>
+          </p:nvPr>
+        </p:nvSpPr>
+        <p:spPr/>
+        <p:txBody>
+          <a:bodyPr/>
+          <a:lstStyle/>
+          <a:p>
+            <a:fld id="{28C95403-4E9A-41D7-AC40-F60FB3BD85A0}" type="slidenum">
+              <a:rPr lang="en-US" smtClean="0"/>
+              <a:t>‹#›</a:t>
+            </a:fld>
+            <a:endParaRPr lang="en-US"/>
+          </a:p>
+        </p:txBody>
+      </p:sp>
+    </p:spTree>
+    <p:extLst>
+      <p:ext uri="{BB962C8B-B14F-4D97-AF65-F5344CB8AC3E}">
+        <p14:creationId xmlns:p14="http://schemas.microsoft.com/office/powerpoint/2010/main" val="2555619424"/>
       </p:ext>
     </p:extLst>
   </p:cSld>
@@ -7536,6 +10167,574 @@
 </p:sldMaster>
 </file>
 
+<file path=ppt/slideMasters/slideMaster2.xml><?xml version="1.0" encoding="utf-8"?>
+<p:sldMaster xmlns:a="http://schemas.openxmlformats.org/drawingml/2006/main" xmlns:r="http://schemas.openxmlformats.org/officeDocument/2006/relationships" xmlns:p="http://schemas.openxmlformats.org/presentationml/2006/main">
+  <p:cSld>
+    <p:bg>
+      <p:bgRef idx="1001">
+        <a:schemeClr val="bg1"/>
+      </p:bgRef>
+    </p:bg>
+    <p:spTree>
+      <p:nvGrpSpPr>
+        <p:cNvPr id="1" name=""/>
+        <p:cNvGrpSpPr/>
+        <p:nvPr/>
+      </p:nvGrpSpPr>
+      <p:grpSpPr>
+        <a:xfrm>
+          <a:off x="0" y="0"/>
+          <a:ext cx="0" cy="0"/>
+          <a:chOff x="0" y="0"/>
+          <a:chExt cx="0" cy="0"/>
+        </a:xfrm>
+      </p:grpSpPr>
+      <p:sp>
+        <p:nvSpPr>
+          <p:cNvPr id="2" name="Title Placeholder 1">
+            <a:extLst>
+              <a:ext uri="{FF2B5EF4-FFF2-40B4-BE49-F238E27FC236}">
+                <a16:creationId xmlns:a16="http://schemas.microsoft.com/office/drawing/2014/main" id="{176DC3A1-7F68-4BD7-BF0C-9262FABFD656}"/>
+              </a:ext>
+            </a:extLst>
+          </p:cNvPr>
+          <p:cNvSpPr>
+            <a:spLocks noGrp="1"/>
+          </p:cNvSpPr>
+          <p:nvPr>
+            <p:ph type="title"/>
+          </p:nvPr>
+        </p:nvSpPr>
+        <p:spPr>
+          <a:xfrm>
+            <a:off x="628650" y="365126"/>
+            <a:ext cx="7886700" cy="1325563"/>
+          </a:xfrm>
+          <a:prstGeom prst="rect">
+            <a:avLst/>
+          </a:prstGeom>
+        </p:spPr>
+        <p:txBody>
+          <a:bodyPr vert="horz" lIns="91440" tIns="45720" rIns="91440" bIns="45720" rtlCol="0" anchor="ctr">
+            <a:normAutofit/>
+          </a:bodyPr>
+          <a:lstStyle/>
+          <a:p>
+            <a:r>
+              <a:rPr lang="en-US"/>
+              <a:t>Click to edit Master title style</a:t>
+            </a:r>
+          </a:p>
+        </p:txBody>
+      </p:sp>
+      <p:sp>
+        <p:nvSpPr>
+          <p:cNvPr id="3" name="Text Placeholder 2">
+            <a:extLst>
+              <a:ext uri="{FF2B5EF4-FFF2-40B4-BE49-F238E27FC236}">
+                <a16:creationId xmlns:a16="http://schemas.microsoft.com/office/drawing/2014/main" id="{31C3AE66-1E04-4C71-82F6-BB335471A06C}"/>
+              </a:ext>
+            </a:extLst>
+          </p:cNvPr>
+          <p:cNvSpPr>
+            <a:spLocks noGrp="1"/>
+          </p:cNvSpPr>
+          <p:nvPr>
+            <p:ph type="body" idx="1"/>
+          </p:nvPr>
+        </p:nvSpPr>
+        <p:spPr>
+          <a:xfrm>
+            <a:off x="628650" y="1825625"/>
+            <a:ext cx="7886700" cy="4351338"/>
+          </a:xfrm>
+          <a:prstGeom prst="rect">
+            <a:avLst/>
+          </a:prstGeom>
+        </p:spPr>
+        <p:txBody>
+          <a:bodyPr vert="horz" lIns="91440" tIns="45720" rIns="91440" bIns="45720" rtlCol="0">
+            <a:normAutofit/>
+          </a:bodyPr>
+          <a:lstStyle/>
+          <a:p>
+            <a:pPr lvl="0"/>
+            <a:r>
+              <a:rPr lang="en-US"/>
+              <a:t>Click to edit Master text styles</a:t>
+            </a:r>
+          </a:p>
+          <a:p>
+            <a:pPr lvl="1"/>
+            <a:r>
+              <a:rPr lang="en-US"/>
+              <a:t>Second level</a:t>
+            </a:r>
+          </a:p>
+          <a:p>
+            <a:pPr lvl="2"/>
+            <a:r>
+              <a:rPr lang="en-US"/>
+              <a:t>Third level</a:t>
+            </a:r>
+          </a:p>
+          <a:p>
+            <a:pPr lvl="3"/>
+            <a:r>
+              <a:rPr lang="en-US"/>
+              <a:t>Fourth level</a:t>
+            </a:r>
+          </a:p>
+          <a:p>
+            <a:pPr lvl="4"/>
+            <a:r>
+              <a:rPr lang="en-US"/>
+              <a:t>Fifth level</a:t>
+            </a:r>
+          </a:p>
+        </p:txBody>
+      </p:sp>
+      <p:sp>
+        <p:nvSpPr>
+          <p:cNvPr id="4" name="Date Placeholder 3">
+            <a:extLst>
+              <a:ext uri="{FF2B5EF4-FFF2-40B4-BE49-F238E27FC236}">
+                <a16:creationId xmlns:a16="http://schemas.microsoft.com/office/drawing/2014/main" id="{B7C2E613-A70F-4708-A1D7-C27D20A6194A}"/>
+              </a:ext>
+            </a:extLst>
+          </p:cNvPr>
+          <p:cNvSpPr>
+            <a:spLocks noGrp="1"/>
+          </p:cNvSpPr>
+          <p:nvPr>
+            <p:ph type="dt" sz="half" idx="2"/>
+          </p:nvPr>
+        </p:nvSpPr>
+        <p:spPr>
+          <a:xfrm>
+            <a:off x="628650" y="6356351"/>
+            <a:ext cx="2057400" cy="365125"/>
+          </a:xfrm>
+          <a:prstGeom prst="rect">
+            <a:avLst/>
+          </a:prstGeom>
+        </p:spPr>
+        <p:txBody>
+          <a:bodyPr vert="horz" lIns="91440" tIns="45720" rIns="91440" bIns="45720" rtlCol="0" anchor="ctr"/>
+          <a:lstStyle>
+            <a:lvl1pPr algn="l">
+              <a:defRPr sz="900">
+                <a:solidFill>
+                  <a:schemeClr val="tx1">
+                    <a:tint val="75000"/>
+                  </a:schemeClr>
+                </a:solidFill>
+              </a:defRPr>
+            </a:lvl1pPr>
+          </a:lstStyle>
+          <a:p>
+            <a:fld id="{440D235E-7DEE-46BF-B2F8-FEE76BCCEBEE}" type="datetimeFigureOut">
+              <a:rPr lang="en-US" smtClean="0"/>
+              <a:t>7/22/2021</a:t>
+            </a:fld>
+            <a:endParaRPr lang="en-US"/>
+          </a:p>
+        </p:txBody>
+      </p:sp>
+      <p:sp>
+        <p:nvSpPr>
+          <p:cNvPr id="5" name="Footer Placeholder 4">
+            <a:extLst>
+              <a:ext uri="{FF2B5EF4-FFF2-40B4-BE49-F238E27FC236}">
+                <a16:creationId xmlns:a16="http://schemas.microsoft.com/office/drawing/2014/main" id="{E162AF42-008F-45C9-BEDC-C3B9BE72B8BA}"/>
+              </a:ext>
+            </a:extLst>
+          </p:cNvPr>
+          <p:cNvSpPr>
+            <a:spLocks noGrp="1"/>
+          </p:cNvSpPr>
+          <p:nvPr>
+            <p:ph type="ftr" sz="quarter" idx="3"/>
+          </p:nvPr>
+        </p:nvSpPr>
+        <p:spPr>
+          <a:xfrm>
+            <a:off x="3028950" y="6356351"/>
+            <a:ext cx="3086100" cy="365125"/>
+          </a:xfrm>
+          <a:prstGeom prst="rect">
+            <a:avLst/>
+          </a:prstGeom>
+        </p:spPr>
+        <p:txBody>
+          <a:bodyPr vert="horz" lIns="91440" tIns="45720" rIns="91440" bIns="45720" rtlCol="0" anchor="ctr"/>
+          <a:lstStyle>
+            <a:lvl1pPr algn="ctr">
+              <a:defRPr sz="900">
+                <a:solidFill>
+                  <a:schemeClr val="tx1">
+                    <a:tint val="75000"/>
+                  </a:schemeClr>
+                </a:solidFill>
+              </a:defRPr>
+            </a:lvl1pPr>
+          </a:lstStyle>
+          <a:p>
+            <a:endParaRPr lang="en-US"/>
+          </a:p>
+        </p:txBody>
+      </p:sp>
+      <p:sp>
+        <p:nvSpPr>
+          <p:cNvPr id="6" name="Slide Number Placeholder 5">
+            <a:extLst>
+              <a:ext uri="{FF2B5EF4-FFF2-40B4-BE49-F238E27FC236}">
+                <a16:creationId xmlns:a16="http://schemas.microsoft.com/office/drawing/2014/main" id="{30706097-E9E2-4AE7-A1AF-EDA7B2FAF49B}"/>
+              </a:ext>
+            </a:extLst>
+          </p:cNvPr>
+          <p:cNvSpPr>
+            <a:spLocks noGrp="1"/>
+          </p:cNvSpPr>
+          <p:nvPr>
+            <p:ph type="sldNum" sz="quarter" idx="4"/>
+          </p:nvPr>
+        </p:nvSpPr>
+        <p:spPr>
+          <a:xfrm>
+            <a:off x="6457950" y="6356351"/>
+            <a:ext cx="2057400" cy="365125"/>
+          </a:xfrm>
+          <a:prstGeom prst="rect">
+            <a:avLst/>
+          </a:prstGeom>
+        </p:spPr>
+        <p:txBody>
+          <a:bodyPr vert="horz" lIns="91440" tIns="45720" rIns="91440" bIns="45720" rtlCol="0" anchor="ctr"/>
+          <a:lstStyle>
+            <a:lvl1pPr algn="r">
+              <a:defRPr sz="900">
+                <a:solidFill>
+                  <a:schemeClr val="tx1">
+                    <a:tint val="75000"/>
+                  </a:schemeClr>
+                </a:solidFill>
+              </a:defRPr>
+            </a:lvl1pPr>
+          </a:lstStyle>
+          <a:p>
+            <a:fld id="{28C95403-4E9A-41D7-AC40-F60FB3BD85A0}" type="slidenum">
+              <a:rPr lang="en-US" smtClean="0"/>
+              <a:t>‹#›</a:t>
+            </a:fld>
+            <a:endParaRPr lang="en-US"/>
+          </a:p>
+        </p:txBody>
+      </p:sp>
+    </p:spTree>
+    <p:extLst>
+      <p:ext uri="{BB962C8B-B14F-4D97-AF65-F5344CB8AC3E}">
+        <p14:creationId xmlns:p14="http://schemas.microsoft.com/office/powerpoint/2010/main" val="1842802970"/>
+      </p:ext>
+    </p:extLst>
+  </p:cSld>
+  <p:clrMap bg1="lt1" tx1="dk1" bg2="lt2" tx2="dk2" accent1="accent1" accent2="accent2" accent3="accent3" accent4="accent4" accent5="accent5" accent6="accent6" hlink="hlink" folHlink="folHlink"/>
+  <p:sldLayoutIdLst>
+    <p:sldLayoutId id="2147483699" r:id="rId1"/>
+    <p:sldLayoutId id="2147483700" r:id="rId2"/>
+    <p:sldLayoutId id="2147483701" r:id="rId3"/>
+    <p:sldLayoutId id="2147483702" r:id="rId4"/>
+    <p:sldLayoutId id="2147483703" r:id="rId5"/>
+    <p:sldLayoutId id="2147483704" r:id="rId6"/>
+    <p:sldLayoutId id="2147483705" r:id="rId7"/>
+    <p:sldLayoutId id="2147483706" r:id="rId8"/>
+    <p:sldLayoutId id="2147483707" r:id="rId9"/>
+    <p:sldLayoutId id="2147483708" r:id="rId10"/>
+    <p:sldLayoutId id="2147483709" r:id="rId11"/>
+  </p:sldLayoutIdLst>
+  <p:txStyles>
+    <p:titleStyle>
+      <a:lvl1pPr algn="l" defTabSz="685800" rtl="0" eaLnBrk="1" latinLnBrk="0" hangingPunct="1">
+        <a:lnSpc>
+          <a:spcPct val="90000"/>
+        </a:lnSpc>
+        <a:spcBef>
+          <a:spcPct val="0"/>
+        </a:spcBef>
+        <a:buNone/>
+        <a:defRPr sz="3300" kern="1200">
+          <a:solidFill>
+            <a:schemeClr val="tx1"/>
+          </a:solidFill>
+          <a:latin typeface="+mj-lt"/>
+          <a:ea typeface="+mj-ea"/>
+          <a:cs typeface="+mj-cs"/>
+        </a:defRPr>
+      </a:lvl1pPr>
+    </p:titleStyle>
+    <p:bodyStyle>
+      <a:lvl1pPr marL="171450" indent="-171450" algn="l" defTabSz="685800" rtl="0" eaLnBrk="1" latinLnBrk="0" hangingPunct="1">
+        <a:lnSpc>
+          <a:spcPct val="90000"/>
+        </a:lnSpc>
+        <a:spcBef>
+          <a:spcPts val="750"/>
+        </a:spcBef>
+        <a:buFont typeface="Arial" panose="020B0604020202020204" pitchFamily="34" charset="0"/>
+        <a:buChar char="•"/>
+        <a:defRPr sz="2100" kern="1200">
+          <a:solidFill>
+            <a:schemeClr val="tx1"/>
+          </a:solidFill>
+          <a:latin typeface="+mn-lt"/>
+          <a:ea typeface="+mn-ea"/>
+          <a:cs typeface="+mn-cs"/>
+        </a:defRPr>
+      </a:lvl1pPr>
+      <a:lvl2pPr marL="514350" indent="-171450" algn="l" defTabSz="685800" rtl="0" eaLnBrk="1" latinLnBrk="0" hangingPunct="1">
+        <a:lnSpc>
+          <a:spcPct val="90000"/>
+        </a:lnSpc>
+        <a:spcBef>
+          <a:spcPts val="375"/>
+        </a:spcBef>
+        <a:buFont typeface="Arial" panose="020B0604020202020204" pitchFamily="34" charset="0"/>
+        <a:buChar char="•"/>
+        <a:defRPr sz="1800" kern="1200">
+          <a:solidFill>
+            <a:schemeClr val="tx1"/>
+          </a:solidFill>
+          <a:latin typeface="+mn-lt"/>
+          <a:ea typeface="+mn-ea"/>
+          <a:cs typeface="+mn-cs"/>
+        </a:defRPr>
+      </a:lvl2pPr>
+      <a:lvl3pPr marL="857250" indent="-171450" algn="l" defTabSz="685800" rtl="0" eaLnBrk="1" latinLnBrk="0" hangingPunct="1">
+        <a:lnSpc>
+          <a:spcPct val="90000"/>
+        </a:lnSpc>
+        <a:spcBef>
+          <a:spcPts val="375"/>
+        </a:spcBef>
+        <a:buFont typeface="Arial" panose="020B0604020202020204" pitchFamily="34" charset="0"/>
+        <a:buChar char="•"/>
+        <a:defRPr sz="1500" kern="1200">
+          <a:solidFill>
+            <a:schemeClr val="tx1"/>
+          </a:solidFill>
+          <a:latin typeface="+mn-lt"/>
+          <a:ea typeface="+mn-ea"/>
+          <a:cs typeface="+mn-cs"/>
+        </a:defRPr>
+      </a:lvl3pPr>
+      <a:lvl4pPr marL="1200150" indent="-171450" algn="l" defTabSz="685800" rtl="0" eaLnBrk="1" latinLnBrk="0" hangingPunct="1">
+        <a:lnSpc>
+          <a:spcPct val="90000"/>
+        </a:lnSpc>
+        <a:spcBef>
+          <a:spcPts val="375"/>
+        </a:spcBef>
+        <a:buFont typeface="Arial" panose="020B0604020202020204" pitchFamily="34" charset="0"/>
+        <a:buChar char="•"/>
+        <a:defRPr sz="1350" kern="1200">
+          <a:solidFill>
+            <a:schemeClr val="tx1"/>
+          </a:solidFill>
+          <a:latin typeface="+mn-lt"/>
+          <a:ea typeface="+mn-ea"/>
+          <a:cs typeface="+mn-cs"/>
+        </a:defRPr>
+      </a:lvl4pPr>
+      <a:lvl5pPr marL="1543050" indent="-171450" algn="l" defTabSz="685800" rtl="0" eaLnBrk="1" latinLnBrk="0" hangingPunct="1">
+        <a:lnSpc>
+          <a:spcPct val="90000"/>
+        </a:lnSpc>
+        <a:spcBef>
+          <a:spcPts val="375"/>
+        </a:spcBef>
+        <a:buFont typeface="Arial" panose="020B0604020202020204" pitchFamily="34" charset="0"/>
+        <a:buChar char="•"/>
+        <a:defRPr sz="1350" kern="1200">
+          <a:solidFill>
+            <a:schemeClr val="tx1"/>
+          </a:solidFill>
+          <a:latin typeface="+mn-lt"/>
+          <a:ea typeface="+mn-ea"/>
+          <a:cs typeface="+mn-cs"/>
+        </a:defRPr>
+      </a:lvl5pPr>
+      <a:lvl6pPr marL="1885950" indent="-171450" algn="l" defTabSz="685800" rtl="0" eaLnBrk="1" latinLnBrk="0" hangingPunct="1">
+        <a:lnSpc>
+          <a:spcPct val="90000"/>
+        </a:lnSpc>
+        <a:spcBef>
+          <a:spcPts val="375"/>
+        </a:spcBef>
+        <a:buFont typeface="Arial" panose="020B0604020202020204" pitchFamily="34" charset="0"/>
+        <a:buChar char="•"/>
+        <a:defRPr sz="1350" kern="1200">
+          <a:solidFill>
+            <a:schemeClr val="tx1"/>
+          </a:solidFill>
+          <a:latin typeface="+mn-lt"/>
+          <a:ea typeface="+mn-ea"/>
+          <a:cs typeface="+mn-cs"/>
+        </a:defRPr>
+      </a:lvl6pPr>
+      <a:lvl7pPr marL="2228850" indent="-171450" algn="l" defTabSz="685800" rtl="0" eaLnBrk="1" latinLnBrk="0" hangingPunct="1">
+        <a:lnSpc>
+          <a:spcPct val="90000"/>
+        </a:lnSpc>
+        <a:spcBef>
+          <a:spcPts val="375"/>
+        </a:spcBef>
+        <a:buFont typeface="Arial" panose="020B0604020202020204" pitchFamily="34" charset="0"/>
+        <a:buChar char="•"/>
+        <a:defRPr sz="1350" kern="1200">
+          <a:solidFill>
+            <a:schemeClr val="tx1"/>
+          </a:solidFill>
+          <a:latin typeface="+mn-lt"/>
+          <a:ea typeface="+mn-ea"/>
+          <a:cs typeface="+mn-cs"/>
+        </a:defRPr>
+      </a:lvl7pPr>
+      <a:lvl8pPr marL="2571750" indent="-171450" algn="l" defTabSz="685800" rtl="0" eaLnBrk="1" latinLnBrk="0" hangingPunct="1">
+        <a:lnSpc>
+          <a:spcPct val="90000"/>
+        </a:lnSpc>
+        <a:spcBef>
+          <a:spcPts val="375"/>
+        </a:spcBef>
+        <a:buFont typeface="Arial" panose="020B0604020202020204" pitchFamily="34" charset="0"/>
+        <a:buChar char="•"/>
+        <a:defRPr sz="1350" kern="1200">
+          <a:solidFill>
+            <a:schemeClr val="tx1"/>
+          </a:solidFill>
+          <a:latin typeface="+mn-lt"/>
+          <a:ea typeface="+mn-ea"/>
+          <a:cs typeface="+mn-cs"/>
+        </a:defRPr>
+      </a:lvl8pPr>
+      <a:lvl9pPr marL="2914650" indent="-171450" algn="l" defTabSz="685800" rtl="0" eaLnBrk="1" latinLnBrk="0" hangingPunct="1">
+        <a:lnSpc>
+          <a:spcPct val="90000"/>
+        </a:lnSpc>
+        <a:spcBef>
+          <a:spcPts val="375"/>
+        </a:spcBef>
+        <a:buFont typeface="Arial" panose="020B0604020202020204" pitchFamily="34" charset="0"/>
+        <a:buChar char="•"/>
+        <a:defRPr sz="1350" kern="1200">
+          <a:solidFill>
+            <a:schemeClr val="tx1"/>
+          </a:solidFill>
+          <a:latin typeface="+mn-lt"/>
+          <a:ea typeface="+mn-ea"/>
+          <a:cs typeface="+mn-cs"/>
+        </a:defRPr>
+      </a:lvl9pPr>
+    </p:bodyStyle>
+    <p:otherStyle>
+      <a:defPPr>
+        <a:defRPr lang="en-US"/>
+      </a:defPPr>
+      <a:lvl1pPr marL="0" algn="l" defTabSz="685800" rtl="0" eaLnBrk="1" latinLnBrk="0" hangingPunct="1">
+        <a:defRPr sz="1350" kern="1200">
+          <a:solidFill>
+            <a:schemeClr val="tx1"/>
+          </a:solidFill>
+          <a:latin typeface="+mn-lt"/>
+          <a:ea typeface="+mn-ea"/>
+          <a:cs typeface="+mn-cs"/>
+        </a:defRPr>
+      </a:lvl1pPr>
+      <a:lvl2pPr marL="342900" algn="l" defTabSz="685800" rtl="0" eaLnBrk="1" latinLnBrk="0" hangingPunct="1">
+        <a:defRPr sz="1350" kern="1200">
+          <a:solidFill>
+            <a:schemeClr val="tx1"/>
+          </a:solidFill>
+          <a:latin typeface="+mn-lt"/>
+          <a:ea typeface="+mn-ea"/>
+          <a:cs typeface="+mn-cs"/>
+        </a:defRPr>
+      </a:lvl2pPr>
+      <a:lvl3pPr marL="685800" algn="l" defTabSz="685800" rtl="0" eaLnBrk="1" latinLnBrk="0" hangingPunct="1">
+        <a:defRPr sz="1350" kern="1200">
+          <a:solidFill>
+            <a:schemeClr val="tx1"/>
+          </a:solidFill>
+          <a:latin typeface="+mn-lt"/>
+          <a:ea typeface="+mn-ea"/>
+          <a:cs typeface="+mn-cs"/>
+        </a:defRPr>
+      </a:lvl3pPr>
+      <a:lvl4pPr marL="1028700" algn="l" defTabSz="685800" rtl="0" eaLnBrk="1" latinLnBrk="0" hangingPunct="1">
+        <a:defRPr sz="1350" kern="1200">
+          <a:solidFill>
+            <a:schemeClr val="tx1"/>
+          </a:solidFill>
+          <a:latin typeface="+mn-lt"/>
+          <a:ea typeface="+mn-ea"/>
+          <a:cs typeface="+mn-cs"/>
+        </a:defRPr>
+      </a:lvl4pPr>
+      <a:lvl5pPr marL="1371600" algn="l" defTabSz="685800" rtl="0" eaLnBrk="1" latinLnBrk="0" hangingPunct="1">
+        <a:defRPr sz="1350" kern="1200">
+          <a:solidFill>
+            <a:schemeClr val="tx1"/>
+          </a:solidFill>
+          <a:latin typeface="+mn-lt"/>
+          <a:ea typeface="+mn-ea"/>
+          <a:cs typeface="+mn-cs"/>
+        </a:defRPr>
+      </a:lvl5pPr>
+      <a:lvl6pPr marL="1714500" algn="l" defTabSz="685800" rtl="0" eaLnBrk="1" latinLnBrk="0" hangingPunct="1">
+        <a:defRPr sz="1350" kern="1200">
+          <a:solidFill>
+            <a:schemeClr val="tx1"/>
+          </a:solidFill>
+          <a:latin typeface="+mn-lt"/>
+          <a:ea typeface="+mn-ea"/>
+          <a:cs typeface="+mn-cs"/>
+        </a:defRPr>
+      </a:lvl6pPr>
+      <a:lvl7pPr marL="2057400" algn="l" defTabSz="685800" rtl="0" eaLnBrk="1" latinLnBrk="0" hangingPunct="1">
+        <a:defRPr sz="1350" kern="1200">
+          <a:solidFill>
+            <a:schemeClr val="tx1"/>
+          </a:solidFill>
+          <a:latin typeface="+mn-lt"/>
+          <a:ea typeface="+mn-ea"/>
+          <a:cs typeface="+mn-cs"/>
+        </a:defRPr>
+      </a:lvl7pPr>
+      <a:lvl8pPr marL="2400300" algn="l" defTabSz="685800" rtl="0" eaLnBrk="1" latinLnBrk="0" hangingPunct="1">
+        <a:defRPr sz="1350" kern="1200">
+          <a:solidFill>
+            <a:schemeClr val="tx1"/>
+          </a:solidFill>
+          <a:latin typeface="+mn-lt"/>
+          <a:ea typeface="+mn-ea"/>
+          <a:cs typeface="+mn-cs"/>
+        </a:defRPr>
+      </a:lvl8pPr>
+      <a:lvl9pPr marL="2743200" algn="l" defTabSz="685800" rtl="0" eaLnBrk="1" latinLnBrk="0" hangingPunct="1">
+        <a:defRPr sz="1350" kern="1200">
+          <a:solidFill>
+            <a:schemeClr val="tx1"/>
+          </a:solidFill>
+          <a:latin typeface="+mn-lt"/>
+          <a:ea typeface="+mn-ea"/>
+          <a:cs typeface="+mn-cs"/>
+        </a:defRPr>
+      </a:lvl9pPr>
+    </p:otherStyle>
+  </p:txStyles>
+</p:sldMaster>
+</file>
+
 <file path=ppt/slides/slide1.xml><?xml version="1.0" encoding="utf-8"?>
 <p:sld xmlns:a="http://schemas.openxmlformats.org/drawingml/2006/main" xmlns:r="http://schemas.openxmlformats.org/officeDocument/2006/relationships" xmlns:p="http://schemas.openxmlformats.org/presentationml/2006/main">
   <p:cSld>
@@ -7695,10 +10894,123 @@
                 <a:cs typeface="Times New Roman" panose="02020603050405020304" pitchFamily="18" charset="0"/>
               </a:rPr>
             </a:br>
-            <a:r>
+            <a:br>
               <a:rPr lang="en-GB" b="1" u="sng" dirty="0">
                 <a:solidFill>
                   <a:srgbClr val="000000"/>
+                </a:solidFill>
+                <a:effectLst/>
+                <a:latin typeface="Verdana" panose="020B0604030504040204" pitchFamily="34" charset="0"/>
+                <a:ea typeface="Times New Roman" panose="02020603050405020304" pitchFamily="18" charset="0"/>
+                <a:cs typeface="Times New Roman" panose="02020603050405020304" pitchFamily="18" charset="0"/>
+              </a:rPr>
+            </a:br>
+            <a:br>
+              <a:rPr lang="en-GB" b="1" u="sng" dirty="0">
+                <a:solidFill>
+                  <a:srgbClr val="000000"/>
+                </a:solidFill>
+                <a:effectLst/>
+                <a:latin typeface="Verdana" panose="020B0604030504040204" pitchFamily="34" charset="0"/>
+                <a:ea typeface="Times New Roman" panose="02020603050405020304" pitchFamily="18" charset="0"/>
+                <a:cs typeface="Times New Roman" panose="02020603050405020304" pitchFamily="18" charset="0"/>
+              </a:rPr>
+            </a:br>
+            <a:br>
+              <a:rPr lang="en-GB" b="1" u="sng" dirty="0">
+                <a:solidFill>
+                  <a:srgbClr val="000000"/>
+                </a:solidFill>
+                <a:effectLst/>
+                <a:latin typeface="Verdana" panose="020B0604030504040204" pitchFamily="34" charset="0"/>
+                <a:ea typeface="Times New Roman" panose="02020603050405020304" pitchFamily="18" charset="0"/>
+                <a:cs typeface="Times New Roman" panose="02020603050405020304" pitchFamily="18" charset="0"/>
+              </a:rPr>
+            </a:br>
+            <a:br>
+              <a:rPr lang="en-GB" b="1" u="sng" dirty="0">
+                <a:solidFill>
+                  <a:srgbClr val="000000"/>
+                </a:solidFill>
+                <a:effectLst/>
+                <a:latin typeface="Verdana" panose="020B0604030504040204" pitchFamily="34" charset="0"/>
+                <a:ea typeface="Times New Roman" panose="02020603050405020304" pitchFamily="18" charset="0"/>
+                <a:cs typeface="Times New Roman" panose="02020603050405020304" pitchFamily="18" charset="0"/>
+              </a:rPr>
+            </a:br>
+            <a:br>
+              <a:rPr lang="en-GB" b="1" u="sng" dirty="0">
+                <a:solidFill>
+                  <a:srgbClr val="000000"/>
+                </a:solidFill>
+                <a:effectLst/>
+                <a:latin typeface="Verdana" panose="020B0604030504040204" pitchFamily="34" charset="0"/>
+                <a:ea typeface="Times New Roman" panose="02020603050405020304" pitchFamily="18" charset="0"/>
+                <a:cs typeface="Times New Roman" panose="02020603050405020304" pitchFamily="18" charset="0"/>
+              </a:rPr>
+            </a:br>
+            <a:br>
+              <a:rPr lang="en-GB" b="1" u="sng" dirty="0">
+                <a:solidFill>
+                  <a:srgbClr val="000000"/>
+                </a:solidFill>
+                <a:effectLst/>
+                <a:latin typeface="Verdana" panose="020B0604030504040204" pitchFamily="34" charset="0"/>
+                <a:ea typeface="Times New Roman" panose="02020603050405020304" pitchFamily="18" charset="0"/>
+                <a:cs typeface="Times New Roman" panose="02020603050405020304" pitchFamily="18" charset="0"/>
+              </a:rPr>
+            </a:br>
+            <a:br>
+              <a:rPr lang="en-GB" b="1" u="sng" dirty="0">
+                <a:solidFill>
+                  <a:srgbClr val="000000"/>
+                </a:solidFill>
+                <a:effectLst/>
+                <a:latin typeface="Verdana" panose="020B0604030504040204" pitchFamily="34" charset="0"/>
+                <a:ea typeface="Times New Roman" panose="02020603050405020304" pitchFamily="18" charset="0"/>
+                <a:cs typeface="Times New Roman" panose="02020603050405020304" pitchFamily="18" charset="0"/>
+              </a:rPr>
+            </a:br>
+            <a:br>
+              <a:rPr lang="en-GB" b="1" u="sng" dirty="0">
+                <a:solidFill>
+                  <a:srgbClr val="000000"/>
+                </a:solidFill>
+                <a:effectLst/>
+                <a:latin typeface="Verdana" panose="020B0604030504040204" pitchFamily="34" charset="0"/>
+                <a:ea typeface="Times New Roman" panose="02020603050405020304" pitchFamily="18" charset="0"/>
+                <a:cs typeface="Times New Roman" panose="02020603050405020304" pitchFamily="18" charset="0"/>
+              </a:rPr>
+            </a:br>
+            <a:br>
+              <a:rPr lang="en-GB" b="1" u="sng" dirty="0">
+                <a:solidFill>
+                  <a:srgbClr val="000000"/>
+                </a:solidFill>
+                <a:effectLst/>
+                <a:latin typeface="Verdana" panose="020B0604030504040204" pitchFamily="34" charset="0"/>
+                <a:ea typeface="Times New Roman" panose="02020603050405020304" pitchFamily="18" charset="0"/>
+                <a:cs typeface="Times New Roman" panose="02020603050405020304" pitchFamily="18" charset="0"/>
+              </a:rPr>
+            </a:br>
+            <a:br>
+              <a:rPr lang="en-GB" b="1" u="sng" dirty="0">
+                <a:solidFill>
+                  <a:srgbClr val="000000"/>
+                </a:solidFill>
+                <a:effectLst/>
+                <a:latin typeface="Verdana" panose="020B0604030504040204" pitchFamily="34" charset="0"/>
+                <a:ea typeface="Times New Roman" panose="02020603050405020304" pitchFamily="18" charset="0"/>
+                <a:cs typeface="Times New Roman" panose="02020603050405020304" pitchFamily="18" charset="0"/>
+              </a:rPr>
+            </a:br>
+            <a:r>
+              <a:rPr kumimoji="0" lang="en-US" altLang="en-US" sz="2400" b="1" i="0" strike="noStrike" cap="none" normalizeH="0" baseline="0" dirty="0">
+                <a:ln>
+                  <a:noFill/>
+                </a:ln>
+                <a:solidFill>
+                  <a:schemeClr val="tx1"/>
                 </a:solidFill>
                 <a:effectLst/>
                 <a:latin typeface="Verdana" panose="020B0604030504040204" pitchFamily="34" charset="0"/>
@@ -7708,36 +11020,97 @@
               <a:t>Automated </a:t>
             </a:r>
             <a:r>
-              <a:rPr lang="en-GB" b="1" i="1" u="sng" dirty="0">
-                <a:solidFill>
-                  <a:srgbClr val="000000"/>
+              <a:rPr kumimoji="0" lang="en-US" altLang="en-US" sz="2400" b="1" i="1" strike="noStrike" cap="none" normalizeH="0" baseline="0" dirty="0">
+                <a:ln>
+                  <a:noFill/>
+                </a:ln>
+                <a:solidFill>
+                  <a:schemeClr val="tx1"/>
                 </a:solidFill>
                 <a:effectLst/>
                 <a:latin typeface="Verdana" panose="020B0604030504040204" pitchFamily="34" charset="0"/>
                 <a:ea typeface="Times New Roman" panose="02020603050405020304" pitchFamily="18" charset="0"/>
                 <a:cs typeface="Times New Roman" panose="02020603050405020304" pitchFamily="18" charset="0"/>
               </a:rPr>
-              <a:t>in-situ </a:t>
-            </a:r>
-            <a:r>
-              <a:rPr lang="en-GB" b="1" u="sng" dirty="0">
-                <a:solidFill>
-                  <a:srgbClr val="000000"/>
+              <a:t>in-situ</a:t>
+            </a:r>
+            <a:r>
+              <a:rPr kumimoji="0" lang="en-US" altLang="en-US" sz="2400" b="1" i="0" strike="noStrike" cap="none" normalizeH="0" baseline="0" dirty="0">
+                <a:ln>
+                  <a:noFill/>
+                </a:ln>
+                <a:solidFill>
+                  <a:schemeClr val="tx1"/>
                 </a:solidFill>
                 <a:effectLst/>
                 <a:latin typeface="Verdana" panose="020B0604030504040204" pitchFamily="34" charset="0"/>
                 <a:ea typeface="Times New Roman" panose="02020603050405020304" pitchFamily="18" charset="0"/>
                 <a:cs typeface="Times New Roman" panose="02020603050405020304" pitchFamily="18" charset="0"/>
               </a:rPr>
-              <a:t>sensors &amp; Spatiotemporal Monitoring &amp; Machine Learning prediction of Harmful Algal Blooms</a:t>
-            </a:r>
+              <a:t> sensors &amp; spatiotemporal modelling to monitor Harmful </a:t>
+            </a:r>
+            <a:r>
+              <a:rPr lang="en-US" altLang="en-US" dirty="0">
+                <a:ea typeface="Times New Roman" panose="02020603050405020304" pitchFamily="18" charset="0"/>
+                <a:cs typeface="Times New Roman" panose="02020603050405020304" pitchFamily="18" charset="0"/>
+              </a:rPr>
+              <a:t>A</a:t>
+            </a:r>
+            <a:r>
+              <a:rPr kumimoji="0" lang="en-US" altLang="en-US" sz="2400" b="1" i="0" strike="noStrike" cap="none" normalizeH="0" baseline="0" dirty="0">
+                <a:ln>
+                  <a:noFill/>
+                </a:ln>
+                <a:solidFill>
+                  <a:schemeClr val="tx1"/>
+                </a:solidFill>
+                <a:effectLst/>
+                <a:latin typeface="Verdana" panose="020B0604030504040204" pitchFamily="34" charset="0"/>
+                <a:ea typeface="Times New Roman" panose="02020603050405020304" pitchFamily="18" charset="0"/>
+                <a:cs typeface="Times New Roman" panose="02020603050405020304" pitchFamily="18" charset="0"/>
+              </a:rPr>
+              <a:t>lgal </a:t>
+            </a:r>
+            <a:r>
+              <a:rPr lang="en-US" altLang="en-US" dirty="0">
+                <a:ea typeface="Times New Roman" panose="02020603050405020304" pitchFamily="18" charset="0"/>
+                <a:cs typeface="Times New Roman" panose="02020603050405020304" pitchFamily="18" charset="0"/>
+              </a:rPr>
+              <a:t>B</a:t>
+            </a:r>
+            <a:r>
+              <a:rPr kumimoji="0" lang="en-US" altLang="en-US" sz="2400" b="1" i="0" strike="noStrike" cap="none" normalizeH="0" baseline="0" dirty="0">
+                <a:ln>
+                  <a:noFill/>
+                </a:ln>
+                <a:solidFill>
+                  <a:schemeClr val="tx1"/>
+                </a:solidFill>
+                <a:effectLst/>
+                <a:latin typeface="Verdana" panose="020B0604030504040204" pitchFamily="34" charset="0"/>
+                <a:ea typeface="Times New Roman" panose="02020603050405020304" pitchFamily="18" charset="0"/>
+                <a:cs typeface="Times New Roman" panose="02020603050405020304" pitchFamily="18" charset="0"/>
+              </a:rPr>
+              <a:t>looms(HABs)</a:t>
+            </a:r>
+            <a:br>
+              <a:rPr lang="en-GB" b="1" u="sng" dirty="0">
+                <a:solidFill>
+                  <a:srgbClr val="000000"/>
+                </a:solidFill>
+                <a:effectLst/>
+                <a:latin typeface="Verdana" panose="020B0604030504040204" pitchFamily="34" charset="0"/>
+                <a:ea typeface="Times New Roman" panose="02020603050405020304" pitchFamily="18" charset="0"/>
+                <a:cs typeface="Times New Roman" panose="02020603050405020304" pitchFamily="18" charset="0"/>
+              </a:rPr>
+            </a:br>
             <a:r>
               <a:rPr lang="en-US" sz="1600" dirty="0">
                 <a:effectLst/>
                 <a:latin typeface="Calibri" panose="020F0502020204030204" pitchFamily="34" charset="0"/>
                 <a:ea typeface="Calibri" panose="020F0502020204030204" pitchFamily="34" charset="0"/>
               </a:rPr>
-              <a:t>					</a:t>
+              <a:t>			</a:t>
             </a:r>
             <a:br>
               <a:rPr lang="en-US" sz="1600" dirty="0">
@@ -7780,7 +11153,7 @@
         </p:nvSpPr>
         <p:spPr bwMode="auto">
           <a:xfrm>
-            <a:off x="23127" y="3789040"/>
+            <a:off x="251520" y="3645024"/>
             <a:ext cx="6528520" cy="978729"/>
           </a:xfrm>
           <a:prstGeom prst="rect">
@@ -8062,6 +11435,422 @@
       </p:grpSpPr>
       <p:sp>
         <p:nvSpPr>
+          <p:cNvPr id="2" name="Text Placeholder 1">
+            <a:extLst>
+              <a:ext uri="{FF2B5EF4-FFF2-40B4-BE49-F238E27FC236}">
+                <a16:creationId xmlns:a16="http://schemas.microsoft.com/office/drawing/2014/main" id="{327FB035-4EC4-45C3-8B2F-AED423F29F13}"/>
+              </a:ext>
+            </a:extLst>
+          </p:cNvPr>
+          <p:cNvSpPr>
+            <a:spLocks noGrp="1"/>
+          </p:cNvSpPr>
+          <p:nvPr>
+            <p:ph type="body" idx="1"/>
+          </p:nvPr>
+        </p:nvSpPr>
+        <p:spPr/>
+        <p:txBody>
+          <a:bodyPr/>
+          <a:lstStyle/>
+          <a:p>
+            <a:pPr marL="514350" marR="0" lvl="0" indent="-514350" fontAlgn="base">
+              <a:lnSpc>
+                <a:spcPct val="107000"/>
+              </a:lnSpc>
+              <a:spcBef>
+                <a:spcPts val="0"/>
+              </a:spcBef>
+              <a:spcAft>
+                <a:spcPts val="0"/>
+              </a:spcAft>
+              <a:buSzPts val="1000"/>
+              <a:buFont typeface="+mj-lt"/>
+              <a:buAutoNum type="romanUcPeriod"/>
+              <a:tabLst>
+                <a:tab pos="457200" algn="l"/>
+              </a:tabLst>
+            </a:pPr>
+            <a:r>
+              <a:rPr lang="en-GB" b="0" dirty="0">
+                <a:solidFill>
+                  <a:srgbClr val="000000"/>
+                </a:solidFill>
+                <a:effectLst/>
+                <a:cs typeface="Times New Roman" panose="02020603050405020304" pitchFamily="18" charset="0"/>
+              </a:rPr>
+              <a:t>Chlorophyl-a Geographical</a:t>
+            </a:r>
+            <a:r>
+              <a:rPr lang="en-GB" b="0" dirty="0">
+                <a:solidFill>
+                  <a:srgbClr val="00B0F0"/>
+                </a:solidFill>
+                <a:effectLst/>
+                <a:cs typeface="Times New Roman" panose="02020603050405020304" pitchFamily="18" charset="0"/>
+              </a:rPr>
+              <a:t> Maps </a:t>
+            </a:r>
+            <a:r>
+              <a:rPr lang="en-GB" b="0" dirty="0">
+                <a:solidFill>
+                  <a:srgbClr val="000000"/>
+                </a:solidFill>
+                <a:effectLst/>
+                <a:cs typeface="Times New Roman" panose="02020603050405020304" pitchFamily="18" charset="0"/>
+              </a:rPr>
+              <a:t>associating the occurrence of the Harmful Algal Blooms and Cyanobacteria.</a:t>
+            </a:r>
+          </a:p>
+          <a:p>
+            <a:pPr marL="514350" marR="0" lvl="0" indent="-514350" fontAlgn="base">
+              <a:lnSpc>
+                <a:spcPct val="107000"/>
+              </a:lnSpc>
+              <a:spcBef>
+                <a:spcPts val="0"/>
+              </a:spcBef>
+              <a:spcAft>
+                <a:spcPts val="0"/>
+              </a:spcAft>
+              <a:buSzPts val="1000"/>
+              <a:buFont typeface="+mj-lt"/>
+              <a:buAutoNum type="romanUcPeriod"/>
+              <a:tabLst>
+                <a:tab pos="457200" algn="l"/>
+              </a:tabLst>
+            </a:pPr>
+            <a:endParaRPr lang="en-GB" b="0" dirty="0">
+              <a:solidFill>
+                <a:srgbClr val="000000"/>
+              </a:solidFill>
+              <a:effectLst/>
+              <a:cs typeface="Times New Roman" panose="02020603050405020304" pitchFamily="18" charset="0"/>
+            </a:endParaRPr>
+          </a:p>
+          <a:p>
+            <a:pPr marL="514350" marR="0" lvl="0" indent="-514350" fontAlgn="base">
+              <a:lnSpc>
+                <a:spcPct val="107000"/>
+              </a:lnSpc>
+              <a:spcBef>
+                <a:spcPts val="0"/>
+              </a:spcBef>
+              <a:spcAft>
+                <a:spcPts val="0"/>
+              </a:spcAft>
+              <a:buSzPts val="1000"/>
+              <a:buFont typeface="+mj-lt"/>
+              <a:buAutoNum type="romanUcPeriod"/>
+              <a:tabLst>
+                <a:tab pos="457200" algn="l"/>
+              </a:tabLst>
+            </a:pPr>
+            <a:r>
+              <a:rPr lang="en-GB" b="0" dirty="0">
+                <a:solidFill>
+                  <a:srgbClr val="00B0F0"/>
+                </a:solidFill>
+                <a:effectLst/>
+                <a:cs typeface="Times New Roman" panose="02020603050405020304" pitchFamily="18" charset="0"/>
+              </a:rPr>
+              <a:t>Autonomous</a:t>
+            </a:r>
+            <a:r>
+              <a:rPr lang="en-GB" b="0" dirty="0">
+                <a:solidFill>
+                  <a:srgbClr val="000000"/>
+                </a:solidFill>
+                <a:effectLst/>
+                <a:cs typeface="Times New Roman" panose="02020603050405020304" pitchFamily="18" charset="0"/>
+              </a:rPr>
+              <a:t> system that monitors and reports </a:t>
+            </a:r>
+            <a:r>
+              <a:rPr lang="en-GB" b="0" dirty="0">
+                <a:solidFill>
+                  <a:srgbClr val="00B0F0"/>
+                </a:solidFill>
+                <a:effectLst/>
+                <a:cs typeface="Times New Roman" panose="02020603050405020304" pitchFamily="18" charset="0"/>
+              </a:rPr>
+              <a:t>geo-tagged </a:t>
+            </a:r>
+            <a:r>
+              <a:rPr lang="en-GB" b="0" dirty="0">
+                <a:solidFill>
+                  <a:srgbClr val="000000"/>
+                </a:solidFill>
+                <a:effectLst/>
+                <a:cs typeface="Times New Roman" panose="02020603050405020304" pitchFamily="18" charset="0"/>
+              </a:rPr>
+              <a:t>data</a:t>
+            </a:r>
+          </a:p>
+          <a:p>
+            <a:pPr marL="514350" marR="0" lvl="0" indent="-514350" fontAlgn="base">
+              <a:lnSpc>
+                <a:spcPct val="107000"/>
+              </a:lnSpc>
+              <a:spcBef>
+                <a:spcPts val="0"/>
+              </a:spcBef>
+              <a:spcAft>
+                <a:spcPts val="0"/>
+              </a:spcAft>
+              <a:buSzPts val="1000"/>
+              <a:buFont typeface="+mj-lt"/>
+              <a:buAutoNum type="romanUcPeriod"/>
+              <a:tabLst>
+                <a:tab pos="457200" algn="l"/>
+              </a:tabLst>
+            </a:pPr>
+            <a:endParaRPr lang="en-US" b="0" dirty="0">
+              <a:solidFill>
+                <a:srgbClr val="000000"/>
+              </a:solidFill>
+              <a:effectLst/>
+            </a:endParaRPr>
+          </a:p>
+          <a:p>
+            <a:pPr marL="514350" marR="0" lvl="0" indent="-514350" fontAlgn="base">
+              <a:lnSpc>
+                <a:spcPct val="107000"/>
+              </a:lnSpc>
+              <a:spcBef>
+                <a:spcPts val="0"/>
+              </a:spcBef>
+              <a:spcAft>
+                <a:spcPts val="0"/>
+              </a:spcAft>
+              <a:buSzPts val="1000"/>
+              <a:buFont typeface="+mj-lt"/>
+              <a:buAutoNum type="romanUcPeriod"/>
+              <a:tabLst>
+                <a:tab pos="457200" algn="l"/>
+              </a:tabLst>
+            </a:pPr>
+            <a:r>
+              <a:rPr lang="en-GB" b="0" dirty="0">
+                <a:solidFill>
+                  <a:srgbClr val="000000"/>
+                </a:solidFill>
+                <a:effectLst/>
+                <a:cs typeface="Times New Roman" panose="02020603050405020304" pitchFamily="18" charset="0"/>
+              </a:rPr>
+              <a:t>Reported confirmation alert Text SMS reporting in near-real time the </a:t>
+            </a:r>
+            <a:r>
+              <a:rPr lang="en-GB" b="0" i="1" dirty="0">
+                <a:solidFill>
+                  <a:srgbClr val="00B0F0"/>
+                </a:solidFill>
+                <a:effectLst/>
+                <a:cs typeface="Times New Roman" panose="02020603050405020304" pitchFamily="18" charset="0"/>
+              </a:rPr>
+              <a:t>in-situ</a:t>
+            </a:r>
+            <a:r>
+              <a:rPr lang="en-GB" b="0" i="1" dirty="0">
+                <a:solidFill>
+                  <a:srgbClr val="000000"/>
+                </a:solidFill>
+                <a:effectLst/>
+                <a:cs typeface="Times New Roman" panose="02020603050405020304" pitchFamily="18" charset="0"/>
+              </a:rPr>
+              <a:t> </a:t>
+            </a:r>
+            <a:r>
+              <a:rPr lang="en-GB" b="0" dirty="0">
+                <a:solidFill>
+                  <a:srgbClr val="00B0F0"/>
+                </a:solidFill>
+                <a:effectLst/>
+                <a:cs typeface="Times New Roman" panose="02020603050405020304" pitchFamily="18" charset="0"/>
+              </a:rPr>
+              <a:t>status </a:t>
+            </a:r>
+            <a:r>
+              <a:rPr lang="en-GB" b="0" dirty="0">
+                <a:solidFill>
+                  <a:srgbClr val="000000"/>
+                </a:solidFill>
+                <a:effectLst/>
+                <a:cs typeface="Times New Roman" panose="02020603050405020304" pitchFamily="18" charset="0"/>
+              </a:rPr>
+              <a:t>from the sensors.</a:t>
+            </a:r>
+          </a:p>
+          <a:p>
+            <a:pPr marL="0" marR="0" lvl="0" indent="0" fontAlgn="base">
+              <a:lnSpc>
+                <a:spcPct val="107000"/>
+              </a:lnSpc>
+              <a:spcBef>
+                <a:spcPts val="0"/>
+              </a:spcBef>
+              <a:spcAft>
+                <a:spcPts val="0"/>
+              </a:spcAft>
+              <a:buSzPts val="1000"/>
+              <a:tabLst>
+                <a:tab pos="457200" algn="l"/>
+              </a:tabLst>
+            </a:pPr>
+            <a:endParaRPr lang="en-GB" b="0" dirty="0">
+              <a:solidFill>
+                <a:srgbClr val="000000"/>
+              </a:solidFill>
+              <a:effectLst/>
+              <a:cs typeface="Times New Roman" panose="02020603050405020304" pitchFamily="18" charset="0"/>
+            </a:endParaRPr>
+          </a:p>
+          <a:p>
+            <a:pPr marL="514350" marR="0" lvl="0" indent="-514350" fontAlgn="base">
+              <a:lnSpc>
+                <a:spcPct val="107000"/>
+              </a:lnSpc>
+              <a:spcBef>
+                <a:spcPts val="0"/>
+              </a:spcBef>
+              <a:spcAft>
+                <a:spcPts val="0"/>
+              </a:spcAft>
+              <a:buSzPts val="1000"/>
+              <a:buFont typeface="+mj-lt"/>
+              <a:buAutoNum type="romanUcPeriod"/>
+              <a:tabLst>
+                <a:tab pos="457200" algn="l"/>
+              </a:tabLst>
+            </a:pPr>
+            <a:endParaRPr lang="en-US" b="0" dirty="0">
+              <a:solidFill>
+                <a:srgbClr val="000000"/>
+              </a:solidFill>
+              <a:effectLst/>
+            </a:endParaRPr>
+          </a:p>
+          <a:p>
+            <a:pPr marL="0" marR="0" lvl="0" indent="0" fontAlgn="base">
+              <a:lnSpc>
+                <a:spcPct val="107000"/>
+              </a:lnSpc>
+              <a:spcBef>
+                <a:spcPts val="0"/>
+              </a:spcBef>
+              <a:spcAft>
+                <a:spcPts val="0"/>
+              </a:spcAft>
+              <a:buSzPts val="1000"/>
+              <a:tabLst>
+                <a:tab pos="457200" algn="l"/>
+              </a:tabLst>
+            </a:pPr>
+            <a:endParaRPr lang="en-US" sz="1800" b="0" dirty="0">
+              <a:solidFill>
+                <a:srgbClr val="000000"/>
+              </a:solidFill>
+              <a:effectLst/>
+              <a:latin typeface="Calibri" panose="020F0502020204030204" pitchFamily="34" charset="0"/>
+              <a:ea typeface="Calibri" panose="020F0502020204030204" pitchFamily="34" charset="0"/>
+            </a:endParaRPr>
+          </a:p>
+        </p:txBody>
+      </p:sp>
+      <p:sp>
+        <p:nvSpPr>
+          <p:cNvPr id="3" name="Footer Placeholder 2">
+            <a:extLst>
+              <a:ext uri="{FF2B5EF4-FFF2-40B4-BE49-F238E27FC236}">
+                <a16:creationId xmlns:a16="http://schemas.microsoft.com/office/drawing/2014/main" id="{5D13DC20-297E-417D-8DFC-DC2FCABB764B}"/>
+              </a:ext>
+            </a:extLst>
+          </p:cNvPr>
+          <p:cNvSpPr>
+            <a:spLocks noGrp="1"/>
+          </p:cNvSpPr>
+          <p:nvPr>
+            <p:ph type="ftr" sz="quarter" idx="10"/>
+          </p:nvPr>
+        </p:nvSpPr>
+        <p:spPr/>
+        <p:txBody>
+          <a:bodyPr/>
+          <a:lstStyle/>
+          <a:p>
+            <a:pPr>
+              <a:defRPr/>
+            </a:pPr>
+            <a:endParaRPr lang="de-DE"/>
+          </a:p>
+          <a:p>
+            <a:pPr>
+              <a:defRPr/>
+            </a:pPr>
+            <a:endParaRPr lang="de-DE"/>
+          </a:p>
+        </p:txBody>
+      </p:sp>
+      <p:sp>
+        <p:nvSpPr>
+          <p:cNvPr id="4" name="Title 3">
+            <a:extLst>
+              <a:ext uri="{FF2B5EF4-FFF2-40B4-BE49-F238E27FC236}">
+                <a16:creationId xmlns:a16="http://schemas.microsoft.com/office/drawing/2014/main" id="{5EDBB8AF-905E-406C-B321-B53DDA2D2878}"/>
+              </a:ext>
+            </a:extLst>
+          </p:cNvPr>
+          <p:cNvSpPr>
+            <a:spLocks noGrp="1"/>
+          </p:cNvSpPr>
+          <p:nvPr>
+            <p:ph type="title"/>
+          </p:nvPr>
+        </p:nvSpPr>
+        <p:spPr/>
+        <p:txBody>
+          <a:bodyPr/>
+          <a:lstStyle/>
+          <a:p>
+            <a:r>
+              <a:rPr lang="en-US" dirty="0"/>
+              <a:t>Expected Results</a:t>
+            </a:r>
+          </a:p>
+        </p:txBody>
+      </p:sp>
+    </p:spTree>
+    <p:extLst>
+      <p:ext uri="{BB962C8B-B14F-4D97-AF65-F5344CB8AC3E}">
+        <p14:creationId xmlns:p14="http://schemas.microsoft.com/office/powerpoint/2010/main" val="136174935"/>
+      </p:ext>
+    </p:extLst>
+  </p:cSld>
+  <p:clrMapOvr>
+    <a:masterClrMapping/>
+  </p:clrMapOvr>
+</p:sld>
+</file>
+
+<file path=ppt/slides/slide11.xml><?xml version="1.0" encoding="utf-8"?>
+<p:sld xmlns:a="http://schemas.openxmlformats.org/drawingml/2006/main" xmlns:r="http://schemas.openxmlformats.org/officeDocument/2006/relationships" xmlns:p="http://schemas.openxmlformats.org/presentationml/2006/main">
+  <p:cSld>
+    <p:spTree>
+      <p:nvGrpSpPr>
+        <p:cNvPr id="1" name=""/>
+        <p:cNvGrpSpPr/>
+        <p:nvPr/>
+      </p:nvGrpSpPr>
+      <p:grpSpPr>
+        <a:xfrm>
+          <a:off x="0" y="0"/>
+          <a:ext cx="0" cy="0"/>
+          <a:chOff x="0" y="0"/>
+          <a:chExt cx="0" cy="0"/>
+        </a:xfrm>
+      </p:grpSpPr>
+      <p:sp>
+        <p:nvSpPr>
           <p:cNvPr id="3" name="Footer Placeholder 2"/>
           <p:cNvSpPr>
             <a:spLocks noGrp="1"/>
@@ -8124,16 +11913,15 @@
           </p:cNvPicPr>
           <p:nvPr/>
         </p:nvPicPr>
-        <p:blipFill>
+        <p:blipFill rotWithShape="1">
           <a:blip r:embed="rId2"/>
-          <a:stretch>
-            <a:fillRect/>
-          </a:stretch>
+          <a:srcRect b="25423"/>
+          <a:stretch/>
         </p:blipFill>
         <p:spPr>
           <a:xfrm>
-            <a:off x="683568" y="1556792"/>
-            <a:ext cx="7574245" cy="4248472"/>
+            <a:off x="784877" y="1844824"/>
+            <a:ext cx="7574245" cy="3168352"/>
           </a:xfrm>
           <a:prstGeom prst="rect">
             <a:avLst/>
@@ -8153,7 +11941,7 @@
 </p:sld>
 </file>
 
-<file path=ppt/slides/slide11.xml><?xml version="1.0" encoding="utf-8"?>
+<file path=ppt/slides/slide12.xml><?xml version="1.0" encoding="utf-8"?>
 <p:sld xmlns:a="http://schemas.openxmlformats.org/drawingml/2006/main" xmlns:r="http://schemas.openxmlformats.org/officeDocument/2006/relationships" xmlns:p="http://schemas.openxmlformats.org/presentationml/2006/main">
   <p:cSld>
     <p:spTree>
@@ -8510,7 +12298,7 @@
             </a:r>
             <a:r>
               <a:rPr lang="en-US" b="0" dirty="0"/>
-              <a:t>, whatnot.</a:t>
+              <a:t>, etc.</a:t>
             </a:r>
           </a:p>
           <a:p>
@@ -9046,10 +12834,10 @@
       </p:sp>
       <p:pic>
         <p:nvPicPr>
-          <p:cNvPr id="14" name="Picture 13">
+          <p:cNvPr id="16" name="Picture 15">
             <a:extLst>
               <a:ext uri="{FF2B5EF4-FFF2-40B4-BE49-F238E27FC236}">
-                <a16:creationId xmlns:a16="http://schemas.microsoft.com/office/drawing/2014/main" id="{8A3B11F1-D8B1-4913-AE48-4AC13E71F1DA}"/>
+                <a16:creationId xmlns:a16="http://schemas.microsoft.com/office/drawing/2014/main" id="{F65F7D2B-EA04-4EA7-A32B-21D15E26BC3D}"/>
               </a:ext>
             </a:extLst>
           </p:cNvPr>
@@ -9059,7 +12847,7 @@
           <p:nvPr/>
         </p:nvPicPr>
         <p:blipFill>
-          <a:blip r:embed="rId2" cstate="print">
+          <a:blip r:embed="rId2">
             <a:extLst>
               <a:ext uri="{28A0092B-C50C-407E-A947-70E740481C1C}">
                 <a14:useLocalDpi xmlns:a14="http://schemas.microsoft.com/office/drawing/2010/main" val="0"/>
@@ -9072,8 +12860,8 @@
         </p:blipFill>
         <p:spPr>
           <a:xfrm>
-            <a:off x="277194" y="1484784"/>
-            <a:ext cx="3614840" cy="2411070"/>
+            <a:off x="4572000" y="1484783"/>
+            <a:ext cx="4418307" cy="2876189"/>
           </a:xfrm>
           <a:prstGeom prst="rect">
             <a:avLst/>
@@ -9082,10 +12870,10 @@
       </p:pic>
       <p:pic>
         <p:nvPicPr>
-          <p:cNvPr id="16" name="Picture 15">
+          <p:cNvPr id="18" name="Picture 17">
             <a:extLst>
               <a:ext uri="{FF2B5EF4-FFF2-40B4-BE49-F238E27FC236}">
-                <a16:creationId xmlns:a16="http://schemas.microsoft.com/office/drawing/2014/main" id="{F65F7D2B-EA04-4EA7-A32B-21D15E26BC3D}"/>
+                <a16:creationId xmlns:a16="http://schemas.microsoft.com/office/drawing/2014/main" id="{0A29E4AC-8FE5-4679-AF84-7D781627277B}"/>
               </a:ext>
             </a:extLst>
           </p:cNvPr>
@@ -9108,44 +12896,8 @@
         </p:blipFill>
         <p:spPr>
           <a:xfrm>
-            <a:off x="5391694" y="1484784"/>
-            <a:ext cx="3598612" cy="2411071"/>
-          </a:xfrm>
-          <a:prstGeom prst="rect">
-            <a:avLst/>
-          </a:prstGeom>
-        </p:spPr>
-      </p:pic>
-      <p:pic>
-        <p:nvPicPr>
-          <p:cNvPr id="18" name="Picture 17">
-            <a:extLst>
-              <a:ext uri="{FF2B5EF4-FFF2-40B4-BE49-F238E27FC236}">
-                <a16:creationId xmlns:a16="http://schemas.microsoft.com/office/drawing/2014/main" id="{0A29E4AC-8FE5-4679-AF84-7D781627277B}"/>
-              </a:ext>
-            </a:extLst>
-          </p:cNvPr>
-          <p:cNvPicPr>
-            <a:picLocks noChangeAspect="1"/>
-          </p:cNvPicPr>
-          <p:nvPr/>
-        </p:nvPicPr>
-        <p:blipFill>
-          <a:blip r:embed="rId4">
-            <a:extLst>
-              <a:ext uri="{28A0092B-C50C-407E-A947-70E740481C1C}">
-                <a14:useLocalDpi xmlns:a14="http://schemas.microsoft.com/office/drawing/2010/main" val="0"/>
-              </a:ext>
-            </a:extLst>
-          </a:blip>
-          <a:stretch>
-            <a:fillRect/>
-          </a:stretch>
-        </p:blipFill>
-        <p:spPr>
-          <a:xfrm>
-            <a:off x="2659037" y="3922550"/>
-            <a:ext cx="3825925" cy="2560820"/>
+            <a:off x="250826" y="1484783"/>
+            <a:ext cx="4195686" cy="2880321"/>
           </a:xfrm>
           <a:prstGeom prst="rect">
             <a:avLst/>
@@ -9209,7 +12961,7 @@
             </a:pPr>
             <a:r>
               <a:rPr lang="en-GB" sz="2200" b="0" dirty="0"/>
-              <a:t>To monitor and  predict the occurrence of Harmful Algal Blooms(HABs) and Cyanobacteria.</a:t>
+              <a:t>To monitor and  report the occurrence of Harmful Algal Blooms(HABs) and Cyanobacteria in Lake Victoria.</a:t>
             </a:r>
           </a:p>
           <a:p>
@@ -9219,123 +12971,315 @@
             <a:endParaRPr lang="en-GB" sz="2100" b="0" dirty="0"/>
           </a:p>
           <a:p>
+            <a:pPr marL="512762" lvl="1" indent="-342900">
+              <a:spcBef>
+                <a:spcPct val="0"/>
+              </a:spcBef>
+              <a:buFont typeface="Courier New" panose="02070309020205020404" pitchFamily="49" charset="0"/>
+              <a:buChar char="o"/>
+            </a:pPr>
+            <a:r>
+              <a:rPr kumimoji="0" lang="en-GB" altLang="en-US" sz="2300" b="0" i="0" u="none" strike="noStrike" cap="none" normalizeH="0" baseline="0" dirty="0">
+                <a:ln>
+                  <a:noFill/>
+                </a:ln>
+                <a:solidFill>
+                  <a:srgbClr val="000000"/>
+                </a:solidFill>
+                <a:effectLst/>
+                <a:latin typeface="Verdana" panose="020B0604030504040204" pitchFamily="34" charset="0"/>
+                <a:ea typeface="Verdana" panose="020B0604030504040204" pitchFamily="34" charset="0"/>
+                <a:cs typeface="Times New Roman" panose="02020603050405020304" pitchFamily="18" charset="0"/>
+              </a:rPr>
+              <a:t>To monitor chlorophyl-a(</a:t>
+            </a:r>
+            <a:r>
+              <a:rPr kumimoji="0" lang="en-GB" altLang="en-US" sz="2300" b="0" i="0" u="none" strike="noStrike" cap="none" normalizeH="0" baseline="0" dirty="0">
+                <a:ln>
+                  <a:noFill/>
+                </a:ln>
+                <a:solidFill>
+                  <a:srgbClr val="00B0F0"/>
+                </a:solidFill>
+                <a:effectLst/>
+                <a:latin typeface="Verdana" panose="020B0604030504040204" pitchFamily="34" charset="0"/>
+                <a:ea typeface="Verdana" panose="020B0604030504040204" pitchFamily="34" charset="0"/>
+                <a:cs typeface="Times New Roman" panose="02020603050405020304" pitchFamily="18" charset="0"/>
+              </a:rPr>
+              <a:t>chl-a</a:t>
+            </a:r>
+            <a:r>
+              <a:rPr kumimoji="0" lang="en-GB" altLang="en-US" sz="2300" b="0" i="0" u="none" strike="noStrike" cap="none" normalizeH="0" baseline="0" dirty="0">
+                <a:ln>
+                  <a:noFill/>
+                </a:ln>
+                <a:solidFill>
+                  <a:srgbClr val="000000"/>
+                </a:solidFill>
+                <a:effectLst/>
+                <a:latin typeface="Verdana" panose="020B0604030504040204" pitchFamily="34" charset="0"/>
+                <a:ea typeface="Verdana" panose="020B0604030504040204" pitchFamily="34" charset="0"/>
+                <a:cs typeface="Times New Roman" panose="02020603050405020304" pitchFamily="18" charset="0"/>
+              </a:rPr>
+              <a:t>) concentration &amp; Cyanotoxins from L8 OLI </a:t>
+            </a:r>
+            <a:r>
+              <a:rPr lang="en-GB" altLang="en-US" sz="2300" dirty="0">
+                <a:solidFill>
+                  <a:srgbClr val="000000"/>
+                </a:solidFill>
+                <a:cs typeface="Times New Roman" panose="02020603050405020304" pitchFamily="18" charset="0"/>
+              </a:rPr>
+              <a:t>im</a:t>
+            </a:r>
+            <a:r>
+              <a:rPr kumimoji="0" lang="en-GB" altLang="en-US" sz="2300" b="0" i="0" u="none" strike="noStrike" cap="none" normalizeH="0" baseline="0" dirty="0">
+                <a:ln>
+                  <a:noFill/>
+                </a:ln>
+                <a:solidFill>
+                  <a:srgbClr val="000000"/>
+                </a:solidFill>
+                <a:effectLst/>
+                <a:latin typeface="Verdana" panose="020B0604030504040204" pitchFamily="34" charset="0"/>
+                <a:ea typeface="Verdana" panose="020B0604030504040204" pitchFamily="34" charset="0"/>
+                <a:cs typeface="Times New Roman" panose="02020603050405020304" pitchFamily="18" charset="0"/>
+              </a:rPr>
+              <a:t>ages.</a:t>
+            </a:r>
+          </a:p>
+          <a:p>
+            <a:pPr marL="512762" lvl="1" indent="-342900">
+              <a:spcBef>
+                <a:spcPct val="0"/>
+              </a:spcBef>
+              <a:buFont typeface="Courier New" panose="02070309020205020404" pitchFamily="49" charset="0"/>
+              <a:buChar char="o"/>
+            </a:pPr>
+            <a:r>
+              <a:rPr lang="en-GB" altLang="en-US" sz="2300" dirty="0">
+                <a:solidFill>
+                  <a:srgbClr val="000000"/>
+                </a:solidFill>
+                <a:cs typeface="Times New Roman" panose="02020603050405020304" pitchFamily="18" charset="0"/>
+              </a:rPr>
+              <a:t>To monitor </a:t>
+            </a:r>
+            <a:r>
+              <a:rPr kumimoji="0" lang="en-GB" altLang="en-US" sz="2300" b="0" i="0" u="none" strike="noStrike" cap="none" normalizeH="0" baseline="0" dirty="0">
+                <a:ln>
+                  <a:noFill/>
+                </a:ln>
+                <a:solidFill>
+                  <a:srgbClr val="000000"/>
+                </a:solidFill>
+                <a:effectLst/>
+                <a:latin typeface="Verdana" panose="020B0604030504040204" pitchFamily="34" charset="0"/>
+                <a:ea typeface="Verdana" panose="020B0604030504040204" pitchFamily="34" charset="0"/>
+                <a:cs typeface="Times New Roman" panose="02020603050405020304" pitchFamily="18" charset="0"/>
+              </a:rPr>
+              <a:t>Lake Surface Water Temperature(</a:t>
+            </a:r>
+            <a:r>
+              <a:rPr kumimoji="0" lang="en-GB" altLang="en-US" sz="2300" b="0" i="0" u="none" strike="noStrike" cap="none" normalizeH="0" baseline="0" dirty="0">
+                <a:ln>
+                  <a:noFill/>
+                </a:ln>
+                <a:solidFill>
+                  <a:srgbClr val="00B0F0"/>
+                </a:solidFill>
+                <a:effectLst/>
+                <a:latin typeface="Verdana" panose="020B0604030504040204" pitchFamily="34" charset="0"/>
+                <a:ea typeface="Verdana" panose="020B0604030504040204" pitchFamily="34" charset="0"/>
+                <a:cs typeface="Times New Roman" panose="02020603050405020304" pitchFamily="18" charset="0"/>
+              </a:rPr>
+              <a:t>LSWT</a:t>
+            </a:r>
+            <a:r>
+              <a:rPr kumimoji="0" lang="en-GB" altLang="en-US" sz="2300" b="0" i="0" u="none" strike="noStrike" cap="none" normalizeH="0" baseline="0" dirty="0">
+                <a:ln>
+                  <a:noFill/>
+                </a:ln>
+                <a:solidFill>
+                  <a:srgbClr val="000000"/>
+                </a:solidFill>
+                <a:effectLst/>
+                <a:latin typeface="Verdana" panose="020B0604030504040204" pitchFamily="34" charset="0"/>
+                <a:ea typeface="Verdana" panose="020B0604030504040204" pitchFamily="34" charset="0"/>
+                <a:cs typeface="Times New Roman" panose="02020603050405020304" pitchFamily="18" charset="0"/>
+              </a:rPr>
+              <a:t>) from L8 TIRS </a:t>
+            </a:r>
+            <a:r>
+              <a:rPr lang="en-GB" altLang="en-US" sz="2300" dirty="0">
+                <a:solidFill>
+                  <a:srgbClr val="000000"/>
+                </a:solidFill>
+                <a:cs typeface="Times New Roman" panose="02020603050405020304" pitchFamily="18" charset="0"/>
+              </a:rPr>
+              <a:t>im</a:t>
+            </a:r>
+            <a:r>
+              <a:rPr kumimoji="0" lang="en-GB" altLang="en-US" sz="2300" b="0" i="0" u="none" strike="noStrike" cap="none" normalizeH="0" baseline="0" dirty="0">
+                <a:ln>
+                  <a:noFill/>
+                </a:ln>
+                <a:solidFill>
+                  <a:srgbClr val="000000"/>
+                </a:solidFill>
+                <a:effectLst/>
+                <a:latin typeface="Verdana" panose="020B0604030504040204" pitchFamily="34" charset="0"/>
+                <a:ea typeface="Verdana" panose="020B0604030504040204" pitchFamily="34" charset="0"/>
+                <a:cs typeface="Times New Roman" panose="02020603050405020304" pitchFamily="18" charset="0"/>
+              </a:rPr>
+              <a:t>ages as another HAB indicator in L. Victoria.</a:t>
+            </a:r>
+            <a:endParaRPr kumimoji="0" lang="en-US" altLang="en-US" sz="2300" b="0" i="0" u="none" strike="noStrike" cap="none" normalizeH="0" baseline="0" dirty="0">
+              <a:ln>
+                <a:noFill/>
+              </a:ln>
+              <a:solidFill>
+                <a:schemeClr val="tx1"/>
+              </a:solidFill>
+              <a:effectLst/>
+              <a:latin typeface="Verdana" panose="020B0604030504040204" pitchFamily="34" charset="0"/>
+              <a:ea typeface="Verdana" panose="020B0604030504040204" pitchFamily="34" charset="0"/>
+            </a:endParaRPr>
+          </a:p>
+          <a:p>
+            <a:pPr marL="512762" lvl="1" indent="-342900">
+              <a:buFont typeface="Courier New" panose="02070309020205020404" pitchFamily="49" charset="0"/>
+              <a:buChar char="o"/>
+            </a:pPr>
+            <a:r>
+              <a:rPr kumimoji="0" lang="en-GB" altLang="en-US" sz="2400" b="0" i="0" u="none" strike="noStrike" cap="none" normalizeH="0" baseline="0" dirty="0">
+                <a:ln>
+                  <a:noFill/>
+                </a:ln>
+                <a:solidFill>
+                  <a:srgbClr val="000000"/>
+                </a:solidFill>
+                <a:effectLst/>
+                <a:latin typeface="Verdana" panose="020B0604030504040204" pitchFamily="34" charset="0"/>
+                <a:ea typeface="Verdana" panose="020B0604030504040204" pitchFamily="34" charset="0"/>
+                <a:cs typeface="Times New Roman" panose="02020603050405020304" pitchFamily="18" charset="0"/>
+              </a:rPr>
+              <a:t>To </a:t>
+            </a:r>
+            <a:r>
+              <a:rPr lang="en-GB" sz="2400" b="0" dirty="0">
+                <a:solidFill>
+                  <a:srgbClr val="00B0F0"/>
+                </a:solidFill>
+              </a:rPr>
+              <a:t>develop</a:t>
+            </a:r>
+            <a:r>
+              <a:rPr kumimoji="0" lang="en-GB" altLang="en-US" sz="2400" b="0" i="0" u="none" strike="noStrike" cap="none" normalizeH="0" baseline="0" dirty="0">
+                <a:ln>
+                  <a:noFill/>
+                </a:ln>
+                <a:solidFill>
+                  <a:srgbClr val="000000"/>
+                </a:solidFill>
+                <a:effectLst/>
+                <a:latin typeface="Verdana" panose="020B0604030504040204" pitchFamily="34" charset="0"/>
+                <a:ea typeface="Verdana" panose="020B0604030504040204" pitchFamily="34" charset="0"/>
+                <a:cs typeface="Times New Roman" panose="02020603050405020304" pitchFamily="18" charset="0"/>
+              </a:rPr>
+              <a:t> </a:t>
+            </a:r>
+            <a:r>
+              <a:rPr lang="en-GB" altLang="en-US" sz="2400" dirty="0">
+                <a:solidFill>
+                  <a:srgbClr val="000000"/>
+                </a:solidFill>
+                <a:cs typeface="Times New Roman" panose="02020603050405020304" pitchFamily="18" charset="0"/>
+              </a:rPr>
+              <a:t>a</a:t>
+            </a:r>
+            <a:r>
+              <a:rPr kumimoji="0" lang="en-GB" altLang="en-US" sz="2400" b="0" i="0" u="none" strike="noStrike" cap="none" normalizeH="0" baseline="0" dirty="0">
+                <a:ln>
+                  <a:noFill/>
+                </a:ln>
+                <a:solidFill>
+                  <a:srgbClr val="000000"/>
+                </a:solidFill>
+                <a:effectLst/>
+                <a:latin typeface="Verdana" panose="020B0604030504040204" pitchFamily="34" charset="0"/>
+                <a:ea typeface="Verdana" panose="020B0604030504040204" pitchFamily="34" charset="0"/>
+                <a:cs typeface="Times New Roman" panose="02020603050405020304" pitchFamily="18" charset="0"/>
+              </a:rPr>
+              <a:t>utomated Internet of Things (IoT) </a:t>
+            </a:r>
+            <a:r>
+              <a:rPr kumimoji="0" lang="en-GB" altLang="en-US" sz="2400" b="0" i="1" u="none" strike="noStrike" cap="none" normalizeH="0" baseline="0" dirty="0">
+                <a:ln>
+                  <a:noFill/>
+                </a:ln>
+                <a:solidFill>
+                  <a:srgbClr val="000000"/>
+                </a:solidFill>
+                <a:effectLst/>
+                <a:latin typeface="Verdana" panose="020B0604030504040204" pitchFamily="34" charset="0"/>
+                <a:ea typeface="Verdana" panose="020B0604030504040204" pitchFamily="34" charset="0"/>
+                <a:cs typeface="Times New Roman" panose="02020603050405020304" pitchFamily="18" charset="0"/>
+              </a:rPr>
+              <a:t>in situ</a:t>
+            </a:r>
+            <a:r>
+              <a:rPr kumimoji="0" lang="en-GB" altLang="en-US" sz="2400" b="0" i="0" u="none" strike="noStrike" cap="none" normalizeH="0" baseline="0" dirty="0">
+                <a:ln>
+                  <a:noFill/>
+                </a:ln>
+                <a:solidFill>
+                  <a:srgbClr val="000000"/>
+                </a:solidFill>
+                <a:effectLst/>
+                <a:latin typeface="Verdana" panose="020B0604030504040204" pitchFamily="34" charset="0"/>
+                <a:ea typeface="Verdana" panose="020B0604030504040204" pitchFamily="34" charset="0"/>
+                <a:cs typeface="Times New Roman" panose="02020603050405020304" pitchFamily="18" charset="0"/>
+              </a:rPr>
+              <a:t> sensors, Applicable in near real-time to monitor and report </a:t>
+            </a:r>
+            <a:r>
+              <a:rPr lang="en-GB" sz="2400" b="0" dirty="0">
+                <a:solidFill>
+                  <a:srgbClr val="00B0F0"/>
+                </a:solidFill>
+              </a:rPr>
+              <a:t>geo-tagged</a:t>
+            </a:r>
+            <a:r>
+              <a:rPr kumimoji="0" lang="en-GB" altLang="en-US" sz="2400" b="0" i="0" u="none" strike="noStrike" cap="none" normalizeH="0" baseline="0" dirty="0">
+                <a:ln>
+                  <a:noFill/>
+                </a:ln>
+                <a:solidFill>
+                  <a:srgbClr val="000000"/>
+                </a:solidFill>
+                <a:effectLst/>
+                <a:latin typeface="Verdana" panose="020B0604030504040204" pitchFamily="34" charset="0"/>
+                <a:ea typeface="Verdana" panose="020B0604030504040204" pitchFamily="34" charset="0"/>
+                <a:cs typeface="Times New Roman" panose="02020603050405020304" pitchFamily="18" charset="0"/>
+              </a:rPr>
+              <a:t> Water quality data.</a:t>
+            </a:r>
+          </a:p>
+          <a:p>
+            <a:pPr marL="512762" lvl="1" indent="-342900">
+              <a:buFont typeface="Courier New" panose="02070309020205020404" pitchFamily="49" charset="0"/>
+              <a:buChar char="o"/>
+            </a:pPr>
+            <a:endParaRPr lang="en-GB" sz="2100" b="0" dirty="0"/>
+          </a:p>
+          <a:p>
             <a:pPr marL="701675" lvl="2" indent="-342900">
               <a:buFont typeface="Courier New" panose="02070309020205020404" pitchFamily="49" charset="0"/>
               <a:buChar char="o"/>
             </a:pPr>
-            <a:r>
-              <a:rPr lang="en-GB" sz="2100" dirty="0"/>
-              <a:t>To develop Wide spread Chlorophyl-a conc. distribution </a:t>
-            </a:r>
-            <a:r>
-              <a:rPr lang="en-GB" sz="2100" dirty="0">
-                <a:solidFill>
-                  <a:srgbClr val="00B0F0"/>
-                </a:solidFill>
-              </a:rPr>
-              <a:t>maps</a:t>
-            </a:r>
-            <a:endParaRPr lang="en-GB" sz="2100" b="0" dirty="0">
-              <a:solidFill>
-                <a:srgbClr val="00B0F0"/>
-              </a:solidFill>
-            </a:endParaRPr>
-          </a:p>
-          <a:p>
-            <a:pPr marL="701675" lvl="2" indent="-342900">
-              <a:buFont typeface="Courier New" panose="02070309020205020404" pitchFamily="49" charset="0"/>
-              <a:buChar char="o"/>
-            </a:pPr>
-            <a:r>
-              <a:rPr lang="en-GB" sz="2100" b="0" dirty="0"/>
-              <a:t>To </a:t>
-            </a:r>
-            <a:r>
-              <a:rPr lang="en-GB" sz="2100" b="0" dirty="0">
-                <a:solidFill>
-                  <a:srgbClr val="00B0F0"/>
-                </a:solidFill>
-              </a:rPr>
-              <a:t>develop</a:t>
-            </a:r>
-            <a:r>
-              <a:rPr lang="en-GB" sz="2100" b="0" dirty="0"/>
-              <a:t> automated </a:t>
-            </a:r>
-            <a:r>
-              <a:rPr lang="en-GB" sz="2100" b="0" i="1" dirty="0"/>
-              <a:t>in-situ</a:t>
-            </a:r>
-            <a:r>
-              <a:rPr lang="en-GB" sz="2100" b="0" dirty="0"/>
-              <a:t> </a:t>
-            </a:r>
-            <a:r>
-              <a:rPr lang="en-GB" sz="2100" dirty="0"/>
-              <a:t>I</a:t>
-            </a:r>
-            <a:r>
-              <a:rPr lang="en-GB" sz="2100" b="0" dirty="0"/>
-              <a:t>nternet </a:t>
-            </a:r>
-            <a:r>
-              <a:rPr lang="en-GB" sz="2100" dirty="0"/>
-              <a:t>o</a:t>
-            </a:r>
-            <a:r>
-              <a:rPr lang="en-GB" sz="2100" b="0" dirty="0"/>
-              <a:t>f </a:t>
-            </a:r>
-            <a:r>
-              <a:rPr lang="en-GB" sz="2100" dirty="0"/>
-              <a:t>T</a:t>
-            </a:r>
-            <a:r>
-              <a:rPr lang="en-GB" sz="2100" b="0" dirty="0"/>
-              <a:t>hings(IoT) sensors to monitor the occurrence of the event</a:t>
-            </a:r>
-            <a:r>
-              <a:rPr lang="en-GB" sz="2100" dirty="0"/>
-              <a:t> and </a:t>
-            </a:r>
-            <a:r>
-              <a:rPr lang="en-GB" sz="2100" b="0" dirty="0"/>
-              <a:t>reports specified </a:t>
-            </a:r>
-            <a:r>
-              <a:rPr lang="en-GB" sz="2100" b="0" dirty="0">
-                <a:solidFill>
-                  <a:srgbClr val="00B0F0"/>
-                </a:solidFill>
-              </a:rPr>
-              <a:t>geo-tagged</a:t>
-            </a:r>
-            <a:r>
-              <a:rPr lang="en-GB" sz="2100" b="0" dirty="0"/>
-              <a:t> data from the sensors.</a:t>
-            </a:r>
-          </a:p>
-          <a:p>
-            <a:pPr marL="701675" lvl="2" indent="-342900">
-              <a:buFont typeface="Courier New" panose="02070309020205020404" pitchFamily="49" charset="0"/>
-              <a:buChar char="o"/>
-            </a:pPr>
-            <a:r>
-              <a:rPr lang="en-GB" sz="2100" b="0" dirty="0"/>
-              <a:t>To associate </a:t>
-            </a:r>
-            <a:r>
-              <a:rPr lang="en-GB" sz="2100" b="0" dirty="0">
-                <a:solidFill>
-                  <a:srgbClr val="00B0F0"/>
-                </a:solidFill>
-              </a:rPr>
-              <a:t>Machine Learning </a:t>
-            </a:r>
-            <a:r>
-              <a:rPr lang="en-GB" sz="2100" b="0" dirty="0"/>
-              <a:t>models to predict the occurrence of CynoHAB.</a:t>
-            </a:r>
+            <a:endParaRPr lang="en-GB" sz="2100" b="0" dirty="0"/>
           </a:p>
           <a:p>
             <a:endParaRPr lang="en-US" dirty="0"/>
@@ -9436,55 +13380,6 @@
       </p:grpSpPr>
       <p:sp>
         <p:nvSpPr>
-          <p:cNvPr id="2" name="Content Placeholder 1">
-            <a:extLst>
-              <a:ext uri="{FF2B5EF4-FFF2-40B4-BE49-F238E27FC236}">
-                <a16:creationId xmlns:a16="http://schemas.microsoft.com/office/drawing/2014/main" id="{755D444D-55A6-440E-8E91-B83D873B37FF}"/>
-              </a:ext>
-            </a:extLst>
-          </p:cNvPr>
-          <p:cNvSpPr>
-            <a:spLocks noGrp="1"/>
-          </p:cNvSpPr>
-          <p:nvPr>
-            <p:ph idx="1"/>
-          </p:nvPr>
-        </p:nvSpPr>
-        <p:spPr/>
-        <p:txBody>
-          <a:bodyPr/>
-          <a:lstStyle/>
-          <a:p>
-            <a:r>
-              <a:rPr lang="en-US" dirty="0"/>
-              <a:t>Data &amp; Materials;</a:t>
-            </a:r>
-          </a:p>
-          <a:p>
-            <a:endParaRPr lang="en-US" b="0" dirty="0"/>
-          </a:p>
-          <a:p>
-            <a:endParaRPr lang="en-US" b="0" dirty="0"/>
-          </a:p>
-          <a:p>
-            <a:endParaRPr lang="en-US" b="0" dirty="0"/>
-          </a:p>
-          <a:p>
-            <a:endParaRPr lang="en-US" b="0" dirty="0"/>
-          </a:p>
-          <a:p>
-            <a:endParaRPr lang="en-US" b="0" dirty="0"/>
-          </a:p>
-          <a:p>
-            <a:endParaRPr lang="en-US" b="0" dirty="0"/>
-          </a:p>
-          <a:p>
-            <a:endParaRPr lang="en-US" b="0" dirty="0"/>
-          </a:p>
-        </p:txBody>
-      </p:sp>
-      <p:sp>
-        <p:nvSpPr>
           <p:cNvPr id="3" name="Footer Placeholder 2">
             <a:extLst>
               <a:ext uri="{FF2B5EF4-FFF2-40B4-BE49-F238E27FC236}">
@@ -9547,10 +13442,10 @@
       </p:sp>
       <p:graphicFrame>
         <p:nvGraphicFramePr>
-          <p:cNvPr id="5" name="Table 5">
+          <p:cNvPr id="8" name="Table 7">
             <a:extLst>
               <a:ext uri="{FF2B5EF4-FFF2-40B4-BE49-F238E27FC236}">
-                <a16:creationId xmlns:a16="http://schemas.microsoft.com/office/drawing/2014/main" id="{084616EF-BDFF-45E6-B67D-5C8123AD7432}"/>
+                <a16:creationId xmlns:a16="http://schemas.microsoft.com/office/drawing/2014/main" id="{74986898-8A4A-4E8B-9D09-44FCC5609616}"/>
               </a:ext>
             </a:extLst>
           </p:cNvPr>
@@ -9560,14 +13455,586 @@
           <p:nvPr>
             <p:extLst>
               <p:ext uri="{D42A27DB-BD31-4B8C-83A1-F6EECF244321}">
-                <p14:modId xmlns:p14="http://schemas.microsoft.com/office/powerpoint/2010/main" val="3671174665"/>
+                <p14:modId xmlns:p14="http://schemas.microsoft.com/office/powerpoint/2010/main" val="1897070170"/>
               </p:ext>
             </p:extLst>
           </p:nvPr>
         </p:nvGraphicFramePr>
         <p:xfrm>
-          <a:off x="250825" y="1844824"/>
-          <a:ext cx="8640762" cy="2364504"/>
+          <a:off x="270805" y="4631336"/>
+          <a:ext cx="8622023" cy="1977691"/>
+        </p:xfrm>
+        <a:graphic>
+          <a:graphicData uri="http://schemas.openxmlformats.org/drawingml/2006/table">
+            <a:tbl>
+              <a:tblPr firstRow="1" bandRow="1">
+                <a:tableStyleId>{5C22544A-7EE6-4342-B048-85BDC9FD1C3A}</a:tableStyleId>
+              </a:tblPr>
+              <a:tblGrid>
+                <a:gridCol w="1888236">
+                  <a:extLst>
+                    <a:ext uri="{9D8B030D-6E8A-4147-A177-3AD203B41FA5}">
+                      <a16:colId xmlns:a16="http://schemas.microsoft.com/office/drawing/2014/main" val="1221596245"/>
+                    </a:ext>
+                  </a:extLst>
+                </a:gridCol>
+                <a:gridCol w="4007388">
+                  <a:extLst>
+                    <a:ext uri="{9D8B030D-6E8A-4147-A177-3AD203B41FA5}">
+                      <a16:colId xmlns:a16="http://schemas.microsoft.com/office/drawing/2014/main" val="1784707699"/>
+                    </a:ext>
+                  </a:extLst>
+                </a:gridCol>
+                <a:gridCol w="2726399">
+                  <a:extLst>
+                    <a:ext uri="{9D8B030D-6E8A-4147-A177-3AD203B41FA5}">
+                      <a16:colId xmlns:a16="http://schemas.microsoft.com/office/drawing/2014/main" val="2117156731"/>
+                    </a:ext>
+                  </a:extLst>
+                </a:gridCol>
+              </a:tblGrid>
+              <a:tr h="301566">
+                <a:tc>
+                  <a:txBody>
+                    <a:bodyPr/>
+                    <a:lstStyle/>
+                    <a:p>
+                      <a:pPr marL="0" marR="0" algn="just">
+                        <a:lnSpc>
+                          <a:spcPct val="100000"/>
+                        </a:lnSpc>
+                        <a:spcBef>
+                          <a:spcPts val="0"/>
+                        </a:spcBef>
+                        <a:spcAft>
+                          <a:spcPts val="800"/>
+                        </a:spcAft>
+                      </a:pPr>
+                      <a:r>
+                        <a:rPr lang="en-US" sz="1400" b="1" dirty="0">
+                          <a:effectLst/>
+                        </a:rPr>
+                        <a:t>Tool/Material</a:t>
+                      </a:r>
+                      <a:endParaRPr lang="en-US" sz="1400" b="1" dirty="0">
+                        <a:effectLst/>
+                        <a:latin typeface="Verdana" panose="020B0604030504040204" pitchFamily="34" charset="0"/>
+                        <a:ea typeface="Verdana" panose="020B0604030504040204" pitchFamily="34" charset="0"/>
+                        <a:cs typeface="Times New Roman" panose="02020603050405020304" pitchFamily="18" charset="0"/>
+                      </a:endParaRPr>
+                    </a:p>
+                  </a:txBody>
+                  <a:tcPr/>
+                </a:tc>
+                <a:tc>
+                  <a:txBody>
+                    <a:bodyPr/>
+                    <a:lstStyle/>
+                    <a:p>
+                      <a:pPr marL="0" marR="0" algn="just">
+                        <a:lnSpc>
+                          <a:spcPct val="100000"/>
+                        </a:lnSpc>
+                        <a:spcBef>
+                          <a:spcPts val="0"/>
+                        </a:spcBef>
+                        <a:spcAft>
+                          <a:spcPts val="800"/>
+                        </a:spcAft>
+                      </a:pPr>
+                      <a:r>
+                        <a:rPr lang="en-US" sz="1400" b="1" dirty="0">
+                          <a:effectLst/>
+                        </a:rPr>
+                        <a:t>Role</a:t>
+                      </a:r>
+                      <a:endParaRPr lang="en-US" sz="1400" b="1" dirty="0">
+                        <a:effectLst/>
+                        <a:latin typeface="Verdana" panose="020B0604030504040204" pitchFamily="34" charset="0"/>
+                        <a:ea typeface="Verdana" panose="020B0604030504040204" pitchFamily="34" charset="0"/>
+                        <a:cs typeface="Times New Roman" panose="02020603050405020304" pitchFamily="18" charset="0"/>
+                      </a:endParaRPr>
+                    </a:p>
+                  </a:txBody>
+                  <a:tcPr/>
+                </a:tc>
+                <a:tc>
+                  <a:txBody>
+                    <a:bodyPr/>
+                    <a:lstStyle/>
+                    <a:p>
+                      <a:pPr marL="0" marR="0" algn="just">
+                        <a:lnSpc>
+                          <a:spcPct val="100000"/>
+                        </a:lnSpc>
+                        <a:spcBef>
+                          <a:spcPts val="0"/>
+                        </a:spcBef>
+                        <a:spcAft>
+                          <a:spcPts val="800"/>
+                        </a:spcAft>
+                      </a:pPr>
+                      <a:r>
+                        <a:rPr lang="en-US" sz="1400" b="1" dirty="0">
+                          <a:effectLst/>
+                        </a:rPr>
+                        <a:t>Availability</a:t>
+                      </a:r>
+                      <a:endParaRPr lang="en-US" sz="1400" b="1" dirty="0">
+                        <a:effectLst/>
+                        <a:latin typeface="Verdana" panose="020B0604030504040204" pitchFamily="34" charset="0"/>
+                        <a:ea typeface="Verdana" panose="020B0604030504040204" pitchFamily="34" charset="0"/>
+                        <a:cs typeface="Times New Roman" panose="02020603050405020304" pitchFamily="18" charset="0"/>
+                      </a:endParaRPr>
+                    </a:p>
+                  </a:txBody>
+                  <a:tcPr/>
+                </a:tc>
+                <a:extLst>
+                  <a:ext uri="{0D108BD9-81ED-4DB2-BD59-A6C34878D82A}">
+                    <a16:rowId xmlns:a16="http://schemas.microsoft.com/office/drawing/2014/main" val="2828773508"/>
+                  </a:ext>
+                </a:extLst>
+              </a:tr>
+              <a:tr h="450101">
+                <a:tc>
+                  <a:txBody>
+                    <a:bodyPr/>
+                    <a:lstStyle/>
+                    <a:p>
+                      <a:pPr marL="0" marR="0" algn="just">
+                        <a:lnSpc>
+                          <a:spcPct val="100000"/>
+                        </a:lnSpc>
+                        <a:spcBef>
+                          <a:spcPts val="0"/>
+                        </a:spcBef>
+                        <a:spcAft>
+                          <a:spcPts val="800"/>
+                        </a:spcAft>
+                      </a:pPr>
+                      <a:r>
+                        <a:rPr lang="en-US" sz="1400" b="1" dirty="0">
+                          <a:effectLst/>
+                        </a:rPr>
+                        <a:t>Google Earth Engine</a:t>
+                      </a:r>
+                      <a:endParaRPr lang="en-US" sz="1400" b="1" dirty="0">
+                        <a:effectLst/>
+                        <a:latin typeface="Verdana" panose="020B0604030504040204" pitchFamily="34" charset="0"/>
+                        <a:ea typeface="Verdana" panose="020B0604030504040204" pitchFamily="34" charset="0"/>
+                        <a:cs typeface="Times New Roman" panose="02020603050405020304" pitchFamily="18" charset="0"/>
+                      </a:endParaRPr>
+                    </a:p>
+                  </a:txBody>
+                  <a:tcPr/>
+                </a:tc>
+                <a:tc>
+                  <a:txBody>
+                    <a:bodyPr/>
+                    <a:lstStyle/>
+                    <a:p>
+                      <a:pPr marL="0" marR="0" algn="just">
+                        <a:lnSpc>
+                          <a:spcPct val="100000"/>
+                        </a:lnSpc>
+                        <a:spcBef>
+                          <a:spcPts val="0"/>
+                        </a:spcBef>
+                        <a:spcAft>
+                          <a:spcPts val="800"/>
+                        </a:spcAft>
+                      </a:pPr>
+                      <a:r>
+                        <a:rPr lang="en-US" sz="1400" b="1">
+                          <a:effectLst/>
+                        </a:rPr>
+                        <a:t>Geocomputation &amp; Processing</a:t>
+                      </a:r>
+                      <a:endParaRPr lang="en-US" sz="1400" b="1">
+                        <a:effectLst/>
+                        <a:latin typeface="Verdana" panose="020B0604030504040204" pitchFamily="34" charset="0"/>
+                        <a:ea typeface="Verdana" panose="020B0604030504040204" pitchFamily="34" charset="0"/>
+                        <a:cs typeface="Times New Roman" panose="02020603050405020304" pitchFamily="18" charset="0"/>
+                      </a:endParaRPr>
+                    </a:p>
+                  </a:txBody>
+                  <a:tcPr/>
+                </a:tc>
+                <a:tc>
+                  <a:txBody>
+                    <a:bodyPr/>
+                    <a:lstStyle/>
+                    <a:p>
+                      <a:pPr marL="0" marR="0" algn="just">
+                        <a:lnSpc>
+                          <a:spcPct val="100000"/>
+                        </a:lnSpc>
+                        <a:spcBef>
+                          <a:spcPts val="0"/>
+                        </a:spcBef>
+                        <a:spcAft>
+                          <a:spcPts val="800"/>
+                        </a:spcAft>
+                      </a:pPr>
+                      <a:r>
+                        <a:rPr lang="en-US" sz="1400" b="1">
+                          <a:effectLst/>
+                        </a:rPr>
+                        <a:t>Freely Available</a:t>
+                      </a:r>
+                      <a:endParaRPr lang="en-US" sz="1400" b="1">
+                        <a:effectLst/>
+                        <a:latin typeface="Verdana" panose="020B0604030504040204" pitchFamily="34" charset="0"/>
+                        <a:ea typeface="Verdana" panose="020B0604030504040204" pitchFamily="34" charset="0"/>
+                        <a:cs typeface="Times New Roman" panose="02020603050405020304" pitchFamily="18" charset="0"/>
+                      </a:endParaRPr>
+                    </a:p>
+                  </a:txBody>
+                  <a:tcPr/>
+                </a:tc>
+                <a:extLst>
+                  <a:ext uri="{0D108BD9-81ED-4DB2-BD59-A6C34878D82A}">
+                    <a16:rowId xmlns:a16="http://schemas.microsoft.com/office/drawing/2014/main" val="1339766199"/>
+                  </a:ext>
+                </a:extLst>
+              </a:tr>
+              <a:tr h="301566">
+                <a:tc>
+                  <a:txBody>
+                    <a:bodyPr/>
+                    <a:lstStyle/>
+                    <a:p>
+                      <a:pPr marL="0" marR="0" algn="just">
+                        <a:lnSpc>
+                          <a:spcPct val="100000"/>
+                        </a:lnSpc>
+                        <a:spcBef>
+                          <a:spcPts val="0"/>
+                        </a:spcBef>
+                        <a:spcAft>
+                          <a:spcPts val="800"/>
+                        </a:spcAft>
+                      </a:pPr>
+                      <a:r>
+                        <a:rPr lang="en-US" sz="1400" b="1" dirty="0">
+                          <a:effectLst/>
+                        </a:rPr>
+                        <a:t>QGIS, R &amp; Python</a:t>
+                      </a:r>
+                      <a:endParaRPr lang="en-US" sz="1400" b="1" dirty="0">
+                        <a:effectLst/>
+                        <a:latin typeface="Verdana" panose="020B0604030504040204" pitchFamily="34" charset="0"/>
+                        <a:ea typeface="Verdana" panose="020B0604030504040204" pitchFamily="34" charset="0"/>
+                        <a:cs typeface="Times New Roman" panose="02020603050405020304" pitchFamily="18" charset="0"/>
+                      </a:endParaRPr>
+                    </a:p>
+                  </a:txBody>
+                  <a:tcPr/>
+                </a:tc>
+                <a:tc>
+                  <a:txBody>
+                    <a:bodyPr/>
+                    <a:lstStyle/>
+                    <a:p>
+                      <a:pPr marL="0" marR="0" algn="just">
+                        <a:lnSpc>
+                          <a:spcPct val="100000"/>
+                        </a:lnSpc>
+                        <a:spcBef>
+                          <a:spcPts val="0"/>
+                        </a:spcBef>
+                        <a:spcAft>
+                          <a:spcPts val="800"/>
+                        </a:spcAft>
+                      </a:pPr>
+                      <a:r>
+                        <a:rPr lang="en-US" sz="1400" b="1" dirty="0">
+                          <a:effectLst/>
+                        </a:rPr>
+                        <a:t>Further Analysis &amp; Maps</a:t>
+                      </a:r>
+                      <a:endParaRPr lang="en-US" sz="1400" b="1" dirty="0">
+                        <a:effectLst/>
+                        <a:latin typeface="Verdana" panose="020B0604030504040204" pitchFamily="34" charset="0"/>
+                        <a:ea typeface="Verdana" panose="020B0604030504040204" pitchFamily="34" charset="0"/>
+                        <a:cs typeface="Times New Roman" panose="02020603050405020304" pitchFamily="18" charset="0"/>
+                      </a:endParaRPr>
+                    </a:p>
+                  </a:txBody>
+                  <a:tcPr/>
+                </a:tc>
+                <a:tc>
+                  <a:txBody>
+                    <a:bodyPr/>
+                    <a:lstStyle/>
+                    <a:p>
+                      <a:pPr marL="0" marR="0" algn="just">
+                        <a:lnSpc>
+                          <a:spcPct val="100000"/>
+                        </a:lnSpc>
+                        <a:spcBef>
+                          <a:spcPts val="0"/>
+                        </a:spcBef>
+                        <a:spcAft>
+                          <a:spcPts val="800"/>
+                        </a:spcAft>
+                      </a:pPr>
+                      <a:r>
+                        <a:rPr lang="en-US" sz="1400" b="1">
+                          <a:effectLst/>
+                        </a:rPr>
+                        <a:t>Free</a:t>
+                      </a:r>
+                      <a:endParaRPr lang="en-US" sz="1400" b="1">
+                        <a:effectLst/>
+                        <a:latin typeface="Verdana" panose="020B0604030504040204" pitchFamily="34" charset="0"/>
+                        <a:ea typeface="Verdana" panose="020B0604030504040204" pitchFamily="34" charset="0"/>
+                        <a:cs typeface="Times New Roman" panose="02020603050405020304" pitchFamily="18" charset="0"/>
+                      </a:endParaRPr>
+                    </a:p>
+                  </a:txBody>
+                  <a:tcPr/>
+                </a:tc>
+                <a:extLst>
+                  <a:ext uri="{0D108BD9-81ED-4DB2-BD59-A6C34878D82A}">
+                    <a16:rowId xmlns:a16="http://schemas.microsoft.com/office/drawing/2014/main" val="1551993580"/>
+                  </a:ext>
+                </a:extLst>
+              </a:tr>
+              <a:tr h="545131">
+                <a:tc>
+                  <a:txBody>
+                    <a:bodyPr/>
+                    <a:lstStyle/>
+                    <a:p>
+                      <a:pPr marL="0" marR="0" algn="just">
+                        <a:lnSpc>
+                          <a:spcPct val="100000"/>
+                        </a:lnSpc>
+                        <a:spcBef>
+                          <a:spcPts val="0"/>
+                        </a:spcBef>
+                        <a:spcAft>
+                          <a:spcPts val="800"/>
+                        </a:spcAft>
+                      </a:pPr>
+                      <a:r>
+                        <a:rPr lang="en-US" sz="1400" b="1">
+                          <a:effectLst/>
+                        </a:rPr>
+                        <a:t>Microcontroller &amp; Sensors</a:t>
+                      </a:r>
+                      <a:endParaRPr lang="en-US" sz="1400" b="1">
+                        <a:effectLst/>
+                        <a:latin typeface="Verdana" panose="020B0604030504040204" pitchFamily="34" charset="0"/>
+                        <a:ea typeface="Verdana" panose="020B0604030504040204" pitchFamily="34" charset="0"/>
+                        <a:cs typeface="Times New Roman" panose="02020603050405020304" pitchFamily="18" charset="0"/>
+                      </a:endParaRPr>
+                    </a:p>
+                  </a:txBody>
+                  <a:tcPr/>
+                </a:tc>
+                <a:tc>
+                  <a:txBody>
+                    <a:bodyPr/>
+                    <a:lstStyle/>
+                    <a:p>
+                      <a:pPr marL="0" marR="0" algn="just">
+                        <a:lnSpc>
+                          <a:spcPct val="100000"/>
+                        </a:lnSpc>
+                        <a:spcBef>
+                          <a:spcPts val="0"/>
+                        </a:spcBef>
+                        <a:spcAft>
+                          <a:spcPts val="800"/>
+                        </a:spcAft>
+                      </a:pPr>
+                      <a:r>
+                        <a:rPr lang="en-US" sz="1400" b="1">
+                          <a:effectLst/>
+                        </a:rPr>
+                        <a:t>In-Situ data Monitoring</a:t>
+                      </a:r>
+                      <a:endParaRPr lang="en-US" sz="1400" b="1">
+                        <a:effectLst/>
+                        <a:latin typeface="Verdana" panose="020B0604030504040204" pitchFamily="34" charset="0"/>
+                        <a:ea typeface="Verdana" panose="020B0604030504040204" pitchFamily="34" charset="0"/>
+                        <a:cs typeface="Times New Roman" panose="02020603050405020304" pitchFamily="18" charset="0"/>
+                      </a:endParaRPr>
+                    </a:p>
+                  </a:txBody>
+                  <a:tcPr/>
+                </a:tc>
+                <a:tc>
+                  <a:txBody>
+                    <a:bodyPr/>
+                    <a:lstStyle/>
+                    <a:p>
+                      <a:pPr marL="0" marR="0" algn="just">
+                        <a:lnSpc>
+                          <a:spcPct val="100000"/>
+                        </a:lnSpc>
+                        <a:spcBef>
+                          <a:spcPts val="0"/>
+                        </a:spcBef>
+                        <a:spcAft>
+                          <a:spcPts val="800"/>
+                        </a:spcAft>
+                      </a:pPr>
+                      <a:r>
+                        <a:rPr lang="en-US" sz="1400" b="1">
+                          <a:effectLst/>
+                        </a:rPr>
+                        <a:t>Local Purchase</a:t>
+                      </a:r>
+                      <a:endParaRPr lang="en-US" sz="1400" b="1">
+                        <a:effectLst/>
+                        <a:latin typeface="Verdana" panose="020B0604030504040204" pitchFamily="34" charset="0"/>
+                        <a:ea typeface="Verdana" panose="020B0604030504040204" pitchFamily="34" charset="0"/>
+                        <a:cs typeface="Times New Roman" panose="02020603050405020304" pitchFamily="18" charset="0"/>
+                      </a:endParaRPr>
+                    </a:p>
+                  </a:txBody>
+                  <a:tcPr/>
+                </a:tc>
+                <a:extLst>
+                  <a:ext uri="{0D108BD9-81ED-4DB2-BD59-A6C34878D82A}">
+                    <a16:rowId xmlns:a16="http://schemas.microsoft.com/office/drawing/2014/main" val="4022127218"/>
+                  </a:ext>
+                </a:extLst>
+              </a:tr>
+              <a:tr h="301566">
+                <a:tc>
+                  <a:txBody>
+                    <a:bodyPr/>
+                    <a:lstStyle/>
+                    <a:p>
+                      <a:pPr marL="0" marR="0" algn="just">
+                        <a:lnSpc>
+                          <a:spcPct val="100000"/>
+                        </a:lnSpc>
+                        <a:spcBef>
+                          <a:spcPts val="0"/>
+                        </a:spcBef>
+                        <a:spcAft>
+                          <a:spcPts val="800"/>
+                        </a:spcAft>
+                      </a:pPr>
+                      <a:r>
+                        <a:rPr lang="en-US" sz="1400" b="1" dirty="0" err="1">
+                          <a:effectLst/>
+                        </a:rPr>
+                        <a:t>KiCAD</a:t>
+                      </a:r>
+                      <a:endParaRPr lang="en-US" sz="1400" b="1" dirty="0">
+                        <a:effectLst/>
+                        <a:latin typeface="Verdana" panose="020B0604030504040204" pitchFamily="34" charset="0"/>
+                        <a:ea typeface="Verdana" panose="020B0604030504040204" pitchFamily="34" charset="0"/>
+                        <a:cs typeface="Times New Roman" panose="02020603050405020304" pitchFamily="18" charset="0"/>
+                      </a:endParaRPr>
+                    </a:p>
+                  </a:txBody>
+                  <a:tcPr/>
+                </a:tc>
+                <a:tc>
+                  <a:txBody>
+                    <a:bodyPr/>
+                    <a:lstStyle/>
+                    <a:p>
+                      <a:pPr marL="0" marR="0" algn="just">
+                        <a:lnSpc>
+                          <a:spcPct val="100000"/>
+                        </a:lnSpc>
+                        <a:spcBef>
+                          <a:spcPts val="0"/>
+                        </a:spcBef>
+                        <a:spcAft>
+                          <a:spcPts val="800"/>
+                        </a:spcAft>
+                      </a:pPr>
+                      <a:r>
+                        <a:rPr lang="en-US" sz="1400" b="1" dirty="0">
+                          <a:effectLst/>
+                        </a:rPr>
+                        <a:t>Design the Schematics &amp; basic Circuits</a:t>
+                      </a:r>
+                      <a:endParaRPr lang="en-US" sz="1400" b="1" dirty="0">
+                        <a:effectLst/>
+                        <a:latin typeface="Verdana" panose="020B0604030504040204" pitchFamily="34" charset="0"/>
+                        <a:ea typeface="Verdana" panose="020B0604030504040204" pitchFamily="34" charset="0"/>
+                        <a:cs typeface="Times New Roman" panose="02020603050405020304" pitchFamily="18" charset="0"/>
+                      </a:endParaRPr>
+                    </a:p>
+                  </a:txBody>
+                  <a:tcPr/>
+                </a:tc>
+                <a:tc>
+                  <a:txBody>
+                    <a:bodyPr/>
+                    <a:lstStyle/>
+                    <a:p>
+                      <a:pPr marL="0" marR="0" algn="just">
+                        <a:lnSpc>
+                          <a:spcPct val="100000"/>
+                        </a:lnSpc>
+                        <a:spcBef>
+                          <a:spcPts val="0"/>
+                        </a:spcBef>
+                        <a:spcAft>
+                          <a:spcPts val="800"/>
+                        </a:spcAft>
+                      </a:pPr>
+                      <a:r>
+                        <a:rPr lang="en-US" sz="1400" b="1" dirty="0">
+                          <a:effectLst/>
+                        </a:rPr>
+                        <a:t>Free &amp; Open source</a:t>
+                      </a:r>
+                      <a:endParaRPr lang="en-US" sz="1400" b="1" dirty="0">
+                        <a:effectLst/>
+                        <a:latin typeface="Verdana" panose="020B0604030504040204" pitchFamily="34" charset="0"/>
+                        <a:ea typeface="Verdana" panose="020B0604030504040204" pitchFamily="34" charset="0"/>
+                        <a:cs typeface="Times New Roman" panose="02020603050405020304" pitchFamily="18" charset="0"/>
+                      </a:endParaRPr>
+                    </a:p>
+                  </a:txBody>
+                  <a:tcPr/>
+                </a:tc>
+                <a:extLst>
+                  <a:ext uri="{0D108BD9-81ED-4DB2-BD59-A6C34878D82A}">
+                    <a16:rowId xmlns:a16="http://schemas.microsoft.com/office/drawing/2014/main" val="2536424628"/>
+                  </a:ext>
+                </a:extLst>
+              </a:tr>
+            </a:tbl>
+          </a:graphicData>
+        </a:graphic>
+      </p:graphicFrame>
+      <p:graphicFrame>
+        <p:nvGraphicFramePr>
+          <p:cNvPr id="10" name="Table 9">
+            <a:extLst>
+              <a:ext uri="{FF2B5EF4-FFF2-40B4-BE49-F238E27FC236}">
+                <a16:creationId xmlns:a16="http://schemas.microsoft.com/office/drawing/2014/main" id="{F75BFA44-D418-462B-9CA3-AAFEF515723B}"/>
+              </a:ext>
+            </a:extLst>
+          </p:cNvPr>
+          <p:cNvGraphicFramePr>
+            <a:graphicFrameLocks noGrp="1"/>
+          </p:cNvGraphicFramePr>
+          <p:nvPr>
+            <p:extLst>
+              <p:ext uri="{D42A27DB-BD31-4B8C-83A1-F6EECF244321}">
+                <p14:modId xmlns:p14="http://schemas.microsoft.com/office/powerpoint/2010/main" val="4069935136"/>
+              </p:ext>
+            </p:extLst>
+          </p:nvPr>
+        </p:nvGraphicFramePr>
+        <p:xfrm>
+          <a:off x="251172" y="1456068"/>
+          <a:ext cx="8641656" cy="3112041"/>
         </p:xfrm>
         <a:graphic>
           <a:graphicData uri="http://schemas.openxmlformats.org/drawingml/2006/table">
@@ -9576,41 +14043,219 @@
                 <a:tableStyleId>{21E4AEA4-8DFA-4A89-87EB-49C32662AFE0}</a:tableStyleId>
               </a:tblPr>
               <a:tblGrid>
-                <a:gridCol w="2568875">
+                <a:gridCol w="1904646">
                   <a:extLst>
                     <a:ext uri="{9D8B030D-6E8A-4147-A177-3AD203B41FA5}">
-                      <a16:colId xmlns:a16="http://schemas.microsoft.com/office/drawing/2014/main" val="1983597191"/>
+                      <a16:colId xmlns:a16="http://schemas.microsoft.com/office/drawing/2014/main" val="3674932147"/>
                     </a:ext>
                   </a:extLst>
                 </a:gridCol>
-                <a:gridCol w="4128564">
+                <a:gridCol w="3616690">
                   <a:extLst>
                     <a:ext uri="{9D8B030D-6E8A-4147-A177-3AD203B41FA5}">
-                      <a16:colId xmlns:a16="http://schemas.microsoft.com/office/drawing/2014/main" val="504941183"/>
+                      <a16:colId xmlns:a16="http://schemas.microsoft.com/office/drawing/2014/main" val="3730411172"/>
                     </a:ext>
                   </a:extLst>
                 </a:gridCol>
-                <a:gridCol w="1943323">
+                <a:gridCol w="3120320">
                   <a:extLst>
                     <a:ext uri="{9D8B030D-6E8A-4147-A177-3AD203B41FA5}">
-                      <a16:colId xmlns:a16="http://schemas.microsoft.com/office/drawing/2014/main" val="2863412154"/>
+                      <a16:colId xmlns:a16="http://schemas.microsoft.com/office/drawing/2014/main" val="3447701167"/>
                     </a:ext>
                   </a:extLst>
                 </a:gridCol>
               </a:tblGrid>
-              <a:tr h="431106">
+              <a:tr h="372818">
                 <a:tc>
                   <a:txBody>
                     <a:bodyPr/>
                     <a:lstStyle/>
                     <a:p>
+                      <a:pPr marL="0" marR="0" algn="just">
+                        <a:lnSpc>
+                          <a:spcPct val="150000"/>
+                        </a:lnSpc>
+                        <a:spcBef>
+                          <a:spcPts val="0"/>
+                        </a:spcBef>
+                        <a:spcAft>
+                          <a:spcPts val="600"/>
+                        </a:spcAft>
+                      </a:pPr>
                       <a:r>
-                        <a:rPr lang="en-US" dirty="0">
-                          <a:solidFill>
-                            <a:schemeClr val="bg1"/>
-                          </a:solidFill>
+                        <a:rPr lang="en-US" sz="1400" b="1" dirty="0">
+                          <a:effectLst/>
                         </a:rPr>
                         <a:t>Data Type</a:t>
+                      </a:r>
+                      <a:endParaRPr lang="en-US" sz="1400" b="1" dirty="0">
+                        <a:effectLst/>
+                        <a:latin typeface="Verdana" panose="020B0604030504040204" pitchFamily="34" charset="0"/>
+                        <a:ea typeface="Verdana" panose="020B0604030504040204" pitchFamily="34" charset="0"/>
+                        <a:cs typeface="Times New Roman" panose="02020603050405020304" pitchFamily="18" charset="0"/>
+                      </a:endParaRPr>
+                    </a:p>
+                  </a:txBody>
+                  <a:tcPr/>
+                </a:tc>
+                <a:tc>
+                  <a:txBody>
+                    <a:bodyPr/>
+                    <a:lstStyle/>
+                    <a:p>
+                      <a:pPr marL="0" marR="0" algn="just">
+                        <a:lnSpc>
+                          <a:spcPct val="150000"/>
+                        </a:lnSpc>
+                        <a:spcBef>
+                          <a:spcPts val="0"/>
+                        </a:spcBef>
+                        <a:spcAft>
+                          <a:spcPts val="600"/>
+                        </a:spcAft>
+                      </a:pPr>
+                      <a:r>
+                        <a:rPr lang="en-US" sz="1400" b="1">
+                          <a:effectLst/>
+                        </a:rPr>
+                        <a:t>Source </a:t>
+                      </a:r>
+                      <a:endParaRPr lang="en-US" sz="1400" b="1">
+                        <a:effectLst/>
+                        <a:latin typeface="Verdana" panose="020B0604030504040204" pitchFamily="34" charset="0"/>
+                        <a:ea typeface="Verdana" panose="020B0604030504040204" pitchFamily="34" charset="0"/>
+                        <a:cs typeface="Times New Roman" panose="02020603050405020304" pitchFamily="18" charset="0"/>
+                      </a:endParaRPr>
+                    </a:p>
+                  </a:txBody>
+                  <a:tcPr/>
+                </a:tc>
+                <a:tc>
+                  <a:txBody>
+                    <a:bodyPr/>
+                    <a:lstStyle/>
+                    <a:p>
+                      <a:pPr marL="0" marR="0" algn="just">
+                        <a:lnSpc>
+                          <a:spcPct val="150000"/>
+                        </a:lnSpc>
+                        <a:spcBef>
+                          <a:spcPts val="0"/>
+                        </a:spcBef>
+                        <a:spcAft>
+                          <a:spcPts val="600"/>
+                        </a:spcAft>
+                      </a:pPr>
+                      <a:r>
+                        <a:rPr lang="en-US" sz="1400" b="1" dirty="0">
+                          <a:effectLst/>
+                        </a:rPr>
+                        <a:t>Role/Use</a:t>
+                      </a:r>
+                      <a:endParaRPr lang="en-US" sz="1400" b="1" dirty="0">
+                        <a:effectLst/>
+                        <a:latin typeface="Verdana" panose="020B0604030504040204" pitchFamily="34" charset="0"/>
+                        <a:ea typeface="Verdana" panose="020B0604030504040204" pitchFamily="34" charset="0"/>
+                        <a:cs typeface="Times New Roman" panose="02020603050405020304" pitchFamily="18" charset="0"/>
+                      </a:endParaRPr>
+                    </a:p>
+                  </a:txBody>
+                  <a:tcPr/>
+                </a:tc>
+                <a:extLst>
+                  <a:ext uri="{0D108BD9-81ED-4DB2-BD59-A6C34878D82A}">
+                    <a16:rowId xmlns:a16="http://schemas.microsoft.com/office/drawing/2014/main" val="884814664"/>
+                  </a:ext>
+                </a:extLst>
+              </a:tr>
+              <a:tr h="596814">
+                <a:tc>
+                  <a:txBody>
+                    <a:bodyPr/>
+                    <a:lstStyle/>
+                    <a:p>
+                      <a:pPr marL="0" marR="0" algn="just">
+                        <a:lnSpc>
+                          <a:spcPct val="150000"/>
+                        </a:lnSpc>
+                        <a:spcBef>
+                          <a:spcPts val="0"/>
+                        </a:spcBef>
+                        <a:spcAft>
+                          <a:spcPts val="600"/>
+                        </a:spcAft>
+                      </a:pPr>
+                      <a:r>
+                        <a:rPr lang="en-US" sz="1400" b="1">
+                          <a:effectLst/>
+                        </a:rPr>
+                        <a:t>Landsat 8 OLI</a:t>
+                      </a:r>
+                      <a:endParaRPr lang="en-US" sz="1400" b="1">
+                        <a:effectLst/>
+                        <a:latin typeface="Verdana" panose="020B0604030504040204" pitchFamily="34" charset="0"/>
+                        <a:ea typeface="Verdana" panose="020B0604030504040204" pitchFamily="34" charset="0"/>
+                        <a:cs typeface="Times New Roman" panose="02020603050405020304" pitchFamily="18" charset="0"/>
+                      </a:endParaRPr>
+                    </a:p>
+                  </a:txBody>
+                  <a:tcPr/>
+                </a:tc>
+                <a:tc>
+                  <a:txBody>
+                    <a:bodyPr/>
+                    <a:lstStyle/>
+                    <a:p>
+                      <a:pPr marL="0" marR="0" algn="ctr">
+                        <a:lnSpc>
+                          <a:spcPct val="100000"/>
+                        </a:lnSpc>
+                        <a:spcBef>
+                          <a:spcPts val="0"/>
+                        </a:spcBef>
+                        <a:spcAft>
+                          <a:spcPts val="600"/>
+                        </a:spcAft>
+                      </a:pPr>
+                      <a:r>
+                        <a:rPr lang="en-US" sz="1400" b="1" dirty="0">
+                          <a:effectLst/>
+                        </a:rPr>
+                        <a:t>Google Earth Engine</a:t>
+                      </a:r>
+                    </a:p>
+                    <a:p>
+                      <a:pPr marL="0" marR="0" lvl="0" indent="0" algn="ctr" defTabSz="914400" rtl="0" eaLnBrk="1" fontAlgn="auto" latinLnBrk="0" hangingPunct="1">
+                        <a:lnSpc>
+                          <a:spcPct val="100000"/>
+                        </a:lnSpc>
+                        <a:spcBef>
+                          <a:spcPts val="0"/>
+                        </a:spcBef>
+                        <a:spcAft>
+                          <a:spcPts val="600"/>
+                        </a:spcAft>
+                        <a:buClrTx/>
+                        <a:buSzTx/>
+                        <a:buFontTx/>
+                        <a:buNone/>
+                        <a:tabLst/>
+                        <a:defRPr/>
+                      </a:pPr>
+                      <a:r>
+                        <a:rPr lang="en-US" sz="1400" b="1" dirty="0">
+                          <a:effectLst/>
+                        </a:rPr>
+                        <a:t>(2015-2020</a:t>
+                      </a:r>
+                      <a:r>
+                        <a:rPr lang="en-US" sz="1400" b="1" dirty="0">
+                          <a:effectLst/>
+                          <a:latin typeface="Verdana" panose="020B0604030504040204" pitchFamily="34" charset="0"/>
+                          <a:ea typeface="Verdana" panose="020B0604030504040204" pitchFamily="34" charset="0"/>
+                          <a:cs typeface="Times New Roman" panose="02020603050405020304" pitchFamily="18" charset="0"/>
+                        </a:rPr>
+                        <a:t>)</a:t>
                       </a:r>
                     </a:p>
                   </a:txBody>
@@ -9621,14 +14266,68 @@
                     <a:bodyPr/>
                     <a:lstStyle/>
                     <a:p>
+                      <a:pPr marL="0" marR="0" algn="just">
+                        <a:lnSpc>
+                          <a:spcPct val="100000"/>
+                        </a:lnSpc>
+                        <a:spcBef>
+                          <a:spcPts val="0"/>
+                        </a:spcBef>
+                        <a:spcAft>
+                          <a:spcPts val="600"/>
+                        </a:spcAft>
+                      </a:pPr>
                       <a:r>
-                        <a:rPr lang="en-US" dirty="0">
-                          <a:solidFill>
-                            <a:schemeClr val="bg1"/>
-                          </a:solidFill>
+                        <a:rPr lang="en-US" sz="1400" b="1">
+                          <a:effectLst/>
                         </a:rPr>
-                        <a:t>Source</a:t>
+                        <a:t>Spatiotemporal HAB Monitoring</a:t>
                       </a:r>
+                      <a:endParaRPr lang="en-US" sz="1400" b="1">
+                        <a:effectLst/>
+                        <a:latin typeface="Verdana" panose="020B0604030504040204" pitchFamily="34" charset="0"/>
+                        <a:ea typeface="Verdana" panose="020B0604030504040204" pitchFamily="34" charset="0"/>
+                        <a:cs typeface="Times New Roman" panose="02020603050405020304" pitchFamily="18" charset="0"/>
+                      </a:endParaRPr>
+                    </a:p>
+                  </a:txBody>
+                  <a:tcPr/>
+                </a:tc>
+                <a:extLst>
+                  <a:ext uri="{0D108BD9-81ED-4DB2-BD59-A6C34878D82A}">
+                    <a16:rowId xmlns:a16="http://schemas.microsoft.com/office/drawing/2014/main" val="1850099590"/>
+                  </a:ext>
+                </a:extLst>
+              </a:tr>
+              <a:tr h="596814">
+                <a:tc>
+                  <a:txBody>
+                    <a:bodyPr/>
+                    <a:lstStyle/>
+                    <a:p>
+                      <a:pPr marL="0" marR="0" algn="just">
+                        <a:lnSpc>
+                          <a:spcPct val="150000"/>
+                        </a:lnSpc>
+                        <a:spcBef>
+                          <a:spcPts val="0"/>
+                        </a:spcBef>
+                        <a:spcAft>
+                          <a:spcPts val="600"/>
+                        </a:spcAft>
+                      </a:pPr>
+                      <a:r>
+                        <a:rPr lang="en-US" sz="1400" b="1" dirty="0">
+                          <a:effectLst/>
+                        </a:rPr>
+                        <a:t>Landsat 8 TIR</a:t>
+                      </a:r>
+                      <a:endParaRPr lang="en-US" sz="1400" b="1" dirty="0">
+                        <a:effectLst/>
+                        <a:latin typeface="Verdana" panose="020B0604030504040204" pitchFamily="34" charset="0"/>
+                        <a:ea typeface="Verdana" panose="020B0604030504040204" pitchFamily="34" charset="0"/>
+                        <a:cs typeface="Times New Roman" panose="02020603050405020304" pitchFamily="18" charset="0"/>
+                      </a:endParaRPr>
                     </a:p>
                   </a:txBody>
                   <a:tcPr/>
@@ -9638,39 +14337,54 @@
                     <a:bodyPr/>
                     <a:lstStyle/>
                     <a:p>
+                      <a:pPr marL="0" marR="0" algn="just">
+                        <a:lnSpc>
+                          <a:spcPct val="100000"/>
+                        </a:lnSpc>
+                        <a:spcBef>
+                          <a:spcPts val="0"/>
+                        </a:spcBef>
+                        <a:spcAft>
+                          <a:spcPts val="600"/>
+                        </a:spcAft>
+                      </a:pPr>
                       <a:r>
-                        <a:rPr lang="en-US" u="none" dirty="0">
-                          <a:solidFill>
-                            <a:schemeClr val="bg1"/>
-                          </a:solidFill>
+                        <a:rPr lang="en-US" sz="1400" b="1" dirty="0">
+                          <a:effectLst/>
                         </a:rPr>
-                        <a:t>Access</a:t>
+                        <a:t>Google Earth Engine</a:t>
                       </a:r>
                     </a:p>
-                  </a:txBody>
-                  <a:tcPr/>
-                </a:tc>
-                <a:extLst>
-                  <a:ext uri="{0D108BD9-81ED-4DB2-BD59-A6C34878D82A}">
-                    <a16:rowId xmlns:a16="http://schemas.microsoft.com/office/drawing/2014/main" val="3601207383"/>
-                  </a:ext>
-                </a:extLst>
-              </a:tr>
-              <a:tr h="431106">
-                <a:tc>
-                  <a:txBody>
-                    <a:bodyPr/>
-                    <a:lstStyle/>
                     <a:p>
+                      <a:pPr marL="0" marR="0" lvl="0" indent="0" algn="ctr" defTabSz="914400" rtl="0" eaLnBrk="1" fontAlgn="auto" latinLnBrk="0" hangingPunct="1">
+                        <a:lnSpc>
+                          <a:spcPct val="100000"/>
+                        </a:lnSpc>
+                        <a:spcBef>
+                          <a:spcPts val="0"/>
+                        </a:spcBef>
+                        <a:spcAft>
+                          <a:spcPts val="600"/>
+                        </a:spcAft>
+                        <a:buClrTx/>
+                        <a:buSzTx/>
+                        <a:buFontTx/>
+                        <a:buNone/>
+                        <a:tabLst/>
+                        <a:defRPr/>
+                      </a:pPr>
                       <a:r>
-                        <a:rPr lang="en-US" dirty="0">
-                          <a:solidFill>
-                            <a:schemeClr val="tx1"/>
-                          </a:solidFill>
+                        <a:rPr lang="en-US" sz="1400" b="1" dirty="0">
+                          <a:effectLst/>
                         </a:rPr>
-                        <a:t>Shapefiles</a:t>
+                        <a:t>(2015-2020)</a:t>
                       </a:r>
-                      <a:endParaRPr lang="en-US" dirty="0"/>
+                      <a:endParaRPr lang="en-US" sz="1400" b="1" dirty="0">
+                        <a:effectLst/>
+                        <a:latin typeface="Verdana" panose="020B0604030504040204" pitchFamily="34" charset="0"/>
+                        <a:ea typeface="Verdana" panose="020B0604030504040204" pitchFamily="34" charset="0"/>
+                        <a:cs typeface="Times New Roman" panose="02020603050405020304" pitchFamily="18" charset="0"/>
+                      </a:endParaRPr>
                     </a:p>
                   </a:txBody>
                   <a:tcPr/>
@@ -9680,19 +14394,68 @@
                     <a:bodyPr/>
                     <a:lstStyle/>
                     <a:p>
+                      <a:pPr marL="0" marR="0" algn="just">
+                        <a:lnSpc>
+                          <a:spcPct val="100000"/>
+                        </a:lnSpc>
+                        <a:spcBef>
+                          <a:spcPts val="0"/>
+                        </a:spcBef>
+                        <a:spcAft>
+                          <a:spcPts val="600"/>
+                        </a:spcAft>
+                      </a:pPr>
                       <a:r>
-                        <a:rPr lang="en-US" sz="1400" b="0" dirty="0"/>
-                        <a:t>Database of Global Administrative Areas- </a:t>
+                        <a:rPr lang="en-US" sz="1400" b="1">
+                          <a:effectLst/>
+                        </a:rPr>
+                        <a:t>Lake Surface Temperature Monitoring</a:t>
                       </a:r>
+                      <a:endParaRPr lang="en-US" sz="1400" b="1">
+                        <a:effectLst/>
+                        <a:latin typeface="Verdana" panose="020B0604030504040204" pitchFamily="34" charset="0"/>
+                        <a:ea typeface="Verdana" panose="020B0604030504040204" pitchFamily="34" charset="0"/>
+                        <a:cs typeface="Times New Roman" panose="02020603050405020304" pitchFamily="18" charset="0"/>
+                      </a:endParaRPr>
+                    </a:p>
+                  </a:txBody>
+                  <a:tcPr/>
+                </a:tc>
+                <a:extLst>
+                  <a:ext uri="{0D108BD9-81ED-4DB2-BD59-A6C34878D82A}">
+                    <a16:rowId xmlns:a16="http://schemas.microsoft.com/office/drawing/2014/main" val="1381750836"/>
+                  </a:ext>
+                </a:extLst>
+              </a:tr>
+              <a:tr h="596814">
+                <a:tc>
+                  <a:txBody>
+                    <a:bodyPr/>
+                    <a:lstStyle/>
+                    <a:p>
+                      <a:pPr marL="0" marR="0" algn="just">
+                        <a:lnSpc>
+                          <a:spcPct val="150000"/>
+                        </a:lnSpc>
+                        <a:spcBef>
+                          <a:spcPts val="0"/>
+                        </a:spcBef>
+                        <a:spcAft>
+                          <a:spcPts val="600"/>
+                        </a:spcAft>
+                      </a:pPr>
                       <a:r>
-                        <a:rPr lang="en-US" sz="1400" dirty="0">
-                          <a:solidFill>
-                            <a:schemeClr val="tx1"/>
-                          </a:solidFill>
+                        <a:rPr lang="en-US" sz="1400" b="1" dirty="0">
+                          <a:effectLst/>
                         </a:rPr>
-                        <a:t>GADM</a:t>
+                        <a:t>Meteorological Data</a:t>
                       </a:r>
-                      <a:endParaRPr lang="en-US" sz="1400" dirty="0"/>
+                      <a:endParaRPr lang="en-US" sz="1400" b="1" dirty="0">
+                        <a:effectLst/>
+                        <a:latin typeface="Verdana" panose="020B0604030504040204" pitchFamily="34" charset="0"/>
+                        <a:ea typeface="Verdana" panose="020B0604030504040204" pitchFamily="34" charset="0"/>
+                        <a:cs typeface="Times New Roman" panose="02020603050405020304" pitchFamily="18" charset="0"/>
+                      </a:endParaRPr>
                     </a:p>
                   </a:txBody>
                   <a:tcPr/>
@@ -9702,35 +14465,29 @@
                     <a:bodyPr/>
                     <a:lstStyle/>
                     <a:p>
+                      <a:pPr marL="0" marR="0" algn="just">
+                        <a:lnSpc>
+                          <a:spcPct val="100000"/>
+                        </a:lnSpc>
+                        <a:spcBef>
+                          <a:spcPts val="0"/>
+                        </a:spcBef>
+                        <a:spcAft>
+                          <a:spcPts val="600"/>
+                        </a:spcAft>
+                      </a:pPr>
                       <a:r>
-                        <a:rPr lang="en-US" dirty="0">
-                          <a:solidFill>
-                            <a:schemeClr val="tx1"/>
-                          </a:solidFill>
+                        <a:rPr lang="en-US" sz="1400" b="1" dirty="0">
+                          <a:effectLst/>
                         </a:rPr>
-                        <a:t>Free</a:t>
+                        <a:t>Kenya Marine &amp; Fisheries Research Institute-KMFRI (2015-2020)</a:t>
                       </a:r>
-                      <a:endParaRPr lang="en-US" dirty="0"/>
-                    </a:p>
-                  </a:txBody>
-                  <a:tcPr/>
-                </a:tc>
-                <a:extLst>
-                  <a:ext uri="{0D108BD9-81ED-4DB2-BD59-A6C34878D82A}">
-                    <a16:rowId xmlns:a16="http://schemas.microsoft.com/office/drawing/2014/main" val="1658327389"/>
-                  </a:ext>
-                </a:extLst>
-              </a:tr>
-              <a:tr h="431106">
-                <a:tc>
-                  <a:txBody>
-                    <a:bodyPr/>
-                    <a:lstStyle/>
-                    <a:p>
-                      <a:r>
-                        <a:rPr lang="en-US" dirty="0"/>
-                        <a:t>MODIS Aqua</a:t>
-                      </a:r>
+                      <a:endParaRPr lang="en-US" sz="1400" b="1" dirty="0">
+                        <a:effectLst/>
+                        <a:latin typeface="Verdana" panose="020B0604030504040204" pitchFamily="34" charset="0"/>
+                        <a:ea typeface="Verdana" panose="020B0604030504040204" pitchFamily="34" charset="0"/>
+                        <a:cs typeface="Times New Roman" panose="02020603050405020304" pitchFamily="18" charset="0"/>
+                      </a:endParaRPr>
                     </a:p>
                   </a:txBody>
                   <a:tcPr/>
@@ -9740,14 +14497,87 @@
                     <a:bodyPr/>
                     <a:lstStyle/>
                     <a:p>
+                      <a:pPr marL="0" marR="0" algn="just">
+                        <a:lnSpc>
+                          <a:spcPct val="100000"/>
+                        </a:lnSpc>
+                        <a:spcBef>
+                          <a:spcPts val="0"/>
+                        </a:spcBef>
+                        <a:spcAft>
+                          <a:spcPts val="600"/>
+                        </a:spcAft>
+                      </a:pPr>
                       <a:r>
-                        <a:rPr lang="en-US" dirty="0">
-                          <a:solidFill>
-                            <a:schemeClr val="tx1"/>
-                          </a:solidFill>
+                        <a:rPr lang="en-US" sz="1400" b="1">
+                          <a:effectLst/>
                         </a:rPr>
-                        <a:t>Google Earth Engine Cloud Repo</a:t>
+                        <a:t> </a:t>
                       </a:r>
+                    </a:p>
+                    <a:p>
+                      <a:pPr marL="0" marR="0" algn="just">
+                        <a:lnSpc>
+                          <a:spcPct val="100000"/>
+                        </a:lnSpc>
+                        <a:spcBef>
+                          <a:spcPts val="0"/>
+                        </a:spcBef>
+                        <a:spcAft>
+                          <a:spcPts val="600"/>
+                        </a:spcAft>
+                      </a:pPr>
+                      <a:r>
+                        <a:rPr lang="en-US" sz="1400" b="1">
+                          <a:effectLst/>
+                        </a:rPr>
+                        <a:t>Water Quality assessment</a:t>
+                      </a:r>
+                      <a:endParaRPr lang="en-US" sz="1400" b="1">
+                        <a:effectLst/>
+                        <a:latin typeface="Verdana" panose="020B0604030504040204" pitchFamily="34" charset="0"/>
+                        <a:ea typeface="Verdana" panose="020B0604030504040204" pitchFamily="34" charset="0"/>
+                        <a:cs typeface="Times New Roman" panose="02020603050405020304" pitchFamily="18" charset="0"/>
+                      </a:endParaRPr>
+                    </a:p>
+                  </a:txBody>
+                  <a:tcPr/>
+                </a:tc>
+                <a:extLst>
+                  <a:ext uri="{0D108BD9-81ED-4DB2-BD59-A6C34878D82A}">
+                    <a16:rowId xmlns:a16="http://schemas.microsoft.com/office/drawing/2014/main" val="2389362529"/>
+                  </a:ext>
+                </a:extLst>
+              </a:tr>
+              <a:tr h="428482">
+                <a:tc>
+                  <a:txBody>
+                    <a:bodyPr/>
+                    <a:lstStyle/>
+                    <a:p>
+                      <a:pPr marL="0" marR="0" algn="just">
+                        <a:lnSpc>
+                          <a:spcPct val="150000"/>
+                        </a:lnSpc>
+                        <a:spcBef>
+                          <a:spcPts val="0"/>
+                        </a:spcBef>
+                        <a:spcAft>
+                          <a:spcPts val="600"/>
+                        </a:spcAft>
+                      </a:pPr>
+                      <a:r>
+                        <a:rPr lang="en-US" sz="1400" b="1" dirty="0">
+                          <a:effectLst/>
+                        </a:rPr>
+                        <a:t>Shapefiles </a:t>
+                      </a:r>
+                      <a:endParaRPr lang="en-US" sz="1400" b="1" dirty="0">
+                        <a:effectLst/>
+                        <a:latin typeface="Verdana" panose="020B0604030504040204" pitchFamily="34" charset="0"/>
+                        <a:ea typeface="Verdana" panose="020B0604030504040204" pitchFamily="34" charset="0"/>
+                        <a:cs typeface="Times New Roman" panose="02020603050405020304" pitchFamily="18" charset="0"/>
+                      </a:endParaRPr>
                     </a:p>
                   </a:txBody>
                   <a:tcPr/>
@@ -9757,30 +14587,29 @@
                     <a:bodyPr/>
                     <a:lstStyle/>
                     <a:p>
+                      <a:pPr marL="0" marR="0" algn="just">
+                        <a:lnSpc>
+                          <a:spcPct val="100000"/>
+                        </a:lnSpc>
+                        <a:spcBef>
+                          <a:spcPts val="0"/>
+                        </a:spcBef>
+                        <a:spcAft>
+                          <a:spcPts val="600"/>
+                        </a:spcAft>
+                      </a:pPr>
                       <a:r>
-                        <a:rPr lang="en-US" dirty="0"/>
-                        <a:t>Free</a:t>
+                        <a:rPr lang="en-US" sz="1100" b="1" dirty="0">
+                          <a:effectLst/>
+                        </a:rPr>
+                        <a:t>Geodatabase of Global Administrative areas- GADM</a:t>
                       </a:r>
-                    </a:p>
-                  </a:txBody>
-                  <a:tcPr/>
-                </a:tc>
-                <a:extLst>
-                  <a:ext uri="{0D108BD9-81ED-4DB2-BD59-A6C34878D82A}">
-                    <a16:rowId xmlns:a16="http://schemas.microsoft.com/office/drawing/2014/main" val="1872176473"/>
-                  </a:ext>
-                </a:extLst>
-              </a:tr>
-              <a:tr h="431106">
-                <a:tc>
-                  <a:txBody>
-                    <a:bodyPr/>
-                    <a:lstStyle/>
-                    <a:p>
-                      <a:r>
-                        <a:rPr lang="en-US" dirty="0"/>
-                        <a:t>Landsat 8 OLI</a:t>
-                      </a:r>
+                      <a:endParaRPr lang="en-US" sz="1100" b="1" dirty="0">
+                        <a:effectLst/>
+                        <a:latin typeface="Verdana" panose="020B0604030504040204" pitchFamily="34" charset="0"/>
+                        <a:ea typeface="Verdana" panose="020B0604030504040204" pitchFamily="34" charset="0"/>
+                        <a:cs typeface="Times New Roman" panose="02020603050405020304" pitchFamily="18" charset="0"/>
+                      </a:endParaRPr>
                     </a:p>
                   </a:txBody>
                   <a:tcPr/>
@@ -9790,7 +14619,7 @@
                     <a:bodyPr/>
                     <a:lstStyle/>
                     <a:p>
-                      <a:pPr marL="0" marR="0" lvl="0" indent="0" algn="l" defTabSz="914400" rtl="0" eaLnBrk="1" fontAlgn="auto" latinLnBrk="0" hangingPunct="1">
+                      <a:pPr marL="0" marR="0" algn="just">
                         <a:lnSpc>
                           <a:spcPct val="100000"/>
                         </a:lnSpc>
@@ -9798,7 +14627,78 @@
                           <a:spcPts val="0"/>
                         </a:spcBef>
                         <a:spcAft>
+                          <a:spcPts val="600"/>
+                        </a:spcAft>
+                      </a:pPr>
+                      <a:r>
+                        <a:rPr lang="en-US" sz="1400" b="1" dirty="0">
+                          <a:effectLst/>
+                        </a:rPr>
+                        <a:t> Delineate the Study area</a:t>
+                      </a:r>
+                      <a:endParaRPr lang="en-US" sz="1400" b="1" dirty="0">
+                        <a:effectLst/>
+                        <a:latin typeface="Verdana" panose="020B0604030504040204" pitchFamily="34" charset="0"/>
+                        <a:ea typeface="Verdana" panose="020B0604030504040204" pitchFamily="34" charset="0"/>
+                        <a:cs typeface="Times New Roman" panose="02020603050405020304" pitchFamily="18" charset="0"/>
+                      </a:endParaRPr>
+                    </a:p>
+                  </a:txBody>
+                  <a:tcPr/>
+                </a:tc>
+                <a:extLst>
+                  <a:ext uri="{0D108BD9-81ED-4DB2-BD59-A6C34878D82A}">
+                    <a16:rowId xmlns:a16="http://schemas.microsoft.com/office/drawing/2014/main" val="589404211"/>
+                  </a:ext>
+                </a:extLst>
+              </a:tr>
+              <a:tr h="520299">
+                <a:tc>
+                  <a:txBody>
+                    <a:bodyPr/>
+                    <a:lstStyle/>
+                    <a:p>
+                      <a:pPr marL="0" marR="0" algn="just">
+                        <a:lnSpc>
+                          <a:spcPct val="150000"/>
+                        </a:lnSpc>
+                        <a:spcBef>
                           <a:spcPts val="0"/>
+                        </a:spcBef>
+                        <a:spcAft>
+                          <a:spcPts val="600"/>
+                        </a:spcAft>
+                      </a:pPr>
+                      <a:r>
+                        <a:rPr lang="en-US" sz="1400" b="1" dirty="0">
+                          <a:effectLst/>
+                        </a:rPr>
+                        <a:t>In-Situ Data</a:t>
+                      </a:r>
+                      <a:endParaRPr lang="en-US" sz="1400" b="1" dirty="0">
+                        <a:effectLst/>
+                        <a:latin typeface="Verdana" panose="020B0604030504040204" pitchFamily="34" charset="0"/>
+                        <a:ea typeface="Verdana" panose="020B0604030504040204" pitchFamily="34" charset="0"/>
+                        <a:cs typeface="Times New Roman" panose="02020603050405020304" pitchFamily="18" charset="0"/>
+                      </a:endParaRPr>
+                    </a:p>
+                  </a:txBody>
+                  <a:tcPr/>
+                </a:tc>
+                <a:tc>
+                  <a:txBody>
+                    <a:bodyPr/>
+                    <a:lstStyle/>
+                    <a:p>
+                      <a:pPr marL="0" marR="0" lvl="0" indent="0" algn="just" defTabSz="914400" rtl="0" eaLnBrk="1" fontAlgn="auto" latinLnBrk="0" hangingPunct="1">
+                        <a:lnSpc>
+                          <a:spcPct val="100000"/>
+                        </a:lnSpc>
+                        <a:spcBef>
+                          <a:spcPts val="0"/>
+                        </a:spcBef>
+                        <a:spcAft>
+                          <a:spcPts val="600"/>
                         </a:spcAft>
                         <a:buClrTx/>
                         <a:buSzTx/>
@@ -9808,9 +14708,17 @@
                         <a:defRPr/>
                       </a:pPr>
                       <a:r>
-                        <a:rPr lang="en-US" dirty="0"/>
-                        <a:t>Google Earth Engine Cloud Repo</a:t>
+                        <a:rPr lang="en-US" sz="1400" b="1" dirty="0">
+                          <a:effectLst/>
+                        </a:rPr>
+                        <a:t>In-situ Sensors 2021 Onwards</a:t>
                       </a:r>
+                      <a:endParaRPr lang="en-US" sz="1400" b="1" dirty="0">
+                        <a:effectLst/>
+                        <a:latin typeface="Verdana" panose="020B0604030504040204" pitchFamily="34" charset="0"/>
+                        <a:ea typeface="Verdana" panose="020B0604030504040204" pitchFamily="34" charset="0"/>
+                        <a:cs typeface="Times New Roman" panose="02020603050405020304" pitchFamily="18" charset="0"/>
+                      </a:endParaRPr>
                     </a:p>
                   </a:txBody>
                   <a:tcPr/>
@@ -9820,46 +14728,7 @@
                     <a:bodyPr/>
                     <a:lstStyle/>
                     <a:p>
-                      <a:r>
-                        <a:rPr lang="en-US" dirty="0"/>
-                        <a:t>Free</a:t>
-                      </a:r>
-                    </a:p>
-                  </a:txBody>
-                  <a:tcPr/>
-                </a:tc>
-                <a:extLst>
-                  <a:ext uri="{0D108BD9-81ED-4DB2-BD59-A6C34878D82A}">
-                    <a16:rowId xmlns:a16="http://schemas.microsoft.com/office/drawing/2014/main" val="1855506389"/>
-                  </a:ext>
-                </a:extLst>
-              </a:tr>
-              <a:tr h="579832">
-                <a:tc>
-                  <a:txBody>
-                    <a:bodyPr/>
-                    <a:lstStyle/>
-                    <a:p>
-                      <a:r>
-                        <a:rPr lang="en-US" dirty="0"/>
-                        <a:t>- Meteorology Data</a:t>
-                      </a:r>
-                    </a:p>
-                    <a:p>
-                      <a:r>
-                        <a:rPr lang="en-US" dirty="0"/>
-                        <a:t>-In-Situ</a:t>
-                      </a:r>
-                    </a:p>
-                  </a:txBody>
-                  <a:tcPr/>
-                </a:tc>
-                <a:tc>
-                  <a:txBody>
-                    <a:bodyPr/>
-                    <a:lstStyle/>
-                    <a:p>
-                      <a:pPr marL="0" marR="0" lvl="0" indent="0" algn="l" defTabSz="914400" rtl="0" eaLnBrk="1" fontAlgn="auto" latinLnBrk="0" hangingPunct="1">
+                      <a:pPr marL="0" marR="0" algn="just">
                         <a:lnSpc>
                           <a:spcPct val="100000"/>
                         </a:lnSpc>
@@ -9867,321 +14736,28 @@
                           <a:spcPts val="0"/>
                         </a:spcBef>
                         <a:spcAft>
-                          <a:spcPts val="0"/>
+                          <a:spcPts val="600"/>
                         </a:spcAft>
-                        <a:buClrTx/>
-                        <a:buSzTx/>
-                        <a:buFontTx/>
-                        <a:buNone/>
-                        <a:tabLst/>
-                        <a:defRPr/>
                       </a:pPr>
                       <a:r>
-                        <a:rPr lang="en-US" dirty="0"/>
-                        <a:t>-Lake Victoria Water Quality Mgt</a:t>
+                        <a:rPr lang="en-US" sz="1400" b="1" dirty="0">
+                          <a:effectLst/>
+                        </a:rPr>
+                        <a:t>Continued In-Situ Algal Monitoring</a:t>
                       </a:r>
-                    </a:p>
-                    <a:p>
-                      <a:pPr marL="0" marR="0" lvl="0" indent="0" algn="l" defTabSz="914400" rtl="0" eaLnBrk="1" fontAlgn="auto" latinLnBrk="0" hangingPunct="1">
-                        <a:lnSpc>
-                          <a:spcPct val="100000"/>
-                        </a:lnSpc>
-                        <a:spcBef>
-                          <a:spcPts val="0"/>
-                        </a:spcBef>
-                        <a:spcAft>
-                          <a:spcPts val="0"/>
-                        </a:spcAft>
-                        <a:buClrTx/>
-                        <a:buSzTx/>
-                        <a:buFontTx/>
-                        <a:buNone/>
-                        <a:tabLst/>
-                        <a:defRPr/>
-                      </a:pPr>
-                      <a:r>
-                        <a:rPr lang="en-US" dirty="0"/>
-                        <a:t>-My Automated </a:t>
-                      </a:r>
-                      <a:r>
-                        <a:rPr lang="en-US" i="1" dirty="0"/>
-                        <a:t>In-situ</a:t>
-                      </a:r>
-                      <a:r>
-                        <a:rPr lang="en-US" dirty="0"/>
-                        <a:t> System</a:t>
-                      </a:r>
-                    </a:p>
-                  </a:txBody>
-                  <a:tcPr/>
-                </a:tc>
-                <a:tc>
-                  <a:txBody>
-                    <a:bodyPr/>
-                    <a:lstStyle/>
-                    <a:p>
-                      <a:r>
-                        <a:rPr lang="en-US" sz="1400" dirty="0"/>
-                        <a:t>-</a:t>
-                      </a:r>
-                      <a:r>
-                        <a:rPr lang="en-US" sz="1550" dirty="0"/>
-                        <a:t>Uncertain</a:t>
-                      </a:r>
-                    </a:p>
-                    <a:p>
-                      <a:r>
-                        <a:rPr lang="en-US" sz="1550" dirty="0"/>
-                        <a:t>-Within my control</a:t>
-                      </a:r>
+                      <a:endParaRPr lang="en-US" sz="1400" b="1" dirty="0">
+                        <a:effectLst/>
+                        <a:latin typeface="Verdana" panose="020B0604030504040204" pitchFamily="34" charset="0"/>
+                        <a:ea typeface="Verdana" panose="020B0604030504040204" pitchFamily="34" charset="0"/>
+                        <a:cs typeface="Times New Roman" panose="02020603050405020304" pitchFamily="18" charset="0"/>
+                      </a:endParaRPr>
                     </a:p>
                   </a:txBody>
                   <a:tcPr/>
                 </a:tc>
                 <a:extLst>
                   <a:ext uri="{0D108BD9-81ED-4DB2-BD59-A6C34878D82A}">
-                    <a16:rowId xmlns:a16="http://schemas.microsoft.com/office/drawing/2014/main" val="718357179"/>
-                  </a:ext>
-                </a:extLst>
-              </a:tr>
-            </a:tbl>
-          </a:graphicData>
-        </a:graphic>
-      </p:graphicFrame>
-      <p:graphicFrame>
-        <p:nvGraphicFramePr>
-          <p:cNvPr id="6" name="Table 6">
-            <a:extLst>
-              <a:ext uri="{FF2B5EF4-FFF2-40B4-BE49-F238E27FC236}">
-                <a16:creationId xmlns:a16="http://schemas.microsoft.com/office/drawing/2014/main" id="{FF4859D7-C0B6-42C9-A5BA-F0D58A53AA37}"/>
-              </a:ext>
-            </a:extLst>
-          </p:cNvPr>
-          <p:cNvGraphicFramePr>
-            <a:graphicFrameLocks noGrp="1"/>
-          </p:cNvGraphicFramePr>
-          <p:nvPr>
-            <p:extLst>
-              <p:ext uri="{D42A27DB-BD31-4B8C-83A1-F6EECF244321}">
-                <p14:modId xmlns:p14="http://schemas.microsoft.com/office/powerpoint/2010/main" val="490716619"/>
-              </p:ext>
-            </p:extLst>
-          </p:nvPr>
-        </p:nvGraphicFramePr>
-        <p:xfrm>
-          <a:off x="250824" y="4437112"/>
-          <a:ext cx="8640763" cy="2016075"/>
-        </p:xfrm>
-        <a:graphic>
-          <a:graphicData uri="http://schemas.openxmlformats.org/drawingml/2006/table">
-            <a:tbl>
-              <a:tblPr firstRow="1" bandRow="1">
-                <a:tableStyleId>{93296810-A885-4BE3-A3E7-6D5BEEA58F35}</a:tableStyleId>
-              </a:tblPr>
-              <a:tblGrid>
-                <a:gridCol w="2306064">
-                  <a:extLst>
-                    <a:ext uri="{9D8B030D-6E8A-4147-A177-3AD203B41FA5}">
-                      <a16:colId xmlns:a16="http://schemas.microsoft.com/office/drawing/2014/main" val="955251707"/>
-                    </a:ext>
-                  </a:extLst>
-                </a:gridCol>
-                <a:gridCol w="4031336">
-                  <a:extLst>
-                    <a:ext uri="{9D8B030D-6E8A-4147-A177-3AD203B41FA5}">
-                      <a16:colId xmlns:a16="http://schemas.microsoft.com/office/drawing/2014/main" val="408544689"/>
-                    </a:ext>
-                  </a:extLst>
-                </a:gridCol>
-                <a:gridCol w="2303363">
-                  <a:extLst>
-                    <a:ext uri="{9D8B030D-6E8A-4147-A177-3AD203B41FA5}">
-                      <a16:colId xmlns:a16="http://schemas.microsoft.com/office/drawing/2014/main" val="140147230"/>
-                    </a:ext>
-                  </a:extLst>
-                </a:gridCol>
-              </a:tblGrid>
-              <a:tr h="437792">
-                <a:tc>
-                  <a:txBody>
-                    <a:bodyPr/>
-                    <a:lstStyle/>
-                    <a:p>
-                      <a:r>
-                        <a:rPr lang="en-US" dirty="0"/>
-                        <a:t>Tool/ Material</a:t>
-                      </a:r>
-                    </a:p>
-                  </a:txBody>
-                  <a:tcPr/>
-                </a:tc>
-                <a:tc>
-                  <a:txBody>
-                    <a:bodyPr/>
-                    <a:lstStyle/>
-                    <a:p>
-                      <a:r>
-                        <a:rPr lang="en-US" dirty="0"/>
-                        <a:t>Role</a:t>
-                      </a:r>
-                    </a:p>
-                  </a:txBody>
-                  <a:tcPr/>
-                </a:tc>
-                <a:tc>
-                  <a:txBody>
-                    <a:bodyPr/>
-                    <a:lstStyle/>
-                    <a:p>
-                      <a:r>
-                        <a:rPr lang="en-US" dirty="0"/>
-                        <a:t>Availability</a:t>
-                      </a:r>
-                    </a:p>
-                  </a:txBody>
-                  <a:tcPr/>
-                </a:tc>
-                <a:extLst>
-                  <a:ext uri="{0D108BD9-81ED-4DB2-BD59-A6C34878D82A}">
-                    <a16:rowId xmlns:a16="http://schemas.microsoft.com/office/drawing/2014/main" val="1507705297"/>
-                  </a:ext>
-                </a:extLst>
-              </a:tr>
-              <a:tr h="437792">
-                <a:tc>
-                  <a:txBody>
-                    <a:bodyPr/>
-                    <a:lstStyle/>
-                    <a:p>
-                      <a:r>
-                        <a:rPr lang="en-US" dirty="0"/>
-                        <a:t>Google Earth Engine</a:t>
-                      </a:r>
-                    </a:p>
-                  </a:txBody>
-                  <a:tcPr/>
-                </a:tc>
-                <a:tc>
-                  <a:txBody>
-                    <a:bodyPr/>
-                    <a:lstStyle/>
-                    <a:p>
-                      <a:r>
-                        <a:rPr lang="en-US" dirty="0"/>
-                        <a:t>Geocomputation &amp; Processing</a:t>
-                      </a:r>
-                    </a:p>
-                  </a:txBody>
-                  <a:tcPr/>
-                </a:tc>
-                <a:tc>
-                  <a:txBody>
-                    <a:bodyPr/>
-                    <a:lstStyle/>
-                    <a:p>
-                      <a:r>
-                        <a:rPr lang="en-US" dirty="0"/>
-                        <a:t>Freely Available</a:t>
-                      </a:r>
-                    </a:p>
-                  </a:txBody>
-                  <a:tcPr/>
-                </a:tc>
-                <a:extLst>
-                  <a:ext uri="{0D108BD9-81ED-4DB2-BD59-A6C34878D82A}">
-                    <a16:rowId xmlns:a16="http://schemas.microsoft.com/office/drawing/2014/main" val="1478603882"/>
-                  </a:ext>
-                </a:extLst>
-              </a:tr>
-              <a:tr h="437792">
-                <a:tc>
-                  <a:txBody>
-                    <a:bodyPr/>
-                    <a:lstStyle/>
-                    <a:p>
-                      <a:r>
-                        <a:rPr lang="en-US" dirty="0"/>
-                        <a:t>QGIS, R &amp; Python</a:t>
-                      </a:r>
-                    </a:p>
-                  </a:txBody>
-                  <a:tcPr/>
-                </a:tc>
-                <a:tc>
-                  <a:txBody>
-                    <a:bodyPr/>
-                    <a:lstStyle/>
-                    <a:p>
-                      <a:r>
-                        <a:rPr lang="en-US" dirty="0"/>
-                        <a:t>Further Analysis, Maps &amp; Prediction</a:t>
-                      </a:r>
-                    </a:p>
-                  </a:txBody>
-                  <a:tcPr/>
-                </a:tc>
-                <a:tc>
-                  <a:txBody>
-                    <a:bodyPr/>
-                    <a:lstStyle/>
-                    <a:p>
-                      <a:r>
-                        <a:rPr lang="en-US" dirty="0"/>
-                        <a:t>Free</a:t>
-                      </a:r>
-                    </a:p>
-                  </a:txBody>
-                  <a:tcPr/>
-                </a:tc>
-                <a:extLst>
-                  <a:ext uri="{0D108BD9-81ED-4DB2-BD59-A6C34878D82A}">
-                    <a16:rowId xmlns:a16="http://schemas.microsoft.com/office/drawing/2014/main" val="4003800983"/>
-                  </a:ext>
-                </a:extLst>
-              </a:tr>
-              <a:tr h="702699">
-                <a:tc>
-                  <a:txBody>
-                    <a:bodyPr/>
-                    <a:lstStyle/>
-                    <a:p>
-                      <a:r>
-                        <a:rPr lang="en-US" dirty="0"/>
-                        <a:t>Microcontroller, Sensors &amp; Gateway</a:t>
-                      </a:r>
-                    </a:p>
-                  </a:txBody>
-                  <a:tcPr/>
-                </a:tc>
-                <a:tc>
-                  <a:txBody>
-                    <a:bodyPr/>
-                    <a:lstStyle/>
-                    <a:p>
-                      <a:r>
-                        <a:rPr lang="en-US" dirty="0"/>
-                        <a:t>In-situ data collection &amp; Monitoring</a:t>
-                      </a:r>
-                    </a:p>
-                  </a:txBody>
-                  <a:tcPr/>
-                </a:tc>
-                <a:tc>
-                  <a:txBody>
-                    <a:bodyPr/>
-                    <a:lstStyle/>
-                    <a:p>
-                      <a:r>
-                        <a:rPr lang="en-US" dirty="0"/>
-                        <a:t>Local Purchase</a:t>
-                      </a:r>
-                    </a:p>
-                  </a:txBody>
-                  <a:tcPr/>
-                </a:tc>
-                <a:extLst>
-                  <a:ext uri="{0D108BD9-81ED-4DB2-BD59-A6C34878D82A}">
-                    <a16:rowId xmlns:a16="http://schemas.microsoft.com/office/drawing/2014/main" val="42632884"/>
+                    <a16:rowId xmlns:a16="http://schemas.microsoft.com/office/drawing/2014/main" val="363404833"/>
                   </a:ext>
                 </a:extLst>
               </a:tr>
@@ -10219,46 +14795,42 @@
           <a:chExt cx="0" cy="0"/>
         </a:xfrm>
       </p:grpSpPr>
-      <p:sp>
-        <p:nvSpPr>
-          <p:cNvPr id="3" name="Footer Placeholder 2">
+      <p:pic>
+        <p:nvPicPr>
+          <p:cNvPr id="125" name="Picture 124">
             <a:extLst>
               <a:ext uri="{FF2B5EF4-FFF2-40B4-BE49-F238E27FC236}">
-                <a16:creationId xmlns:a16="http://schemas.microsoft.com/office/drawing/2014/main" id="{D0960B77-6471-485F-8EE6-AE36F1D15405}"/>
+                <a16:creationId xmlns:a16="http://schemas.microsoft.com/office/drawing/2014/main" id="{61FE3E37-BFE3-4835-A324-1BC61B8A67E3}"/>
               </a:ext>
             </a:extLst>
           </p:cNvPr>
-          <p:cNvSpPr>
-            <a:spLocks noGrp="1"/>
-          </p:cNvSpPr>
-          <p:nvPr>
-            <p:ph type="ftr" sz="quarter" idx="10"/>
-          </p:nvPr>
-        </p:nvSpPr>
-        <p:spPr/>
-        <p:txBody>
-          <a:bodyPr/>
-          <a:lstStyle/>
-          <a:p>
-            <a:pPr>
-              <a:defRPr/>
-            </a:pPr>
-            <a:endParaRPr lang="de-DE"/>
-          </a:p>
-          <a:p>
-            <a:pPr>
-              <a:defRPr/>
-            </a:pPr>
-            <a:endParaRPr lang="de-DE"/>
-          </a:p>
-        </p:txBody>
-      </p:sp>
-      <p:sp>
-        <p:nvSpPr>
-          <p:cNvPr id="7" name="Title 3">
+          <p:cNvPicPr>
+            <a:picLocks noChangeAspect="1"/>
+          </p:cNvPicPr>
+          <p:nvPr/>
+        </p:nvPicPr>
+        <p:blipFill>
+          <a:blip r:embed="rId2"/>
+          <a:stretch>
+            <a:fillRect/>
+          </a:stretch>
+        </p:blipFill>
+        <p:spPr>
+          <a:xfrm>
+            <a:off x="827584" y="1484784"/>
+            <a:ext cx="6984776" cy="4912107"/>
+          </a:xfrm>
+          <a:prstGeom prst="rect">
+            <a:avLst/>
+          </a:prstGeom>
+        </p:spPr>
+      </p:pic>
+      <p:sp>
+        <p:nvSpPr>
+          <p:cNvPr id="126" name="Title 3">
             <a:extLst>
               <a:ext uri="{FF2B5EF4-FFF2-40B4-BE49-F238E27FC236}">
-                <a16:creationId xmlns:a16="http://schemas.microsoft.com/office/drawing/2014/main" id="{2C861FF2-3478-4CF8-B2D4-86FD4F42C3F3}"/>
+                <a16:creationId xmlns:a16="http://schemas.microsoft.com/office/drawing/2014/main" id="{018E18F1-E6E1-4D5B-90AC-4A871AF89720}"/>
               </a:ext>
             </a:extLst>
           </p:cNvPr>
@@ -10286,45 +14858,10 @@
           </a:p>
         </p:txBody>
       </p:sp>
-      <p:pic>
-        <p:nvPicPr>
-          <p:cNvPr id="5" name="Content Placeholder 4">
-            <a:extLst>
-              <a:ext uri="{FF2B5EF4-FFF2-40B4-BE49-F238E27FC236}">
-                <a16:creationId xmlns:a16="http://schemas.microsoft.com/office/drawing/2014/main" id="{4FCC075A-8353-4837-BE4C-D80442CAD860}"/>
-              </a:ext>
-            </a:extLst>
-          </p:cNvPr>
-          <p:cNvPicPr>
-            <a:picLocks noGrp="1" noChangeAspect="1"/>
-          </p:cNvPicPr>
-          <p:nvPr>
-            <p:ph idx="1"/>
-          </p:nvPr>
-        </p:nvPicPr>
-        <p:blipFill>
-          <a:blip r:embed="rId2" cstate="print">
-            <a:extLst>
-              <a:ext uri="{28A0092B-C50C-407E-A947-70E740481C1C}">
-                <a14:useLocalDpi xmlns:a14="http://schemas.microsoft.com/office/drawing/2010/main" val="0"/>
-              </a:ext>
-            </a:extLst>
-          </a:blip>
-          <a:stretch>
-            <a:fillRect/>
-          </a:stretch>
-        </p:blipFill>
-        <p:spPr>
-          <a:xfrm>
-            <a:off x="971600" y="1401311"/>
-            <a:ext cx="7021715" cy="4968875"/>
-          </a:xfrm>
-        </p:spPr>
-      </p:pic>
     </p:spTree>
     <p:extLst>
       <p:ext uri="{BB962C8B-B14F-4D97-AF65-F5344CB8AC3E}">
-        <p14:creationId xmlns:p14="http://schemas.microsoft.com/office/powerpoint/2010/main" val="3369880613"/>
+        <p14:creationId xmlns:p14="http://schemas.microsoft.com/office/powerpoint/2010/main" val="2533332010"/>
       </p:ext>
     </p:extLst>
   </p:cSld>
@@ -10335,6 +14872,2672 @@
 </file>
 
 <file path=ppt/slides/slide8.xml><?xml version="1.0" encoding="utf-8"?>
+<p:sld xmlns:a="http://schemas.openxmlformats.org/drawingml/2006/main" xmlns:r="http://schemas.openxmlformats.org/officeDocument/2006/relationships" xmlns:p="http://schemas.openxmlformats.org/presentationml/2006/main">
+  <p:cSld>
+    <p:spTree>
+      <p:nvGrpSpPr>
+        <p:cNvPr id="1" name=""/>
+        <p:cNvGrpSpPr/>
+        <p:nvPr/>
+      </p:nvGrpSpPr>
+      <p:grpSpPr>
+        <a:xfrm>
+          <a:off x="0" y="0"/>
+          <a:ext cx="0" cy="0"/>
+          <a:chOff x="0" y="0"/>
+          <a:chExt cx="0" cy="0"/>
+        </a:xfrm>
+      </p:grpSpPr>
+      <p:cxnSp>
+        <p:nvCxnSpPr>
+          <p:cNvPr id="3" name="Connector: Elbow 2">
+            <a:extLst>
+              <a:ext uri="{FF2B5EF4-FFF2-40B4-BE49-F238E27FC236}">
+                <a16:creationId xmlns:a16="http://schemas.microsoft.com/office/drawing/2014/main" id="{13F5AC6B-DF87-4F00-AFB6-C374A95E8D4B}"/>
+              </a:ext>
+            </a:extLst>
+          </p:cNvPr>
+          <p:cNvCxnSpPr>
+            <a:cxnSpLocks/>
+            <a:endCxn id="8" idx="0"/>
+          </p:cNvCxnSpPr>
+          <p:nvPr/>
+        </p:nvCxnSpPr>
+        <p:spPr>
+          <a:xfrm rot="10800000" flipV="1">
+            <a:off x="1450758" y="1346587"/>
+            <a:ext cx="1328949" cy="845592"/>
+          </a:xfrm>
+          <a:prstGeom prst="bentConnector2">
+            <a:avLst/>
+          </a:prstGeom>
+          <a:ln>
+            <a:tailEnd type="triangle"/>
+          </a:ln>
+        </p:spPr>
+        <p:style>
+          <a:lnRef idx="1">
+            <a:schemeClr val="accent1"/>
+          </a:lnRef>
+          <a:fillRef idx="0">
+            <a:schemeClr val="accent1"/>
+          </a:fillRef>
+          <a:effectRef idx="0">
+            <a:schemeClr val="accent1"/>
+          </a:effectRef>
+          <a:fontRef idx="minor">
+            <a:schemeClr val="tx1"/>
+          </a:fontRef>
+        </p:style>
+      </p:cxnSp>
+      <p:sp>
+        <p:nvSpPr>
+          <p:cNvPr id="6" name="Rectangle 5">
+            <a:extLst>
+              <a:ext uri="{FF2B5EF4-FFF2-40B4-BE49-F238E27FC236}">
+                <a16:creationId xmlns:a16="http://schemas.microsoft.com/office/drawing/2014/main" id="{DD909FB8-2E85-4F0C-81F3-3C001767117E}"/>
+              </a:ext>
+            </a:extLst>
+          </p:cNvPr>
+          <p:cNvSpPr/>
+          <p:nvPr/>
+        </p:nvSpPr>
+        <p:spPr>
+          <a:xfrm>
+            <a:off x="3111917" y="2189004"/>
+            <a:ext cx="818515" cy="254000"/>
+          </a:xfrm>
+          <a:prstGeom prst="rect">
+            <a:avLst/>
+          </a:prstGeom>
+          <a:solidFill>
+            <a:srgbClr val="92D050"/>
+          </a:solidFill>
+          <a:ln w="6350">
+            <a:solidFill>
+              <a:srgbClr val="00B0F0"/>
+            </a:solidFill>
+          </a:ln>
+        </p:spPr>
+        <p:style>
+          <a:lnRef idx="2">
+            <a:schemeClr val="accent6"/>
+          </a:lnRef>
+          <a:fillRef idx="1">
+            <a:schemeClr val="lt1"/>
+          </a:fillRef>
+          <a:effectRef idx="0">
+            <a:schemeClr val="accent6"/>
+          </a:effectRef>
+          <a:fontRef idx="minor">
+            <a:schemeClr val="dk1"/>
+          </a:fontRef>
+        </p:style>
+        <p:txBody>
+          <a:bodyPr rot="0" spcFirstLastPara="0" vert="horz" wrap="square" lIns="91440" tIns="45720" rIns="91440" bIns="45720" numCol="1" spcCol="0" rtlCol="0" fromWordArt="0" anchor="ctr" anchorCtr="0" forceAA="0" compatLnSpc="1">
+            <a:prstTxWarp prst="textNoShape">
+              <a:avLst/>
+            </a:prstTxWarp>
+            <a:noAutofit/>
+          </a:bodyPr>
+          <a:lstStyle/>
+          <a:p>
+            <a:pPr marL="0" marR="0" algn="ctr">
+              <a:lnSpc>
+                <a:spcPct val="150000"/>
+              </a:lnSpc>
+              <a:spcBef>
+                <a:spcPts val="0"/>
+              </a:spcBef>
+              <a:spcAft>
+                <a:spcPts val="800"/>
+              </a:spcAft>
+            </a:pPr>
+            <a:r>
+              <a:rPr lang="en-US" sz="1000" b="1" dirty="0">
+                <a:effectLst/>
+                <a:latin typeface="Verdana" panose="020B0604030504040204" pitchFamily="34" charset="0"/>
+                <a:ea typeface="Calibri" panose="020F0502020204030204" pitchFamily="34" charset="0"/>
+                <a:cs typeface="Times New Roman" panose="02020603050405020304" pitchFamily="18" charset="0"/>
+              </a:rPr>
+              <a:t>B5 NIR</a:t>
+            </a:r>
+          </a:p>
+        </p:txBody>
+      </p:sp>
+      <p:sp>
+        <p:nvSpPr>
+          <p:cNvPr id="7" name="Rectangle 6">
+            <a:extLst>
+              <a:ext uri="{FF2B5EF4-FFF2-40B4-BE49-F238E27FC236}">
+                <a16:creationId xmlns:a16="http://schemas.microsoft.com/office/drawing/2014/main" id="{7AB0E8CC-6D87-4E38-B455-DE8BACED3783}"/>
+              </a:ext>
+            </a:extLst>
+          </p:cNvPr>
+          <p:cNvSpPr/>
+          <p:nvPr/>
+        </p:nvSpPr>
+        <p:spPr>
+          <a:xfrm>
+            <a:off x="3574627" y="3123306"/>
+            <a:ext cx="1741170" cy="429260"/>
+          </a:xfrm>
+          <a:prstGeom prst="rect">
+            <a:avLst/>
+          </a:prstGeom>
+          <a:ln w="6350">
+            <a:solidFill>
+              <a:srgbClr val="00B0F0"/>
+            </a:solidFill>
+          </a:ln>
+        </p:spPr>
+        <p:style>
+          <a:lnRef idx="2">
+            <a:schemeClr val="accent6"/>
+          </a:lnRef>
+          <a:fillRef idx="1">
+            <a:schemeClr val="lt1"/>
+          </a:fillRef>
+          <a:effectRef idx="0">
+            <a:schemeClr val="accent6"/>
+          </a:effectRef>
+          <a:fontRef idx="minor">
+            <a:schemeClr val="dk1"/>
+          </a:fontRef>
+        </p:style>
+        <p:txBody>
+          <a:bodyPr rot="0" spcFirstLastPara="0" vert="horz" wrap="square" lIns="91440" tIns="45720" rIns="91440" bIns="45720" numCol="1" spcCol="0" rtlCol="0" fromWordArt="0" anchor="ctr" anchorCtr="0" forceAA="0" compatLnSpc="1">
+            <a:prstTxWarp prst="textNoShape">
+              <a:avLst/>
+            </a:prstTxWarp>
+            <a:noAutofit/>
+          </a:bodyPr>
+          <a:lstStyle/>
+          <a:p>
+            <a:pPr marL="0" marR="0" algn="ctr">
+              <a:lnSpc>
+                <a:spcPct val="100000"/>
+              </a:lnSpc>
+              <a:spcBef>
+                <a:spcPts val="0"/>
+              </a:spcBef>
+              <a:spcAft>
+                <a:spcPts val="800"/>
+              </a:spcAft>
+            </a:pPr>
+            <a:r>
+              <a:rPr lang="en-US" sz="1000" b="1" dirty="0">
+                <a:effectLst/>
+                <a:latin typeface="Verdana" panose="020B0604030504040204" pitchFamily="34" charset="0"/>
+                <a:ea typeface="Calibri" panose="020F0502020204030204" pitchFamily="34" charset="0"/>
+                <a:cs typeface="Times New Roman" panose="02020603050405020304" pitchFamily="18" charset="0"/>
+              </a:rPr>
+              <a:t>Proportional of Vegetation(Pv)</a:t>
+            </a:r>
+          </a:p>
+        </p:txBody>
+      </p:sp>
+      <p:sp>
+        <p:nvSpPr>
+          <p:cNvPr id="8" name="Rectangle 7">
+            <a:extLst>
+              <a:ext uri="{FF2B5EF4-FFF2-40B4-BE49-F238E27FC236}">
+                <a16:creationId xmlns:a16="http://schemas.microsoft.com/office/drawing/2014/main" id="{75DAF2E6-F64B-4EC3-8E6C-318BEDDB98DC}"/>
+              </a:ext>
+            </a:extLst>
+          </p:cNvPr>
+          <p:cNvSpPr/>
+          <p:nvPr/>
+        </p:nvSpPr>
+        <p:spPr>
+          <a:xfrm>
+            <a:off x="921802" y="2192179"/>
+            <a:ext cx="1057910" cy="254000"/>
+          </a:xfrm>
+          <a:prstGeom prst="rect">
+            <a:avLst/>
+          </a:prstGeom>
+          <a:solidFill>
+            <a:srgbClr val="92D050"/>
+          </a:solidFill>
+          <a:ln w="6350">
+            <a:solidFill>
+              <a:srgbClr val="00B0F0"/>
+            </a:solidFill>
+          </a:ln>
+        </p:spPr>
+        <p:style>
+          <a:lnRef idx="2">
+            <a:schemeClr val="accent6"/>
+          </a:lnRef>
+          <a:fillRef idx="1">
+            <a:schemeClr val="lt1"/>
+          </a:fillRef>
+          <a:effectRef idx="0">
+            <a:schemeClr val="accent6"/>
+          </a:effectRef>
+          <a:fontRef idx="minor">
+            <a:schemeClr val="dk1"/>
+          </a:fontRef>
+        </p:style>
+        <p:txBody>
+          <a:bodyPr rot="0" spcFirstLastPara="0" vert="horz" wrap="square" lIns="91440" tIns="45720" rIns="91440" bIns="45720" numCol="1" spcCol="0" rtlCol="0" fromWordArt="0" anchor="ctr" anchorCtr="0" forceAA="0" compatLnSpc="1">
+            <a:prstTxWarp prst="textNoShape">
+              <a:avLst/>
+            </a:prstTxWarp>
+            <a:noAutofit/>
+          </a:bodyPr>
+          <a:lstStyle/>
+          <a:p>
+            <a:pPr marL="0" marR="0" algn="ctr">
+              <a:lnSpc>
+                <a:spcPct val="150000"/>
+              </a:lnSpc>
+              <a:spcBef>
+                <a:spcPts val="0"/>
+              </a:spcBef>
+              <a:spcAft>
+                <a:spcPts val="800"/>
+              </a:spcAft>
+            </a:pPr>
+            <a:r>
+              <a:rPr lang="en-US" sz="1000" b="1" dirty="0">
+                <a:effectLst/>
+                <a:latin typeface="Verdana" panose="020B0604030504040204" pitchFamily="34" charset="0"/>
+                <a:ea typeface="Calibri" panose="020F0502020204030204" pitchFamily="34" charset="0"/>
+                <a:cs typeface="Times New Roman" panose="02020603050405020304" pitchFamily="18" charset="0"/>
+              </a:rPr>
+              <a:t>TIRS B10</a:t>
+            </a:r>
+          </a:p>
+        </p:txBody>
+      </p:sp>
+      <p:sp>
+        <p:nvSpPr>
+          <p:cNvPr id="10" name="Flowchart: Predefined Process 9">
+            <a:extLst>
+              <a:ext uri="{FF2B5EF4-FFF2-40B4-BE49-F238E27FC236}">
+                <a16:creationId xmlns:a16="http://schemas.microsoft.com/office/drawing/2014/main" id="{D622D835-B1D1-4726-B834-48812CFD2FA9}"/>
+              </a:ext>
+            </a:extLst>
+          </p:cNvPr>
+          <p:cNvSpPr/>
+          <p:nvPr/>
+        </p:nvSpPr>
+        <p:spPr>
+          <a:xfrm>
+            <a:off x="3362742" y="3771275"/>
+            <a:ext cx="2066925" cy="603885"/>
+          </a:xfrm>
+          <a:prstGeom prst="flowChartPredefinedProcess">
+            <a:avLst/>
+          </a:prstGeom>
+          <a:ln w="6350">
+            <a:solidFill>
+              <a:srgbClr val="00B0F0"/>
+            </a:solidFill>
+          </a:ln>
+        </p:spPr>
+        <p:style>
+          <a:lnRef idx="2">
+            <a:schemeClr val="accent1"/>
+          </a:lnRef>
+          <a:fillRef idx="1">
+            <a:schemeClr val="lt1"/>
+          </a:fillRef>
+          <a:effectRef idx="0">
+            <a:schemeClr val="accent1"/>
+          </a:effectRef>
+          <a:fontRef idx="minor">
+            <a:schemeClr val="dk1"/>
+          </a:fontRef>
+        </p:style>
+        <p:txBody>
+          <a:bodyPr rot="0" spcFirstLastPara="0" vert="horz" wrap="square" lIns="91440" tIns="45720" rIns="91440" bIns="45720" numCol="1" spcCol="0" rtlCol="0" fromWordArt="0" anchor="ctr" anchorCtr="0" forceAA="0" compatLnSpc="1">
+            <a:prstTxWarp prst="textNoShape">
+              <a:avLst/>
+            </a:prstTxWarp>
+            <a:noAutofit/>
+          </a:bodyPr>
+          <a:lstStyle/>
+          <a:p>
+            <a:pPr marL="0" marR="0" algn="ctr">
+              <a:lnSpc>
+                <a:spcPct val="100000"/>
+              </a:lnSpc>
+              <a:spcBef>
+                <a:spcPts val="0"/>
+              </a:spcBef>
+              <a:spcAft>
+                <a:spcPts val="800"/>
+              </a:spcAft>
+            </a:pPr>
+            <a:r>
+              <a:rPr lang="en-US" sz="1050" b="1" dirty="0">
+                <a:effectLst/>
+                <a:latin typeface="Verdana" panose="020B0604030504040204" pitchFamily="34" charset="0"/>
+                <a:ea typeface="Calibri" panose="020F0502020204030204" pitchFamily="34" charset="0"/>
+                <a:cs typeface="Times New Roman" panose="02020603050405020304" pitchFamily="18" charset="0"/>
+              </a:rPr>
+              <a:t>Lake Surface Emissivity (LSE)ε</a:t>
+            </a:r>
+          </a:p>
+        </p:txBody>
+      </p:sp>
+      <p:cxnSp>
+        <p:nvCxnSpPr>
+          <p:cNvPr id="11" name="Connector: Elbow 10">
+            <a:extLst>
+              <a:ext uri="{FF2B5EF4-FFF2-40B4-BE49-F238E27FC236}">
+                <a16:creationId xmlns:a16="http://schemas.microsoft.com/office/drawing/2014/main" id="{5F83D0F8-2AD3-42BA-95F9-E02163DC4CA1}"/>
+              </a:ext>
+            </a:extLst>
+          </p:cNvPr>
+          <p:cNvCxnSpPr>
+            <a:cxnSpLocks/>
+            <a:stCxn id="15" idx="3"/>
+          </p:cNvCxnSpPr>
+          <p:nvPr/>
+        </p:nvCxnSpPr>
+        <p:spPr>
+          <a:xfrm>
+            <a:off x="2623911" y="4073218"/>
+            <a:ext cx="267728" cy="447843"/>
+          </a:xfrm>
+          <a:prstGeom prst="bentConnector2">
+            <a:avLst/>
+          </a:prstGeom>
+          <a:ln>
+            <a:tailEnd type="triangle"/>
+          </a:ln>
+        </p:spPr>
+        <p:style>
+          <a:lnRef idx="1">
+            <a:schemeClr val="accent1"/>
+          </a:lnRef>
+          <a:fillRef idx="0">
+            <a:schemeClr val="accent1"/>
+          </a:fillRef>
+          <a:effectRef idx="0">
+            <a:schemeClr val="accent1"/>
+          </a:effectRef>
+          <a:fontRef idx="minor">
+            <a:schemeClr val="tx1"/>
+          </a:fontRef>
+        </p:style>
+      </p:cxnSp>
+      <p:cxnSp>
+        <p:nvCxnSpPr>
+          <p:cNvPr id="12" name="Straight Arrow Connector 11">
+            <a:extLst>
+              <a:ext uri="{FF2B5EF4-FFF2-40B4-BE49-F238E27FC236}">
+                <a16:creationId xmlns:a16="http://schemas.microsoft.com/office/drawing/2014/main" id="{4B550BB8-4734-4859-A5B1-42ADCAFA3F06}"/>
+              </a:ext>
+            </a:extLst>
+          </p:cNvPr>
+          <p:cNvCxnSpPr/>
+          <p:nvPr/>
+        </p:nvCxnSpPr>
+        <p:spPr>
+          <a:xfrm flipH="1">
+            <a:off x="4421546" y="2940384"/>
+            <a:ext cx="0" cy="182880"/>
+          </a:xfrm>
+          <a:prstGeom prst="straightConnector1">
+            <a:avLst/>
+          </a:prstGeom>
+          <a:ln>
+            <a:tailEnd type="triangle"/>
+          </a:ln>
+        </p:spPr>
+        <p:style>
+          <a:lnRef idx="1">
+            <a:schemeClr val="accent1"/>
+          </a:lnRef>
+          <a:fillRef idx="0">
+            <a:schemeClr val="accent1"/>
+          </a:fillRef>
+          <a:effectRef idx="0">
+            <a:schemeClr val="accent1"/>
+          </a:effectRef>
+          <a:fontRef idx="minor">
+            <a:schemeClr val="tx1"/>
+          </a:fontRef>
+        </p:style>
+      </p:cxnSp>
+      <p:cxnSp>
+        <p:nvCxnSpPr>
+          <p:cNvPr id="13" name="Connector: Elbow 12">
+            <a:extLst>
+              <a:ext uri="{FF2B5EF4-FFF2-40B4-BE49-F238E27FC236}">
+                <a16:creationId xmlns:a16="http://schemas.microsoft.com/office/drawing/2014/main" id="{39CBCA95-9A6E-4ABD-B02D-94BBD9DACB32}"/>
+              </a:ext>
+            </a:extLst>
+          </p:cNvPr>
+          <p:cNvCxnSpPr>
+            <a:cxnSpLocks/>
+            <a:endCxn id="7" idx="1"/>
+          </p:cNvCxnSpPr>
+          <p:nvPr/>
+        </p:nvCxnSpPr>
+        <p:spPr>
+          <a:xfrm rot="10800000" flipV="1">
+            <a:off x="3574627" y="2785450"/>
+            <a:ext cx="373844" cy="552486"/>
+          </a:xfrm>
+          <a:prstGeom prst="bentConnector3">
+            <a:avLst>
+              <a:gd name="adj1" fmla="val 161149"/>
+            </a:avLst>
+          </a:prstGeom>
+          <a:ln>
+            <a:tailEnd type="triangle"/>
+          </a:ln>
+        </p:spPr>
+        <p:style>
+          <a:lnRef idx="1">
+            <a:schemeClr val="accent1"/>
+          </a:lnRef>
+          <a:fillRef idx="0">
+            <a:schemeClr val="accent1"/>
+          </a:fillRef>
+          <a:effectRef idx="0">
+            <a:schemeClr val="accent1"/>
+          </a:effectRef>
+          <a:fontRef idx="minor">
+            <a:schemeClr val="tx1"/>
+          </a:fontRef>
+        </p:style>
+      </p:cxnSp>
+      <p:sp>
+        <p:nvSpPr>
+          <p:cNvPr id="15" name="Rectangle 14">
+            <a:extLst>
+              <a:ext uri="{FF2B5EF4-FFF2-40B4-BE49-F238E27FC236}">
+                <a16:creationId xmlns:a16="http://schemas.microsoft.com/office/drawing/2014/main" id="{FD380323-F6E7-44B1-9223-88930B29F41B}"/>
+              </a:ext>
+            </a:extLst>
+          </p:cNvPr>
+          <p:cNvSpPr/>
+          <p:nvPr/>
+        </p:nvSpPr>
+        <p:spPr>
+          <a:xfrm>
+            <a:off x="405856" y="3771275"/>
+            <a:ext cx="2218055" cy="603885"/>
+          </a:xfrm>
+          <a:prstGeom prst="rect">
+            <a:avLst/>
+          </a:prstGeom>
+          <a:ln w="6350">
+            <a:solidFill>
+              <a:srgbClr val="00B0F0"/>
+            </a:solidFill>
+          </a:ln>
+        </p:spPr>
+        <p:style>
+          <a:lnRef idx="2">
+            <a:schemeClr val="accent6"/>
+          </a:lnRef>
+          <a:fillRef idx="1">
+            <a:schemeClr val="lt1"/>
+          </a:fillRef>
+          <a:effectRef idx="0">
+            <a:schemeClr val="accent6"/>
+          </a:effectRef>
+          <a:fontRef idx="minor">
+            <a:schemeClr val="dk1"/>
+          </a:fontRef>
+        </p:style>
+        <p:txBody>
+          <a:bodyPr rot="0" spcFirstLastPara="0" vert="horz" wrap="square" lIns="91440" tIns="45720" rIns="91440" bIns="45720" numCol="1" spcCol="0" rtlCol="0" fromWordArt="0" anchor="ctr" anchorCtr="0" forceAA="0" compatLnSpc="1">
+            <a:prstTxWarp prst="textNoShape">
+              <a:avLst/>
+            </a:prstTxWarp>
+            <a:noAutofit/>
+          </a:bodyPr>
+          <a:lstStyle/>
+          <a:p>
+            <a:pPr marL="0" marR="0" algn="ctr">
+              <a:lnSpc>
+                <a:spcPct val="100000"/>
+              </a:lnSpc>
+              <a:spcBef>
+                <a:spcPts val="0"/>
+              </a:spcBef>
+              <a:spcAft>
+                <a:spcPts val="800"/>
+              </a:spcAft>
+            </a:pPr>
+            <a:r>
+              <a:rPr lang="en-US" sz="1000" b="1" dirty="0">
+                <a:effectLst/>
+                <a:latin typeface="Verdana" panose="020B0604030504040204" pitchFamily="34" charset="0"/>
+                <a:ea typeface="Calibri" panose="020F0502020204030204" pitchFamily="34" charset="0"/>
+                <a:cs typeface="Times New Roman" panose="02020603050405020304" pitchFamily="18" charset="0"/>
+              </a:rPr>
+              <a:t>At-Sensor Spectral Radiance to Brightness Temp (Tb</a:t>
+            </a:r>
+            <a:r>
+              <a:rPr lang="en-US" sz="1000" b="1" baseline="-25000" dirty="0">
+                <a:effectLst/>
+                <a:latin typeface="Verdana" panose="020B0604030504040204" pitchFamily="34" charset="0"/>
+                <a:ea typeface="Calibri" panose="020F0502020204030204" pitchFamily="34" charset="0"/>
+                <a:cs typeface="Times New Roman" panose="02020603050405020304" pitchFamily="18" charset="0"/>
+              </a:rPr>
+              <a:t>10</a:t>
+            </a:r>
+            <a:r>
+              <a:rPr lang="en-US" sz="1000" b="1" dirty="0">
+                <a:effectLst/>
+                <a:latin typeface="Verdana" panose="020B0604030504040204" pitchFamily="34" charset="0"/>
+                <a:ea typeface="Calibri" panose="020F0502020204030204" pitchFamily="34" charset="0"/>
+                <a:cs typeface="Times New Roman" panose="02020603050405020304" pitchFamily="18" charset="0"/>
+              </a:rPr>
+              <a:t>)</a:t>
+            </a:r>
+          </a:p>
+        </p:txBody>
+      </p:sp>
+      <p:sp>
+        <p:nvSpPr>
+          <p:cNvPr id="16" name="Flowchart: Predefined Process 15">
+            <a:extLst>
+              <a:ext uri="{FF2B5EF4-FFF2-40B4-BE49-F238E27FC236}">
+                <a16:creationId xmlns:a16="http://schemas.microsoft.com/office/drawing/2014/main" id="{9D0DD20E-DAA5-4D75-80C7-7854E38443B8}"/>
+              </a:ext>
+            </a:extLst>
+          </p:cNvPr>
+          <p:cNvSpPr/>
+          <p:nvPr/>
+        </p:nvSpPr>
+        <p:spPr>
+          <a:xfrm>
+            <a:off x="1842232" y="4538427"/>
+            <a:ext cx="2178050" cy="524510"/>
+          </a:xfrm>
+          <a:prstGeom prst="flowChartPredefinedProcess">
+            <a:avLst/>
+          </a:prstGeom>
+          <a:ln w="6350">
+            <a:solidFill>
+              <a:srgbClr val="00B0F0"/>
+            </a:solidFill>
+          </a:ln>
+        </p:spPr>
+        <p:style>
+          <a:lnRef idx="2">
+            <a:schemeClr val="accent1"/>
+          </a:lnRef>
+          <a:fillRef idx="1">
+            <a:schemeClr val="lt1"/>
+          </a:fillRef>
+          <a:effectRef idx="0">
+            <a:schemeClr val="accent1"/>
+          </a:effectRef>
+          <a:fontRef idx="minor">
+            <a:schemeClr val="dk1"/>
+          </a:fontRef>
+        </p:style>
+        <p:txBody>
+          <a:bodyPr rot="0" spcFirstLastPara="0" vert="horz" wrap="square" lIns="91440" tIns="45720" rIns="91440" bIns="45720" numCol="1" spcCol="0" rtlCol="0" fromWordArt="0" anchor="ctr" anchorCtr="0" forceAA="0" compatLnSpc="1">
+            <a:prstTxWarp prst="textNoShape">
+              <a:avLst/>
+            </a:prstTxWarp>
+            <a:noAutofit/>
+          </a:bodyPr>
+          <a:lstStyle/>
+          <a:p>
+            <a:pPr marL="0" marR="0" algn="ctr">
+              <a:lnSpc>
+                <a:spcPct val="100000"/>
+              </a:lnSpc>
+              <a:spcBef>
+                <a:spcPts val="0"/>
+              </a:spcBef>
+              <a:spcAft>
+                <a:spcPts val="800"/>
+              </a:spcAft>
+            </a:pPr>
+            <a:r>
+              <a:rPr lang="en-US" sz="1000" b="1" dirty="0">
+                <a:effectLst/>
+                <a:latin typeface="Verdana" panose="020B0604030504040204" pitchFamily="34" charset="0"/>
+                <a:ea typeface="Calibri" panose="020F0502020204030204" pitchFamily="34" charset="0"/>
+                <a:cs typeface="Times New Roman" panose="02020603050405020304" pitchFamily="18" charset="0"/>
+              </a:rPr>
+              <a:t>Estimate Lake Surface Water Temp (LSWT) </a:t>
+            </a:r>
+          </a:p>
+        </p:txBody>
+      </p:sp>
+      <p:sp>
+        <p:nvSpPr>
+          <p:cNvPr id="17" name="Rectangle 16">
+            <a:extLst>
+              <a:ext uri="{FF2B5EF4-FFF2-40B4-BE49-F238E27FC236}">
+                <a16:creationId xmlns:a16="http://schemas.microsoft.com/office/drawing/2014/main" id="{468EA5A3-165F-408A-84E4-622AF023454E}"/>
+              </a:ext>
+            </a:extLst>
+          </p:cNvPr>
+          <p:cNvSpPr/>
+          <p:nvPr/>
+        </p:nvSpPr>
+        <p:spPr>
+          <a:xfrm>
+            <a:off x="4206769" y="6165304"/>
+            <a:ext cx="2218055" cy="436880"/>
+          </a:xfrm>
+          <a:prstGeom prst="rect">
+            <a:avLst/>
+          </a:prstGeom>
+          <a:ln w="6350">
+            <a:solidFill>
+              <a:srgbClr val="00B0F0"/>
+            </a:solidFill>
+          </a:ln>
+        </p:spPr>
+        <p:style>
+          <a:lnRef idx="2">
+            <a:schemeClr val="accent6"/>
+          </a:lnRef>
+          <a:fillRef idx="1">
+            <a:schemeClr val="lt1"/>
+          </a:fillRef>
+          <a:effectRef idx="0">
+            <a:schemeClr val="accent6"/>
+          </a:effectRef>
+          <a:fontRef idx="minor">
+            <a:schemeClr val="dk1"/>
+          </a:fontRef>
+        </p:style>
+        <p:txBody>
+          <a:bodyPr rot="0" spcFirstLastPara="0" vert="horz" wrap="square" lIns="91440" tIns="45720" rIns="91440" bIns="45720" numCol="1" spcCol="0" rtlCol="0" fromWordArt="0" anchor="ctr" anchorCtr="0" forceAA="0" compatLnSpc="1">
+            <a:prstTxWarp prst="textNoShape">
+              <a:avLst/>
+            </a:prstTxWarp>
+            <a:noAutofit/>
+          </a:bodyPr>
+          <a:lstStyle/>
+          <a:p>
+            <a:pPr marL="0" marR="0" algn="ctr">
+              <a:lnSpc>
+                <a:spcPct val="100000"/>
+              </a:lnSpc>
+              <a:spcBef>
+                <a:spcPts val="0"/>
+              </a:spcBef>
+              <a:spcAft>
+                <a:spcPts val="800"/>
+              </a:spcAft>
+            </a:pPr>
+            <a:r>
+              <a:rPr lang="en-US" sz="1000" b="1" dirty="0">
+                <a:effectLst/>
+                <a:latin typeface="Verdana" panose="020B0604030504040204" pitchFamily="34" charset="0"/>
+                <a:ea typeface="Calibri" panose="020F0502020204030204" pitchFamily="34" charset="0"/>
+                <a:cs typeface="Times New Roman" panose="02020603050405020304" pitchFamily="18" charset="0"/>
+              </a:rPr>
+              <a:t>Spatiotemporal Monitoring</a:t>
+            </a:r>
+          </a:p>
+        </p:txBody>
+      </p:sp>
+      <p:cxnSp>
+        <p:nvCxnSpPr>
+          <p:cNvPr id="19" name="Connector: Elbow 18">
+            <a:extLst>
+              <a:ext uri="{FF2B5EF4-FFF2-40B4-BE49-F238E27FC236}">
+                <a16:creationId xmlns:a16="http://schemas.microsoft.com/office/drawing/2014/main" id="{20EA6006-1280-4A02-A004-B02B254E749B}"/>
+              </a:ext>
+            </a:extLst>
+          </p:cNvPr>
+          <p:cNvCxnSpPr>
+            <a:cxnSpLocks/>
+          </p:cNvCxnSpPr>
+          <p:nvPr/>
+        </p:nvCxnSpPr>
+        <p:spPr>
+          <a:xfrm>
+            <a:off x="4884202" y="1919764"/>
+            <a:ext cx="381635" cy="285750"/>
+          </a:xfrm>
+          <a:prstGeom prst="bentConnector3">
+            <a:avLst>
+              <a:gd name="adj1" fmla="val 100527"/>
+            </a:avLst>
+          </a:prstGeom>
+          <a:ln>
+            <a:tailEnd type="triangle"/>
+          </a:ln>
+        </p:spPr>
+        <p:style>
+          <a:lnRef idx="1">
+            <a:schemeClr val="accent1"/>
+          </a:lnRef>
+          <a:fillRef idx="0">
+            <a:schemeClr val="accent1"/>
+          </a:fillRef>
+          <a:effectRef idx="0">
+            <a:schemeClr val="accent1"/>
+          </a:effectRef>
+          <a:fontRef idx="minor">
+            <a:schemeClr val="tx1"/>
+          </a:fontRef>
+        </p:style>
+      </p:cxnSp>
+      <p:cxnSp>
+        <p:nvCxnSpPr>
+          <p:cNvPr id="21" name="Connector: Elbow 20">
+            <a:extLst>
+              <a:ext uri="{FF2B5EF4-FFF2-40B4-BE49-F238E27FC236}">
+                <a16:creationId xmlns:a16="http://schemas.microsoft.com/office/drawing/2014/main" id="{5F37FCAD-1A66-4EBA-B54D-8D6B2CF04784}"/>
+              </a:ext>
+            </a:extLst>
+          </p:cNvPr>
+          <p:cNvCxnSpPr>
+            <a:cxnSpLocks/>
+          </p:cNvCxnSpPr>
+          <p:nvPr/>
+        </p:nvCxnSpPr>
+        <p:spPr>
+          <a:xfrm>
+            <a:off x="3520222" y="2452529"/>
+            <a:ext cx="410210" cy="282944"/>
+          </a:xfrm>
+          <a:prstGeom prst="bentConnector3">
+            <a:avLst>
+              <a:gd name="adj1" fmla="val 2906"/>
+            </a:avLst>
+          </a:prstGeom>
+          <a:ln>
+            <a:tailEnd type="triangle"/>
+          </a:ln>
+        </p:spPr>
+        <p:style>
+          <a:lnRef idx="1">
+            <a:schemeClr val="accent1"/>
+          </a:lnRef>
+          <a:fillRef idx="0">
+            <a:schemeClr val="accent1"/>
+          </a:fillRef>
+          <a:effectRef idx="0">
+            <a:schemeClr val="accent1"/>
+          </a:effectRef>
+          <a:fontRef idx="minor">
+            <a:schemeClr val="tx1"/>
+          </a:fontRef>
+        </p:style>
+      </p:cxnSp>
+      <p:cxnSp>
+        <p:nvCxnSpPr>
+          <p:cNvPr id="22" name="Connector: Elbow 21">
+            <a:extLst>
+              <a:ext uri="{FF2B5EF4-FFF2-40B4-BE49-F238E27FC236}">
+                <a16:creationId xmlns:a16="http://schemas.microsoft.com/office/drawing/2014/main" id="{128FFBFB-1879-4879-AD20-D2230647F8E6}"/>
+              </a:ext>
+            </a:extLst>
+          </p:cNvPr>
+          <p:cNvCxnSpPr/>
+          <p:nvPr/>
+        </p:nvCxnSpPr>
+        <p:spPr>
+          <a:xfrm flipH="1">
+            <a:off x="4894165" y="2424089"/>
+            <a:ext cx="319405" cy="278130"/>
+          </a:xfrm>
+          <a:prstGeom prst="bentConnector3">
+            <a:avLst>
+              <a:gd name="adj1" fmla="val -435"/>
+            </a:avLst>
+          </a:prstGeom>
+          <a:ln>
+            <a:tailEnd type="triangle"/>
+          </a:ln>
+        </p:spPr>
+        <p:style>
+          <a:lnRef idx="1">
+            <a:schemeClr val="accent1"/>
+          </a:lnRef>
+          <a:fillRef idx="0">
+            <a:schemeClr val="accent1"/>
+          </a:fillRef>
+          <a:effectRef idx="0">
+            <a:schemeClr val="accent1"/>
+          </a:effectRef>
+          <a:fontRef idx="minor">
+            <a:schemeClr val="tx1"/>
+          </a:fontRef>
+        </p:style>
+      </p:cxnSp>
+      <p:cxnSp>
+        <p:nvCxnSpPr>
+          <p:cNvPr id="25" name="Straight Arrow Connector 24">
+            <a:extLst>
+              <a:ext uri="{FF2B5EF4-FFF2-40B4-BE49-F238E27FC236}">
+                <a16:creationId xmlns:a16="http://schemas.microsoft.com/office/drawing/2014/main" id="{4A687C51-16F2-4B77-8AA3-4E064DED42D3}"/>
+              </a:ext>
+            </a:extLst>
+          </p:cNvPr>
+          <p:cNvCxnSpPr/>
+          <p:nvPr/>
+        </p:nvCxnSpPr>
+        <p:spPr>
+          <a:xfrm>
+            <a:off x="1450757" y="3222635"/>
+            <a:ext cx="0" cy="548640"/>
+          </a:xfrm>
+          <a:prstGeom prst="straightConnector1">
+            <a:avLst/>
+          </a:prstGeom>
+          <a:ln>
+            <a:tailEnd type="triangle"/>
+          </a:ln>
+        </p:spPr>
+        <p:style>
+          <a:lnRef idx="1">
+            <a:schemeClr val="accent1"/>
+          </a:lnRef>
+          <a:fillRef idx="0">
+            <a:schemeClr val="accent1"/>
+          </a:fillRef>
+          <a:effectRef idx="0">
+            <a:schemeClr val="accent1"/>
+          </a:effectRef>
+          <a:fontRef idx="minor">
+            <a:schemeClr val="tx1"/>
+          </a:fontRef>
+        </p:style>
+      </p:cxnSp>
+      <p:cxnSp>
+        <p:nvCxnSpPr>
+          <p:cNvPr id="26" name="Straight Arrow Connector 25">
+            <a:extLst>
+              <a:ext uri="{FF2B5EF4-FFF2-40B4-BE49-F238E27FC236}">
+                <a16:creationId xmlns:a16="http://schemas.microsoft.com/office/drawing/2014/main" id="{FA3F98B6-DD56-4C13-B7A8-D283BC02F90D}"/>
+              </a:ext>
+            </a:extLst>
+          </p:cNvPr>
+          <p:cNvCxnSpPr/>
+          <p:nvPr/>
+        </p:nvCxnSpPr>
+        <p:spPr>
+          <a:xfrm>
+            <a:off x="1475680" y="2463505"/>
+            <a:ext cx="0" cy="457200"/>
+          </a:xfrm>
+          <a:prstGeom prst="straightConnector1">
+            <a:avLst/>
+          </a:prstGeom>
+          <a:ln>
+            <a:tailEnd type="triangle"/>
+          </a:ln>
+        </p:spPr>
+        <p:style>
+          <a:lnRef idx="1">
+            <a:schemeClr val="accent1"/>
+          </a:lnRef>
+          <a:fillRef idx="0">
+            <a:schemeClr val="accent1"/>
+          </a:fillRef>
+          <a:effectRef idx="0">
+            <a:schemeClr val="accent1"/>
+          </a:effectRef>
+          <a:fontRef idx="minor">
+            <a:schemeClr val="tx1"/>
+          </a:fontRef>
+        </p:style>
+      </p:cxnSp>
+      <p:cxnSp>
+        <p:nvCxnSpPr>
+          <p:cNvPr id="28" name="Straight Connector 27">
+            <a:extLst>
+              <a:ext uri="{FF2B5EF4-FFF2-40B4-BE49-F238E27FC236}">
+                <a16:creationId xmlns:a16="http://schemas.microsoft.com/office/drawing/2014/main" id="{FB8991B4-F4CB-48BF-B940-D2AA32BCD44A}"/>
+              </a:ext>
+            </a:extLst>
+          </p:cNvPr>
+          <p:cNvCxnSpPr/>
+          <p:nvPr/>
+        </p:nvCxnSpPr>
+        <p:spPr bwMode="auto">
+          <a:xfrm>
+            <a:off x="3520222" y="1919764"/>
+            <a:ext cx="5070003" cy="0"/>
+          </a:xfrm>
+          <a:prstGeom prst="line">
+            <a:avLst/>
+          </a:prstGeom>
+          <a:solidFill>
+            <a:schemeClr val="accent2"/>
+          </a:solidFill>
+          <a:ln w="9525" cap="flat" cmpd="sng" algn="ctr">
+            <a:solidFill>
+              <a:schemeClr val="tx1"/>
+            </a:solidFill>
+            <a:prstDash val="solid"/>
+            <a:round/>
+            <a:headEnd type="none" w="med" len="med"/>
+            <a:tailEnd type="none" w="med" len="med"/>
+          </a:ln>
+          <a:effectLst/>
+          <a:extLst>
+            <a:ext uri="{AF507438-7753-43E0-B8FC-AC1667EBCBE1}">
+              <a14:hiddenEffects xmlns:a14="http://schemas.microsoft.com/office/drawing/2010/main">
+                <a:effectLst>
+                  <a:outerShdw dist="35921" dir="2700000" algn="ctr" rotWithShape="0">
+                    <a:schemeClr val="bg2"/>
+                  </a:outerShdw>
+                </a:effectLst>
+              </a14:hiddenEffects>
+            </a:ext>
+          </a:extLst>
+        </p:spPr>
+      </p:cxnSp>
+      <p:cxnSp>
+        <p:nvCxnSpPr>
+          <p:cNvPr id="29" name="Straight Arrow Connector 28">
+            <a:extLst>
+              <a:ext uri="{FF2B5EF4-FFF2-40B4-BE49-F238E27FC236}">
+                <a16:creationId xmlns:a16="http://schemas.microsoft.com/office/drawing/2014/main" id="{FFB645CD-86D8-45A2-86AD-479C53C37D91}"/>
+              </a:ext>
+            </a:extLst>
+          </p:cNvPr>
+          <p:cNvCxnSpPr/>
+          <p:nvPr/>
+        </p:nvCxnSpPr>
+        <p:spPr bwMode="auto">
+          <a:xfrm>
+            <a:off x="6920663" y="1914684"/>
+            <a:ext cx="0" cy="274320"/>
+          </a:xfrm>
+          <a:prstGeom prst="straightConnector1">
+            <a:avLst/>
+          </a:prstGeom>
+          <a:solidFill>
+            <a:schemeClr val="accent2"/>
+          </a:solidFill>
+          <a:ln w="9525" cap="flat" cmpd="sng" algn="ctr">
+            <a:solidFill>
+              <a:schemeClr val="tx1"/>
+            </a:solidFill>
+            <a:prstDash val="solid"/>
+            <a:round/>
+            <a:headEnd type="none" w="med" len="med"/>
+            <a:tailEnd type="triangle"/>
+          </a:ln>
+          <a:effectLst/>
+          <a:extLst>
+            <a:ext uri="{AF507438-7753-43E0-B8FC-AC1667EBCBE1}">
+              <a14:hiddenEffects xmlns:a14="http://schemas.microsoft.com/office/drawing/2010/main">
+                <a:effectLst>
+                  <a:outerShdw dist="35921" dir="2700000" algn="ctr" rotWithShape="0">
+                    <a:schemeClr val="bg2"/>
+                  </a:outerShdw>
+                </a:effectLst>
+              </a14:hiddenEffects>
+            </a:ext>
+          </a:extLst>
+        </p:spPr>
+      </p:cxnSp>
+      <p:cxnSp>
+        <p:nvCxnSpPr>
+          <p:cNvPr id="31" name="Straight Arrow Connector 30">
+            <a:extLst>
+              <a:ext uri="{FF2B5EF4-FFF2-40B4-BE49-F238E27FC236}">
+                <a16:creationId xmlns:a16="http://schemas.microsoft.com/office/drawing/2014/main" id="{3D79CC45-AC03-43DB-81F7-9E021E11682F}"/>
+              </a:ext>
+            </a:extLst>
+          </p:cNvPr>
+          <p:cNvCxnSpPr/>
+          <p:nvPr/>
+        </p:nvCxnSpPr>
+        <p:spPr bwMode="auto">
+          <a:xfrm>
+            <a:off x="8590225" y="1919764"/>
+            <a:ext cx="0" cy="274320"/>
+          </a:xfrm>
+          <a:prstGeom prst="straightConnector1">
+            <a:avLst/>
+          </a:prstGeom>
+          <a:solidFill>
+            <a:schemeClr val="accent2"/>
+          </a:solidFill>
+          <a:ln w="9525" cap="flat" cmpd="sng" algn="ctr">
+            <a:solidFill>
+              <a:schemeClr val="tx1"/>
+            </a:solidFill>
+            <a:prstDash val="solid"/>
+            <a:round/>
+            <a:headEnd type="none" w="med" len="med"/>
+            <a:tailEnd type="triangle"/>
+          </a:ln>
+          <a:effectLst/>
+          <a:extLst>
+            <a:ext uri="{AF507438-7753-43E0-B8FC-AC1667EBCBE1}">
+              <a14:hiddenEffects xmlns:a14="http://schemas.microsoft.com/office/drawing/2010/main">
+                <a:effectLst>
+                  <a:outerShdw dist="35921" dir="2700000" algn="ctr" rotWithShape="0">
+                    <a:schemeClr val="bg2"/>
+                  </a:outerShdw>
+                </a:effectLst>
+              </a14:hiddenEffects>
+            </a:ext>
+          </a:extLst>
+        </p:spPr>
+      </p:cxnSp>
+      <p:cxnSp>
+        <p:nvCxnSpPr>
+          <p:cNvPr id="33" name="Straight Arrow Connector 32">
+            <a:extLst>
+              <a:ext uri="{FF2B5EF4-FFF2-40B4-BE49-F238E27FC236}">
+                <a16:creationId xmlns:a16="http://schemas.microsoft.com/office/drawing/2014/main" id="{17B4816B-DF80-4755-A793-9F8EC9520DF5}"/>
+              </a:ext>
+            </a:extLst>
+          </p:cNvPr>
+          <p:cNvCxnSpPr>
+            <a:cxnSpLocks/>
+          </p:cNvCxnSpPr>
+          <p:nvPr/>
+        </p:nvCxnSpPr>
+        <p:spPr bwMode="auto">
+          <a:xfrm flipV="1">
+            <a:off x="4456847" y="1325260"/>
+            <a:ext cx="1915353" cy="0"/>
+          </a:xfrm>
+          <a:prstGeom prst="straightConnector1">
+            <a:avLst/>
+          </a:prstGeom>
+          <a:solidFill>
+            <a:schemeClr val="accent2"/>
+          </a:solidFill>
+          <a:ln w="9525" cap="flat" cmpd="sng" algn="ctr">
+            <a:solidFill>
+              <a:schemeClr val="tx1"/>
+            </a:solidFill>
+            <a:prstDash val="solid"/>
+            <a:round/>
+            <a:headEnd type="none" w="med" len="med"/>
+            <a:tailEnd type="triangle"/>
+          </a:ln>
+          <a:effectLst/>
+          <a:extLst>
+            <a:ext uri="{AF507438-7753-43E0-B8FC-AC1667EBCBE1}">
+              <a14:hiddenEffects xmlns:a14="http://schemas.microsoft.com/office/drawing/2010/main">
+                <a:effectLst>
+                  <a:outerShdw dist="35921" dir="2700000" algn="ctr" rotWithShape="0">
+                    <a:schemeClr val="bg2"/>
+                  </a:outerShdw>
+                </a:effectLst>
+              </a14:hiddenEffects>
+            </a:ext>
+          </a:extLst>
+        </p:spPr>
+      </p:cxnSp>
+      <p:sp>
+        <p:nvSpPr>
+          <p:cNvPr id="37" name="Flowchart: Multidocument 36">
+            <a:extLst>
+              <a:ext uri="{FF2B5EF4-FFF2-40B4-BE49-F238E27FC236}">
+                <a16:creationId xmlns:a16="http://schemas.microsoft.com/office/drawing/2014/main" id="{C624C2F5-B771-4AE2-B319-D665A2A23594}"/>
+              </a:ext>
+            </a:extLst>
+          </p:cNvPr>
+          <p:cNvSpPr/>
+          <p:nvPr/>
+        </p:nvSpPr>
+        <p:spPr>
+          <a:xfrm>
+            <a:off x="2777352" y="1029108"/>
+            <a:ext cx="1918468" cy="592304"/>
+          </a:xfrm>
+          <a:prstGeom prst="flowChartMultidocument">
+            <a:avLst/>
+          </a:prstGeom>
+          <a:solidFill>
+            <a:srgbClr val="92D050"/>
+          </a:solidFill>
+        </p:spPr>
+        <p:style>
+          <a:lnRef idx="2">
+            <a:schemeClr val="accent1">
+              <a:shade val="50000"/>
+            </a:schemeClr>
+          </a:lnRef>
+          <a:fillRef idx="1">
+            <a:schemeClr val="accent1"/>
+          </a:fillRef>
+          <a:effectRef idx="0">
+            <a:schemeClr val="accent1"/>
+          </a:effectRef>
+          <a:fontRef idx="minor">
+            <a:schemeClr val="lt1"/>
+          </a:fontRef>
+        </p:style>
+        <p:txBody>
+          <a:bodyPr rot="0" spcFirstLastPara="0" vert="horz" wrap="square" lIns="91440" tIns="45720" rIns="91440" bIns="45720" numCol="1" spcCol="0" rtlCol="0" fromWordArt="0" anchor="ctr" anchorCtr="0" forceAA="0" compatLnSpc="1">
+            <a:prstTxWarp prst="textNoShape">
+              <a:avLst/>
+            </a:prstTxWarp>
+            <a:noAutofit/>
+          </a:bodyPr>
+          <a:lstStyle/>
+          <a:p>
+            <a:pPr marL="0" marR="0" algn="ctr">
+              <a:lnSpc>
+                <a:spcPct val="150000"/>
+              </a:lnSpc>
+              <a:spcBef>
+                <a:spcPts val="0"/>
+              </a:spcBef>
+              <a:spcAft>
+                <a:spcPts val="800"/>
+              </a:spcAft>
+            </a:pPr>
+            <a:r>
+              <a:rPr lang="en-US" sz="1100" b="1" dirty="0">
+                <a:solidFill>
+                  <a:schemeClr val="tx1"/>
+                </a:solidFill>
+                <a:effectLst/>
+                <a:latin typeface="Verdana" panose="020B0604030504040204" pitchFamily="34" charset="0"/>
+                <a:ea typeface="Calibri" panose="020F0502020204030204" pitchFamily="34" charset="0"/>
+                <a:cs typeface="Times New Roman" panose="02020603050405020304" pitchFamily="18" charset="0"/>
+              </a:rPr>
+              <a:t>Landsat 8 images</a:t>
+            </a:r>
+          </a:p>
+        </p:txBody>
+      </p:sp>
+      <p:cxnSp>
+        <p:nvCxnSpPr>
+          <p:cNvPr id="41" name="Straight Arrow Connector 40">
+            <a:extLst>
+              <a:ext uri="{FF2B5EF4-FFF2-40B4-BE49-F238E27FC236}">
+                <a16:creationId xmlns:a16="http://schemas.microsoft.com/office/drawing/2014/main" id="{65F04950-E873-42D9-9DA5-CB82CDEE5BEB}"/>
+              </a:ext>
+            </a:extLst>
+          </p:cNvPr>
+          <p:cNvCxnSpPr>
+            <a:cxnSpLocks/>
+          </p:cNvCxnSpPr>
+          <p:nvPr/>
+        </p:nvCxnSpPr>
+        <p:spPr>
+          <a:xfrm flipH="1">
+            <a:off x="6093242" y="1522982"/>
+            <a:ext cx="0" cy="365760"/>
+          </a:xfrm>
+          <a:prstGeom prst="straightConnector1">
+            <a:avLst/>
+          </a:prstGeom>
+          <a:ln>
+            <a:tailEnd type="triangle"/>
+          </a:ln>
+        </p:spPr>
+        <p:style>
+          <a:lnRef idx="1">
+            <a:schemeClr val="accent1"/>
+          </a:lnRef>
+          <a:fillRef idx="0">
+            <a:schemeClr val="accent1"/>
+          </a:fillRef>
+          <a:effectRef idx="0">
+            <a:schemeClr val="accent1"/>
+          </a:effectRef>
+          <a:fontRef idx="minor">
+            <a:schemeClr val="tx1"/>
+          </a:fontRef>
+        </p:style>
+      </p:cxnSp>
+      <p:cxnSp>
+        <p:nvCxnSpPr>
+          <p:cNvPr id="45" name="Straight Arrow Connector 44">
+            <a:extLst>
+              <a:ext uri="{FF2B5EF4-FFF2-40B4-BE49-F238E27FC236}">
+                <a16:creationId xmlns:a16="http://schemas.microsoft.com/office/drawing/2014/main" id="{127C275D-86B4-4484-8579-62C56204D700}"/>
+              </a:ext>
+            </a:extLst>
+          </p:cNvPr>
+          <p:cNvCxnSpPr/>
+          <p:nvPr/>
+        </p:nvCxnSpPr>
+        <p:spPr bwMode="auto">
+          <a:xfrm>
+            <a:off x="3520222" y="1914684"/>
+            <a:ext cx="0" cy="274320"/>
+          </a:xfrm>
+          <a:prstGeom prst="straightConnector1">
+            <a:avLst/>
+          </a:prstGeom>
+          <a:solidFill>
+            <a:schemeClr val="accent2"/>
+          </a:solidFill>
+          <a:ln w="9525" cap="flat" cmpd="sng" algn="ctr">
+            <a:solidFill>
+              <a:schemeClr val="tx1"/>
+            </a:solidFill>
+            <a:prstDash val="solid"/>
+            <a:round/>
+            <a:headEnd type="none" w="med" len="med"/>
+            <a:tailEnd type="triangle"/>
+          </a:ln>
+          <a:effectLst/>
+          <a:extLst>
+            <a:ext uri="{AF507438-7753-43E0-B8FC-AC1667EBCBE1}">
+              <a14:hiddenEffects xmlns:a14="http://schemas.microsoft.com/office/drawing/2010/main">
+                <a:effectLst>
+                  <a:outerShdw dist="35921" dir="2700000" algn="ctr" rotWithShape="0">
+                    <a:schemeClr val="bg2"/>
+                  </a:outerShdw>
+                </a:effectLst>
+              </a14:hiddenEffects>
+            </a:ext>
+          </a:extLst>
+        </p:spPr>
+      </p:cxnSp>
+      <p:sp>
+        <p:nvSpPr>
+          <p:cNvPr id="47" name="Rectangle 46">
+            <a:extLst>
+              <a:ext uri="{FF2B5EF4-FFF2-40B4-BE49-F238E27FC236}">
+                <a16:creationId xmlns:a16="http://schemas.microsoft.com/office/drawing/2014/main" id="{302CC6C9-A308-4ADD-82FA-DD59910E177A}"/>
+              </a:ext>
+            </a:extLst>
+          </p:cNvPr>
+          <p:cNvSpPr/>
+          <p:nvPr/>
+        </p:nvSpPr>
+        <p:spPr>
+          <a:xfrm>
+            <a:off x="6518774" y="2189004"/>
+            <a:ext cx="916286" cy="254000"/>
+          </a:xfrm>
+          <a:prstGeom prst="rect">
+            <a:avLst/>
+          </a:prstGeom>
+          <a:solidFill>
+            <a:srgbClr val="92D050"/>
+          </a:solidFill>
+          <a:ln w="6350">
+            <a:solidFill>
+              <a:srgbClr val="00B0F0"/>
+            </a:solidFill>
+          </a:ln>
+        </p:spPr>
+        <p:style>
+          <a:lnRef idx="2">
+            <a:schemeClr val="accent6"/>
+          </a:lnRef>
+          <a:fillRef idx="1">
+            <a:schemeClr val="lt1"/>
+          </a:fillRef>
+          <a:effectRef idx="0">
+            <a:schemeClr val="accent6"/>
+          </a:effectRef>
+          <a:fontRef idx="minor">
+            <a:schemeClr val="dk1"/>
+          </a:fontRef>
+        </p:style>
+        <p:txBody>
+          <a:bodyPr rot="0" spcFirstLastPara="0" vert="horz" wrap="square" lIns="91440" tIns="45720" rIns="91440" bIns="45720" numCol="1" spcCol="0" rtlCol="0" fromWordArt="0" anchor="ctr" anchorCtr="0" forceAA="0" compatLnSpc="1">
+            <a:prstTxWarp prst="textNoShape">
+              <a:avLst/>
+            </a:prstTxWarp>
+            <a:noAutofit/>
+          </a:bodyPr>
+          <a:lstStyle/>
+          <a:p>
+            <a:pPr marL="0" marR="0" algn="ctr">
+              <a:lnSpc>
+                <a:spcPct val="150000"/>
+              </a:lnSpc>
+              <a:spcBef>
+                <a:spcPts val="0"/>
+              </a:spcBef>
+              <a:spcAft>
+                <a:spcPts val="800"/>
+              </a:spcAft>
+            </a:pPr>
+            <a:r>
+              <a:rPr lang="en-US" sz="1000" b="1" dirty="0">
+                <a:effectLst/>
+                <a:latin typeface="Verdana" panose="020B0604030504040204" pitchFamily="34" charset="0"/>
+                <a:ea typeface="Calibri" panose="020F0502020204030204" pitchFamily="34" charset="0"/>
+                <a:cs typeface="Times New Roman" panose="02020603050405020304" pitchFamily="18" charset="0"/>
+              </a:rPr>
+              <a:t>B2 GREEN</a:t>
+            </a:r>
+          </a:p>
+        </p:txBody>
+      </p:sp>
+      <p:sp>
+        <p:nvSpPr>
+          <p:cNvPr id="48" name="Rectangle 47">
+            <a:extLst>
+              <a:ext uri="{FF2B5EF4-FFF2-40B4-BE49-F238E27FC236}">
+                <a16:creationId xmlns:a16="http://schemas.microsoft.com/office/drawing/2014/main" id="{D52B37B5-70B5-4DBC-92B7-66E80E804BC3}"/>
+              </a:ext>
+            </a:extLst>
+          </p:cNvPr>
+          <p:cNvSpPr/>
+          <p:nvPr/>
+        </p:nvSpPr>
+        <p:spPr>
+          <a:xfrm>
+            <a:off x="8155822" y="2208327"/>
+            <a:ext cx="818515" cy="254000"/>
+          </a:xfrm>
+          <a:prstGeom prst="rect">
+            <a:avLst/>
+          </a:prstGeom>
+          <a:solidFill>
+            <a:srgbClr val="92D050"/>
+          </a:solidFill>
+          <a:ln w="6350">
+            <a:solidFill>
+              <a:srgbClr val="00B0F0"/>
+            </a:solidFill>
+          </a:ln>
+        </p:spPr>
+        <p:style>
+          <a:lnRef idx="2">
+            <a:schemeClr val="accent6"/>
+          </a:lnRef>
+          <a:fillRef idx="1">
+            <a:schemeClr val="lt1"/>
+          </a:fillRef>
+          <a:effectRef idx="0">
+            <a:schemeClr val="accent6"/>
+          </a:effectRef>
+          <a:fontRef idx="minor">
+            <a:schemeClr val="dk1"/>
+          </a:fontRef>
+        </p:style>
+        <p:txBody>
+          <a:bodyPr rot="0" spcFirstLastPara="0" vert="horz" wrap="square" lIns="91440" tIns="45720" rIns="91440" bIns="45720" numCol="1" spcCol="0" rtlCol="0" fromWordArt="0" anchor="ctr" anchorCtr="0" forceAA="0" compatLnSpc="1">
+            <a:prstTxWarp prst="textNoShape">
+              <a:avLst/>
+            </a:prstTxWarp>
+            <a:noAutofit/>
+          </a:bodyPr>
+          <a:lstStyle/>
+          <a:p>
+            <a:pPr marL="0" marR="0" algn="ctr">
+              <a:lnSpc>
+                <a:spcPct val="150000"/>
+              </a:lnSpc>
+              <a:spcBef>
+                <a:spcPts val="0"/>
+              </a:spcBef>
+              <a:spcAft>
+                <a:spcPts val="800"/>
+              </a:spcAft>
+            </a:pPr>
+            <a:r>
+              <a:rPr lang="en-US" sz="1000" b="1" dirty="0">
+                <a:effectLst/>
+                <a:latin typeface="Verdana" panose="020B0604030504040204" pitchFamily="34" charset="0"/>
+                <a:ea typeface="Calibri" panose="020F0502020204030204" pitchFamily="34" charset="0"/>
+                <a:cs typeface="Times New Roman" panose="02020603050405020304" pitchFamily="18" charset="0"/>
+              </a:rPr>
+              <a:t>B2 BLUE</a:t>
+            </a:r>
+          </a:p>
+        </p:txBody>
+      </p:sp>
+      <p:sp>
+        <p:nvSpPr>
+          <p:cNvPr id="49" name="Rectangle 48">
+            <a:extLst>
+              <a:ext uri="{FF2B5EF4-FFF2-40B4-BE49-F238E27FC236}">
+                <a16:creationId xmlns:a16="http://schemas.microsoft.com/office/drawing/2014/main" id="{CABAFF6B-A2EF-42C1-BCD9-F294F2A9EDD5}"/>
+              </a:ext>
+            </a:extLst>
+          </p:cNvPr>
+          <p:cNvSpPr/>
+          <p:nvPr/>
+        </p:nvSpPr>
+        <p:spPr>
+          <a:xfrm>
+            <a:off x="1210384" y="1127539"/>
+            <a:ext cx="1152395" cy="395443"/>
+          </a:xfrm>
+          <a:prstGeom prst="rect">
+            <a:avLst/>
+          </a:prstGeom>
+          <a:ln w="6350">
+            <a:solidFill>
+              <a:srgbClr val="00B0F0"/>
+            </a:solidFill>
+          </a:ln>
+        </p:spPr>
+        <p:style>
+          <a:lnRef idx="2">
+            <a:schemeClr val="accent6"/>
+          </a:lnRef>
+          <a:fillRef idx="1">
+            <a:schemeClr val="lt1"/>
+          </a:fillRef>
+          <a:effectRef idx="0">
+            <a:schemeClr val="accent6"/>
+          </a:effectRef>
+          <a:fontRef idx="minor">
+            <a:schemeClr val="dk1"/>
+          </a:fontRef>
+        </p:style>
+        <p:txBody>
+          <a:bodyPr rot="0" spcFirstLastPara="0" vert="horz" wrap="square" lIns="91440" tIns="45720" rIns="91440" bIns="45720" numCol="1" spcCol="0" rtlCol="0" fromWordArt="0" anchor="ctr" anchorCtr="0" forceAA="0" compatLnSpc="1">
+            <a:prstTxWarp prst="textNoShape">
+              <a:avLst/>
+            </a:prstTxWarp>
+            <a:noAutofit/>
+          </a:bodyPr>
+          <a:lstStyle/>
+          <a:p>
+            <a:pPr marL="0" marR="0" algn="ctr">
+              <a:lnSpc>
+                <a:spcPct val="150000"/>
+              </a:lnSpc>
+              <a:spcBef>
+                <a:spcPts val="0"/>
+              </a:spcBef>
+              <a:spcAft>
+                <a:spcPts val="800"/>
+              </a:spcAft>
+            </a:pPr>
+            <a:r>
+              <a:rPr lang="en-US" sz="1100" b="1" dirty="0">
+                <a:effectLst/>
+                <a:latin typeface="Verdana" panose="020B0604030504040204" pitchFamily="34" charset="0"/>
+                <a:ea typeface="Calibri" panose="020F0502020204030204" pitchFamily="34" charset="0"/>
+                <a:cs typeface="Times New Roman" panose="02020603050405020304" pitchFamily="18" charset="0"/>
+              </a:rPr>
+              <a:t>TIRS Data</a:t>
+            </a:r>
+          </a:p>
+        </p:txBody>
+      </p:sp>
+      <p:sp>
+        <p:nvSpPr>
+          <p:cNvPr id="54" name="Rectangle 53">
+            <a:extLst>
+              <a:ext uri="{FF2B5EF4-FFF2-40B4-BE49-F238E27FC236}">
+                <a16:creationId xmlns:a16="http://schemas.microsoft.com/office/drawing/2014/main" id="{940BFC10-FFC2-4AAB-B450-9F0CC4E7ABED}"/>
+              </a:ext>
+            </a:extLst>
+          </p:cNvPr>
+          <p:cNvSpPr/>
+          <p:nvPr/>
+        </p:nvSpPr>
+        <p:spPr>
+          <a:xfrm>
+            <a:off x="5532284" y="1167451"/>
+            <a:ext cx="1121916" cy="395443"/>
+          </a:xfrm>
+          <a:prstGeom prst="rect">
+            <a:avLst/>
+          </a:prstGeom>
+          <a:ln w="6350">
+            <a:solidFill>
+              <a:srgbClr val="00B0F0"/>
+            </a:solidFill>
+          </a:ln>
+        </p:spPr>
+        <p:style>
+          <a:lnRef idx="2">
+            <a:schemeClr val="accent6"/>
+          </a:lnRef>
+          <a:fillRef idx="1">
+            <a:schemeClr val="lt1"/>
+          </a:fillRef>
+          <a:effectRef idx="0">
+            <a:schemeClr val="accent6"/>
+          </a:effectRef>
+          <a:fontRef idx="minor">
+            <a:schemeClr val="dk1"/>
+          </a:fontRef>
+        </p:style>
+        <p:txBody>
+          <a:bodyPr rot="0" spcFirstLastPara="0" vert="horz" wrap="square" lIns="91440" tIns="45720" rIns="91440" bIns="45720" numCol="1" spcCol="0" rtlCol="0" fromWordArt="0" anchor="ctr" anchorCtr="0" forceAA="0" compatLnSpc="1">
+            <a:prstTxWarp prst="textNoShape">
+              <a:avLst/>
+            </a:prstTxWarp>
+            <a:noAutofit/>
+          </a:bodyPr>
+          <a:lstStyle/>
+          <a:p>
+            <a:pPr marL="0" marR="0" algn="ctr">
+              <a:lnSpc>
+                <a:spcPct val="150000"/>
+              </a:lnSpc>
+              <a:spcBef>
+                <a:spcPts val="0"/>
+              </a:spcBef>
+              <a:spcAft>
+                <a:spcPts val="800"/>
+              </a:spcAft>
+            </a:pPr>
+            <a:r>
+              <a:rPr lang="en-US" sz="1100" b="1" dirty="0">
+                <a:effectLst/>
+                <a:latin typeface="Verdana" panose="020B0604030504040204" pitchFamily="34" charset="0"/>
+                <a:ea typeface="Calibri" panose="020F0502020204030204" pitchFamily="34" charset="0"/>
+                <a:cs typeface="Times New Roman" panose="02020603050405020304" pitchFamily="18" charset="0"/>
+              </a:rPr>
+              <a:t>OLI Data</a:t>
+            </a:r>
+          </a:p>
+        </p:txBody>
+      </p:sp>
+      <p:cxnSp>
+        <p:nvCxnSpPr>
+          <p:cNvPr id="69" name="Straight Arrow Connector 68">
+            <a:extLst>
+              <a:ext uri="{FF2B5EF4-FFF2-40B4-BE49-F238E27FC236}">
+                <a16:creationId xmlns:a16="http://schemas.microsoft.com/office/drawing/2014/main" id="{31F212A0-840F-4D11-A7C7-B87907C4E087}"/>
+              </a:ext>
+            </a:extLst>
+          </p:cNvPr>
+          <p:cNvCxnSpPr/>
+          <p:nvPr/>
+        </p:nvCxnSpPr>
+        <p:spPr bwMode="auto">
+          <a:xfrm>
+            <a:off x="4421546" y="3588395"/>
+            <a:ext cx="0" cy="182880"/>
+          </a:xfrm>
+          <a:prstGeom prst="straightConnector1">
+            <a:avLst/>
+          </a:prstGeom>
+          <a:solidFill>
+            <a:schemeClr val="accent2"/>
+          </a:solidFill>
+          <a:ln w="9525" cap="flat" cmpd="sng" algn="ctr">
+            <a:solidFill>
+              <a:schemeClr val="tx1"/>
+            </a:solidFill>
+            <a:prstDash val="solid"/>
+            <a:round/>
+            <a:headEnd type="none" w="med" len="med"/>
+            <a:tailEnd type="triangle"/>
+          </a:ln>
+          <a:effectLst/>
+          <a:extLst>
+            <a:ext uri="{AF507438-7753-43E0-B8FC-AC1667EBCBE1}">
+              <a14:hiddenEffects xmlns:a14="http://schemas.microsoft.com/office/drawing/2010/main">
+                <a:effectLst>
+                  <a:outerShdw dist="35921" dir="2700000" algn="ctr" rotWithShape="0">
+                    <a:schemeClr val="bg2"/>
+                  </a:outerShdw>
+                </a:effectLst>
+              </a14:hiddenEffects>
+            </a:ext>
+          </a:extLst>
+        </p:spPr>
+      </p:cxnSp>
+      <p:cxnSp>
+        <p:nvCxnSpPr>
+          <p:cNvPr id="74" name="Straight Connector 73">
+            <a:extLst>
+              <a:ext uri="{FF2B5EF4-FFF2-40B4-BE49-F238E27FC236}">
+                <a16:creationId xmlns:a16="http://schemas.microsoft.com/office/drawing/2014/main" id="{00AB6F19-BAAF-4810-9D5C-E900C6296C88}"/>
+              </a:ext>
+            </a:extLst>
+          </p:cNvPr>
+          <p:cNvCxnSpPr>
+            <a:cxnSpLocks/>
+            <a:endCxn id="10" idx="1"/>
+          </p:cNvCxnSpPr>
+          <p:nvPr/>
+        </p:nvCxnSpPr>
+        <p:spPr>
+          <a:xfrm>
+            <a:off x="2902766" y="4073218"/>
+            <a:ext cx="459976" cy="0"/>
+          </a:xfrm>
+          <a:prstGeom prst="line">
+            <a:avLst/>
+          </a:prstGeom>
+        </p:spPr>
+        <p:style>
+          <a:lnRef idx="1">
+            <a:schemeClr val="accent1"/>
+          </a:lnRef>
+          <a:fillRef idx="0">
+            <a:schemeClr val="accent1"/>
+          </a:fillRef>
+          <a:effectRef idx="0">
+            <a:schemeClr val="accent1"/>
+          </a:effectRef>
+          <a:fontRef idx="minor">
+            <a:schemeClr val="tx1"/>
+          </a:fontRef>
+        </p:style>
+      </p:cxnSp>
+      <p:sp>
+        <p:nvSpPr>
+          <p:cNvPr id="80" name="Flowchart: Predefined Process 79">
+            <a:extLst>
+              <a:ext uri="{FF2B5EF4-FFF2-40B4-BE49-F238E27FC236}">
+                <a16:creationId xmlns:a16="http://schemas.microsoft.com/office/drawing/2014/main" id="{E6B97B55-4F68-4472-B159-F38E16978B92}"/>
+              </a:ext>
+            </a:extLst>
+          </p:cNvPr>
+          <p:cNvSpPr/>
+          <p:nvPr/>
+        </p:nvSpPr>
+        <p:spPr>
+          <a:xfrm>
+            <a:off x="7215158" y="1054079"/>
+            <a:ext cx="1693690" cy="485891"/>
+          </a:xfrm>
+          <a:prstGeom prst="flowChartPredefinedProcess">
+            <a:avLst/>
+          </a:prstGeom>
+        </p:spPr>
+        <p:style>
+          <a:lnRef idx="2">
+            <a:schemeClr val="accent6"/>
+          </a:lnRef>
+          <a:fillRef idx="1">
+            <a:schemeClr val="lt1"/>
+          </a:fillRef>
+          <a:effectRef idx="0">
+            <a:schemeClr val="accent6"/>
+          </a:effectRef>
+          <a:fontRef idx="minor">
+            <a:schemeClr val="dk1"/>
+          </a:fontRef>
+        </p:style>
+        <p:txBody>
+          <a:bodyPr rtlCol="0" anchor="ctr"/>
+          <a:lstStyle/>
+          <a:p>
+            <a:pPr algn="ctr"/>
+            <a:r>
+              <a:rPr lang="en-US" sz="1100" b="1" dirty="0">
+                <a:latin typeface="Verdana" panose="020B0604030504040204" pitchFamily="34" charset="0"/>
+                <a:ea typeface="Verdana" panose="020B0604030504040204" pitchFamily="34" charset="0"/>
+              </a:rPr>
+              <a:t>Geometric Corrections</a:t>
+            </a:r>
+          </a:p>
+        </p:txBody>
+      </p:sp>
+      <p:cxnSp>
+        <p:nvCxnSpPr>
+          <p:cNvPr id="87" name="Connector: Elbow 86">
+            <a:extLst>
+              <a:ext uri="{FF2B5EF4-FFF2-40B4-BE49-F238E27FC236}">
+                <a16:creationId xmlns:a16="http://schemas.microsoft.com/office/drawing/2014/main" id="{7FF90A85-13A2-49AB-8C51-BF37996F533C}"/>
+              </a:ext>
+            </a:extLst>
+          </p:cNvPr>
+          <p:cNvCxnSpPr>
+            <a:cxnSpLocks/>
+          </p:cNvCxnSpPr>
+          <p:nvPr/>
+        </p:nvCxnSpPr>
+        <p:spPr>
+          <a:xfrm>
+            <a:off x="4811254" y="2767039"/>
+            <a:ext cx="1142563" cy="377056"/>
+          </a:xfrm>
+          <a:prstGeom prst="bentConnector3">
+            <a:avLst>
+              <a:gd name="adj1" fmla="val 99597"/>
+            </a:avLst>
+          </a:prstGeom>
+          <a:ln>
+            <a:tailEnd type="triangle"/>
+          </a:ln>
+        </p:spPr>
+        <p:style>
+          <a:lnRef idx="1">
+            <a:schemeClr val="accent1"/>
+          </a:lnRef>
+          <a:fillRef idx="0">
+            <a:schemeClr val="accent1"/>
+          </a:fillRef>
+          <a:effectRef idx="0">
+            <a:schemeClr val="accent1"/>
+          </a:effectRef>
+          <a:fontRef idx="minor">
+            <a:schemeClr val="tx1"/>
+          </a:fontRef>
+        </p:style>
+      </p:cxnSp>
+      <p:sp>
+        <p:nvSpPr>
+          <p:cNvPr id="88" name="Rectangle 87">
+            <a:extLst>
+              <a:ext uri="{FF2B5EF4-FFF2-40B4-BE49-F238E27FC236}">
+                <a16:creationId xmlns:a16="http://schemas.microsoft.com/office/drawing/2014/main" id="{ECFFA7DB-2A25-4061-A0D3-ADFA72004F2A}"/>
+              </a:ext>
+            </a:extLst>
+          </p:cNvPr>
+          <p:cNvSpPr/>
+          <p:nvPr/>
+        </p:nvSpPr>
+        <p:spPr>
+          <a:xfrm>
+            <a:off x="4934367" y="2191544"/>
+            <a:ext cx="730885" cy="262255"/>
+          </a:xfrm>
+          <a:prstGeom prst="rect">
+            <a:avLst/>
+          </a:prstGeom>
+          <a:solidFill>
+            <a:srgbClr val="92D050"/>
+          </a:solidFill>
+          <a:ln w="6350">
+            <a:solidFill>
+              <a:srgbClr val="00B0F0"/>
+            </a:solidFill>
+          </a:ln>
+        </p:spPr>
+        <p:style>
+          <a:lnRef idx="2">
+            <a:schemeClr val="accent6"/>
+          </a:lnRef>
+          <a:fillRef idx="1">
+            <a:schemeClr val="lt1"/>
+          </a:fillRef>
+          <a:effectRef idx="0">
+            <a:schemeClr val="accent6"/>
+          </a:effectRef>
+          <a:fontRef idx="minor">
+            <a:schemeClr val="dk1"/>
+          </a:fontRef>
+        </p:style>
+        <p:txBody>
+          <a:bodyPr rot="0" spcFirstLastPara="0" vert="horz" wrap="square" lIns="91440" tIns="45720" rIns="91440" bIns="45720" numCol="1" spcCol="0" rtlCol="0" fromWordArt="0" anchor="ctr" anchorCtr="0" forceAA="0" compatLnSpc="1">
+            <a:prstTxWarp prst="textNoShape">
+              <a:avLst/>
+            </a:prstTxWarp>
+            <a:noAutofit/>
+          </a:bodyPr>
+          <a:lstStyle/>
+          <a:p>
+            <a:pPr marL="0" marR="0" algn="ctr">
+              <a:lnSpc>
+                <a:spcPct val="150000"/>
+              </a:lnSpc>
+              <a:spcBef>
+                <a:spcPts val="0"/>
+              </a:spcBef>
+              <a:spcAft>
+                <a:spcPts val="800"/>
+              </a:spcAft>
+            </a:pPr>
+            <a:r>
+              <a:rPr lang="en-US" sz="1000" b="1" dirty="0">
+                <a:effectLst/>
+                <a:latin typeface="Verdana" panose="020B0604030504040204" pitchFamily="34" charset="0"/>
+                <a:ea typeface="Calibri" panose="020F0502020204030204" pitchFamily="34" charset="0"/>
+                <a:cs typeface="Times New Roman" panose="02020603050405020304" pitchFamily="18" charset="0"/>
+              </a:rPr>
+              <a:t>B4 RED</a:t>
+            </a:r>
+          </a:p>
+        </p:txBody>
+      </p:sp>
+      <p:sp>
+        <p:nvSpPr>
+          <p:cNvPr id="95" name="Flowchart: Predefined Process 94">
+            <a:extLst>
+              <a:ext uri="{FF2B5EF4-FFF2-40B4-BE49-F238E27FC236}">
+                <a16:creationId xmlns:a16="http://schemas.microsoft.com/office/drawing/2014/main" id="{76938B47-3B15-412C-B94D-F0D3EEF9AC68}"/>
+              </a:ext>
+            </a:extLst>
+          </p:cNvPr>
+          <p:cNvSpPr/>
+          <p:nvPr/>
+        </p:nvSpPr>
+        <p:spPr>
+          <a:xfrm>
+            <a:off x="3948471" y="2646385"/>
+            <a:ext cx="946150" cy="278130"/>
+          </a:xfrm>
+          <a:prstGeom prst="flowChartPredefinedProcess">
+            <a:avLst/>
+          </a:prstGeom>
+          <a:ln w="6350">
+            <a:solidFill>
+              <a:srgbClr val="00B0F0"/>
+            </a:solidFill>
+          </a:ln>
+        </p:spPr>
+        <p:style>
+          <a:lnRef idx="2">
+            <a:schemeClr val="accent1"/>
+          </a:lnRef>
+          <a:fillRef idx="1">
+            <a:schemeClr val="lt1"/>
+          </a:fillRef>
+          <a:effectRef idx="0">
+            <a:schemeClr val="accent1"/>
+          </a:effectRef>
+          <a:fontRef idx="minor">
+            <a:schemeClr val="dk1"/>
+          </a:fontRef>
+        </p:style>
+        <p:txBody>
+          <a:bodyPr rot="0" spcFirstLastPara="0" vert="horz" wrap="square" lIns="91440" tIns="45720" rIns="91440" bIns="45720" numCol="1" spcCol="0" rtlCol="0" fromWordArt="0" anchor="ctr" anchorCtr="0" forceAA="0" compatLnSpc="1">
+            <a:prstTxWarp prst="textNoShape">
+              <a:avLst/>
+            </a:prstTxWarp>
+            <a:noAutofit/>
+          </a:bodyPr>
+          <a:lstStyle/>
+          <a:p>
+            <a:pPr marL="0" marR="0" algn="ctr">
+              <a:lnSpc>
+                <a:spcPct val="150000"/>
+              </a:lnSpc>
+              <a:spcBef>
+                <a:spcPts val="0"/>
+              </a:spcBef>
+              <a:spcAft>
+                <a:spcPts val="800"/>
+              </a:spcAft>
+            </a:pPr>
+            <a:r>
+              <a:rPr lang="en-US" sz="1100">
+                <a:effectLst/>
+                <a:latin typeface="Verdana" panose="020B0604030504040204" pitchFamily="34" charset="0"/>
+                <a:ea typeface="Calibri" panose="020F0502020204030204" pitchFamily="34" charset="0"/>
+                <a:cs typeface="Times New Roman" panose="02020603050405020304" pitchFamily="18" charset="0"/>
+              </a:rPr>
+              <a:t>NDVI</a:t>
+            </a:r>
+          </a:p>
+        </p:txBody>
+      </p:sp>
+      <p:sp>
+        <p:nvSpPr>
+          <p:cNvPr id="97" name="Flowchart: Predefined Process 96">
+            <a:extLst>
+              <a:ext uri="{FF2B5EF4-FFF2-40B4-BE49-F238E27FC236}">
+                <a16:creationId xmlns:a16="http://schemas.microsoft.com/office/drawing/2014/main" id="{5D781339-8F54-4322-AE07-3D689B7554EF}"/>
+              </a:ext>
+            </a:extLst>
+          </p:cNvPr>
+          <p:cNvSpPr/>
+          <p:nvPr/>
+        </p:nvSpPr>
+        <p:spPr>
+          <a:xfrm>
+            <a:off x="7215158" y="296409"/>
+            <a:ext cx="1693690" cy="485891"/>
+          </a:xfrm>
+          <a:prstGeom prst="flowChartPredefinedProcess">
+            <a:avLst/>
+          </a:prstGeom>
+        </p:spPr>
+        <p:style>
+          <a:lnRef idx="2">
+            <a:schemeClr val="accent6"/>
+          </a:lnRef>
+          <a:fillRef idx="1">
+            <a:schemeClr val="lt1"/>
+          </a:fillRef>
+          <a:effectRef idx="0">
+            <a:schemeClr val="accent6"/>
+          </a:effectRef>
+          <a:fontRef idx="minor">
+            <a:schemeClr val="dk1"/>
+          </a:fontRef>
+        </p:style>
+        <p:txBody>
+          <a:bodyPr rtlCol="0" anchor="ctr"/>
+          <a:lstStyle/>
+          <a:p>
+            <a:pPr algn="ctr"/>
+            <a:r>
+              <a:rPr lang="en-US" sz="1100" b="1" dirty="0">
+                <a:latin typeface="Verdana" panose="020B0604030504040204" pitchFamily="34" charset="0"/>
+                <a:ea typeface="Verdana" panose="020B0604030504040204" pitchFamily="34" charset="0"/>
+              </a:rPr>
+              <a:t>Atmospheric Corrections</a:t>
+            </a:r>
+          </a:p>
+        </p:txBody>
+      </p:sp>
+      <p:cxnSp>
+        <p:nvCxnSpPr>
+          <p:cNvPr id="102" name="Connector: Elbow 101">
+            <a:extLst>
+              <a:ext uri="{FF2B5EF4-FFF2-40B4-BE49-F238E27FC236}">
+                <a16:creationId xmlns:a16="http://schemas.microsoft.com/office/drawing/2014/main" id="{F6FB0D5C-CD66-4ED8-BAF0-A3672F47D8DE}"/>
+              </a:ext>
+            </a:extLst>
+          </p:cNvPr>
+          <p:cNvCxnSpPr>
+            <a:cxnSpLocks/>
+          </p:cNvCxnSpPr>
+          <p:nvPr/>
+        </p:nvCxnSpPr>
+        <p:spPr>
+          <a:xfrm rot="10800000">
+            <a:off x="6093242" y="1167451"/>
+            <a:ext cx="1121916" cy="129574"/>
+          </a:xfrm>
+          <a:prstGeom prst="bentConnector4">
+            <a:avLst>
+              <a:gd name="adj1" fmla="val 44515"/>
+              <a:gd name="adj2" fmla="val 236667"/>
+            </a:avLst>
+          </a:prstGeom>
+          <a:ln>
+            <a:tailEnd type="triangle"/>
+          </a:ln>
+        </p:spPr>
+        <p:style>
+          <a:lnRef idx="1">
+            <a:schemeClr val="accent1"/>
+          </a:lnRef>
+          <a:fillRef idx="0">
+            <a:schemeClr val="accent1"/>
+          </a:fillRef>
+          <a:effectRef idx="0">
+            <a:schemeClr val="accent1"/>
+          </a:effectRef>
+          <a:fontRef idx="minor">
+            <a:schemeClr val="tx1"/>
+          </a:fontRef>
+        </p:style>
+      </p:cxnSp>
+      <p:cxnSp>
+        <p:nvCxnSpPr>
+          <p:cNvPr id="104" name="Connector: Elbow 103">
+            <a:extLst>
+              <a:ext uri="{FF2B5EF4-FFF2-40B4-BE49-F238E27FC236}">
+                <a16:creationId xmlns:a16="http://schemas.microsoft.com/office/drawing/2014/main" id="{2E282FB1-B601-430F-87B6-7DA5B5D8B34C}"/>
+              </a:ext>
+            </a:extLst>
+          </p:cNvPr>
+          <p:cNvCxnSpPr>
+            <a:cxnSpLocks/>
+            <a:stCxn id="97" idx="1"/>
+          </p:cNvCxnSpPr>
+          <p:nvPr/>
+        </p:nvCxnSpPr>
+        <p:spPr>
+          <a:xfrm rot="10800000" flipV="1">
+            <a:off x="6654200" y="539354"/>
+            <a:ext cx="560958" cy="446301"/>
+          </a:xfrm>
+          <a:prstGeom prst="bentConnector3">
+            <a:avLst>
+              <a:gd name="adj1" fmla="val 89030"/>
+            </a:avLst>
+          </a:prstGeom>
+        </p:spPr>
+        <p:style>
+          <a:lnRef idx="1">
+            <a:schemeClr val="accent1"/>
+          </a:lnRef>
+          <a:fillRef idx="0">
+            <a:schemeClr val="accent1"/>
+          </a:fillRef>
+          <a:effectRef idx="0">
+            <a:schemeClr val="accent1"/>
+          </a:effectRef>
+          <a:fontRef idx="minor">
+            <a:schemeClr val="tx1"/>
+          </a:fontRef>
+        </p:style>
+      </p:cxnSp>
+      <p:sp>
+        <p:nvSpPr>
+          <p:cNvPr id="108" name="Rectangle 107">
+            <a:extLst>
+              <a:ext uri="{FF2B5EF4-FFF2-40B4-BE49-F238E27FC236}">
+                <a16:creationId xmlns:a16="http://schemas.microsoft.com/office/drawing/2014/main" id="{6883E24A-91A2-4B98-A7C3-7404B1F492A3}"/>
+              </a:ext>
+            </a:extLst>
+          </p:cNvPr>
+          <p:cNvSpPr/>
+          <p:nvPr/>
+        </p:nvSpPr>
+        <p:spPr>
+          <a:xfrm>
+            <a:off x="683568" y="2925554"/>
+            <a:ext cx="1818410" cy="621790"/>
+          </a:xfrm>
+          <a:prstGeom prst="rect">
+            <a:avLst/>
+          </a:prstGeom>
+          <a:ln w="6350">
+            <a:solidFill>
+              <a:srgbClr val="00B0F0"/>
+            </a:solidFill>
+          </a:ln>
+        </p:spPr>
+        <p:style>
+          <a:lnRef idx="2">
+            <a:schemeClr val="accent6"/>
+          </a:lnRef>
+          <a:fillRef idx="1">
+            <a:schemeClr val="lt1"/>
+          </a:fillRef>
+          <a:effectRef idx="0">
+            <a:schemeClr val="accent6"/>
+          </a:effectRef>
+          <a:fontRef idx="minor">
+            <a:schemeClr val="dk1"/>
+          </a:fontRef>
+        </p:style>
+        <p:txBody>
+          <a:bodyPr rot="0" spcFirstLastPara="0" vert="horz" wrap="square" lIns="91440" tIns="45720" rIns="91440" bIns="45720" numCol="1" spcCol="0" rtlCol="0" fromWordArt="0" anchor="ctr" anchorCtr="0" forceAA="0" compatLnSpc="1">
+            <a:prstTxWarp prst="textNoShape">
+              <a:avLst/>
+            </a:prstTxWarp>
+            <a:noAutofit/>
+          </a:bodyPr>
+          <a:lstStyle/>
+          <a:p>
+            <a:pPr marL="0" marR="0" algn="ctr">
+              <a:lnSpc>
+                <a:spcPct val="100000"/>
+              </a:lnSpc>
+              <a:spcBef>
+                <a:spcPts val="0"/>
+              </a:spcBef>
+              <a:spcAft>
+                <a:spcPts val="800"/>
+              </a:spcAft>
+            </a:pPr>
+            <a:r>
+              <a:rPr lang="en-US" sz="1000" b="1" dirty="0">
+                <a:effectLst/>
+                <a:latin typeface="Verdana" panose="020B0604030504040204" pitchFamily="34" charset="0"/>
+                <a:ea typeface="Calibri" panose="020F0502020204030204" pitchFamily="34" charset="0"/>
+                <a:cs typeface="Times New Roman" panose="02020603050405020304" pitchFamily="18" charset="0"/>
+              </a:rPr>
+              <a:t>TOA DN to At-Sensor Radiance(</a:t>
+            </a:r>
+            <a:r>
+              <a:rPr lang="en-US" sz="1000" b="1" dirty="0" err="1">
+                <a:effectLst/>
+                <a:latin typeface="Verdana" panose="020B0604030504040204" pitchFamily="34" charset="0"/>
+                <a:ea typeface="Calibri" panose="020F0502020204030204" pitchFamily="34" charset="0"/>
+                <a:cs typeface="Times New Roman" panose="02020603050405020304" pitchFamily="18" charset="0"/>
+              </a:rPr>
+              <a:t>Lλ</a:t>
+            </a:r>
+            <a:r>
+              <a:rPr lang="en-US" sz="1000" b="1" dirty="0">
+                <a:effectLst/>
+                <a:latin typeface="Verdana" panose="020B0604030504040204" pitchFamily="34" charset="0"/>
+                <a:ea typeface="Calibri" panose="020F0502020204030204" pitchFamily="34" charset="0"/>
+                <a:cs typeface="Times New Roman" panose="02020603050405020304" pitchFamily="18" charset="0"/>
+              </a:rPr>
+              <a:t>)</a:t>
+            </a:r>
+          </a:p>
+        </p:txBody>
+      </p:sp>
+      <p:cxnSp>
+        <p:nvCxnSpPr>
+          <p:cNvPr id="114" name="Straight Arrow Connector 113">
+            <a:extLst>
+              <a:ext uri="{FF2B5EF4-FFF2-40B4-BE49-F238E27FC236}">
+                <a16:creationId xmlns:a16="http://schemas.microsoft.com/office/drawing/2014/main" id="{20AAA296-EB68-4FD2-86BF-90E45536844A}"/>
+              </a:ext>
+            </a:extLst>
+          </p:cNvPr>
+          <p:cNvCxnSpPr>
+            <a:cxnSpLocks/>
+          </p:cNvCxnSpPr>
+          <p:nvPr/>
+        </p:nvCxnSpPr>
+        <p:spPr>
+          <a:xfrm flipV="1">
+            <a:off x="3341951" y="6402099"/>
+            <a:ext cx="864818" cy="1"/>
+          </a:xfrm>
+          <a:prstGeom prst="straightConnector1">
+            <a:avLst/>
+          </a:prstGeom>
+          <a:ln>
+            <a:tailEnd type="triangle"/>
+          </a:ln>
+        </p:spPr>
+        <p:style>
+          <a:lnRef idx="1">
+            <a:schemeClr val="accent1"/>
+          </a:lnRef>
+          <a:fillRef idx="0">
+            <a:schemeClr val="accent1"/>
+          </a:fillRef>
+          <a:effectRef idx="0">
+            <a:schemeClr val="accent1"/>
+          </a:effectRef>
+          <a:fontRef idx="minor">
+            <a:schemeClr val="tx1"/>
+          </a:fontRef>
+        </p:style>
+      </p:cxnSp>
+      <p:cxnSp>
+        <p:nvCxnSpPr>
+          <p:cNvPr id="117" name="Connector: Elbow 116">
+            <a:extLst>
+              <a:ext uri="{FF2B5EF4-FFF2-40B4-BE49-F238E27FC236}">
+                <a16:creationId xmlns:a16="http://schemas.microsoft.com/office/drawing/2014/main" id="{5C397B99-F07A-42C4-BAB8-A28B741EC7FE}"/>
+              </a:ext>
+            </a:extLst>
+          </p:cNvPr>
+          <p:cNvCxnSpPr>
+            <a:cxnSpLocks/>
+            <a:stCxn id="120" idx="3"/>
+            <a:endCxn id="17" idx="0"/>
+          </p:cNvCxnSpPr>
+          <p:nvPr/>
+        </p:nvCxnSpPr>
+        <p:spPr>
+          <a:xfrm>
+            <a:off x="4460035" y="5661962"/>
+            <a:ext cx="855762" cy="503342"/>
+          </a:xfrm>
+          <a:prstGeom prst="bentConnector2">
+            <a:avLst/>
+          </a:prstGeom>
+          <a:ln>
+            <a:tailEnd type="triangle"/>
+          </a:ln>
+        </p:spPr>
+        <p:style>
+          <a:lnRef idx="1">
+            <a:schemeClr val="accent1"/>
+          </a:lnRef>
+          <a:fillRef idx="0">
+            <a:schemeClr val="accent1"/>
+          </a:fillRef>
+          <a:effectRef idx="0">
+            <a:schemeClr val="accent1"/>
+          </a:effectRef>
+          <a:fontRef idx="minor">
+            <a:schemeClr val="tx1"/>
+          </a:fontRef>
+        </p:style>
+      </p:cxnSp>
+      <p:sp>
+        <p:nvSpPr>
+          <p:cNvPr id="119" name="Flowchart: Document 118">
+            <a:extLst>
+              <a:ext uri="{FF2B5EF4-FFF2-40B4-BE49-F238E27FC236}">
+                <a16:creationId xmlns:a16="http://schemas.microsoft.com/office/drawing/2014/main" id="{56978A59-ACF0-4BFD-966E-38D0F3DC4357}"/>
+              </a:ext>
+            </a:extLst>
+          </p:cNvPr>
+          <p:cNvSpPr/>
+          <p:nvPr/>
+        </p:nvSpPr>
+        <p:spPr>
+          <a:xfrm>
+            <a:off x="2513140" y="6198963"/>
+            <a:ext cx="1152128" cy="406271"/>
+          </a:xfrm>
+          <a:prstGeom prst="flowChartDocument">
+            <a:avLst/>
+          </a:prstGeom>
+        </p:spPr>
+        <p:style>
+          <a:lnRef idx="2">
+            <a:schemeClr val="accent1">
+              <a:shade val="50000"/>
+            </a:schemeClr>
+          </a:lnRef>
+          <a:fillRef idx="1">
+            <a:schemeClr val="accent1"/>
+          </a:fillRef>
+          <a:effectRef idx="0">
+            <a:schemeClr val="accent1"/>
+          </a:effectRef>
+          <a:fontRef idx="minor">
+            <a:schemeClr val="lt1"/>
+          </a:fontRef>
+        </p:style>
+        <p:txBody>
+          <a:bodyPr rtlCol="0" anchor="ctr"/>
+          <a:lstStyle/>
+          <a:p>
+            <a:pPr algn="ctr"/>
+            <a:r>
+              <a:rPr lang="en-US" dirty="0"/>
+              <a:t>CDOM</a:t>
+            </a:r>
+          </a:p>
+        </p:txBody>
+      </p:sp>
+      <p:sp>
+        <p:nvSpPr>
+          <p:cNvPr id="120" name="Flowchart: Process 119">
+            <a:extLst>
+              <a:ext uri="{FF2B5EF4-FFF2-40B4-BE49-F238E27FC236}">
+                <a16:creationId xmlns:a16="http://schemas.microsoft.com/office/drawing/2014/main" id="{6073FC3A-F4B8-4177-B7C1-DA3F7B220714}"/>
+              </a:ext>
+            </a:extLst>
+          </p:cNvPr>
+          <p:cNvSpPr/>
+          <p:nvPr/>
+        </p:nvSpPr>
+        <p:spPr>
+          <a:xfrm>
+            <a:off x="3174211" y="5360019"/>
+            <a:ext cx="1285824" cy="603885"/>
+          </a:xfrm>
+          <a:prstGeom prst="flowChartProcess">
+            <a:avLst/>
+          </a:prstGeom>
+          <a:solidFill>
+            <a:srgbClr val="FBA3A3"/>
+          </a:solidFill>
+        </p:spPr>
+        <p:style>
+          <a:lnRef idx="2">
+            <a:schemeClr val="accent1">
+              <a:shade val="50000"/>
+            </a:schemeClr>
+          </a:lnRef>
+          <a:fillRef idx="1">
+            <a:schemeClr val="accent1"/>
+          </a:fillRef>
+          <a:effectRef idx="0">
+            <a:schemeClr val="accent1"/>
+          </a:effectRef>
+          <a:fontRef idx="minor">
+            <a:schemeClr val="lt1"/>
+          </a:fontRef>
+        </p:style>
+        <p:txBody>
+          <a:bodyPr rtlCol="0" anchor="ctr"/>
+          <a:lstStyle/>
+          <a:p>
+            <a:pPr algn="ctr"/>
+            <a:r>
+              <a:rPr lang="en-US" sz="1200" b="1" dirty="0">
+                <a:latin typeface="Verdana" panose="020B0604030504040204" pitchFamily="34" charset="0"/>
+                <a:ea typeface="Verdana" panose="020B0604030504040204" pitchFamily="34" charset="0"/>
+              </a:rPr>
+              <a:t>Above Threshold</a:t>
+            </a:r>
+          </a:p>
+        </p:txBody>
+      </p:sp>
+      <p:cxnSp>
+        <p:nvCxnSpPr>
+          <p:cNvPr id="122" name="Connector: Elbow 121">
+            <a:extLst>
+              <a:ext uri="{FF2B5EF4-FFF2-40B4-BE49-F238E27FC236}">
+                <a16:creationId xmlns:a16="http://schemas.microsoft.com/office/drawing/2014/main" id="{32F7B2E6-79E3-4E07-A877-3C342CB5F8AC}"/>
+              </a:ext>
+            </a:extLst>
+          </p:cNvPr>
+          <p:cNvCxnSpPr>
+            <a:cxnSpLocks/>
+            <a:stCxn id="133" idx="1"/>
+            <a:endCxn id="49" idx="1"/>
+          </p:cNvCxnSpPr>
+          <p:nvPr/>
+        </p:nvCxnSpPr>
+        <p:spPr>
+          <a:xfrm rot="10800000">
+            <a:off x="1210384" y="1325262"/>
+            <a:ext cx="265296" cy="4323555"/>
+          </a:xfrm>
+          <a:prstGeom prst="bentConnector3">
+            <a:avLst>
+              <a:gd name="adj1" fmla="val 453167"/>
+            </a:avLst>
+          </a:prstGeom>
+          <a:ln>
+            <a:prstDash val="lgDashDotDot"/>
+            <a:tailEnd type="triangle"/>
+          </a:ln>
+        </p:spPr>
+        <p:style>
+          <a:lnRef idx="1">
+            <a:schemeClr val="accent1"/>
+          </a:lnRef>
+          <a:fillRef idx="0">
+            <a:schemeClr val="accent1"/>
+          </a:fillRef>
+          <a:effectRef idx="0">
+            <a:schemeClr val="accent1"/>
+          </a:effectRef>
+          <a:fontRef idx="minor">
+            <a:schemeClr val="tx1"/>
+          </a:fontRef>
+        </p:style>
+      </p:cxnSp>
+      <p:sp>
+        <p:nvSpPr>
+          <p:cNvPr id="133" name="Flowchart: Process 132">
+            <a:extLst>
+              <a:ext uri="{FF2B5EF4-FFF2-40B4-BE49-F238E27FC236}">
+                <a16:creationId xmlns:a16="http://schemas.microsoft.com/office/drawing/2014/main" id="{568A8DA8-77AC-4D32-A04B-F61113E6FBB5}"/>
+              </a:ext>
+            </a:extLst>
+          </p:cNvPr>
+          <p:cNvSpPr/>
+          <p:nvPr/>
+        </p:nvSpPr>
+        <p:spPr>
+          <a:xfrm>
+            <a:off x="1475680" y="5346873"/>
+            <a:ext cx="1433730" cy="603885"/>
+          </a:xfrm>
+          <a:prstGeom prst="flowChartProcess">
+            <a:avLst/>
+          </a:prstGeom>
+          <a:solidFill>
+            <a:srgbClr val="65C967"/>
+          </a:solidFill>
+        </p:spPr>
+        <p:style>
+          <a:lnRef idx="2">
+            <a:schemeClr val="accent1">
+              <a:shade val="50000"/>
+            </a:schemeClr>
+          </a:lnRef>
+          <a:fillRef idx="1">
+            <a:schemeClr val="accent1"/>
+          </a:fillRef>
+          <a:effectRef idx="0">
+            <a:schemeClr val="accent1"/>
+          </a:effectRef>
+          <a:fontRef idx="minor">
+            <a:schemeClr val="lt1"/>
+          </a:fontRef>
+        </p:style>
+        <p:txBody>
+          <a:bodyPr rtlCol="0" anchor="ctr"/>
+          <a:lstStyle/>
+          <a:p>
+            <a:pPr algn="ctr"/>
+            <a:r>
+              <a:rPr lang="en-US" sz="1200" b="1" dirty="0">
+                <a:latin typeface="Verdana" panose="020B0604030504040204" pitchFamily="34" charset="0"/>
+                <a:ea typeface="Verdana" panose="020B0604030504040204" pitchFamily="34" charset="0"/>
+              </a:rPr>
+              <a:t>Below Threshold</a:t>
+            </a:r>
+          </a:p>
+        </p:txBody>
+      </p:sp>
+      <p:cxnSp>
+        <p:nvCxnSpPr>
+          <p:cNvPr id="138" name="Straight Arrow Connector 137">
+            <a:extLst>
+              <a:ext uri="{FF2B5EF4-FFF2-40B4-BE49-F238E27FC236}">
+                <a16:creationId xmlns:a16="http://schemas.microsoft.com/office/drawing/2014/main" id="{F6F0C278-CF3F-4356-8D8F-0B0CA52C5672}"/>
+              </a:ext>
+            </a:extLst>
+          </p:cNvPr>
+          <p:cNvCxnSpPr>
+            <a:cxnSpLocks/>
+            <a:stCxn id="16" idx="2"/>
+            <a:endCxn id="120" idx="0"/>
+          </p:cNvCxnSpPr>
+          <p:nvPr/>
+        </p:nvCxnSpPr>
+        <p:spPr>
+          <a:xfrm>
+            <a:off x="2931257" y="5062937"/>
+            <a:ext cx="885866" cy="297082"/>
+          </a:xfrm>
+          <a:prstGeom prst="straightConnector1">
+            <a:avLst/>
+          </a:prstGeom>
+          <a:ln>
+            <a:tailEnd type="triangle"/>
+          </a:ln>
+        </p:spPr>
+        <p:style>
+          <a:lnRef idx="1">
+            <a:schemeClr val="accent1"/>
+          </a:lnRef>
+          <a:fillRef idx="0">
+            <a:schemeClr val="accent1"/>
+          </a:fillRef>
+          <a:effectRef idx="0">
+            <a:schemeClr val="accent1"/>
+          </a:effectRef>
+          <a:fontRef idx="minor">
+            <a:schemeClr val="tx1"/>
+          </a:fontRef>
+        </p:style>
+      </p:cxnSp>
+      <p:cxnSp>
+        <p:nvCxnSpPr>
+          <p:cNvPr id="140" name="Straight Arrow Connector 139">
+            <a:extLst>
+              <a:ext uri="{FF2B5EF4-FFF2-40B4-BE49-F238E27FC236}">
+                <a16:creationId xmlns:a16="http://schemas.microsoft.com/office/drawing/2014/main" id="{A06BEED9-C2DB-40FA-A3D8-EDACFBC2A7D9}"/>
+              </a:ext>
+            </a:extLst>
+          </p:cNvPr>
+          <p:cNvCxnSpPr>
+            <a:cxnSpLocks/>
+          </p:cNvCxnSpPr>
+          <p:nvPr/>
+        </p:nvCxnSpPr>
+        <p:spPr>
+          <a:xfrm flipH="1">
+            <a:off x="2298883" y="5060704"/>
+            <a:ext cx="664760" cy="286169"/>
+          </a:xfrm>
+          <a:prstGeom prst="straightConnector1">
+            <a:avLst/>
+          </a:prstGeom>
+          <a:ln>
+            <a:tailEnd type="triangle"/>
+          </a:ln>
+        </p:spPr>
+        <p:style>
+          <a:lnRef idx="1">
+            <a:schemeClr val="accent1"/>
+          </a:lnRef>
+          <a:fillRef idx="0">
+            <a:schemeClr val="accent1"/>
+          </a:fillRef>
+          <a:effectRef idx="0">
+            <a:schemeClr val="accent1"/>
+          </a:effectRef>
+          <a:fontRef idx="minor">
+            <a:schemeClr val="tx1"/>
+          </a:fontRef>
+        </p:style>
+      </p:cxnSp>
+      <p:sp>
+        <p:nvSpPr>
+          <p:cNvPr id="146" name="Flowchart: Predefined Process 145">
+            <a:extLst>
+              <a:ext uri="{FF2B5EF4-FFF2-40B4-BE49-F238E27FC236}">
+                <a16:creationId xmlns:a16="http://schemas.microsoft.com/office/drawing/2014/main" id="{2ABA0BDD-1C76-49D7-8165-AE420BC7E2E4}"/>
+              </a:ext>
+            </a:extLst>
+          </p:cNvPr>
+          <p:cNvSpPr/>
+          <p:nvPr/>
+        </p:nvSpPr>
+        <p:spPr>
+          <a:xfrm>
+            <a:off x="6690338" y="2934506"/>
+            <a:ext cx="2058126" cy="603885"/>
+          </a:xfrm>
+          <a:prstGeom prst="flowChartPredefinedProcess">
+            <a:avLst/>
+          </a:prstGeom>
+          <a:ln w="6350">
+            <a:solidFill>
+              <a:srgbClr val="00B0F0"/>
+            </a:solidFill>
+          </a:ln>
+        </p:spPr>
+        <p:style>
+          <a:lnRef idx="2">
+            <a:schemeClr val="accent1"/>
+          </a:lnRef>
+          <a:fillRef idx="1">
+            <a:schemeClr val="lt1"/>
+          </a:fillRef>
+          <a:effectRef idx="0">
+            <a:schemeClr val="accent1"/>
+          </a:effectRef>
+          <a:fontRef idx="minor">
+            <a:schemeClr val="dk1"/>
+          </a:fontRef>
+        </p:style>
+        <p:txBody>
+          <a:bodyPr rot="0" spcFirstLastPara="0" vert="horz" wrap="square" lIns="91440" tIns="45720" rIns="91440" bIns="45720" numCol="1" spcCol="0" rtlCol="0" fromWordArt="0" anchor="ctr" anchorCtr="0" forceAA="0" compatLnSpc="1">
+            <a:prstTxWarp prst="textNoShape">
+              <a:avLst/>
+            </a:prstTxWarp>
+            <a:noAutofit/>
+          </a:bodyPr>
+          <a:lstStyle/>
+          <a:p>
+            <a:pPr marL="0" marR="0" algn="ctr">
+              <a:lnSpc>
+                <a:spcPct val="100000"/>
+              </a:lnSpc>
+              <a:spcBef>
+                <a:spcPts val="0"/>
+              </a:spcBef>
+              <a:spcAft>
+                <a:spcPts val="800"/>
+              </a:spcAft>
+            </a:pPr>
+            <a:r>
+              <a:rPr lang="en-US" sz="1050" b="1" dirty="0">
+                <a:effectLst/>
+                <a:latin typeface="Verdana" panose="020B0604030504040204" pitchFamily="34" charset="0"/>
+                <a:ea typeface="Calibri" panose="020F0502020204030204" pitchFamily="34" charset="0"/>
+                <a:cs typeface="Times New Roman" panose="02020603050405020304" pitchFamily="18" charset="0"/>
+              </a:rPr>
+              <a:t>Basic Chl-a algorithm(log</a:t>
+            </a:r>
+            <a:r>
+              <a:rPr lang="en-US" sz="1050" b="1" baseline="-25000" dirty="0">
+                <a:effectLst/>
+                <a:latin typeface="Verdana" panose="020B0604030504040204" pitchFamily="34" charset="0"/>
+                <a:ea typeface="Calibri" panose="020F0502020204030204" pitchFamily="34" charset="0"/>
+                <a:cs typeface="Times New Roman" panose="02020603050405020304" pitchFamily="18" charset="0"/>
+              </a:rPr>
+              <a:t>10</a:t>
+            </a:r>
+            <a:r>
+              <a:rPr lang="en-US" sz="1050" b="1" dirty="0">
+                <a:effectLst/>
+                <a:latin typeface="Verdana" panose="020B0604030504040204" pitchFamily="34" charset="0"/>
+                <a:ea typeface="Calibri" panose="020F0502020204030204" pitchFamily="34" charset="0"/>
+                <a:cs typeface="Times New Roman" panose="02020603050405020304" pitchFamily="18" charset="0"/>
+              </a:rPr>
+              <a:t>)</a:t>
+            </a:r>
+          </a:p>
+        </p:txBody>
+      </p:sp>
+      <p:cxnSp>
+        <p:nvCxnSpPr>
+          <p:cNvPr id="148" name="Connector: Elbow 147">
+            <a:extLst>
+              <a:ext uri="{FF2B5EF4-FFF2-40B4-BE49-F238E27FC236}">
+                <a16:creationId xmlns:a16="http://schemas.microsoft.com/office/drawing/2014/main" id="{2DBCD416-180A-4E19-B90F-CF02078F3966}"/>
+              </a:ext>
+            </a:extLst>
+          </p:cNvPr>
+          <p:cNvCxnSpPr>
+            <a:cxnSpLocks/>
+            <a:stCxn id="47" idx="2"/>
+            <a:endCxn id="146" idx="0"/>
+          </p:cNvCxnSpPr>
+          <p:nvPr/>
+        </p:nvCxnSpPr>
+        <p:spPr>
+          <a:xfrm rot="16200000" flipH="1">
+            <a:off x="7102408" y="2317513"/>
+            <a:ext cx="491502" cy="742484"/>
+          </a:xfrm>
+          <a:prstGeom prst="bentConnector3">
+            <a:avLst/>
+          </a:prstGeom>
+          <a:ln>
+            <a:tailEnd type="triangle"/>
+          </a:ln>
+        </p:spPr>
+        <p:style>
+          <a:lnRef idx="1">
+            <a:schemeClr val="accent1"/>
+          </a:lnRef>
+          <a:fillRef idx="0">
+            <a:schemeClr val="accent1"/>
+          </a:fillRef>
+          <a:effectRef idx="0">
+            <a:schemeClr val="accent1"/>
+          </a:effectRef>
+          <a:fontRef idx="minor">
+            <a:schemeClr val="tx1"/>
+          </a:fontRef>
+        </p:style>
+      </p:cxnSp>
+      <p:cxnSp>
+        <p:nvCxnSpPr>
+          <p:cNvPr id="151" name="Connector: Elbow 150">
+            <a:extLst>
+              <a:ext uri="{FF2B5EF4-FFF2-40B4-BE49-F238E27FC236}">
+                <a16:creationId xmlns:a16="http://schemas.microsoft.com/office/drawing/2014/main" id="{27874C24-6F7A-4569-A745-7684ADD3E63C}"/>
+              </a:ext>
+            </a:extLst>
+          </p:cNvPr>
+          <p:cNvCxnSpPr>
+            <a:cxnSpLocks/>
+          </p:cNvCxnSpPr>
+          <p:nvPr/>
+        </p:nvCxnSpPr>
+        <p:spPr>
+          <a:xfrm rot="5400000">
+            <a:off x="7999360" y="2131286"/>
+            <a:ext cx="234677" cy="896760"/>
+          </a:xfrm>
+          <a:prstGeom prst="bentConnector2">
+            <a:avLst/>
+          </a:prstGeom>
+        </p:spPr>
+        <p:style>
+          <a:lnRef idx="1">
+            <a:schemeClr val="accent1"/>
+          </a:lnRef>
+          <a:fillRef idx="0">
+            <a:schemeClr val="accent1"/>
+          </a:fillRef>
+          <a:effectRef idx="0">
+            <a:schemeClr val="accent1"/>
+          </a:effectRef>
+          <a:fontRef idx="minor">
+            <a:schemeClr val="tx1"/>
+          </a:fontRef>
+        </p:style>
+      </p:cxnSp>
+    </p:spTree>
+    <p:extLst>
+      <p:ext uri="{BB962C8B-B14F-4D97-AF65-F5344CB8AC3E}">
+        <p14:creationId xmlns:p14="http://schemas.microsoft.com/office/powerpoint/2010/main" val="1834560726"/>
+      </p:ext>
+    </p:extLst>
+  </p:cSld>
+  <p:clrMapOvr>
+    <a:masterClrMapping/>
+  </p:clrMapOvr>
+</p:sld>
+</file>
+
+<file path=ppt/slides/slide9.xml><?xml version="1.0" encoding="utf-8"?>
 <p:sld xmlns:a="http://schemas.openxmlformats.org/drawingml/2006/main" xmlns:r="http://schemas.openxmlformats.org/officeDocument/2006/relationships" xmlns:p="http://schemas.openxmlformats.org/presentationml/2006/main">
   <p:cSld>
     <p:spTree>
@@ -11204,462 +18407,6 @@
 </p:sld>
 </file>
 
-<file path=ppt/slides/slide9.xml><?xml version="1.0" encoding="utf-8"?>
-<p:sld xmlns:a="http://schemas.openxmlformats.org/drawingml/2006/main" xmlns:r="http://schemas.openxmlformats.org/officeDocument/2006/relationships" xmlns:p="http://schemas.openxmlformats.org/presentationml/2006/main">
-  <p:cSld>
-    <p:spTree>
-      <p:nvGrpSpPr>
-        <p:cNvPr id="1" name=""/>
-        <p:cNvGrpSpPr/>
-        <p:nvPr/>
-      </p:nvGrpSpPr>
-      <p:grpSpPr>
-        <a:xfrm>
-          <a:off x="0" y="0"/>
-          <a:ext cx="0" cy="0"/>
-          <a:chOff x="0" y="0"/>
-          <a:chExt cx="0" cy="0"/>
-        </a:xfrm>
-      </p:grpSpPr>
-      <p:sp>
-        <p:nvSpPr>
-          <p:cNvPr id="2" name="Text Placeholder 1">
-            <a:extLst>
-              <a:ext uri="{FF2B5EF4-FFF2-40B4-BE49-F238E27FC236}">
-                <a16:creationId xmlns:a16="http://schemas.microsoft.com/office/drawing/2014/main" id="{327FB035-4EC4-45C3-8B2F-AED423F29F13}"/>
-              </a:ext>
-            </a:extLst>
-          </p:cNvPr>
-          <p:cNvSpPr>
-            <a:spLocks noGrp="1"/>
-          </p:cNvSpPr>
-          <p:nvPr>
-            <p:ph type="body" idx="1"/>
-          </p:nvPr>
-        </p:nvSpPr>
-        <p:spPr/>
-        <p:txBody>
-          <a:bodyPr/>
-          <a:lstStyle/>
-          <a:p>
-            <a:pPr marL="514350" marR="0" lvl="0" indent="-514350" fontAlgn="base">
-              <a:lnSpc>
-                <a:spcPct val="107000"/>
-              </a:lnSpc>
-              <a:spcBef>
-                <a:spcPts val="0"/>
-              </a:spcBef>
-              <a:spcAft>
-                <a:spcPts val="0"/>
-              </a:spcAft>
-              <a:buSzPts val="1000"/>
-              <a:buFont typeface="+mj-lt"/>
-              <a:buAutoNum type="romanUcPeriod"/>
-              <a:tabLst>
-                <a:tab pos="457200" algn="l"/>
-              </a:tabLst>
-            </a:pPr>
-            <a:r>
-              <a:rPr lang="en-GB" b="0" dirty="0">
-                <a:solidFill>
-                  <a:srgbClr val="000000"/>
-                </a:solidFill>
-                <a:effectLst/>
-                <a:cs typeface="Times New Roman" panose="02020603050405020304" pitchFamily="18" charset="0"/>
-              </a:rPr>
-              <a:t>Chlorophyl-a Geographical</a:t>
-            </a:r>
-            <a:r>
-              <a:rPr lang="en-GB" b="0" dirty="0">
-                <a:solidFill>
-                  <a:srgbClr val="00B0F0"/>
-                </a:solidFill>
-                <a:effectLst/>
-                <a:cs typeface="Times New Roman" panose="02020603050405020304" pitchFamily="18" charset="0"/>
-              </a:rPr>
-              <a:t> Maps </a:t>
-            </a:r>
-            <a:r>
-              <a:rPr lang="en-GB" b="0" dirty="0">
-                <a:solidFill>
-                  <a:srgbClr val="000000"/>
-                </a:solidFill>
-                <a:effectLst/>
-                <a:cs typeface="Times New Roman" panose="02020603050405020304" pitchFamily="18" charset="0"/>
-              </a:rPr>
-              <a:t>associating the occurrence of the Harmful Algal Blooms and Cyanobacteria.</a:t>
-            </a:r>
-          </a:p>
-          <a:p>
-            <a:pPr marL="514350" marR="0" lvl="0" indent="-514350" fontAlgn="base">
-              <a:lnSpc>
-                <a:spcPct val="107000"/>
-              </a:lnSpc>
-              <a:spcBef>
-                <a:spcPts val="0"/>
-              </a:spcBef>
-              <a:spcAft>
-                <a:spcPts val="0"/>
-              </a:spcAft>
-              <a:buSzPts val="1000"/>
-              <a:buFont typeface="+mj-lt"/>
-              <a:buAutoNum type="romanUcPeriod"/>
-              <a:tabLst>
-                <a:tab pos="457200" algn="l"/>
-              </a:tabLst>
-            </a:pPr>
-            <a:endParaRPr lang="en-GB" b="0" dirty="0">
-              <a:solidFill>
-                <a:srgbClr val="000000"/>
-              </a:solidFill>
-              <a:effectLst/>
-              <a:cs typeface="Times New Roman" panose="02020603050405020304" pitchFamily="18" charset="0"/>
-            </a:endParaRPr>
-          </a:p>
-          <a:p>
-            <a:pPr marL="514350" marR="0" lvl="0" indent="-514350" fontAlgn="base">
-              <a:lnSpc>
-                <a:spcPct val="107000"/>
-              </a:lnSpc>
-              <a:spcBef>
-                <a:spcPts val="0"/>
-              </a:spcBef>
-              <a:spcAft>
-                <a:spcPts val="0"/>
-              </a:spcAft>
-              <a:buSzPts val="1000"/>
-              <a:buFont typeface="+mj-lt"/>
-              <a:buAutoNum type="romanUcPeriod"/>
-              <a:tabLst>
-                <a:tab pos="457200" algn="l"/>
-              </a:tabLst>
-            </a:pPr>
-            <a:r>
-              <a:rPr lang="en-GB" b="0" dirty="0">
-                <a:solidFill>
-                  <a:srgbClr val="00B0F0"/>
-                </a:solidFill>
-                <a:effectLst/>
-                <a:cs typeface="Times New Roman" panose="02020603050405020304" pitchFamily="18" charset="0"/>
-              </a:rPr>
-              <a:t>Autonomous</a:t>
-            </a:r>
-            <a:r>
-              <a:rPr lang="en-GB" b="0" dirty="0">
-                <a:solidFill>
-                  <a:srgbClr val="000000"/>
-                </a:solidFill>
-                <a:effectLst/>
-                <a:cs typeface="Times New Roman" panose="02020603050405020304" pitchFamily="18" charset="0"/>
-              </a:rPr>
-              <a:t> system that monitors and reports </a:t>
-            </a:r>
-            <a:r>
-              <a:rPr lang="en-GB" b="0" dirty="0">
-                <a:solidFill>
-                  <a:srgbClr val="00B0F0"/>
-                </a:solidFill>
-                <a:effectLst/>
-                <a:cs typeface="Times New Roman" panose="02020603050405020304" pitchFamily="18" charset="0"/>
-              </a:rPr>
-              <a:t>geo-tagged </a:t>
-            </a:r>
-            <a:r>
-              <a:rPr lang="en-GB" b="0" dirty="0">
-                <a:solidFill>
-                  <a:srgbClr val="000000"/>
-                </a:solidFill>
-                <a:effectLst/>
-                <a:cs typeface="Times New Roman" panose="02020603050405020304" pitchFamily="18" charset="0"/>
-              </a:rPr>
-              <a:t>data</a:t>
-            </a:r>
-          </a:p>
-          <a:p>
-            <a:pPr marL="514350" marR="0" lvl="0" indent="-514350" fontAlgn="base">
-              <a:lnSpc>
-                <a:spcPct val="107000"/>
-              </a:lnSpc>
-              <a:spcBef>
-                <a:spcPts val="0"/>
-              </a:spcBef>
-              <a:spcAft>
-                <a:spcPts val="0"/>
-              </a:spcAft>
-              <a:buSzPts val="1000"/>
-              <a:buFont typeface="+mj-lt"/>
-              <a:buAutoNum type="romanUcPeriod"/>
-              <a:tabLst>
-                <a:tab pos="457200" algn="l"/>
-              </a:tabLst>
-            </a:pPr>
-            <a:endParaRPr lang="en-US" b="0" dirty="0">
-              <a:solidFill>
-                <a:srgbClr val="000000"/>
-              </a:solidFill>
-              <a:effectLst/>
-            </a:endParaRPr>
-          </a:p>
-          <a:p>
-            <a:pPr marL="514350" marR="0" lvl="0" indent="-514350" fontAlgn="base">
-              <a:lnSpc>
-                <a:spcPct val="107000"/>
-              </a:lnSpc>
-              <a:spcBef>
-                <a:spcPts val="0"/>
-              </a:spcBef>
-              <a:spcAft>
-                <a:spcPts val="0"/>
-              </a:spcAft>
-              <a:buSzPts val="1000"/>
-              <a:buFont typeface="+mj-lt"/>
-              <a:buAutoNum type="romanUcPeriod"/>
-              <a:tabLst>
-                <a:tab pos="457200" algn="l"/>
-              </a:tabLst>
-            </a:pPr>
-            <a:r>
-              <a:rPr lang="en-GB" b="0" dirty="0">
-                <a:solidFill>
-                  <a:srgbClr val="000000"/>
-                </a:solidFill>
-                <a:effectLst/>
-                <a:cs typeface="Times New Roman" panose="02020603050405020304" pitchFamily="18" charset="0"/>
-              </a:rPr>
-              <a:t>Reported confirmation alert Text SMS reporting in near-real time the </a:t>
-            </a:r>
-            <a:r>
-              <a:rPr lang="en-GB" b="0" i="1" dirty="0">
-                <a:solidFill>
-                  <a:srgbClr val="00B0F0"/>
-                </a:solidFill>
-                <a:effectLst/>
-                <a:cs typeface="Times New Roman" panose="02020603050405020304" pitchFamily="18" charset="0"/>
-              </a:rPr>
-              <a:t>in-situ</a:t>
-            </a:r>
-            <a:r>
-              <a:rPr lang="en-GB" b="0" i="1" dirty="0">
-                <a:solidFill>
-                  <a:srgbClr val="000000"/>
-                </a:solidFill>
-                <a:effectLst/>
-                <a:cs typeface="Times New Roman" panose="02020603050405020304" pitchFamily="18" charset="0"/>
-              </a:rPr>
-              <a:t> </a:t>
-            </a:r>
-            <a:r>
-              <a:rPr lang="en-GB" b="0" dirty="0">
-                <a:solidFill>
-                  <a:srgbClr val="00B0F0"/>
-                </a:solidFill>
-                <a:effectLst/>
-                <a:cs typeface="Times New Roman" panose="02020603050405020304" pitchFamily="18" charset="0"/>
-              </a:rPr>
-              <a:t>status </a:t>
-            </a:r>
-            <a:r>
-              <a:rPr lang="en-GB" b="0" dirty="0">
-                <a:solidFill>
-                  <a:srgbClr val="000000"/>
-                </a:solidFill>
-                <a:effectLst/>
-                <a:cs typeface="Times New Roman" panose="02020603050405020304" pitchFamily="18" charset="0"/>
-              </a:rPr>
-              <a:t>from the sensors.</a:t>
-            </a:r>
-          </a:p>
-          <a:p>
-            <a:pPr marL="514350" marR="0" lvl="0" indent="-514350" fontAlgn="base">
-              <a:lnSpc>
-                <a:spcPct val="107000"/>
-              </a:lnSpc>
-              <a:spcBef>
-                <a:spcPts val="0"/>
-              </a:spcBef>
-              <a:spcAft>
-                <a:spcPts val="0"/>
-              </a:spcAft>
-              <a:buSzPts val="1000"/>
-              <a:buFont typeface="+mj-lt"/>
-              <a:buAutoNum type="romanUcPeriod"/>
-              <a:tabLst>
-                <a:tab pos="457200" algn="l"/>
-              </a:tabLst>
-            </a:pPr>
-            <a:endParaRPr lang="en-GB" b="0" dirty="0">
-              <a:solidFill>
-                <a:srgbClr val="000000"/>
-              </a:solidFill>
-              <a:cs typeface="Times New Roman" panose="02020603050405020304" pitchFamily="18" charset="0"/>
-            </a:endParaRPr>
-          </a:p>
-          <a:p>
-            <a:pPr marL="514350" marR="0" lvl="0" indent="-514350" fontAlgn="base">
-              <a:lnSpc>
-                <a:spcPct val="107000"/>
-              </a:lnSpc>
-              <a:spcBef>
-                <a:spcPts val="0"/>
-              </a:spcBef>
-              <a:spcAft>
-                <a:spcPts val="0"/>
-              </a:spcAft>
-              <a:buSzPts val="1000"/>
-              <a:buFont typeface="+mj-lt"/>
-              <a:buAutoNum type="romanUcPeriod"/>
-              <a:tabLst>
-                <a:tab pos="457200" algn="l"/>
-              </a:tabLst>
-            </a:pPr>
-            <a:r>
-              <a:rPr lang="en-GB" b="0" dirty="0">
-                <a:solidFill>
-                  <a:srgbClr val="00B0F0"/>
-                </a:solidFill>
-                <a:effectLst/>
-                <a:cs typeface="Times New Roman" panose="02020603050405020304" pitchFamily="18" charset="0"/>
-              </a:rPr>
-              <a:t>Time Series predictive </a:t>
-            </a:r>
-            <a:r>
-              <a:rPr lang="en-GB" b="0" dirty="0">
-                <a:solidFill>
-                  <a:srgbClr val="000000"/>
-                </a:solidFill>
-                <a:effectLst/>
-                <a:cs typeface="Times New Roman" panose="02020603050405020304" pitchFamily="18" charset="0"/>
-              </a:rPr>
-              <a:t>model on any looming bloom.</a:t>
-            </a:r>
-          </a:p>
-          <a:p>
-            <a:pPr marL="514350" marR="0" lvl="0" indent="-514350" fontAlgn="base">
-              <a:lnSpc>
-                <a:spcPct val="107000"/>
-              </a:lnSpc>
-              <a:spcBef>
-                <a:spcPts val="0"/>
-              </a:spcBef>
-              <a:spcAft>
-                <a:spcPts val="0"/>
-              </a:spcAft>
-              <a:buSzPts val="1000"/>
-              <a:buFont typeface="+mj-lt"/>
-              <a:buAutoNum type="romanUcPeriod"/>
-              <a:tabLst>
-                <a:tab pos="457200" algn="l"/>
-              </a:tabLst>
-            </a:pPr>
-            <a:endParaRPr lang="en-US" b="0" dirty="0">
-              <a:solidFill>
-                <a:srgbClr val="000000"/>
-              </a:solidFill>
-              <a:effectLst/>
-            </a:endParaRPr>
-          </a:p>
-          <a:p>
-            <a:pPr marL="0" marR="0" lvl="0" indent="0" fontAlgn="base">
-              <a:lnSpc>
-                <a:spcPct val="107000"/>
-              </a:lnSpc>
-              <a:spcBef>
-                <a:spcPts val="0"/>
-              </a:spcBef>
-              <a:spcAft>
-                <a:spcPts val="0"/>
-              </a:spcAft>
-              <a:buSzPts val="1000"/>
-              <a:tabLst>
-                <a:tab pos="457200" algn="l"/>
-              </a:tabLst>
-            </a:pPr>
-            <a:endParaRPr lang="en-US" sz="1800" b="0" dirty="0">
-              <a:solidFill>
-                <a:srgbClr val="000000"/>
-              </a:solidFill>
-              <a:effectLst/>
-              <a:latin typeface="Calibri" panose="020F0502020204030204" pitchFamily="34" charset="0"/>
-              <a:ea typeface="Calibri" panose="020F0502020204030204" pitchFamily="34" charset="0"/>
-            </a:endParaRPr>
-          </a:p>
-        </p:txBody>
-      </p:sp>
-      <p:sp>
-        <p:nvSpPr>
-          <p:cNvPr id="3" name="Footer Placeholder 2">
-            <a:extLst>
-              <a:ext uri="{FF2B5EF4-FFF2-40B4-BE49-F238E27FC236}">
-                <a16:creationId xmlns:a16="http://schemas.microsoft.com/office/drawing/2014/main" id="{5D13DC20-297E-417D-8DFC-DC2FCABB764B}"/>
-              </a:ext>
-            </a:extLst>
-          </p:cNvPr>
-          <p:cNvSpPr>
-            <a:spLocks noGrp="1"/>
-          </p:cNvSpPr>
-          <p:nvPr>
-            <p:ph type="ftr" sz="quarter" idx="10"/>
-          </p:nvPr>
-        </p:nvSpPr>
-        <p:spPr/>
-        <p:txBody>
-          <a:bodyPr/>
-          <a:lstStyle/>
-          <a:p>
-            <a:pPr>
-              <a:defRPr/>
-            </a:pPr>
-            <a:endParaRPr lang="de-DE"/>
-          </a:p>
-          <a:p>
-            <a:pPr>
-              <a:defRPr/>
-            </a:pPr>
-            <a:endParaRPr lang="de-DE"/>
-          </a:p>
-        </p:txBody>
-      </p:sp>
-      <p:sp>
-        <p:nvSpPr>
-          <p:cNvPr id="4" name="Title 3">
-            <a:extLst>
-              <a:ext uri="{FF2B5EF4-FFF2-40B4-BE49-F238E27FC236}">
-                <a16:creationId xmlns:a16="http://schemas.microsoft.com/office/drawing/2014/main" id="{5EDBB8AF-905E-406C-B321-B53DDA2D2878}"/>
-              </a:ext>
-            </a:extLst>
-          </p:cNvPr>
-          <p:cNvSpPr>
-            <a:spLocks noGrp="1"/>
-          </p:cNvSpPr>
-          <p:nvPr>
-            <p:ph type="title"/>
-          </p:nvPr>
-        </p:nvSpPr>
-        <p:spPr/>
-        <p:txBody>
-          <a:bodyPr/>
-          <a:lstStyle/>
-          <a:p>
-            <a:r>
-              <a:rPr lang="en-US" dirty="0"/>
-              <a:t>Expected Results</a:t>
-            </a:r>
-          </a:p>
-        </p:txBody>
-      </p:sp>
-    </p:spTree>
-    <p:extLst>
-      <p:ext uri="{BB962C8B-B14F-4D97-AF65-F5344CB8AC3E}">
-        <p14:creationId xmlns:p14="http://schemas.microsoft.com/office/powerpoint/2010/main" val="136174935"/>
-      </p:ext>
-    </p:extLst>
-  </p:cSld>
-  <p:clrMapOvr>
-    <a:masterClrMapping/>
-  </p:clrMapOvr>
-</p:sld>
-</file>
-
 <file path=ppt/theme/theme1.xml><?xml version="1.0" encoding="utf-8"?>
 <a:theme xmlns:a="http://schemas.openxmlformats.org/drawingml/2006/main" name="1_H0">
   <a:themeElements>
@@ -12079,6 +18826,301 @@
 </file>
 
 <file path=ppt/theme/theme2.xml><?xml version="1.0" encoding="utf-8"?>
+<a:theme xmlns:a="http://schemas.openxmlformats.org/drawingml/2006/main" name="Office Theme">
+  <a:themeElements>
+    <a:clrScheme name="Office">
+      <a:dk1>
+        <a:sysClr val="windowText" lastClr="000000"/>
+      </a:dk1>
+      <a:lt1>
+        <a:sysClr val="window" lastClr="FFFFFF"/>
+      </a:lt1>
+      <a:dk2>
+        <a:srgbClr val="44546A"/>
+      </a:dk2>
+      <a:lt2>
+        <a:srgbClr val="E7E6E6"/>
+      </a:lt2>
+      <a:accent1>
+        <a:srgbClr val="4472C4"/>
+      </a:accent1>
+      <a:accent2>
+        <a:srgbClr val="ED7D31"/>
+      </a:accent2>
+      <a:accent3>
+        <a:srgbClr val="A5A5A5"/>
+      </a:accent3>
+      <a:accent4>
+        <a:srgbClr val="FFC000"/>
+      </a:accent4>
+      <a:accent5>
+        <a:srgbClr val="5B9BD5"/>
+      </a:accent5>
+      <a:accent6>
+        <a:srgbClr val="70AD47"/>
+      </a:accent6>
+      <a:hlink>
+        <a:srgbClr val="0563C1"/>
+      </a:hlink>
+      <a:folHlink>
+        <a:srgbClr val="954F72"/>
+      </a:folHlink>
+    </a:clrScheme>
+    <a:fontScheme name="Office">
+      <a:majorFont>
+        <a:latin typeface="Calibri Light" panose="020F0302020204030204"/>
+        <a:ea typeface=""/>
+        <a:cs typeface=""/>
+        <a:font script="Jpan" typeface="游ゴシック Light"/>
+        <a:font script="Hang" typeface="맑은 고딕"/>
+        <a:font script="Hans" typeface="等线 Light"/>
+        <a:font script="Hant" typeface="新細明體"/>
+        <a:font script="Arab" typeface="Times New Roman"/>
+        <a:font script="Hebr" typeface="Times New Roman"/>
+        <a:font script="Thai" typeface="Angsana New"/>
+        <a:font script="Ethi" typeface="Nyala"/>
+        <a:font script="Beng" typeface="Vrinda"/>
+        <a:font script="Gujr" typeface="Shruti"/>
+        <a:font script="Khmr" typeface="MoolBoran"/>
+        <a:font script="Knda" typeface="Tunga"/>
+        <a:font script="Guru" typeface="Raavi"/>
+        <a:font script="Cans" typeface="Euphemia"/>
+        <a:font script="Cher" typeface="Plantagenet Cherokee"/>
+        <a:font script="Yiii" typeface="Microsoft Yi Baiti"/>
+        <a:font script="Tibt" typeface="Microsoft Himalaya"/>
+        <a:font script="Thaa" typeface="MV Boli"/>
+        <a:font script="Deva" typeface="Mangal"/>
+        <a:font script="Telu" typeface="Gautami"/>
+        <a:font script="Taml" typeface="Latha"/>
+        <a:font script="Syrc" typeface="Estrangelo Edessa"/>
+        <a:font script="Orya" typeface="Kalinga"/>
+        <a:font script="Mlym" typeface="Kartika"/>
+        <a:font script="Laoo" typeface="DokChampa"/>
+        <a:font script="Sinh" typeface="Iskoola Pota"/>
+        <a:font script="Mong" typeface="Mongolian Baiti"/>
+        <a:font script="Viet" typeface="Times New Roman"/>
+        <a:font script="Uigh" typeface="Microsoft Uighur"/>
+        <a:font script="Geor" typeface="Sylfaen"/>
+        <a:font script="Armn" typeface="Arial"/>
+        <a:font script="Bugi" typeface="Leelawadee UI"/>
+        <a:font script="Bopo" typeface="Microsoft JhengHei"/>
+        <a:font script="Java" typeface="Javanese Text"/>
+        <a:font script="Lisu" typeface="Segoe UI"/>
+        <a:font script="Mymr" typeface="Myanmar Text"/>
+        <a:font script="Nkoo" typeface="Ebrima"/>
+        <a:font script="Olck" typeface="Nirmala UI"/>
+        <a:font script="Osma" typeface="Ebrima"/>
+        <a:font script="Phag" typeface="Phagspa"/>
+        <a:font script="Syrn" typeface="Estrangelo Edessa"/>
+        <a:font script="Syrj" typeface="Estrangelo Edessa"/>
+        <a:font script="Syre" typeface="Estrangelo Edessa"/>
+        <a:font script="Sora" typeface="Nirmala UI"/>
+        <a:font script="Tale" typeface="Microsoft Tai Le"/>
+        <a:font script="Talu" typeface="Microsoft New Tai Lue"/>
+        <a:font script="Tfng" typeface="Ebrima"/>
+      </a:majorFont>
+      <a:minorFont>
+        <a:latin typeface="Calibri" panose="020F0502020204030204"/>
+        <a:ea typeface=""/>
+        <a:cs typeface=""/>
+        <a:font script="Jpan" typeface="游ゴシック"/>
+        <a:font script="Hang" typeface="맑은 고딕"/>
+        <a:font script="Hans" typeface="等线"/>
+        <a:font script="Hant" typeface="新細明體"/>
+        <a:font script="Arab" typeface="Arial"/>
+        <a:font script="Hebr" typeface="Arial"/>
+        <a:font script="Thai" typeface="Cordia New"/>
+        <a:font script="Ethi" typeface="Nyala"/>
+        <a:font script="Beng" typeface="Vrinda"/>
+        <a:font script="Gujr" typeface="Shruti"/>
+        <a:font script="Khmr" typeface="DaunPenh"/>
+        <a:font script="Knda" typeface="Tunga"/>
+        <a:font script="Guru" typeface="Raavi"/>
+        <a:font script="Cans" typeface="Euphemia"/>
+        <a:font script="Cher" typeface="Plantagenet Cherokee"/>
+        <a:font script="Yiii" typeface="Microsoft Yi Baiti"/>
+        <a:font script="Tibt" typeface="Microsoft Himalaya"/>
+        <a:font script="Thaa" typeface="MV Boli"/>
+        <a:font script="Deva" typeface="Mangal"/>
+        <a:font script="Telu" typeface="Gautami"/>
+        <a:font script="Taml" typeface="Latha"/>
+        <a:font script="Syrc" typeface="Estrangelo Edessa"/>
+        <a:font script="Orya" typeface="Kalinga"/>
+        <a:font script="Mlym" typeface="Kartika"/>
+        <a:font script="Laoo" typeface="DokChampa"/>
+        <a:font script="Sinh" typeface="Iskoola Pota"/>
+        <a:font script="Mong" typeface="Mongolian Baiti"/>
+        <a:font script="Viet" typeface="Arial"/>
+        <a:font script="Uigh" typeface="Microsoft Uighur"/>
+        <a:font script="Geor" typeface="Sylfaen"/>
+        <a:font script="Armn" typeface="Arial"/>
+        <a:font script="Bugi" typeface="Leelawadee UI"/>
+        <a:font script="Bopo" typeface="Microsoft JhengHei"/>
+        <a:font script="Java" typeface="Javanese Text"/>
+        <a:font script="Lisu" typeface="Segoe UI"/>
+        <a:font script="Mymr" typeface="Myanmar Text"/>
+        <a:font script="Nkoo" typeface="Ebrima"/>
+        <a:font script="Olck" typeface="Nirmala UI"/>
+        <a:font script="Osma" typeface="Ebrima"/>
+        <a:font script="Phag" typeface="Phagspa"/>
+        <a:font script="Syrn" typeface="Estrangelo Edessa"/>
+        <a:font script="Syrj" typeface="Estrangelo Edessa"/>
+        <a:font script="Syre" typeface="Estrangelo Edessa"/>
+        <a:font script="Sora" typeface="Nirmala UI"/>
+        <a:font script="Tale" typeface="Microsoft Tai Le"/>
+        <a:font script="Talu" typeface="Microsoft New Tai Lue"/>
+        <a:font script="Tfng" typeface="Ebrima"/>
+      </a:minorFont>
+    </a:fontScheme>
+    <a:fmtScheme name="Office">
+      <a:fillStyleLst>
+        <a:solidFill>
+          <a:schemeClr val="phClr"/>
+        </a:solidFill>
+        <a:gradFill rotWithShape="1">
+          <a:gsLst>
+            <a:gs pos="0">
+              <a:schemeClr val="phClr">
+                <a:lumMod val="110000"/>
+                <a:satMod val="105000"/>
+                <a:tint val="67000"/>
+              </a:schemeClr>
+            </a:gs>
+            <a:gs pos="50000">
+              <a:schemeClr val="phClr">
+                <a:lumMod val="105000"/>
+                <a:satMod val="103000"/>
+                <a:tint val="73000"/>
+              </a:schemeClr>
+            </a:gs>
+            <a:gs pos="100000">
+              <a:schemeClr val="phClr">
+                <a:lumMod val="105000"/>
+                <a:satMod val="109000"/>
+                <a:tint val="81000"/>
+              </a:schemeClr>
+            </a:gs>
+          </a:gsLst>
+          <a:lin ang="5400000" scaled="0"/>
+        </a:gradFill>
+        <a:gradFill rotWithShape="1">
+          <a:gsLst>
+            <a:gs pos="0">
+              <a:schemeClr val="phClr">
+                <a:satMod val="103000"/>
+                <a:lumMod val="102000"/>
+                <a:tint val="94000"/>
+              </a:schemeClr>
+            </a:gs>
+            <a:gs pos="50000">
+              <a:schemeClr val="phClr">
+                <a:satMod val="110000"/>
+                <a:lumMod val="100000"/>
+                <a:shade val="100000"/>
+              </a:schemeClr>
+            </a:gs>
+            <a:gs pos="100000">
+              <a:schemeClr val="phClr">
+                <a:lumMod val="99000"/>
+                <a:satMod val="120000"/>
+                <a:shade val="78000"/>
+              </a:schemeClr>
+            </a:gs>
+          </a:gsLst>
+          <a:lin ang="5400000" scaled="0"/>
+        </a:gradFill>
+      </a:fillStyleLst>
+      <a:lnStyleLst>
+        <a:ln w="6350" cap="flat" cmpd="sng" algn="ctr">
+          <a:solidFill>
+            <a:schemeClr val="phClr"/>
+          </a:solidFill>
+          <a:prstDash val="solid"/>
+          <a:miter lim="800000"/>
+        </a:ln>
+        <a:ln w="12700" cap="flat" cmpd="sng" algn="ctr">
+          <a:solidFill>
+            <a:schemeClr val="phClr"/>
+          </a:solidFill>
+          <a:prstDash val="solid"/>
+          <a:miter lim="800000"/>
+        </a:ln>
+        <a:ln w="19050" cap="flat" cmpd="sng" algn="ctr">
+          <a:solidFill>
+            <a:schemeClr val="phClr"/>
+          </a:solidFill>
+          <a:prstDash val="solid"/>
+          <a:miter lim="800000"/>
+        </a:ln>
+      </a:lnStyleLst>
+      <a:effectStyleLst>
+        <a:effectStyle>
+          <a:effectLst/>
+        </a:effectStyle>
+        <a:effectStyle>
+          <a:effectLst/>
+        </a:effectStyle>
+        <a:effectStyle>
+          <a:effectLst>
+            <a:outerShdw blurRad="57150" dist="19050" dir="5400000" algn="ctr" rotWithShape="0">
+              <a:srgbClr val="000000">
+                <a:alpha val="63000"/>
+              </a:srgbClr>
+            </a:outerShdw>
+          </a:effectLst>
+        </a:effectStyle>
+      </a:effectStyleLst>
+      <a:bgFillStyleLst>
+        <a:solidFill>
+          <a:schemeClr val="phClr"/>
+        </a:solidFill>
+        <a:solidFill>
+          <a:schemeClr val="phClr">
+            <a:tint val="95000"/>
+            <a:satMod val="170000"/>
+          </a:schemeClr>
+        </a:solidFill>
+        <a:gradFill rotWithShape="1">
+          <a:gsLst>
+            <a:gs pos="0">
+              <a:schemeClr val="phClr">
+                <a:tint val="93000"/>
+                <a:satMod val="150000"/>
+                <a:shade val="98000"/>
+                <a:lumMod val="102000"/>
+              </a:schemeClr>
+            </a:gs>
+            <a:gs pos="50000">
+              <a:schemeClr val="phClr">
+                <a:tint val="98000"/>
+                <a:satMod val="130000"/>
+                <a:shade val="90000"/>
+                <a:lumMod val="103000"/>
+              </a:schemeClr>
+            </a:gs>
+            <a:gs pos="100000">
+              <a:schemeClr val="phClr">
+                <a:shade val="63000"/>
+                <a:satMod val="120000"/>
+              </a:schemeClr>
+            </a:gs>
+          </a:gsLst>
+          <a:lin ang="5400000" scaled="0"/>
+        </a:gradFill>
+      </a:bgFillStyleLst>
+    </a:fmtScheme>
+  </a:themeElements>
+  <a:objectDefaults/>
+  <a:extraClrSchemeLst/>
+  <a:extLst>
+    <a:ext uri="{05A4C25C-085E-4340-85A3-A5531E510DB2}">
+      <thm15:themeFamily xmlns:thm15="http://schemas.microsoft.com/office/thememl/2012/main" name="Office Theme" id="{62F939B6-93AF-4DB8-9C6B-D6C7DFDC589F}" vid="{4A3C46E8-61CC-4603-A589-7422A47A8E4A}"/>
+    </a:ext>
+  </a:extLst>
+</a:theme>
+</file>
+
+<file path=ppt/theme/theme3.xml><?xml version="1.0" encoding="utf-8"?>
 <a:theme xmlns:a="http://schemas.openxmlformats.org/drawingml/2006/main" name="Larissa">
   <a:themeElements>
     <a:clrScheme name="">
@@ -12363,7 +19405,7 @@
 </a:theme>
 </file>
 
-<file path=ppt/theme/theme3.xml><?xml version="1.0" encoding="utf-8"?>
+<file path=ppt/theme/theme4.xml><?xml version="1.0" encoding="utf-8"?>
 <a:theme xmlns:a="http://schemas.openxmlformats.org/drawingml/2006/main" name="Larissa">
   <a:themeElements>
     <a:clrScheme name="">
